--- a/Seminar/Backtracking.pptx
+++ b/Seminar/Backtracking.pptx
@@ -5,32 +5,33 @@
     <p:sldMasterId id="2147483648" r:id="rId1"/>
   </p:sldMasterIdLst>
   <p:notesMasterIdLst>
-    <p:notesMasterId r:id="rId25"/>
+    <p:notesMasterId r:id="rId26"/>
   </p:notesMasterIdLst>
   <p:sldIdLst>
     <p:sldId id="256" r:id="rId2"/>
-    <p:sldId id="257" r:id="rId3"/>
-    <p:sldId id="258" r:id="rId4"/>
-    <p:sldId id="277" r:id="rId5"/>
-    <p:sldId id="259" r:id="rId6"/>
-    <p:sldId id="261" r:id="rId7"/>
-    <p:sldId id="262" r:id="rId8"/>
-    <p:sldId id="263" r:id="rId9"/>
-    <p:sldId id="264" r:id="rId10"/>
-    <p:sldId id="265" r:id="rId11"/>
-    <p:sldId id="266" r:id="rId12"/>
-    <p:sldId id="267" r:id="rId13"/>
-    <p:sldId id="268" r:id="rId14"/>
-    <p:sldId id="269" r:id="rId15"/>
-    <p:sldId id="270" r:id="rId16"/>
-    <p:sldId id="271" r:id="rId17"/>
-    <p:sldId id="274" r:id="rId18"/>
-    <p:sldId id="272" r:id="rId19"/>
-    <p:sldId id="276" r:id="rId20"/>
-    <p:sldId id="275" r:id="rId21"/>
-    <p:sldId id="278" r:id="rId22"/>
-    <p:sldId id="279" r:id="rId23"/>
-    <p:sldId id="273" r:id="rId24"/>
+    <p:sldId id="281" r:id="rId3"/>
+    <p:sldId id="257" r:id="rId4"/>
+    <p:sldId id="258" r:id="rId5"/>
+    <p:sldId id="277" r:id="rId6"/>
+    <p:sldId id="259" r:id="rId7"/>
+    <p:sldId id="261" r:id="rId8"/>
+    <p:sldId id="262" r:id="rId9"/>
+    <p:sldId id="263" r:id="rId10"/>
+    <p:sldId id="264" r:id="rId11"/>
+    <p:sldId id="265" r:id="rId12"/>
+    <p:sldId id="280" r:id="rId13"/>
+    <p:sldId id="267" r:id="rId14"/>
+    <p:sldId id="268" r:id="rId15"/>
+    <p:sldId id="269" r:id="rId16"/>
+    <p:sldId id="270" r:id="rId17"/>
+    <p:sldId id="271" r:id="rId18"/>
+    <p:sldId id="274" r:id="rId19"/>
+    <p:sldId id="272" r:id="rId20"/>
+    <p:sldId id="276" r:id="rId21"/>
+    <p:sldId id="275" r:id="rId22"/>
+    <p:sldId id="278" r:id="rId23"/>
+    <p:sldId id="279" r:id="rId24"/>
+    <p:sldId id="273" r:id="rId25"/>
   </p:sldIdLst>
   <p:sldSz cx="12192000" cy="6858000"/>
   <p:notesSz cx="6858000" cy="9144000"/>
@@ -279,7 +280,7 @@
       </p15:sldGuideLst>
     </p:ext>
     <p:ext uri="http://customooxmlschemas.google.com/">
-      <go:slidesCustomData xmlns="" xmlns:mc="http://schemas.openxmlformats.org/markup-compatibility/2006" xmlns:mv="urn:schemas-microsoft-com:mac:vml" xmlns:c="http://schemas.openxmlformats.org/drawingml/2006/chart" xmlns:dgm="http://schemas.openxmlformats.org/drawingml/2006/diagram" xmlns:o="urn:schemas-microsoft-com:office:office" xmlns:v="urn:schemas-microsoft-com:vml" xmlns:pvml="urn:schemas-microsoft-com:office:powerpoint" xmlns:com="http://schemas.openxmlformats.org/drawingml/2006/compatibility" xmlns:p14="http://schemas.microsoft.com/office/powerpoint/2010/main" xmlns:p15="http://schemas.microsoft.com/office/powerpoint/2012/main" xmlns:ahyp="http://schemas.microsoft.com/office/drawing/2018/hyperlinkcolor" xmlns:go="http://customooxmlschemas.google.com/" r:id="rId26" roundtripDataSignature="AMtx7mjN40/ve5vzuKNJ5jF2dWi+bMlPEg=="/>
+      <go:slidesCustomData xmlns:go="http://customooxmlschemas.google.com/" xmlns:ahyp="http://schemas.microsoft.com/office/drawing/2018/hyperlinkcolor" xmlns:p15="http://schemas.microsoft.com/office/powerpoint/2012/main" xmlns:p14="http://schemas.microsoft.com/office/powerpoint/2010/main" xmlns:com="http://schemas.openxmlformats.org/drawingml/2006/compatibility" xmlns:pvml="urn:schemas-microsoft-com:office:powerpoint" xmlns:v="urn:schemas-microsoft-com:vml" xmlns:o="urn:schemas-microsoft-com:office:office" xmlns:dgm="http://schemas.openxmlformats.org/drawingml/2006/diagram" xmlns:c="http://schemas.openxmlformats.org/drawingml/2006/chart" xmlns:mv="urn:schemas-microsoft-com:mac:vml" xmlns:mc="http://schemas.openxmlformats.org/markup-compatibility/2006" xmlns="" r:id="rId27" roundtripDataSignature="AMtx7mjN40/ve5vzuKNJ5jF2dWi+bMlPEg=="/>
     </p:ext>
   </p:extLst>
 </p:presentation>
@@ -1587,7 +1588,7 @@
   <p:cSld>
     <p:spTree>
       <p:nvGrpSpPr>
-        <p:cNvPr id="1" name="Shape 181"/>
+        <p:cNvPr id="1" name="Shape 174"/>
         <p:cNvGrpSpPr/>
         <p:nvPr/>
       </p:nvGrpSpPr>
@@ -1601,7 +1602,7 @@
       </p:grpSpPr>
       <p:sp>
         <p:nvSpPr>
-          <p:cNvPr id="182" name="Google Shape;182;gc8cafda089_2_18:notes"/>
+          <p:cNvPr id="175" name="Google Shape;175;gc8cafda089_2_12:notes"/>
           <p:cNvSpPr>
             <a:spLocks noGrp="1" noRot="1" noChangeAspect="1"/>
           </p:cNvSpPr>
@@ -1642,7 +1643,7 @@
       </p:sp>
       <p:sp>
         <p:nvSpPr>
-          <p:cNvPr id="183" name="Google Shape;183;gc8cafda089_2_18:notes"/>
+          <p:cNvPr id="176" name="Google Shape;176;gc8cafda089_2_12:notes"/>
           <p:cNvSpPr txBox="1">
             <a:spLocks noGrp="1"/>
           </p:cNvSpPr>
@@ -1680,7 +1681,7 @@
       </p:sp>
       <p:sp>
         <p:nvSpPr>
-          <p:cNvPr id="184" name="Google Shape;184;gc8cafda089_2_18:notes"/>
+          <p:cNvPr id="177" name="Google Shape;177;gc8cafda089_2_12:notes"/>
           <p:cNvSpPr txBox="1">
             <a:spLocks noGrp="1"/>
           </p:cNvSpPr>
@@ -1714,13 +1715,18 @@
             </a:pPr>
             <a:fld id="{00000000-1234-1234-1234-123412341234}" type="slidenum">
               <a:rPr lang="en-US"/>
-              <a:t>11</a:t>
+              <a:t>12</a:t>
             </a:fld>
             <a:endParaRPr/>
           </a:p>
         </p:txBody>
       </p:sp>
     </p:spTree>
+    <p:extLst>
+      <p:ext uri="{BB962C8B-B14F-4D97-AF65-F5344CB8AC3E}">
+        <p14:creationId xmlns:p14="http://schemas.microsoft.com/office/powerpoint/2010/main" val="2905021556"/>
+      </p:ext>
+    </p:extLst>
   </p:cSld>
   <p:clrMapOvr>
     <a:masterClrMapping/>
@@ -1860,7 +1866,7 @@
             </a:pPr>
             <a:fld id="{00000000-1234-1234-1234-123412341234}" type="slidenum">
               <a:rPr lang="en-US"/>
-              <a:t>12</a:t>
+              <a:t>13</a:t>
             </a:fld>
             <a:endParaRPr/>
           </a:p>
@@ -2006,7 +2012,7 @@
             </a:pPr>
             <a:fld id="{00000000-1234-1234-1234-123412341234}" type="slidenum">
               <a:rPr lang="en-US"/>
-              <a:t>13</a:t>
+              <a:t>14</a:t>
             </a:fld>
             <a:endParaRPr/>
           </a:p>
@@ -2152,7 +2158,7 @@
             </a:pPr>
             <a:fld id="{00000000-1234-1234-1234-123412341234}" type="slidenum">
               <a:rPr lang="en-US"/>
-              <a:t>14</a:t>
+              <a:t>15</a:t>
             </a:fld>
             <a:endParaRPr/>
           </a:p>
@@ -2298,7 +2304,7 @@
             </a:pPr>
             <a:fld id="{00000000-1234-1234-1234-123412341234}" type="slidenum">
               <a:rPr lang="en-US"/>
-              <a:t>15</a:t>
+              <a:t>16</a:t>
             </a:fld>
             <a:endParaRPr/>
           </a:p>
@@ -2444,7 +2450,7 @@
             </a:pPr>
             <a:fld id="{00000000-1234-1234-1234-123412341234}" type="slidenum">
               <a:rPr lang="en-US"/>
-              <a:t>16</a:t>
+              <a:t>17</a:t>
             </a:fld>
             <a:endParaRPr/>
           </a:p>
@@ -2590,7 +2596,7 @@
             </a:pPr>
             <a:fld id="{00000000-1234-1234-1234-123412341234}" type="slidenum">
               <a:rPr lang="en-US"/>
-              <a:t>17</a:t>
+              <a:t>18</a:t>
             </a:fld>
             <a:endParaRPr/>
           </a:p>
@@ -2741,7 +2747,7 @@
             </a:pPr>
             <a:fld id="{00000000-1234-1234-1234-123412341234}" type="slidenum">
               <a:rPr lang="en-US"/>
-              <a:t>18</a:t>
+              <a:t>19</a:t>
             </a:fld>
             <a:endParaRPr/>
           </a:p>
@@ -2887,7 +2893,7 @@
             </a:pPr>
             <a:fld id="{00000000-1234-1234-1234-123412341234}" type="slidenum">
               <a:rPr lang="en-US"/>
-              <a:t>19</a:t>
+              <a:t>20</a:t>
             </a:fld>
             <a:endParaRPr/>
           </a:p>
@@ -3038,7 +3044,7 @@
             </a:pPr>
             <a:fld id="{00000000-1234-1234-1234-123412341234}" type="slidenum">
               <a:rPr lang="en-US"/>
-              <a:t>20</a:t>
+              <a:t>21</a:t>
             </a:fld>
             <a:endParaRPr/>
           </a:p>
@@ -3293,7 +3299,7 @@
             </a:pPr>
             <a:fld id="{00000000-1234-1234-1234-123412341234}" type="slidenum">
               <a:rPr lang="en-US"/>
-              <a:t>23</a:t>
+              <a:t>24</a:t>
             </a:fld>
             <a:endParaRPr/>
           </a:p>
@@ -3443,7 +3449,7 @@
             </a:pPr>
             <a:fld id="{00000000-1234-1234-1234-123412341234}" type="slidenum">
               <a:rPr lang="en-US"/>
-              <a:t>3</a:t>
+              <a:t>4</a:t>
             </a:fld>
             <a:endParaRPr/>
           </a:p>
@@ -3593,7 +3599,7 @@
             </a:pPr>
             <a:fld id="{00000000-1234-1234-1234-123412341234}" type="slidenum">
               <a:rPr lang="en-US"/>
-              <a:t>5</a:t>
+              <a:t>6</a:t>
             </a:fld>
             <a:endParaRPr/>
           </a:p>
@@ -3739,7 +3745,7 @@
             </a:pPr>
             <a:fld id="{00000000-1234-1234-1234-123412341234}" type="slidenum">
               <a:rPr lang="en-US"/>
-              <a:t>6</a:t>
+              <a:t>7</a:t>
             </a:fld>
             <a:endParaRPr/>
           </a:p>
@@ -3885,7 +3891,7 @@
             </a:pPr>
             <a:fld id="{00000000-1234-1234-1234-123412341234}" type="slidenum">
               <a:rPr lang="en-US"/>
-              <a:t>7</a:t>
+              <a:t>8</a:t>
             </a:fld>
             <a:endParaRPr/>
           </a:p>
@@ -4031,7 +4037,7 @@
             </a:pPr>
             <a:fld id="{00000000-1234-1234-1234-123412341234}" type="slidenum">
               <a:rPr lang="en-US"/>
-              <a:t>8</a:t>
+              <a:t>9</a:t>
             </a:fld>
             <a:endParaRPr/>
           </a:p>
@@ -4177,7 +4183,7 @@
             </a:pPr>
             <a:fld id="{00000000-1234-1234-1234-123412341234}" type="slidenum">
               <a:rPr lang="en-US"/>
-              <a:t>9</a:t>
+              <a:t>10</a:t>
             </a:fld>
             <a:endParaRPr/>
           </a:p>
@@ -4323,7 +4329,7 @@
             </a:pPr>
             <a:fld id="{00000000-1234-1234-1234-123412341234}" type="slidenum">
               <a:rPr lang="en-US"/>
-              <a:t>10</a:t>
+              <a:t>11</a:t>
             </a:fld>
             <a:endParaRPr/>
           </a:p>
@@ -20056,10 +20062,10 @@
               <a:buNone/>
             </a:pPr>
             <a:r>
-              <a:rPr lang="en-US" sz="6000"/>
+              <a:rPr lang="en-US" sz="6000" dirty="0"/>
               <a:t>Backtracking</a:t>
             </a:r>
-            <a:endParaRPr sz="6000"/>
+            <a:endParaRPr sz="6000" dirty="0"/>
           </a:p>
           <a:p>
             <a:pPr marL="0" lvl="0" indent="0" algn="ctr" rtl="0">
@@ -20072,10 +20078,14 @@
               <a:buNone/>
             </a:pPr>
             <a:r>
-              <a:rPr lang="en-US" sz="4000"/>
-              <a:t>Quay lui</a:t>
-            </a:r>
-            <a:endParaRPr sz="4000"/>
+              <a:rPr lang="en-US" sz="4000" dirty="0"/>
+              <a:t>Quay </a:t>
+            </a:r>
+            <a:r>
+              <a:rPr lang="en-US" sz="4000" dirty="0" err="1"/>
+              <a:t>lui</a:t>
+            </a:r>
+            <a:endParaRPr sz="4000" dirty="0"/>
           </a:p>
         </p:txBody>
       </p:sp>
@@ -20122,10 +20132,10 @@
               <a:buNone/>
             </a:pPr>
             <a:r>
-              <a:rPr lang="en-US" sz="2400" b="1"/>
-              <a:t>Bùi Cao Doanh</a:t>
-            </a:r>
-            <a:endParaRPr sz="2400" b="1"/>
+              <a:rPr lang="en-US" sz="2400" b="1" dirty="0"/>
+              <a:t>Bùi Cao Doanh - 19521366</a:t>
+            </a:r>
+            <a:endParaRPr sz="2400" b="1" dirty="0"/>
           </a:p>
           <a:p>
             <a:pPr marL="0" lvl="0" indent="0" algn="ctr" rtl="0">
@@ -20142,10 +20152,66 @@
               <a:buNone/>
             </a:pPr>
             <a:r>
-              <a:rPr lang="en-US" sz="2400" b="1"/>
-              <a:t>Bùi Trần Ngọc Dũng</a:t>
-            </a:r>
-            <a:endParaRPr sz="2400" b="1"/>
+              <a:rPr lang="en-US" sz="2400" b="1" dirty="0">
+                <a:solidFill>
+                  <a:srgbClr val="FF0000"/>
+                </a:solidFill>
+              </a:rPr>
+              <a:t>Bùi </a:t>
+            </a:r>
+            <a:r>
+              <a:rPr lang="en-US" sz="2400" b="1" dirty="0" err="1">
+                <a:solidFill>
+                  <a:srgbClr val="FF0000"/>
+                </a:solidFill>
+              </a:rPr>
+              <a:t>Trần</a:t>
+            </a:r>
+            <a:r>
+              <a:rPr lang="en-US" sz="2400" b="1" dirty="0">
+                <a:solidFill>
+                  <a:srgbClr val="FF0000"/>
+                </a:solidFill>
+              </a:rPr>
+              <a:t> </a:t>
+            </a:r>
+            <a:r>
+              <a:rPr lang="en-US" sz="2400" b="1" dirty="0" err="1">
+                <a:solidFill>
+                  <a:srgbClr val="FF0000"/>
+                </a:solidFill>
+              </a:rPr>
+              <a:t>Ngọc</a:t>
+            </a:r>
+            <a:r>
+              <a:rPr lang="en-US" sz="2400" b="1" dirty="0">
+                <a:solidFill>
+                  <a:srgbClr val="FF0000"/>
+                </a:solidFill>
+              </a:rPr>
+              <a:t> </a:t>
+            </a:r>
+            <a:r>
+              <a:rPr lang="en-US" sz="2400" b="1" dirty="0" err="1">
+                <a:solidFill>
+                  <a:srgbClr val="FF0000"/>
+                </a:solidFill>
+              </a:rPr>
+              <a:t>Dũng</a:t>
+            </a:r>
+            <a:r>
+              <a:rPr lang="en-US" sz="2400" b="1" dirty="0">
+                <a:solidFill>
+                  <a:srgbClr val="FF0000"/>
+                </a:solidFill>
+              </a:rPr>
+              <a:t> - 19521385</a:t>
+            </a:r>
+            <a:endParaRPr sz="2400" b="1" dirty="0">
+              <a:solidFill>
+                <a:srgbClr val="FF0000"/>
+              </a:solidFill>
+            </a:endParaRPr>
           </a:p>
           <a:p>
             <a:pPr marL="0" lvl="0" indent="0" algn="ctr" rtl="0">
@@ -20162,10 +20228,18 @@
               <a:buNone/>
             </a:pPr>
             <a:r>
-              <a:rPr lang="en-US" sz="2400" b="1"/>
-              <a:t>Lê Kim Tỵ</a:t>
-            </a:r>
-            <a:endParaRPr sz="2400" b="1"/>
+              <a:rPr lang="en-US" sz="2400" b="1" dirty="0"/>
+              <a:t>Lê Kim </a:t>
+            </a:r>
+            <a:r>
+              <a:rPr lang="en-US" sz="2400" b="1" dirty="0" err="1"/>
+              <a:t>Tỵ</a:t>
+            </a:r>
+            <a:r>
+              <a:rPr lang="en-US" sz="2400" b="1" dirty="0"/>
+              <a:t> - 19522505</a:t>
+            </a:r>
+            <a:endParaRPr sz="2400" b="1" dirty="0"/>
           </a:p>
           <a:p>
             <a:pPr marL="0" lvl="0" indent="0" algn="ctr" rtl="0">
@@ -20182,10 +20256,42 @@
               <a:buNone/>
             </a:pPr>
             <a:r>
-              <a:rPr lang="en-US" sz="2400" b="1"/>
-              <a:t>Nguyễn Đăng Minh</a:t>
-            </a:r>
-            <a:endParaRPr sz="2400" b="1"/>
+              <a:rPr lang="en-US" sz="2400" b="1" dirty="0" err="1">
+                <a:solidFill>
+                  <a:srgbClr val="FF0000"/>
+                </a:solidFill>
+              </a:rPr>
+              <a:t>Nguyễn</a:t>
+            </a:r>
+            <a:r>
+              <a:rPr lang="en-US" sz="2400" b="1" dirty="0">
+                <a:solidFill>
+                  <a:srgbClr val="FF0000"/>
+                </a:solidFill>
+              </a:rPr>
+              <a:t> </a:t>
+            </a:r>
+            <a:r>
+              <a:rPr lang="en-US" sz="2400" b="1" dirty="0" err="1">
+                <a:solidFill>
+                  <a:srgbClr val="FF0000"/>
+                </a:solidFill>
+              </a:rPr>
+              <a:t>Đăng</a:t>
+            </a:r>
+            <a:r>
+              <a:rPr lang="en-US" sz="2400" b="1" dirty="0">
+                <a:solidFill>
+                  <a:srgbClr val="FF0000"/>
+                </a:solidFill>
+              </a:rPr>
+              <a:t> Minh - 19520164</a:t>
+            </a:r>
+            <a:endParaRPr sz="2400" b="1" dirty="0">
+              <a:solidFill>
+                <a:srgbClr val="FF0000"/>
+              </a:solidFill>
+            </a:endParaRPr>
           </a:p>
         </p:txBody>
       </p:sp>
@@ -20198,6 +20304,235 @@
 </file>
 
 <file path=ppt/slides/slide10.xml><?xml version="1.0" encoding="utf-8"?>
+<p:sld xmlns:a="http://schemas.openxmlformats.org/drawingml/2006/main" xmlns:r="http://schemas.openxmlformats.org/officeDocument/2006/relationships" xmlns:p="http://schemas.openxmlformats.org/presentationml/2006/main">
+  <p:cSld>
+    <p:spTree>
+      <p:nvGrpSpPr>
+        <p:cNvPr id="1" name="Shape 171"/>
+        <p:cNvGrpSpPr/>
+        <p:nvPr/>
+      </p:nvGrpSpPr>
+      <p:grpSpPr>
+        <a:xfrm>
+          <a:off x="0" y="0"/>
+          <a:ext cx="0" cy="0"/>
+          <a:chOff x="0" y="0"/>
+          <a:chExt cx="0" cy="0"/>
+        </a:xfrm>
+      </p:grpSpPr>
+      <p:sp>
+        <p:nvSpPr>
+          <p:cNvPr id="172" name="Google Shape;172;gc8cafda089_2_6"/>
+          <p:cNvSpPr txBox="1">
+            <a:spLocks noGrp="1"/>
+          </p:cNvSpPr>
+          <p:nvPr>
+            <p:ph type="title"/>
+          </p:nvPr>
+        </p:nvSpPr>
+        <p:spPr>
+          <a:xfrm>
+            <a:off x="609600" y="274638"/>
+            <a:ext cx="10972800" cy="1143000"/>
+          </a:xfrm>
+          <a:prstGeom prst="rect">
+            <a:avLst/>
+          </a:prstGeom>
+        </p:spPr>
+        <p:txBody>
+          <a:bodyPr spcFirstLastPara="1" wrap="square" lIns="91425" tIns="45700" rIns="91425" bIns="45700" anchor="ctr" anchorCtr="0">
+            <a:noAutofit/>
+          </a:bodyPr>
+          <a:lstStyle/>
+          <a:p>
+            <a:pPr marL="0" lvl="0" indent="0" algn="ctr" rtl="0">
+              <a:spcBef>
+                <a:spcPts val="0"/>
+              </a:spcBef>
+              <a:spcAft>
+                <a:spcPts val="0"/>
+              </a:spcAft>
+              <a:buNone/>
+            </a:pPr>
+            <a:r>
+              <a:rPr lang="en-US"/>
+              <a:t>Mô hình quay lui</a:t>
+            </a:r>
+            <a:endParaRPr/>
+          </a:p>
+        </p:txBody>
+      </p:sp>
+      <p:sp>
+        <p:nvSpPr>
+          <p:cNvPr id="173" name="Google Shape;173;gc8cafda089_2_6"/>
+          <p:cNvSpPr txBox="1">
+            <a:spLocks noGrp="1"/>
+          </p:cNvSpPr>
+          <p:nvPr>
+            <p:ph type="body" idx="1"/>
+          </p:nvPr>
+        </p:nvSpPr>
+        <p:spPr>
+          <a:xfrm>
+            <a:off x="609600" y="1236025"/>
+            <a:ext cx="10972800" cy="4890300"/>
+          </a:xfrm>
+          <a:prstGeom prst="rect">
+            <a:avLst/>
+          </a:prstGeom>
+        </p:spPr>
+        <p:txBody>
+          <a:bodyPr spcFirstLastPara="1" wrap="square" lIns="91425" tIns="45700" rIns="91425" bIns="45700" anchor="t" anchorCtr="0">
+            <a:noAutofit/>
+          </a:bodyPr>
+          <a:lstStyle/>
+          <a:p>
+            <a:pPr marL="0" lvl="0" indent="0" algn="l" rtl="0">
+              <a:spcBef>
+                <a:spcPts val="560"/>
+              </a:spcBef>
+              <a:spcAft>
+                <a:spcPts val="0"/>
+              </a:spcAft>
+              <a:buNone/>
+            </a:pPr>
+            <a:r>
+              <a:rPr lang="en-US">
+                <a:solidFill>
+                  <a:srgbClr val="0066FF"/>
+                </a:solidFill>
+              </a:rPr>
+              <a:t>Các câu hỏi cần được nghĩ đến ngay khi tiến hành xây dựng mô hình quay lui:</a:t>
+            </a:r>
+            <a:endParaRPr>
+              <a:solidFill>
+                <a:srgbClr val="0066FF"/>
+              </a:solidFill>
+            </a:endParaRPr>
+          </a:p>
+          <a:p>
+            <a:pPr marL="457200" lvl="0" indent="-406400" algn="l" rtl="0">
+              <a:spcBef>
+                <a:spcPts val="560"/>
+              </a:spcBef>
+              <a:spcAft>
+                <a:spcPts val="0"/>
+              </a:spcAft>
+              <a:buClr>
+                <a:srgbClr val="FF0000"/>
+              </a:buClr>
+              <a:buSzPts val="2800"/>
+              <a:buAutoNum type="arabicPeriod"/>
+            </a:pPr>
+            <a:r>
+              <a:rPr lang="en-US">
+                <a:solidFill>
+                  <a:srgbClr val="FF0000"/>
+                </a:solidFill>
+              </a:rPr>
+              <a:t>Trường hợp chọn</a:t>
+            </a:r>
+            <a:endParaRPr>
+              <a:solidFill>
+                <a:srgbClr val="FF0000"/>
+              </a:solidFill>
+            </a:endParaRPr>
+          </a:p>
+          <a:p>
+            <a:pPr marL="457200" lvl="0" indent="-406400" algn="l" rtl="0">
+              <a:spcBef>
+                <a:spcPts val="0"/>
+              </a:spcBef>
+              <a:spcAft>
+                <a:spcPts val="0"/>
+              </a:spcAft>
+              <a:buClr>
+                <a:srgbClr val="0066FF"/>
+              </a:buClr>
+              <a:buSzPts val="2800"/>
+              <a:buAutoNum type="arabicPeriod"/>
+            </a:pPr>
+            <a:r>
+              <a:rPr lang="en-US">
+                <a:solidFill>
+                  <a:srgbClr val="0066FF"/>
+                </a:solidFill>
+              </a:rPr>
+              <a:t>Trường hợp dò kiếm</a:t>
+            </a:r>
+            <a:endParaRPr>
+              <a:solidFill>
+                <a:srgbClr val="0066FF"/>
+              </a:solidFill>
+            </a:endParaRPr>
+          </a:p>
+          <a:p>
+            <a:pPr marL="457200" lvl="0" indent="-406400" algn="l" rtl="0">
+              <a:spcBef>
+                <a:spcPts val="0"/>
+              </a:spcBef>
+              <a:spcAft>
+                <a:spcPts val="0"/>
+              </a:spcAft>
+              <a:buClr>
+                <a:srgbClr val="FF0000"/>
+              </a:buClr>
+              <a:buSzPts val="2800"/>
+              <a:buAutoNum type="arabicPeriod"/>
+            </a:pPr>
+            <a:r>
+              <a:rPr lang="en-US">
+                <a:solidFill>
+                  <a:srgbClr val="FF0000"/>
+                </a:solidFill>
+              </a:rPr>
+              <a:t>Trường hợp bỏ chọn</a:t>
+            </a:r>
+            <a:endParaRPr>
+              <a:solidFill>
+                <a:srgbClr val="FF0000"/>
+              </a:solidFill>
+            </a:endParaRPr>
+          </a:p>
+          <a:p>
+            <a:pPr marL="457200" lvl="0" indent="-406400" algn="l" rtl="0">
+              <a:spcBef>
+                <a:spcPts val="0"/>
+              </a:spcBef>
+              <a:spcAft>
+                <a:spcPts val="0"/>
+              </a:spcAft>
+              <a:buClr>
+                <a:srgbClr val="0066FF"/>
+              </a:buClr>
+              <a:buSzPts val="2800"/>
+              <a:buAutoNum type="arabicPeriod"/>
+            </a:pPr>
+            <a:r>
+              <a:rPr lang="en-US">
+                <a:solidFill>
+                  <a:srgbClr val="0066FF"/>
+                </a:solidFill>
+              </a:rPr>
+              <a:t>Trường hợp cơ sở</a:t>
+            </a:r>
+            <a:endParaRPr>
+              <a:solidFill>
+                <a:srgbClr val="0066FF"/>
+              </a:solidFill>
+            </a:endParaRPr>
+          </a:p>
+        </p:txBody>
+      </p:sp>
+    </p:spTree>
+  </p:cSld>
+  <p:clrMapOvr>
+    <a:masterClrMapping/>
+  </p:clrMapOvr>
+</p:sld>
+</file>
+
+<file path=ppt/slides/slide11.xml><?xml version="1.0" encoding="utf-8"?>
 <p:sld xmlns:a="http://schemas.openxmlformats.org/drawingml/2006/main" xmlns:r="http://schemas.openxmlformats.org/officeDocument/2006/relationships" xmlns:p="http://schemas.openxmlformats.org/presentationml/2006/main">
   <p:cSld>
     <p:spTree>
@@ -20342,232 +20677,218 @@
               </a:rPr>
               <a:t>:</a:t>
             </a:r>
-            <a:endParaRPr dirty="0">
+          </a:p>
+          <a:p>
+            <a:pPr marL="50800" lvl="0" indent="0" algn="l" rtl="0">
+              <a:spcBef>
+                <a:spcPts val="560"/>
+              </a:spcBef>
+              <a:spcAft>
+                <a:spcPts val="0"/>
+              </a:spcAft>
+              <a:buClr>
+                <a:srgbClr val="FF0000"/>
+              </a:buClr>
+              <a:buSzPts val="2800"/>
+              <a:buNone/>
+            </a:pPr>
+            <a:endParaRPr lang="en-US" dirty="0">
               <a:solidFill>
                 <a:srgbClr val="FF0000"/>
               </a:solidFill>
             </a:endParaRPr>
           </a:p>
           <a:p>
-            <a:pPr marL="457200" lvl="0" indent="-406400" algn="l" rtl="0">
-              <a:spcBef>
-                <a:spcPts val="0"/>
-              </a:spcBef>
-              <a:spcAft>
-                <a:spcPts val="0"/>
-              </a:spcAft>
-              <a:buClr>
+            <a:r>
+              <a:rPr lang="vi-VN" dirty="0">
+                <a:solidFill>
+                  <a:srgbClr val="0066FF"/>
+                </a:solidFill>
+              </a:rPr>
+              <a:t>Xá</a:t>
+            </a:r>
+            <a:r>
+              <a:rPr lang="en-US" dirty="0">
+                <a:solidFill>
+                  <a:srgbClr val="0066FF"/>
+                </a:solidFill>
+              </a:rPr>
+              <a:t>c </a:t>
+            </a:r>
+            <a:r>
+              <a:rPr lang="en-US" dirty="0" err="1">
+                <a:solidFill>
+                  <a:srgbClr val="0066FF"/>
+                </a:solidFill>
+              </a:rPr>
+              <a:t>định</a:t>
+            </a:r>
+            <a:r>
+              <a:rPr lang="en-US" dirty="0">
+                <a:solidFill>
+                  <a:srgbClr val="0066FF"/>
+                </a:solidFill>
+              </a:rPr>
+              <a:t> </a:t>
+            </a:r>
+            <a:r>
+              <a:rPr lang="en-US" dirty="0" err="1">
+                <a:solidFill>
+                  <a:srgbClr val="0066FF"/>
+                </a:solidFill>
+              </a:rPr>
+              <a:t>sẽ</a:t>
+            </a:r>
+            <a:r>
+              <a:rPr lang="en-US" dirty="0">
+                <a:solidFill>
+                  <a:srgbClr val="0066FF"/>
+                </a:solidFill>
+              </a:rPr>
+              <a:t> </a:t>
+            </a:r>
+            <a:r>
+              <a:rPr lang="en-US" dirty="0" err="1">
+                <a:solidFill>
+                  <a:srgbClr val="0066FF"/>
+                </a:solidFill>
+              </a:rPr>
+              <a:t>cần</a:t>
+            </a:r>
+            <a:r>
+              <a:rPr lang="en-US" dirty="0">
+                <a:solidFill>
+                  <a:srgbClr val="0066FF"/>
+                </a:solidFill>
+              </a:rPr>
+              <a:t> </a:t>
+            </a:r>
+            <a:r>
+              <a:rPr lang="en-US" dirty="0" err="1">
+                <a:solidFill>
+                  <a:srgbClr val="0066FF"/>
+                </a:solidFill>
+              </a:rPr>
+              <a:t>lặp</a:t>
+            </a:r>
+            <a:r>
+              <a:rPr lang="en-US" dirty="0">
+                <a:solidFill>
+                  <a:srgbClr val="0066FF"/>
+                </a:solidFill>
+              </a:rPr>
+              <a:t> </a:t>
+            </a:r>
+            <a:r>
+              <a:rPr lang="en-US" dirty="0" err="1">
+                <a:solidFill>
+                  <a:srgbClr val="0066FF"/>
+                </a:solidFill>
+              </a:rPr>
+              <a:t>lại</a:t>
+            </a:r>
+            <a:r>
+              <a:rPr lang="en-US" dirty="0">
+                <a:solidFill>
+                  <a:srgbClr val="0066FF"/>
+                </a:solidFill>
+              </a:rPr>
+              <a:t> </a:t>
+            </a:r>
+            <a:r>
+              <a:rPr lang="en-US" dirty="0" err="1">
+                <a:solidFill>
+                  <a:srgbClr val="0066FF"/>
+                </a:solidFill>
+              </a:rPr>
+              <a:t>những</a:t>
+            </a:r>
+            <a:r>
+              <a:rPr lang="en-US" dirty="0">
+                <a:solidFill>
+                  <a:srgbClr val="0066FF"/>
+                </a:solidFill>
+              </a:rPr>
+              <a:t> </a:t>
+            </a:r>
+            <a:r>
+              <a:rPr lang="en-US" dirty="0" err="1"/>
+              <a:t>gì</a:t>
+            </a:r>
+            <a:r>
+              <a:rPr lang="en-US" dirty="0"/>
+              <a:t> </a:t>
+            </a:r>
+            <a:r>
+              <a:rPr lang="en-US" dirty="0" err="1"/>
+              <a:t>và</a:t>
+            </a:r>
+            <a:r>
+              <a:rPr lang="en-US" dirty="0"/>
+              <a:t> </a:t>
+            </a:r>
+            <a:r>
+              <a:rPr lang="en-US" dirty="0" err="1"/>
+              <a:t>lặp</a:t>
+            </a:r>
+            <a:r>
+              <a:rPr lang="en-US" dirty="0"/>
+              <a:t> </a:t>
+            </a:r>
+            <a:r>
+              <a:rPr lang="en-US" dirty="0" err="1"/>
+              <a:t>lại</a:t>
+            </a:r>
+            <a:r>
+              <a:rPr lang="en-US" dirty="0"/>
+              <a:t> </a:t>
+            </a:r>
+            <a:r>
+              <a:rPr lang="en-US" dirty="0" err="1"/>
+              <a:t>nó</a:t>
+            </a:r>
+            <a:r>
+              <a:rPr lang="en-US" dirty="0"/>
+              <a:t> </a:t>
+            </a:r>
+            <a:r>
+              <a:rPr lang="en-US" dirty="0" err="1"/>
+              <a:t>bằng</a:t>
+            </a:r>
+            <a:r>
+              <a:rPr lang="en-US" dirty="0"/>
+              <a:t> </a:t>
+            </a:r>
+            <a:r>
+              <a:rPr lang="en-US" dirty="0" err="1"/>
+              <a:t>đệ</a:t>
+            </a:r>
+            <a:r>
+              <a:rPr lang="en-US" dirty="0"/>
+              <a:t> </a:t>
+            </a:r>
+            <a:r>
+              <a:rPr lang="en-US" dirty="0" err="1"/>
+              <a:t>quy</a:t>
+            </a:r>
+            <a:r>
+              <a:rPr lang="en-US" dirty="0"/>
+              <a:t>.</a:t>
+            </a:r>
+            <a:endParaRPr lang="vi-VN" dirty="0">
+              <a:solidFill>
                 <a:srgbClr val="0066FF"/>
-              </a:buClr>
-              <a:buSzPts val="2800"/>
-              <a:buChar char="-"/>
-            </a:pPr>
-            <a:r>
-              <a:rPr lang="en-US" dirty="0" err="1">
-                <a:solidFill>
-                  <a:srgbClr val="0066FF"/>
-                </a:solidFill>
-              </a:rPr>
-              <a:t>Xác</a:t>
-            </a:r>
-            <a:r>
-              <a:rPr lang="en-US" dirty="0">
-                <a:solidFill>
-                  <a:srgbClr val="0066FF"/>
-                </a:solidFill>
-              </a:rPr>
-              <a:t> </a:t>
-            </a:r>
-            <a:r>
-              <a:rPr lang="en-US" dirty="0" err="1">
-                <a:solidFill>
-                  <a:srgbClr val="0066FF"/>
-                </a:solidFill>
-              </a:rPr>
-              <a:t>định</a:t>
-            </a:r>
-            <a:r>
-              <a:rPr lang="en-US" dirty="0">
-                <a:solidFill>
-                  <a:srgbClr val="0066FF"/>
-                </a:solidFill>
-              </a:rPr>
-              <a:t> quay </a:t>
-            </a:r>
-            <a:r>
-              <a:rPr lang="en-US" dirty="0" err="1">
-                <a:solidFill>
-                  <a:srgbClr val="0066FF"/>
-                </a:solidFill>
-              </a:rPr>
-              <a:t>lui</a:t>
-            </a:r>
-            <a:r>
-              <a:rPr lang="en-US" dirty="0">
-                <a:solidFill>
-                  <a:srgbClr val="0066FF"/>
-                </a:solidFill>
-              </a:rPr>
-              <a:t> </a:t>
-            </a:r>
-            <a:r>
-              <a:rPr lang="en-US" dirty="0" err="1">
-                <a:solidFill>
-                  <a:srgbClr val="0066FF"/>
-                </a:solidFill>
-              </a:rPr>
-              <a:t>là</a:t>
-            </a:r>
-            <a:r>
-              <a:rPr lang="en-US" dirty="0">
-                <a:solidFill>
-                  <a:srgbClr val="0066FF"/>
-                </a:solidFill>
-              </a:rPr>
-              <a:t> ta </a:t>
-            </a:r>
-            <a:r>
-              <a:rPr lang="en-US" dirty="0" err="1">
-                <a:solidFill>
-                  <a:srgbClr val="0066FF"/>
-                </a:solidFill>
-              </a:rPr>
-              <a:t>sẽ</a:t>
-            </a:r>
-            <a:r>
-              <a:rPr lang="en-US" dirty="0">
-                <a:solidFill>
-                  <a:srgbClr val="0066FF"/>
-                </a:solidFill>
-              </a:rPr>
-              <a:t> </a:t>
-            </a:r>
-            <a:r>
-              <a:rPr lang="en-US" dirty="0" err="1">
-                <a:solidFill>
-                  <a:srgbClr val="0066FF"/>
-                </a:solidFill>
-              </a:rPr>
-              <a:t>lặp</a:t>
-            </a:r>
-            <a:r>
-              <a:rPr lang="en-US" dirty="0">
-                <a:solidFill>
-                  <a:srgbClr val="0066FF"/>
-                </a:solidFill>
-              </a:rPr>
-              <a:t> </a:t>
-            </a:r>
-            <a:r>
-              <a:rPr lang="en-US" dirty="0" err="1">
-                <a:solidFill>
-                  <a:srgbClr val="0066FF"/>
-                </a:solidFill>
-              </a:rPr>
-              <a:t>lại</a:t>
-            </a:r>
-            <a:r>
-              <a:rPr lang="en-US" dirty="0">
-                <a:solidFill>
-                  <a:srgbClr val="0066FF"/>
-                </a:solidFill>
-              </a:rPr>
-              <a:t>, </a:t>
-            </a:r>
-            <a:r>
-              <a:rPr lang="en-US" dirty="0" err="1">
-                <a:solidFill>
-                  <a:srgbClr val="0066FF"/>
-                </a:solidFill>
-              </a:rPr>
-              <a:t>vậy</a:t>
-            </a:r>
-            <a:r>
-              <a:rPr lang="en-US" dirty="0">
-                <a:solidFill>
-                  <a:srgbClr val="0066FF"/>
-                </a:solidFill>
-              </a:rPr>
-              <a:t> ta </a:t>
-            </a:r>
-            <a:r>
-              <a:rPr lang="en-US" dirty="0" err="1">
-                <a:solidFill>
-                  <a:srgbClr val="0066FF"/>
-                </a:solidFill>
-              </a:rPr>
-              <a:t>lặp</a:t>
-            </a:r>
-            <a:r>
-              <a:rPr lang="en-US" dirty="0">
-                <a:solidFill>
-                  <a:srgbClr val="0066FF"/>
-                </a:solidFill>
-              </a:rPr>
-              <a:t> </a:t>
-            </a:r>
-            <a:r>
-              <a:rPr lang="en-US" dirty="0" err="1">
-                <a:solidFill>
-                  <a:srgbClr val="0066FF"/>
-                </a:solidFill>
-              </a:rPr>
-              <a:t>lại</a:t>
-            </a:r>
-            <a:r>
-              <a:rPr lang="en-US" dirty="0">
-                <a:solidFill>
-                  <a:srgbClr val="0066FF"/>
-                </a:solidFill>
-              </a:rPr>
-              <a:t> </a:t>
-            </a:r>
-            <a:r>
-              <a:rPr lang="en-US" dirty="0" err="1">
-                <a:solidFill>
-                  <a:srgbClr val="0066FF"/>
-                </a:solidFill>
-              </a:rPr>
-              <a:t>cái</a:t>
-            </a:r>
-            <a:r>
-              <a:rPr lang="en-US" dirty="0">
-                <a:solidFill>
-                  <a:srgbClr val="0066FF"/>
-                </a:solidFill>
-              </a:rPr>
-              <a:t> </a:t>
-            </a:r>
-            <a:r>
-              <a:rPr lang="en-US" dirty="0" err="1">
-                <a:solidFill>
-                  <a:srgbClr val="0066FF"/>
-                </a:solidFill>
-              </a:rPr>
-              <a:t>gì</a:t>
-            </a:r>
-            <a:r>
-              <a:rPr lang="en-US" dirty="0">
-                <a:solidFill>
-                  <a:srgbClr val="0066FF"/>
-                </a:solidFill>
-              </a:rPr>
-              <a:t>? </a:t>
-            </a:r>
+              </a:solidFill>
+            </a:endParaRPr>
           </a:p>
           <a:p>
-            <a:pPr marL="457200" lvl="0" indent="-406400" algn="l" rtl="0">
-              <a:spcBef>
-                <a:spcPts val="0"/>
-              </a:spcBef>
-              <a:spcAft>
-                <a:spcPts val="0"/>
-              </a:spcAft>
+            <a:pPr>
+              <a:spcBef>
+                <a:spcPts val="0"/>
+              </a:spcBef>
               <a:buClr>
-                <a:srgbClr val="0066FF"/>
+                <a:srgbClr val="FF0000"/>
               </a:buClr>
-              <a:buSzPts val="2800"/>
-              <a:buChar char="-"/>
             </a:pPr>
             <a:r>
               <a:rPr lang="en-US" dirty="0" err="1">
@@ -20575,7 +20896,7 @@
                   <a:srgbClr val="FF0000"/>
                 </a:solidFill>
               </a:rPr>
-              <a:t>Sau</a:t>
+              <a:t>Xác</a:t>
             </a:r>
             <a:r>
               <a:rPr lang="en-US" dirty="0">
@@ -20591,6 +20912,70 @@
                   <a:srgbClr val="FF0000"/>
                 </a:solidFill>
               </a:rPr>
+              <a:t>định</a:t>
+            </a:r>
+            <a:r>
+              <a:rPr lang="en-US" dirty="0">
+                <a:solidFill>
+                  <a:srgbClr val="FF0000"/>
+                </a:solidFill>
+              </a:rPr>
+              <a:t> </a:t>
+            </a:r>
+            <a:r>
+              <a:rPr lang="en-US" dirty="0" err="1">
+                <a:solidFill>
+                  <a:srgbClr val="FF0000"/>
+                </a:solidFill>
+              </a:rPr>
+              <a:t>lựa</a:t>
+            </a:r>
+            <a:r>
+              <a:rPr lang="en-US" dirty="0">
+                <a:solidFill>
+                  <a:srgbClr val="FF0000"/>
+                </a:solidFill>
+              </a:rPr>
+              <a:t> </a:t>
+            </a:r>
+            <a:r>
+              <a:rPr lang="en-US" dirty="0" err="1">
+                <a:solidFill>
+                  <a:srgbClr val="FF0000"/>
+                </a:solidFill>
+              </a:rPr>
+              <a:t>chọn</a:t>
+            </a:r>
+            <a:r>
+              <a:rPr lang="en-US" dirty="0">
+                <a:solidFill>
+                  <a:srgbClr val="FF0000"/>
+                </a:solidFill>
+              </a:rPr>
+              <a:t> </a:t>
+            </a:r>
+            <a:r>
+              <a:rPr lang="en-US" dirty="0" err="1">
+                <a:solidFill>
+                  <a:srgbClr val="FF0000"/>
+                </a:solidFill>
+              </a:rPr>
+              <a:t>sau</a:t>
+            </a:r>
+            <a:r>
+              <a:rPr lang="en-US" dirty="0">
+                <a:solidFill>
+                  <a:srgbClr val="FF0000"/>
+                </a:solidFill>
+              </a:rPr>
+              <a:t> </a:t>
+            </a:r>
+            <a:r>
+              <a:rPr lang="en-US" dirty="0" err="1">
+                <a:solidFill>
+                  <a:srgbClr val="FF0000"/>
+                </a:solidFill>
+              </a:rPr>
               <a:t>mỗi</a:t>
             </a:r>
             <a:r>
@@ -20631,7 +21016,7 @@
                   <a:srgbClr val="FF0000"/>
                 </a:solidFill>
               </a:rPr>
-              <a:t> ta </a:t>
+              <a:t> </a:t>
             </a:r>
             <a:r>
               <a:rPr lang="en-US" dirty="0" err="1">
@@ -20639,7 +21024,7 @@
                   <a:srgbClr val="FF0000"/>
                 </a:solidFill>
               </a:rPr>
-              <a:t>chọn</a:t>
+              <a:t>và</a:t>
             </a:r>
             <a:r>
               <a:rPr lang="en-US" dirty="0">
@@ -20655,7 +21040,7 @@
                   <a:srgbClr val="FF0000"/>
                 </a:solidFill>
               </a:rPr>
-              <a:t>được</a:t>
+              <a:t>xem</a:t>
             </a:r>
             <a:r>
               <a:rPr lang="en-US" dirty="0">
@@ -20671,7 +21056,7 @@
                   <a:srgbClr val="FF0000"/>
                 </a:solidFill>
               </a:rPr>
-              <a:t>gì</a:t>
+              <a:t>xét</a:t>
             </a:r>
             <a:r>
               <a:rPr lang="en-US" dirty="0">
@@ -20679,119 +21064,101 @@
                   <a:srgbClr val="FF0000"/>
                 </a:solidFill>
               </a:rPr>
-              <a:t>? </a:t>
-            </a:r>
-            <a:endParaRPr dirty="0">
+              <a:t> </a:t>
+            </a:r>
+            <a:r>
+              <a:rPr lang="en-US" dirty="0" err="1">
+                <a:solidFill>
+                  <a:srgbClr val="FF0000"/>
+                </a:solidFill>
+              </a:rPr>
+              <a:t>có</a:t>
+            </a:r>
+            <a:r>
+              <a:rPr lang="en-US" dirty="0">
+                <a:solidFill>
+                  <a:srgbClr val="FF0000"/>
+                </a:solidFill>
+              </a:rPr>
+              <a:t> </a:t>
+            </a:r>
+            <a:r>
+              <a:rPr lang="en-US" dirty="0" err="1">
+                <a:solidFill>
+                  <a:srgbClr val="FF0000"/>
+                </a:solidFill>
+              </a:rPr>
+              <a:t>cần</a:t>
+            </a:r>
+            <a:r>
+              <a:rPr lang="en-US" dirty="0">
+                <a:solidFill>
+                  <a:srgbClr val="FF0000"/>
+                </a:solidFill>
+              </a:rPr>
+              <a:t> </a:t>
+            </a:r>
+            <a:r>
+              <a:rPr lang="en-US" dirty="0" err="1">
+                <a:solidFill>
+                  <a:srgbClr val="FF0000"/>
+                </a:solidFill>
+              </a:rPr>
+              <a:t>vòng</a:t>
+            </a:r>
+            <a:r>
+              <a:rPr lang="en-US" dirty="0">
+                <a:solidFill>
+                  <a:srgbClr val="FF0000"/>
+                </a:solidFill>
+              </a:rPr>
+              <a:t> </a:t>
+            </a:r>
+            <a:r>
+              <a:rPr lang="en-US" dirty="0" err="1">
+                <a:solidFill>
+                  <a:srgbClr val="FF0000"/>
+                </a:solidFill>
+              </a:rPr>
+              <a:t>lặp</a:t>
+            </a:r>
+            <a:r>
+              <a:rPr lang="en-US" dirty="0">
+                <a:solidFill>
+                  <a:srgbClr val="FF0000"/>
+                </a:solidFill>
+              </a:rPr>
+              <a:t> for </a:t>
+            </a:r>
+            <a:r>
+              <a:rPr lang="en-US" dirty="0" err="1">
+                <a:solidFill>
+                  <a:srgbClr val="FF0000"/>
+                </a:solidFill>
+              </a:rPr>
+              <a:t>không</a:t>
+            </a:r>
+            <a:r>
+              <a:rPr lang="en-US" dirty="0">
+                <a:solidFill>
+                  <a:srgbClr val="FF0000"/>
+                </a:solidFill>
+              </a:rPr>
+              <a:t>.</a:t>
+            </a:r>
+            <a:endParaRPr lang="en-US" sz="2800" dirty="0">
               <a:solidFill>
                 <a:srgbClr val="FF0000"/>
               </a:solidFill>
             </a:endParaRPr>
           </a:p>
           <a:p>
-            <a:pPr marL="457200" lvl="0" indent="-406400" algn="l" rtl="0">
-              <a:spcBef>
-                <a:spcPts val="0"/>
-              </a:spcBef>
-              <a:spcAft>
-                <a:spcPts val="0"/>
-              </a:spcAft>
-              <a:buClr>
-                <a:srgbClr val="0066FF"/>
-              </a:buClr>
-              <a:buSzPts val="2800"/>
-              <a:buChar char="-"/>
+            <a:pPr marL="431800" indent="-342900">
+              <a:buSzPts val="2200"/>
             </a:pPr>
-            <a:r>
-              <a:rPr lang="en-US" dirty="0">
-                <a:solidFill>
-                  <a:srgbClr val="0066FF"/>
-                </a:solidFill>
-              </a:rPr>
-              <a:t>Ta </a:t>
-            </a:r>
-            <a:r>
-              <a:rPr lang="en-US" dirty="0" err="1">
-                <a:solidFill>
-                  <a:srgbClr val="0066FF"/>
-                </a:solidFill>
-              </a:rPr>
-              <a:t>cần</a:t>
-            </a:r>
-            <a:r>
-              <a:rPr lang="en-US" dirty="0">
-                <a:solidFill>
-                  <a:srgbClr val="0066FF"/>
-                </a:solidFill>
-              </a:rPr>
-              <a:t> </a:t>
-            </a:r>
-            <a:r>
-              <a:rPr lang="en-US" dirty="0" err="1">
-                <a:solidFill>
-                  <a:srgbClr val="0066FF"/>
-                </a:solidFill>
-              </a:rPr>
-              <a:t>một</a:t>
-            </a:r>
-            <a:r>
-              <a:rPr lang="en-US" dirty="0">
-                <a:solidFill>
-                  <a:srgbClr val="0066FF"/>
-                </a:solidFill>
-              </a:rPr>
-              <a:t> </a:t>
-            </a:r>
-            <a:r>
-              <a:rPr lang="en-US" dirty="0" err="1">
-                <a:solidFill>
-                  <a:srgbClr val="0066FF"/>
-                </a:solidFill>
-              </a:rPr>
-              <a:t>vòng</a:t>
-            </a:r>
-            <a:r>
-              <a:rPr lang="en-US" dirty="0">
-                <a:solidFill>
-                  <a:srgbClr val="0066FF"/>
-                </a:solidFill>
-              </a:rPr>
-              <a:t> </a:t>
-            </a:r>
-            <a:r>
-              <a:rPr lang="en-US" dirty="0" err="1">
-                <a:solidFill>
-                  <a:srgbClr val="0066FF"/>
-                </a:solidFill>
-              </a:rPr>
-              <a:t>lặp</a:t>
-            </a:r>
-            <a:r>
-              <a:rPr lang="en-US" dirty="0">
-                <a:solidFill>
-                  <a:srgbClr val="0066FF"/>
-                </a:solidFill>
-              </a:rPr>
-              <a:t> </a:t>
-            </a:r>
-            <a:r>
-              <a:rPr lang="en-US" dirty="0" err="1">
-                <a:solidFill>
-                  <a:srgbClr val="0066FF"/>
-                </a:solidFill>
-              </a:rPr>
-              <a:t>không</a:t>
-            </a:r>
-            <a:r>
-              <a:rPr lang="en-US" dirty="0">
-                <a:solidFill>
-                  <a:srgbClr val="0066FF"/>
-                </a:solidFill>
-              </a:rPr>
-              <a:t>?</a:t>
-            </a:r>
-            <a:endParaRPr dirty="0">
+            <a:endParaRPr lang="vi-VN" sz="2800" dirty="0">
               <a:solidFill>
-                <a:srgbClr val="0066FF"/>
+                <a:srgbClr val="FF0000"/>
               </a:solidFill>
             </a:endParaRPr>
           </a:p>
@@ -20805,12 +21172,12 @@
 </p:sld>
 </file>
 
-<file path=ppt/slides/slide11.xml><?xml version="1.0" encoding="utf-8"?>
+<file path=ppt/slides/slide12.xml><?xml version="1.0" encoding="utf-8"?>
 <p:sld xmlns:a="http://schemas.openxmlformats.org/drawingml/2006/main" xmlns:r="http://schemas.openxmlformats.org/officeDocument/2006/relationships" xmlns:p="http://schemas.openxmlformats.org/presentationml/2006/main">
   <p:cSld>
     <p:spTree>
       <p:nvGrpSpPr>
-        <p:cNvPr id="1" name="Shape 185"/>
+        <p:cNvPr id="1" name="Shape 178"/>
         <p:cNvGrpSpPr/>
         <p:nvPr/>
       </p:nvGrpSpPr>
@@ -20824,7 +21191,7 @@
       </p:grpSpPr>
       <p:sp>
         <p:nvSpPr>
-          <p:cNvPr id="186" name="Google Shape;186;gc8cafda089_2_18"/>
+          <p:cNvPr id="179" name="Google Shape;179;gc8cafda089_2_12"/>
           <p:cNvSpPr txBox="1">
             <a:spLocks noGrp="1"/>
           </p:cNvSpPr>
@@ -20866,7 +21233,7 @@
       </p:sp>
       <p:sp>
         <p:nvSpPr>
-          <p:cNvPr id="187" name="Google Shape;187;gc8cafda089_2_18"/>
+          <p:cNvPr id="180" name="Google Shape;180;gc8cafda089_2_12"/>
           <p:cNvSpPr txBox="1">
             <a:spLocks noGrp="1"/>
           </p:cNvSpPr>
@@ -20889,13 +21256,17 @@
           </a:bodyPr>
           <a:lstStyle/>
           <a:p>
-            <a:pPr marL="0" lvl="0" indent="0" algn="l" rtl="0">
+            <a:pPr marL="50800" lvl="0" indent="0" algn="l" rtl="0">
               <a:spcBef>
                 <a:spcPts val="560"/>
               </a:spcBef>
               <a:spcAft>
                 <a:spcPts val="0"/>
               </a:spcAft>
+              <a:buClr>
+                <a:srgbClr val="FF0000"/>
+              </a:buClr>
+              <a:buSzPts val="2800"/>
               <a:buNone/>
             </a:pPr>
             <a:r>
@@ -20970,169 +21341,237 @@
               </a:rPr>
               <a:t>:</a:t>
             </a:r>
-            <a:endParaRPr dirty="0">
+          </a:p>
+          <a:p>
+            <a:pPr marL="88900" indent="0">
+              <a:buSzPts val="2200"/>
+              <a:buNone/>
+            </a:pPr>
+            <a:endParaRPr lang="en-US" dirty="0">
               <a:solidFill>
                 <a:srgbClr val="FF0000"/>
               </a:solidFill>
             </a:endParaRPr>
           </a:p>
           <a:p>
-            <a:pPr marL="457200" lvl="0" indent="-406400" algn="l" rtl="0">
-              <a:spcBef>
-                <a:spcPts val="560"/>
-              </a:spcBef>
-              <a:spcAft>
-                <a:spcPts val="0"/>
-              </a:spcAft>
-              <a:buClr>
-                <a:srgbClr val="0066FF"/>
-              </a:buClr>
-              <a:buSzPts val="2800"/>
-              <a:buChar char="-"/>
-            </a:pPr>
-            <a:r>
-              <a:rPr lang="en-US" dirty="0" err="1">
-                <a:solidFill>
-                  <a:srgbClr val="0066FF"/>
-                </a:solidFill>
-              </a:rPr>
-              <a:t>Làm</a:t>
-            </a:r>
-            <a:r>
-              <a:rPr lang="en-US" dirty="0">
-                <a:solidFill>
-                  <a:srgbClr val="0066FF"/>
-                </a:solidFill>
-              </a:rPr>
-              <a:t> </a:t>
-            </a:r>
-            <a:r>
-              <a:rPr lang="en-US" dirty="0" err="1">
-                <a:solidFill>
-                  <a:srgbClr val="0066FF"/>
-                </a:solidFill>
-              </a:rPr>
+            <a:r>
+              <a:rPr lang="en-US" dirty="0" err="1"/>
+              <a:t>Xác</a:t>
+            </a:r>
+            <a:r>
+              <a:rPr lang="en-US" dirty="0"/>
+              <a:t> </a:t>
+            </a:r>
+            <a:r>
+              <a:rPr lang="en-US" dirty="0" err="1"/>
+              <a:t>định</a:t>
+            </a:r>
+            <a:r>
+              <a:rPr lang="en-US" dirty="0"/>
+              <a:t> </a:t>
+            </a:r>
+            <a:r>
+              <a:rPr lang="en-US" dirty="0" err="1"/>
               <a:t>cách</a:t>
             </a:r>
             <a:r>
-              <a:rPr lang="en-US" dirty="0">
-                <a:solidFill>
-                  <a:srgbClr val="0066FF"/>
-                </a:solidFill>
-              </a:rPr>
-              <a:t> </a:t>
-            </a:r>
-            <a:r>
-              <a:rPr lang="en-US" dirty="0" err="1">
-                <a:solidFill>
-                  <a:srgbClr val="0066FF"/>
-                </a:solidFill>
-              </a:rPr>
-              <a:t>nào</a:t>
-            </a:r>
-            <a:r>
-              <a:rPr lang="en-US" dirty="0">
-                <a:solidFill>
-                  <a:srgbClr val="0066FF"/>
-                </a:solidFill>
-              </a:rPr>
-              <a:t> </a:t>
-            </a:r>
-            <a:r>
-              <a:rPr lang="en-US" dirty="0" err="1">
-                <a:solidFill>
-                  <a:srgbClr val="0066FF"/>
-                </a:solidFill>
-              </a:rPr>
-              <a:t>để</a:t>
-            </a:r>
-            <a:r>
-              <a:rPr lang="en-US" dirty="0">
-                <a:solidFill>
-                  <a:srgbClr val="0066FF"/>
-                </a:solidFill>
-              </a:rPr>
-              <a:t> </a:t>
+              <a:rPr lang="en-US" dirty="0"/>
+              <a:t> </a:t>
+            </a:r>
+            <a:r>
+              <a:rPr lang="en-US" dirty="0" err="1"/>
+              <a:t>thể</a:t>
+            </a:r>
+            <a:r>
+              <a:rPr lang="en-US" dirty="0"/>
+              <a:t> </a:t>
+            </a:r>
+            <a:r>
+              <a:rPr lang="en-US" dirty="0" err="1"/>
+              <a:t>hiện</a:t>
+            </a:r>
+            <a:r>
+              <a:rPr lang="en-US" dirty="0"/>
+              <a:t> </a:t>
+            </a:r>
+            <a:r>
+              <a:rPr lang="en-US" dirty="0" err="1"/>
+              <a:t>một</a:t>
+            </a:r>
+            <a:r>
+              <a:rPr lang="en-US" dirty="0"/>
+              <a:t> </a:t>
+            </a:r>
+            <a:r>
+              <a:rPr lang="en-US" dirty="0" err="1"/>
+              <a:t>lựa</a:t>
+            </a:r>
+            <a:r>
+              <a:rPr lang="en-US" dirty="0"/>
+              <a:t> </a:t>
+            </a:r>
+            <a:r>
+              <a:rPr lang="en-US" dirty="0" err="1"/>
+              <a:t>chọn</a:t>
+            </a:r>
+            <a:r>
+              <a:rPr lang="en-US" dirty="0"/>
+              <a:t>, </a:t>
             </a:r>
             <a:r>
               <a:rPr lang="en-US" dirty="0" err="1"/>
               <a:t>lưu</a:t>
             </a:r>
             <a:r>
-              <a:rPr lang="en-US" dirty="0">
-                <a:solidFill>
-                  <a:srgbClr val="0066FF"/>
-                </a:solidFill>
-              </a:rPr>
-              <a:t> </a:t>
-            </a:r>
-            <a:r>
-              <a:rPr lang="en-US" dirty="0" err="1">
-                <a:solidFill>
-                  <a:srgbClr val="0066FF"/>
-                </a:solidFill>
-              </a:rPr>
-              <a:t>sự</a:t>
-            </a:r>
-            <a:r>
-              <a:rPr lang="en-US" dirty="0">
-                <a:solidFill>
-                  <a:srgbClr val="0066FF"/>
-                </a:solidFill>
-              </a:rPr>
-              <a:t> </a:t>
-            </a:r>
-            <a:r>
-              <a:rPr lang="en-US" dirty="0" err="1">
-                <a:solidFill>
-                  <a:srgbClr val="0066FF"/>
-                </a:solidFill>
-              </a:rPr>
+              <a:rPr lang="en-US" dirty="0"/>
+              <a:t> </a:t>
+            </a:r>
+            <a:r>
+              <a:rPr lang="en-US" dirty="0" err="1"/>
+              <a:t>các</a:t>
+            </a:r>
+            <a:r>
+              <a:rPr lang="en-US" dirty="0"/>
+              <a:t> </a:t>
+            </a:r>
+            <a:r>
+              <a:rPr lang="en-US" dirty="0" err="1"/>
+              <a:t>lựa</a:t>
+            </a:r>
+            <a:r>
+              <a:rPr lang="en-US" dirty="0"/>
+              <a:t> </a:t>
+            </a:r>
+            <a:r>
+              <a:rPr lang="en-US" dirty="0" err="1"/>
               <a:t>chọn</a:t>
             </a:r>
             <a:r>
-              <a:rPr lang="en-US" dirty="0">
-                <a:solidFill>
-                  <a:srgbClr val="0066FF"/>
-                </a:solidFill>
-              </a:rPr>
-              <a:t> </a:t>
-            </a:r>
-            <a:r>
-              <a:rPr lang="en-US" dirty="0" err="1">
-                <a:solidFill>
-                  <a:srgbClr val="0066FF"/>
-                </a:solidFill>
-              </a:rPr>
-              <a:t>lựa</a:t>
-            </a:r>
-            <a:r>
-              <a:rPr lang="en-US" dirty="0">
-                <a:solidFill>
-                  <a:srgbClr val="0066FF"/>
-                </a:solidFill>
-              </a:rPr>
-              <a:t>?</a:t>
-            </a:r>
-            <a:endParaRPr dirty="0">
-              <a:solidFill>
-                <a:srgbClr val="0066FF"/>
-              </a:solidFill>
-            </a:endParaRPr>
+              <a:rPr lang="en-US" dirty="0"/>
+              <a:t> </a:t>
+            </a:r>
+            <a:r>
+              <a:rPr lang="en-US" dirty="0" err="1"/>
+              <a:t>trước</a:t>
+            </a:r>
+            <a:r>
+              <a:rPr lang="en-US" dirty="0"/>
+              <a:t> </a:t>
+            </a:r>
+            <a:r>
+              <a:rPr lang="en-US" dirty="0" err="1"/>
+              <a:t>đos</a:t>
+            </a:r>
+            <a:r>
+              <a:rPr lang="en-US" dirty="0"/>
+              <a:t> </a:t>
+            </a:r>
+            <a:r>
+              <a:rPr lang="en-US" dirty="0" err="1"/>
+              <a:t>và</a:t>
+            </a:r>
+            <a:r>
+              <a:rPr lang="en-US" dirty="0"/>
+              <a:t> </a:t>
+            </a:r>
+            <a:r>
+              <a:rPr lang="en-US" dirty="0" err="1"/>
+              <a:t>thay</a:t>
+            </a:r>
+            <a:r>
+              <a:rPr lang="en-US" dirty="0"/>
+              <a:t> </a:t>
+            </a:r>
+            <a:r>
+              <a:rPr lang="en-US" dirty="0" err="1"/>
+              <a:t>đổi</a:t>
+            </a:r>
+            <a:r>
+              <a:rPr lang="en-US" dirty="0"/>
+              <a:t> </a:t>
+            </a:r>
+            <a:r>
+              <a:rPr lang="en-US" dirty="0" err="1"/>
+              <a:t>tham</a:t>
+            </a:r>
+            <a:r>
+              <a:rPr lang="en-US" dirty="0"/>
+              <a:t> </a:t>
+            </a:r>
+            <a:r>
+              <a:rPr lang="en-US" dirty="0" err="1"/>
+              <a:t>số</a:t>
+            </a:r>
+            <a:r>
+              <a:rPr lang="en-US" dirty="0"/>
+              <a:t> </a:t>
+            </a:r>
+            <a:r>
+              <a:rPr lang="en-US" dirty="0" err="1"/>
+              <a:t>cho</a:t>
+            </a:r>
+            <a:r>
+              <a:rPr lang="en-US" dirty="0"/>
+              <a:t> </a:t>
+            </a:r>
+            <a:r>
+              <a:rPr lang="en-US" dirty="0" err="1"/>
+              <a:t>lần</a:t>
+            </a:r>
+            <a:r>
+              <a:rPr lang="en-US" dirty="0"/>
+              <a:t> </a:t>
+            </a:r>
+            <a:r>
+              <a:rPr lang="en-US" dirty="0" err="1"/>
+              <a:t>gọi</a:t>
+            </a:r>
+            <a:r>
+              <a:rPr lang="en-US" dirty="0"/>
+              <a:t> </a:t>
+            </a:r>
+            <a:r>
+              <a:rPr lang="en-US" dirty="0" err="1"/>
+              <a:t>đệ</a:t>
+            </a:r>
+            <a:r>
+              <a:rPr lang="en-US" dirty="0"/>
+              <a:t> </a:t>
+            </a:r>
+            <a:r>
+              <a:rPr lang="en-US" dirty="0" err="1"/>
+              <a:t>quy</a:t>
+            </a:r>
+            <a:r>
+              <a:rPr lang="en-US" dirty="0"/>
+              <a:t> </a:t>
+            </a:r>
+            <a:r>
+              <a:rPr lang="en-US" dirty="0" err="1"/>
+              <a:t>kế</a:t>
+            </a:r>
+            <a:r>
+              <a:rPr lang="en-US" dirty="0"/>
+              <a:t> </a:t>
+            </a:r>
+            <a:r>
+              <a:rPr lang="en-US" dirty="0" err="1"/>
+              <a:t>tiếp</a:t>
+            </a:r>
+            <a:r>
+              <a:rPr lang="en-US" dirty="0"/>
+              <a:t>.</a:t>
+            </a:r>
+            <a:endParaRPr lang="vi-VN" dirty="0"/>
           </a:p>
           <a:p>
-            <a:pPr marL="457200" lvl="0" indent="-406400" algn="l" rtl="0">
-              <a:spcBef>
-                <a:spcPts val="0"/>
-              </a:spcBef>
-              <a:spcAft>
-                <a:spcPts val="0"/>
-              </a:spcAft>
+            <a:pPr>
+              <a:spcBef>
+                <a:spcPts val="0"/>
+              </a:spcBef>
               <a:buClr>
                 <a:srgbClr val="FF0000"/>
               </a:buClr>
-              <a:buSzPts val="2800"/>
-              <a:buChar char="-"/>
             </a:pPr>
             <a:r>
               <a:rPr lang="en-US" dirty="0" err="1">
@@ -21140,7 +21579,7 @@
                   <a:srgbClr val="FF0000"/>
                 </a:solidFill>
               </a:rPr>
-              <a:t>Làm</a:t>
+              <a:t>Xác</a:t>
             </a:r>
             <a:r>
               <a:rPr lang="en-US" dirty="0">
@@ -21156,6 +21595,22 @@
                   <a:srgbClr val="FF0000"/>
                 </a:solidFill>
               </a:rPr>
+              <a:t>định</a:t>
+            </a:r>
+            <a:r>
+              <a:rPr lang="en-US" dirty="0">
+                <a:solidFill>
+                  <a:srgbClr val="FF0000"/>
+                </a:solidFill>
+              </a:rPr>
+              <a:t> </a:t>
+            </a:r>
+            <a:r>
+              <a:rPr lang="en-US" dirty="0" err="1">
+                <a:solidFill>
+                  <a:srgbClr val="FF0000"/>
+                </a:solidFill>
+              </a:rPr>
               <a:t>cách</a:t>
             </a:r>
             <a:r>
@@ -21172,6 +21627,118 @@
                   <a:srgbClr val="FF0000"/>
                 </a:solidFill>
               </a:rPr>
+              <a:t>để</a:t>
+            </a:r>
+            <a:r>
+              <a:rPr lang="en-US" dirty="0">
+                <a:solidFill>
+                  <a:srgbClr val="FF0000"/>
+                </a:solidFill>
+              </a:rPr>
+              <a:t> </a:t>
+            </a:r>
+            <a:r>
+              <a:rPr lang="en-US" dirty="0" err="1">
+                <a:solidFill>
+                  <a:srgbClr val="FF0000"/>
+                </a:solidFill>
+              </a:rPr>
+              <a:t>hạn</a:t>
+            </a:r>
+            <a:r>
+              <a:rPr lang="en-US" dirty="0">
+                <a:solidFill>
+                  <a:srgbClr val="FF0000"/>
+                </a:solidFill>
+              </a:rPr>
+              <a:t> </a:t>
+            </a:r>
+            <a:r>
+              <a:rPr lang="en-US" dirty="0" err="1">
+                <a:solidFill>
+                  <a:srgbClr val="FF0000"/>
+                </a:solidFill>
+              </a:rPr>
+              <a:t>chế</a:t>
+            </a:r>
+            <a:r>
+              <a:rPr lang="en-US" dirty="0">
+                <a:solidFill>
+                  <a:srgbClr val="FF0000"/>
+                </a:solidFill>
+              </a:rPr>
+              <a:t> </a:t>
+            </a:r>
+            <a:r>
+              <a:rPr lang="en-US" dirty="0" err="1">
+                <a:solidFill>
+                  <a:srgbClr val="FF0000"/>
+                </a:solidFill>
+              </a:rPr>
+              <a:t>lựa</a:t>
+            </a:r>
+            <a:r>
+              <a:rPr lang="en-US" dirty="0">
+                <a:solidFill>
+                  <a:srgbClr val="FF0000"/>
+                </a:solidFill>
+              </a:rPr>
+              <a:t> </a:t>
+            </a:r>
+            <a:r>
+              <a:rPr lang="en-US" dirty="0" err="1">
+                <a:solidFill>
+                  <a:srgbClr val="FF0000"/>
+                </a:solidFill>
+              </a:rPr>
+              <a:t>chọn</a:t>
+            </a:r>
+            <a:r>
+              <a:rPr lang="en-US" dirty="0">
+                <a:solidFill>
+                  <a:srgbClr val="FF0000"/>
+                </a:solidFill>
+              </a:rPr>
+              <a:t> </a:t>
+            </a:r>
+            <a:r>
+              <a:rPr lang="en-US" dirty="0" err="1">
+                <a:solidFill>
+                  <a:srgbClr val="FF0000"/>
+                </a:solidFill>
+              </a:rPr>
+              <a:t>như</a:t>
+            </a:r>
+            <a:r>
+              <a:rPr lang="en-US" dirty="0">
+                <a:solidFill>
+                  <a:srgbClr val="FF0000"/>
+                </a:solidFill>
+              </a:rPr>
+              <a:t> </a:t>
+            </a:r>
+            <a:r>
+              <a:rPr lang="en-US" dirty="0" err="1">
+                <a:solidFill>
+                  <a:srgbClr val="FF0000"/>
+                </a:solidFill>
+              </a:rPr>
+              <a:t>thế</a:t>
+            </a:r>
+            <a:r>
+              <a:rPr lang="en-US" dirty="0">
+                <a:solidFill>
+                  <a:srgbClr val="FF0000"/>
+                </a:solidFill>
+              </a:rPr>
+              <a:t> </a:t>
+            </a:r>
+            <a:r>
+              <a:rPr lang="en-US" dirty="0" err="1">
+                <a:solidFill>
+                  <a:srgbClr val="FF0000"/>
+                </a:solidFill>
+              </a:rPr>
               <a:t>nào</a:t>
             </a:r>
             <a:r>
@@ -21204,7 +21771,7 @@
                   <a:srgbClr val="FF0000"/>
                 </a:solidFill>
               </a:rPr>
-              <a:t>thay</a:t>
+              <a:t>hợp</a:t>
             </a:r>
             <a:r>
               <a:rPr lang="en-US" dirty="0">
@@ -21220,7 +21787,7 @@
                   <a:srgbClr val="FF0000"/>
                 </a:solidFill>
               </a:rPr>
-              <a:t>đổi</a:t>
+              <a:t>lệ</a:t>
             </a:r>
             <a:r>
               <a:rPr lang="en-US" dirty="0">
@@ -21228,721 +21795,150 @@
                   <a:srgbClr val="FF0000"/>
                 </a:solidFill>
               </a:rPr>
-              <a:t> </a:t>
-            </a:r>
-            <a:r>
-              <a:rPr lang="en-US" dirty="0" err="1">
-                <a:solidFill>
-                  <a:srgbClr val="FF0000"/>
-                </a:solidFill>
-              </a:rPr>
-              <a:t>tham</a:t>
-            </a:r>
-            <a:r>
-              <a:rPr lang="en-US" dirty="0">
-                <a:solidFill>
-                  <a:srgbClr val="FF0000"/>
-                </a:solidFill>
-              </a:rPr>
-              <a:t> </a:t>
-            </a:r>
-            <a:r>
-              <a:rPr lang="en-US" dirty="0" err="1">
-                <a:solidFill>
-                  <a:srgbClr val="FF0000"/>
-                </a:solidFill>
-              </a:rPr>
-              <a:t>số</a:t>
-            </a:r>
-            <a:r>
-              <a:rPr lang="en-US" dirty="0">
-                <a:solidFill>
-                  <a:srgbClr val="FF0000"/>
-                </a:solidFill>
-              </a:rPr>
-              <a:t> </a:t>
-            </a:r>
-            <a:r>
-              <a:rPr lang="en-US" dirty="0" err="1">
-                <a:solidFill>
-                  <a:srgbClr val="FF0000"/>
-                </a:solidFill>
-              </a:rPr>
-              <a:t>và</a:t>
-            </a:r>
-            <a:r>
-              <a:rPr lang="en-US" dirty="0">
-                <a:solidFill>
-                  <a:srgbClr val="FF0000"/>
-                </a:solidFill>
-              </a:rPr>
-              <a:t> </a:t>
-            </a:r>
-            <a:r>
-              <a:rPr lang="en-US" dirty="0" err="1">
-                <a:solidFill>
-                  <a:srgbClr val="FF0000"/>
-                </a:solidFill>
-              </a:rPr>
-              <a:t>lưu</a:t>
-            </a:r>
-            <a:r>
-              <a:rPr lang="en-US" dirty="0">
-                <a:solidFill>
-                  <a:srgbClr val="FF0000"/>
-                </a:solidFill>
-              </a:rPr>
-              <a:t> </a:t>
-            </a:r>
-            <a:r>
-              <a:rPr lang="en-US" dirty="0" err="1">
-                <a:solidFill>
-                  <a:srgbClr val="FF0000"/>
-                </a:solidFill>
-              </a:rPr>
-              <a:t>các</a:t>
-            </a:r>
-            <a:r>
-              <a:rPr lang="en-US" dirty="0">
-                <a:solidFill>
-                  <a:srgbClr val="FF0000"/>
-                </a:solidFill>
-              </a:rPr>
-              <a:t> </a:t>
-            </a:r>
-            <a:r>
-              <a:rPr lang="en-US" dirty="0" err="1">
-                <a:solidFill>
-                  <a:srgbClr val="FF0000"/>
-                </a:solidFill>
-              </a:rPr>
-              <a:t>tham</a:t>
-            </a:r>
-            <a:r>
-              <a:rPr lang="en-US" dirty="0">
-                <a:solidFill>
-                  <a:srgbClr val="FF0000"/>
-                </a:solidFill>
-              </a:rPr>
-              <a:t> </a:t>
-            </a:r>
-            <a:r>
-              <a:rPr lang="en-US" dirty="0" err="1">
-                <a:solidFill>
-                  <a:srgbClr val="FF0000"/>
-                </a:solidFill>
-              </a:rPr>
-              <a:t>số</a:t>
-            </a:r>
-            <a:r>
-              <a:rPr lang="en-US" dirty="0">
-                <a:solidFill>
-                  <a:srgbClr val="FF0000"/>
-                </a:solidFill>
-              </a:rPr>
-              <a:t> </a:t>
-            </a:r>
-            <a:r>
-              <a:rPr lang="en-US" dirty="0" err="1">
-                <a:solidFill>
-                  <a:srgbClr val="FF0000"/>
-                </a:solidFill>
-              </a:rPr>
-              <a:t>trước</a:t>
-            </a:r>
-            <a:r>
-              <a:rPr lang="en-US" dirty="0">
-                <a:solidFill>
-                  <a:srgbClr val="FF0000"/>
-                </a:solidFill>
-              </a:rPr>
-              <a:t> </a:t>
-            </a:r>
-            <a:r>
-              <a:rPr lang="en-US" dirty="0" err="1">
-                <a:solidFill>
-                  <a:srgbClr val="FF0000"/>
-                </a:solidFill>
-              </a:rPr>
-              <a:t>đó</a:t>
-            </a:r>
-            <a:r>
-              <a:rPr lang="en-US" dirty="0">
-                <a:solidFill>
-                  <a:srgbClr val="FF0000"/>
-                </a:solidFill>
-              </a:rPr>
-              <a:t>?</a:t>
-            </a:r>
-            <a:endParaRPr dirty="0">
+              <a:t>.</a:t>
+            </a:r>
+            <a:endParaRPr lang="vi-VN" dirty="0">
               <a:solidFill>
                 <a:srgbClr val="FF0000"/>
               </a:solidFill>
             </a:endParaRPr>
           </a:p>
           <a:p>
-            <a:pPr marL="457200" lvl="0" indent="-406400" algn="l" rtl="0">
-              <a:spcBef>
-                <a:spcPts val="0"/>
-              </a:spcBef>
-              <a:spcAft>
-                <a:spcPts val="0"/>
-              </a:spcAft>
-              <a:buClr>
-                <a:srgbClr val="0066FF"/>
-              </a:buClr>
-              <a:buSzPts val="2800"/>
-              <a:buChar char="-"/>
+            <a:pPr>
+              <a:spcBef>
+                <a:spcPts val="0"/>
+              </a:spcBef>
             </a:pPr>
             <a:r>
-              <a:rPr lang="en-US" dirty="0">
-                <a:solidFill>
-                  <a:srgbClr val="0066FF"/>
-                </a:solidFill>
-              </a:rPr>
-              <a:t>Ta </a:t>
-            </a:r>
-            <a:r>
-              <a:rPr lang="en-US" dirty="0" err="1">
-                <a:solidFill>
-                  <a:srgbClr val="0066FF"/>
-                </a:solidFill>
-              </a:rPr>
-              <a:t>nên</a:t>
-            </a:r>
-            <a:r>
-              <a:rPr lang="en-US" dirty="0">
-                <a:solidFill>
-                  <a:srgbClr val="0066FF"/>
-                </a:solidFill>
-              </a:rPr>
-              <a:t> </a:t>
-            </a:r>
-            <a:r>
-              <a:rPr lang="en-US" dirty="0" err="1">
-                <a:solidFill>
-                  <a:srgbClr val="0066FF"/>
-                </a:solidFill>
-              </a:rPr>
-              <a:t>hạn</a:t>
-            </a:r>
-            <a:r>
-              <a:rPr lang="en-US" dirty="0">
-                <a:solidFill>
-                  <a:srgbClr val="0066FF"/>
-                </a:solidFill>
-              </a:rPr>
-              <a:t> </a:t>
-            </a:r>
-            <a:r>
-              <a:rPr lang="en-US" dirty="0" err="1">
-                <a:solidFill>
-                  <a:srgbClr val="0066FF"/>
-                </a:solidFill>
-              </a:rPr>
-              <a:t>chế</a:t>
-            </a:r>
-            <a:r>
-              <a:rPr lang="en-US" dirty="0">
-                <a:solidFill>
-                  <a:srgbClr val="0066FF"/>
-                </a:solidFill>
-              </a:rPr>
-              <a:t> </a:t>
-            </a:r>
-            <a:r>
-              <a:rPr lang="en-US" dirty="0" err="1">
-                <a:solidFill>
-                  <a:srgbClr val="0066FF"/>
-                </a:solidFill>
-              </a:rPr>
-              <a:t>lựa</a:t>
-            </a:r>
-            <a:r>
-              <a:rPr lang="en-US" dirty="0">
-                <a:solidFill>
-                  <a:srgbClr val="0066FF"/>
-                </a:solidFill>
-              </a:rPr>
-              <a:t> </a:t>
-            </a:r>
-            <a:r>
-              <a:rPr lang="en-US" dirty="0" err="1">
-                <a:solidFill>
-                  <a:srgbClr val="0066FF"/>
-                </a:solidFill>
-              </a:rPr>
-              <a:t>chọn</a:t>
-            </a:r>
-            <a:r>
-              <a:rPr lang="en-US" dirty="0">
-                <a:solidFill>
-                  <a:srgbClr val="0066FF"/>
-                </a:solidFill>
-              </a:rPr>
-              <a:t> </a:t>
-            </a:r>
-            <a:r>
-              <a:rPr lang="en-US" dirty="0" err="1">
-                <a:solidFill>
-                  <a:srgbClr val="0066FF"/>
-                </a:solidFill>
-              </a:rPr>
-              <a:t>như</a:t>
-            </a:r>
-            <a:r>
-              <a:rPr lang="en-US" dirty="0">
-                <a:solidFill>
-                  <a:srgbClr val="0066FF"/>
-                </a:solidFill>
-              </a:rPr>
-              <a:t> </a:t>
-            </a:r>
-            <a:r>
-              <a:rPr lang="en-US" dirty="0" err="1">
-                <a:solidFill>
-                  <a:srgbClr val="0066FF"/>
-                </a:solidFill>
-              </a:rPr>
-              <a:t>thế</a:t>
-            </a:r>
-            <a:r>
-              <a:rPr lang="en-US" dirty="0">
-                <a:solidFill>
-                  <a:srgbClr val="0066FF"/>
-                </a:solidFill>
-              </a:rPr>
-              <a:t> </a:t>
-            </a:r>
-            <a:r>
-              <a:rPr lang="en-US" dirty="0" err="1">
-                <a:solidFill>
-                  <a:srgbClr val="0066FF"/>
-                </a:solidFill>
-              </a:rPr>
-              <a:t>nào</a:t>
-            </a:r>
-            <a:r>
-              <a:rPr lang="en-US" dirty="0">
-                <a:solidFill>
-                  <a:srgbClr val="0066FF"/>
-                </a:solidFill>
-              </a:rPr>
-              <a:t>?</a:t>
-            </a:r>
-            <a:endParaRPr dirty="0">
-              <a:solidFill>
-                <a:srgbClr val="0066FF"/>
-              </a:solidFill>
-            </a:endParaRPr>
-          </a:p>
-          <a:p>
-            <a:pPr marL="457200" lvl="0" indent="-406400" algn="l" rtl="0">
-              <a:spcBef>
-                <a:spcPts val="0"/>
-              </a:spcBef>
-              <a:spcAft>
-                <a:spcPts val="0"/>
-              </a:spcAft>
-              <a:buClr>
-                <a:srgbClr val="FF0000"/>
-              </a:buClr>
-              <a:buSzPts val="2800"/>
-              <a:buChar char="-"/>
-            </a:pPr>
-            <a:r>
-              <a:rPr lang="en-US" dirty="0" err="1">
-                <a:solidFill>
-                  <a:srgbClr val="FF0000"/>
-                </a:solidFill>
-              </a:rPr>
-              <a:t>Cách</a:t>
-            </a:r>
-            <a:r>
-              <a:rPr lang="en-US" dirty="0">
-                <a:solidFill>
-                  <a:srgbClr val="FF0000"/>
-                </a:solidFill>
-              </a:rPr>
-              <a:t> </a:t>
-            </a:r>
-            <a:r>
-              <a:rPr lang="en-US" dirty="0" err="1">
-                <a:solidFill>
-                  <a:srgbClr val="FF0000"/>
-                </a:solidFill>
-              </a:rPr>
-              <a:t>chúng</a:t>
-            </a:r>
-            <a:r>
-              <a:rPr lang="en-US" dirty="0">
-                <a:solidFill>
-                  <a:srgbClr val="FF0000"/>
-                </a:solidFill>
-              </a:rPr>
+              <a:rPr lang="en-US" dirty="0" err="1"/>
+              <a:t>Xác</a:t>
+            </a:r>
+            <a:r>
+              <a:rPr lang="en-US" dirty="0"/>
+              <a:t> </a:t>
+            </a:r>
+            <a:r>
+              <a:rPr lang="en-US" dirty="0" err="1"/>
+              <a:t>định</a:t>
+            </a:r>
+            <a:r>
+              <a:rPr lang="en-US" dirty="0"/>
+              <a:t> </a:t>
+            </a:r>
+            <a:r>
+              <a:rPr lang="en-US" dirty="0" err="1"/>
+              <a:t>cách</a:t>
+            </a:r>
+            <a:r>
+              <a:rPr lang="en-US" dirty="0"/>
+              <a:t> </a:t>
+            </a:r>
+            <a:r>
+              <a:rPr lang="en-US" dirty="0" err="1"/>
+              <a:t>mà</a:t>
+            </a:r>
+            <a:r>
+              <a:rPr lang="en-US" dirty="0"/>
               <a:t> ta </a:t>
             </a:r>
             <a:r>
-              <a:rPr lang="en-US" dirty="0" err="1">
-                <a:solidFill>
-                  <a:srgbClr val="FF0000"/>
-                </a:solidFill>
-              </a:rPr>
-              <a:t>sử</a:t>
-            </a:r>
-            <a:r>
-              <a:rPr lang="en-US" dirty="0">
-                <a:solidFill>
-                  <a:srgbClr val="FF0000"/>
-                </a:solidFill>
-              </a:rPr>
-              <a:t> </a:t>
-            </a:r>
-            <a:r>
-              <a:rPr lang="en-US" dirty="0" err="1">
-                <a:solidFill>
-                  <a:srgbClr val="FF0000"/>
-                </a:solidFill>
-              </a:rPr>
-              <a:t>dụng</a:t>
-            </a:r>
-            <a:r>
-              <a:rPr lang="en-US" dirty="0">
-                <a:solidFill>
-                  <a:srgbClr val="FF0000"/>
-                </a:solidFill>
-              </a:rPr>
-              <a:t> </a:t>
-            </a:r>
-            <a:r>
-              <a:rPr lang="en-US" dirty="0" err="1">
-                <a:solidFill>
-                  <a:srgbClr val="FF0000"/>
-                </a:solidFill>
-              </a:rPr>
+              <a:rPr lang="en-US" dirty="0" err="1"/>
+              <a:t>sẽ</a:t>
+            </a:r>
+            <a:r>
+              <a:rPr lang="en-US" dirty="0"/>
+              <a:t> </a:t>
+            </a:r>
+            <a:r>
+              <a:rPr lang="en-US" dirty="0" err="1"/>
+              <a:t>dùng</a:t>
+            </a:r>
+            <a:r>
+              <a:rPr lang="en-US" dirty="0"/>
+              <a:t> </a:t>
+            </a:r>
+            <a:r>
+              <a:rPr lang="en-US" dirty="0" err="1"/>
               <a:t>giá</a:t>
             </a:r>
             <a:r>
-              <a:rPr lang="en-US" dirty="0">
-                <a:solidFill>
-                  <a:srgbClr val="FF0000"/>
-                </a:solidFill>
-              </a:rPr>
-              <a:t> </a:t>
-            </a:r>
-            <a:r>
-              <a:rPr lang="en-US" dirty="0" err="1">
-                <a:solidFill>
-                  <a:srgbClr val="FF0000"/>
-                </a:solidFill>
-              </a:rPr>
+              <a:rPr lang="en-US" dirty="0"/>
+              <a:t> </a:t>
+            </a:r>
+            <a:r>
+              <a:rPr lang="en-US" dirty="0" err="1"/>
               <a:t>trị</a:t>
             </a:r>
             <a:r>
-              <a:rPr lang="en-US" dirty="0">
-                <a:solidFill>
-                  <a:srgbClr val="FF0000"/>
-                </a:solidFill>
-              </a:rPr>
-              <a:t> </a:t>
-            </a:r>
-            <a:r>
-              <a:rPr lang="en-US" dirty="0" err="1">
-                <a:solidFill>
-                  <a:srgbClr val="FF0000"/>
-                </a:solidFill>
-              </a:rPr>
+              <a:rPr lang="en-US" dirty="0"/>
+              <a:t> </a:t>
+            </a:r>
+            <a:r>
+              <a:rPr lang="en-US" dirty="0" err="1"/>
               <a:t>trả</a:t>
             </a:r>
             <a:r>
-              <a:rPr lang="en-US" dirty="0">
-                <a:solidFill>
-                  <a:srgbClr val="FF0000"/>
-                </a:solidFill>
-              </a:rPr>
-              <a:t> </a:t>
-            </a:r>
-            <a:r>
-              <a:rPr lang="en-US" dirty="0" err="1">
-                <a:solidFill>
-                  <a:srgbClr val="FF0000"/>
-                </a:solidFill>
-              </a:rPr>
+              <a:rPr lang="en-US" dirty="0"/>
+              <a:t> </a:t>
+            </a:r>
+            <a:r>
+              <a:rPr lang="en-US" dirty="0" err="1"/>
               <a:t>về</a:t>
             </a:r>
             <a:r>
-              <a:rPr lang="en-US" dirty="0">
-                <a:solidFill>
-                  <a:srgbClr val="FF0000"/>
-                </a:solidFill>
-              </a:rPr>
-              <a:t> ở </a:t>
-            </a:r>
-            <a:r>
-              <a:rPr lang="en-US" dirty="0" err="1">
-                <a:solidFill>
-                  <a:srgbClr val="FF0000"/>
-                </a:solidFill>
-              </a:rPr>
+              <a:rPr lang="en-US" dirty="0"/>
+              <a:t> </a:t>
+            </a:r>
+            <a:r>
+              <a:rPr lang="en-US" dirty="0" err="1"/>
               <a:t>mỗi</a:t>
             </a:r>
             <a:r>
-              <a:rPr lang="en-US" dirty="0">
-                <a:solidFill>
-                  <a:srgbClr val="FF0000"/>
-                </a:solidFill>
-              </a:rPr>
-              <a:t> </a:t>
-            </a:r>
-            <a:r>
-              <a:rPr lang="en-US" dirty="0" err="1">
-                <a:solidFill>
-                  <a:srgbClr val="FF0000"/>
-                </a:solidFill>
-              </a:rPr>
+              <a:rPr lang="en-US" dirty="0"/>
+              <a:t> </a:t>
+            </a:r>
+            <a:r>
+              <a:rPr lang="en-US" dirty="0" err="1"/>
               <a:t>lần</a:t>
             </a:r>
             <a:r>
-              <a:rPr lang="en-US" dirty="0">
-                <a:solidFill>
-                  <a:srgbClr val="FF0000"/>
-                </a:solidFill>
-              </a:rPr>
-              <a:t> </a:t>
-            </a:r>
-            <a:r>
-              <a:rPr lang="en-US" dirty="0" err="1">
-                <a:solidFill>
-                  <a:srgbClr val="FF0000"/>
-                </a:solidFill>
-              </a:rPr>
+              <a:rPr lang="en-US" dirty="0"/>
+              <a:t> </a:t>
+            </a:r>
+            <a:r>
+              <a:rPr lang="en-US" dirty="0" err="1"/>
               <a:t>gọi</a:t>
             </a:r>
             <a:r>
-              <a:rPr lang="en-US" dirty="0">
-                <a:solidFill>
-                  <a:srgbClr val="FF0000"/>
-                </a:solidFill>
-              </a:rPr>
-              <a:t> </a:t>
-            </a:r>
-            <a:r>
-              <a:rPr lang="en-US" dirty="0" err="1">
-                <a:solidFill>
-                  <a:srgbClr val="FF0000"/>
-                </a:solidFill>
-              </a:rPr>
+              <a:rPr lang="en-US" dirty="0"/>
+              <a:t> </a:t>
+            </a:r>
+            <a:r>
+              <a:rPr lang="en-US" dirty="0" err="1"/>
               <a:t>đệ</a:t>
             </a:r>
             <a:r>
-              <a:rPr lang="en-US" dirty="0">
-                <a:solidFill>
-                  <a:srgbClr val="FF0000"/>
-                </a:solidFill>
-              </a:rPr>
-              <a:t> </a:t>
-            </a:r>
-            <a:r>
-              <a:rPr lang="en-US" dirty="0" err="1">
-                <a:solidFill>
-                  <a:srgbClr val="FF0000"/>
-                </a:solidFill>
-              </a:rPr>
+              <a:rPr lang="en-US" dirty="0"/>
+              <a:t> </a:t>
+            </a:r>
+            <a:r>
+              <a:rPr lang="en-US" dirty="0" err="1"/>
               <a:t>quy</a:t>
             </a:r>
             <a:r>
-              <a:rPr lang="en-US" dirty="0">
-                <a:solidFill>
-                  <a:srgbClr val="FF0000"/>
-                </a:solidFill>
-              </a:rPr>
-              <a:t>? </a:t>
-            </a:r>
-            <a:r>
-              <a:rPr lang="en-US" dirty="0" err="1">
-                <a:solidFill>
-                  <a:srgbClr val="FF0000"/>
-                </a:solidFill>
-              </a:rPr>
-              <a:t>Liệu</a:t>
-            </a:r>
-            <a:r>
-              <a:rPr lang="en-US" dirty="0">
-                <a:solidFill>
-                  <a:srgbClr val="FF0000"/>
-                </a:solidFill>
-              </a:rPr>
-              <a:t> ta </a:t>
-            </a:r>
-            <a:r>
-              <a:rPr lang="en-US" dirty="0" err="1">
-                <a:solidFill>
-                  <a:srgbClr val="FF0000"/>
-                </a:solidFill>
-              </a:rPr>
-              <a:t>cần</a:t>
-            </a:r>
-            <a:r>
-              <a:rPr lang="en-US" dirty="0">
-                <a:solidFill>
-                  <a:srgbClr val="FF0000"/>
-                </a:solidFill>
-              </a:rPr>
-              <a:t> 01 </a:t>
-            </a:r>
-            <a:r>
-              <a:rPr lang="en-US" dirty="0" err="1">
-                <a:solidFill>
-                  <a:srgbClr val="FF0000"/>
-                </a:solidFill>
-              </a:rPr>
-              <a:t>giải</a:t>
-            </a:r>
-            <a:r>
-              <a:rPr lang="en-US" dirty="0">
-                <a:solidFill>
-                  <a:srgbClr val="FF0000"/>
-                </a:solidFill>
-              </a:rPr>
-              <a:t> </a:t>
-            </a:r>
-            <a:r>
-              <a:rPr lang="en-US" dirty="0" err="1">
-                <a:solidFill>
-                  <a:srgbClr val="FF0000"/>
-                </a:solidFill>
-              </a:rPr>
-              <a:t>pháp</a:t>
-            </a:r>
-            <a:r>
-              <a:rPr lang="en-US" dirty="0">
-                <a:solidFill>
-                  <a:srgbClr val="FF0000"/>
-                </a:solidFill>
-              </a:rPr>
-              <a:t> hay </a:t>
-            </a:r>
-            <a:r>
-              <a:rPr lang="en-US" dirty="0" err="1">
-                <a:solidFill>
-                  <a:srgbClr val="FF0000"/>
-                </a:solidFill>
-              </a:rPr>
-              <a:t>toàn</a:t>
-            </a:r>
-            <a:r>
-              <a:rPr lang="en-US" dirty="0">
-                <a:solidFill>
-                  <a:srgbClr val="FF0000"/>
-                </a:solidFill>
-              </a:rPr>
-              <a:t> </a:t>
-            </a:r>
-            <a:r>
-              <a:rPr lang="en-US" dirty="0" err="1">
-                <a:solidFill>
-                  <a:srgbClr val="FF0000"/>
-                </a:solidFill>
-              </a:rPr>
-              <a:t>bộ</a:t>
-            </a:r>
-            <a:r>
-              <a:rPr lang="en-US" dirty="0">
-                <a:solidFill>
-                  <a:srgbClr val="FF0000"/>
-                </a:solidFill>
-              </a:rPr>
-              <a:t> </a:t>
-            </a:r>
-            <a:r>
-              <a:rPr lang="en-US" dirty="0" err="1">
-                <a:solidFill>
-                  <a:srgbClr val="FF0000"/>
-                </a:solidFill>
-              </a:rPr>
-              <a:t>các</a:t>
-            </a:r>
-            <a:r>
-              <a:rPr lang="en-US" dirty="0">
-                <a:solidFill>
-                  <a:srgbClr val="FF0000"/>
-                </a:solidFill>
-              </a:rPr>
-              <a:t> </a:t>
-            </a:r>
-            <a:r>
-              <a:rPr lang="en-US" dirty="0" err="1">
-                <a:solidFill>
-                  <a:srgbClr val="FF0000"/>
-                </a:solidFill>
-              </a:rPr>
-              <a:t>giải</a:t>
-            </a:r>
-            <a:r>
-              <a:rPr lang="en-US" dirty="0">
-                <a:solidFill>
-                  <a:srgbClr val="FF0000"/>
-                </a:solidFill>
-              </a:rPr>
-              <a:t> </a:t>
-            </a:r>
-            <a:r>
-              <a:rPr lang="en-US" dirty="0" err="1">
-                <a:solidFill>
-                  <a:srgbClr val="FF0000"/>
-                </a:solidFill>
-              </a:rPr>
-              <a:t>pháp</a:t>
-            </a:r>
-            <a:r>
-              <a:rPr lang="en-US" dirty="0">
-                <a:solidFill>
-                  <a:srgbClr val="FF0000"/>
-                </a:solidFill>
-              </a:rPr>
-              <a:t> </a:t>
-            </a:r>
-            <a:r>
-              <a:rPr lang="en-US" dirty="0" err="1">
-                <a:solidFill>
-                  <a:srgbClr val="FF0000"/>
-                </a:solidFill>
-              </a:rPr>
-              <a:t>có</a:t>
-            </a:r>
-            <a:r>
-              <a:rPr lang="en-US" dirty="0">
-                <a:solidFill>
-                  <a:srgbClr val="FF0000"/>
-                </a:solidFill>
-              </a:rPr>
-              <a:t> </a:t>
-            </a:r>
-            <a:r>
-              <a:rPr lang="en-US" dirty="0" err="1">
-                <a:solidFill>
-                  <a:srgbClr val="FF0000"/>
-                </a:solidFill>
-              </a:rPr>
-              <a:t>thể</a:t>
-            </a:r>
-            <a:r>
-              <a:rPr lang="en-US" dirty="0">
-                <a:solidFill>
-                  <a:srgbClr val="FF0000"/>
-                </a:solidFill>
-              </a:rPr>
+              <a:rPr lang="en-US" dirty="0"/>
               <a:t>.</a:t>
             </a:r>
-            <a:endParaRPr dirty="0">
-              <a:solidFill>
-                <a:srgbClr val="FF0000"/>
-              </a:solidFill>
-            </a:endParaRPr>
+            <a:endParaRPr lang="vi-VN" dirty="0"/>
           </a:p>
         </p:txBody>
       </p:sp>
     </p:spTree>
+    <p:extLst>
+      <p:ext uri="{BB962C8B-B14F-4D97-AF65-F5344CB8AC3E}">
+        <p14:creationId xmlns:p14="http://schemas.microsoft.com/office/powerpoint/2010/main" val="179245993"/>
+      </p:ext>
+    </p:extLst>
   </p:cSld>
   <p:clrMapOvr>
     <a:masterClrMapping/>
@@ -21950,7 +21946,7 @@
 </p:sld>
 </file>
 
-<file path=ppt/slides/slide12.xml><?xml version="1.0" encoding="utf-8"?>
+<file path=ppt/slides/slide13.xml><?xml version="1.0" encoding="utf-8"?>
 <p:sld xmlns:a="http://schemas.openxmlformats.org/drawingml/2006/main" xmlns:r="http://schemas.openxmlformats.org/officeDocument/2006/relationships" xmlns:p="http://schemas.openxmlformats.org/presentationml/2006/main">
   <p:cSld>
     <p:spTree>
@@ -22107,6 +22103,22 @@
               </a:rPr>
               <a:t>chọn</a:t>
             </a:r>
+            <a:endParaRPr lang="en-US" dirty="0">
+              <a:solidFill>
+                <a:srgbClr val="FF0000"/>
+              </a:solidFill>
+            </a:endParaRPr>
+          </a:p>
+          <a:p>
+            <a:pPr marL="0" lvl="0" indent="0" algn="l" rtl="0">
+              <a:spcBef>
+                <a:spcPts val="560"/>
+              </a:spcBef>
+              <a:spcAft>
+                <a:spcPts val="0"/>
+              </a:spcAft>
+              <a:buNone/>
+            </a:pPr>
             <a:endParaRPr dirty="0">
               <a:solidFill>
                 <a:srgbClr val="FF0000"/>
@@ -22114,26 +22126,13 @@
             </a:endParaRPr>
           </a:p>
           <a:p>
-            <a:pPr marL="457200" lvl="0" indent="-406400" algn="l" rtl="0">
-              <a:spcBef>
-                <a:spcPts val="560"/>
-              </a:spcBef>
-              <a:spcAft>
-                <a:spcPts val="0"/>
-              </a:spcAft>
-              <a:buClr>
-                <a:srgbClr val="0066FF"/>
-              </a:buClr>
-              <a:buSzPts val="2800"/>
-              <a:buChar char="-"/>
-            </a:pPr>
             <a:r>
               <a:rPr lang="en-US" dirty="0" err="1">
                 <a:solidFill>
                   <a:srgbClr val="0066FF"/>
                 </a:solidFill>
               </a:rPr>
-              <a:t>Làm</a:t>
+              <a:t>Xác</a:t>
             </a:r>
             <a:r>
               <a:rPr lang="en-US" dirty="0">
@@ -22149,6 +22148,22 @@
                   <a:srgbClr val="0066FF"/>
                 </a:solidFill>
               </a:rPr>
+              <a:t>định</a:t>
+            </a:r>
+            <a:r>
+              <a:rPr lang="en-US" dirty="0">
+                <a:solidFill>
+                  <a:srgbClr val="0066FF"/>
+                </a:solidFill>
+              </a:rPr>
+              <a:t> </a:t>
+            </a:r>
+            <a:r>
+              <a:rPr lang="en-US" dirty="0" err="1">
+                <a:solidFill>
+                  <a:srgbClr val="0066FF"/>
+                </a:solidFill>
+              </a:rPr>
               <a:t>cách</a:t>
             </a:r>
             <a:r>
@@ -22165,7 +22180,7 @@
                   <a:srgbClr val="0066FF"/>
                 </a:solidFill>
               </a:rPr>
-              <a:t>nào</a:t>
+              <a:t>hủy</a:t>
             </a:r>
             <a:r>
               <a:rPr lang="en-US" dirty="0">
@@ -22181,6 +22196,70 @@
                   <a:srgbClr val="0066FF"/>
                 </a:solidFill>
               </a:rPr>
+              <a:t>lựa</a:t>
+            </a:r>
+            <a:r>
+              <a:rPr lang="en-US" dirty="0">
+                <a:solidFill>
+                  <a:srgbClr val="0066FF"/>
+                </a:solidFill>
+              </a:rPr>
+              <a:t> </a:t>
+            </a:r>
+            <a:r>
+              <a:rPr lang="en-US" dirty="0" err="1">
+                <a:solidFill>
+                  <a:srgbClr val="0066FF"/>
+                </a:solidFill>
+              </a:rPr>
+              <a:t>chọn</a:t>
+            </a:r>
+            <a:r>
+              <a:rPr lang="en-US" dirty="0">
+                <a:solidFill>
+                  <a:srgbClr val="0066FF"/>
+                </a:solidFill>
+              </a:rPr>
+              <a:t> </a:t>
+            </a:r>
+            <a:r>
+              <a:rPr lang="en-US" dirty="0" err="1">
+                <a:solidFill>
+                  <a:srgbClr val="0066FF"/>
+                </a:solidFill>
+              </a:rPr>
+              <a:t>hiện</a:t>
+            </a:r>
+            <a:r>
+              <a:rPr lang="en-US" dirty="0">
+                <a:solidFill>
+                  <a:srgbClr val="0066FF"/>
+                </a:solidFill>
+              </a:rPr>
+              <a:t> </a:t>
+            </a:r>
+            <a:r>
+              <a:rPr lang="en-US" dirty="0" err="1">
+                <a:solidFill>
+                  <a:srgbClr val="0066FF"/>
+                </a:solidFill>
+              </a:rPr>
+              <a:t>tại</a:t>
+            </a:r>
+            <a:r>
+              <a:rPr lang="en-US" dirty="0">
+                <a:solidFill>
+                  <a:srgbClr val="0066FF"/>
+                </a:solidFill>
+              </a:rPr>
+              <a:t> </a:t>
+            </a:r>
+            <a:r>
+              <a:rPr lang="en-US" dirty="0" err="1">
+                <a:solidFill>
+                  <a:srgbClr val="0066FF"/>
+                </a:solidFill>
+              </a:rPr>
               <a:t>để</a:t>
             </a:r>
             <a:r>
@@ -22192,12 +22271,36 @@
               <a:t> </a:t>
             </a:r>
             <a:r>
+              <a:rPr lang="en-US" b="1" dirty="0">
+                <a:solidFill>
+                  <a:srgbClr val="0066FF"/>
+                </a:solidFill>
+              </a:rPr>
+              <a:t>quay </a:t>
+            </a:r>
+            <a:r>
+              <a:rPr lang="en-US" b="1" dirty="0" err="1">
+                <a:solidFill>
+                  <a:srgbClr val="0066FF"/>
+                </a:solidFill>
+              </a:rPr>
+              <a:t>lại</a:t>
+            </a:r>
+            <a:r>
+              <a:rPr lang="en-US" dirty="0">
+                <a:solidFill>
+                  <a:srgbClr val="0066FF"/>
+                </a:solidFill>
+              </a:rPr>
+              <a:t> </a:t>
+            </a:r>
+            <a:r>
               <a:rPr lang="en-US" dirty="0" err="1">
                 <a:solidFill>
                   <a:srgbClr val="0066FF"/>
                 </a:solidFill>
               </a:rPr>
-              <a:t>hủy</a:t>
+              <a:t>xét</a:t>
             </a:r>
             <a:r>
               <a:rPr lang="en-US" dirty="0">
@@ -22213,7 +22316,7 @@
                   <a:srgbClr val="0066FF"/>
                 </a:solidFill>
               </a:rPr>
-              <a:t>sửa</a:t>
+              <a:t>tiếp</a:t>
             </a:r>
             <a:r>
               <a:rPr lang="en-US" dirty="0">
@@ -22229,7 +22332,7 @@
                   <a:srgbClr val="0066FF"/>
                 </a:solidFill>
               </a:rPr>
-              <a:t>đổi</a:t>
+              <a:t>các</a:t>
             </a:r>
             <a:r>
               <a:rPr lang="en-US" dirty="0">
@@ -22245,7 +22348,7 @@
                   <a:srgbClr val="0066FF"/>
                 </a:solidFill>
               </a:rPr>
-              <a:t>tham</a:t>
+              <a:t>trường</a:t>
             </a:r>
             <a:r>
               <a:rPr lang="en-US" dirty="0">
@@ -22261,7 +22364,7 @@
                   <a:srgbClr val="0066FF"/>
                 </a:solidFill>
               </a:rPr>
-              <a:t>số</a:t>
+              <a:t>hợp</a:t>
             </a:r>
             <a:r>
               <a:rPr lang="en-US" dirty="0">
@@ -22269,549 +22372,24 @@
                   <a:srgbClr val="0066FF"/>
                 </a:solidFill>
               </a:rPr>
-              <a:t>?</a:t>
-            </a:r>
-            <a:endParaRPr dirty="0">
-              <a:solidFill>
-                <a:srgbClr val="0066FF"/>
-              </a:solidFill>
-            </a:endParaRPr>
-          </a:p>
-          <a:p>
-            <a:pPr marL="457200" lvl="0" indent="-406400" algn="l" rtl="0">
-              <a:spcBef>
-                <a:spcPts val="0"/>
-              </a:spcBef>
-              <a:spcAft>
-                <a:spcPts val="0"/>
-              </a:spcAft>
-              <a:buClr>
-                <a:srgbClr val="FF0000"/>
-              </a:buClr>
-              <a:buSzPts val="2800"/>
-              <a:buChar char="-"/>
-            </a:pPr>
+              <a:t> </a:t>
+            </a:r>
             <a:r>
               <a:rPr lang="en-US" dirty="0" err="1">
                 <a:solidFill>
-                  <a:srgbClr val="FF0000"/>
-                </a:solidFill>
-              </a:rPr>
-              <a:t>Liệu</a:t>
+                  <a:srgbClr val="0066FF"/>
+                </a:solidFill>
+              </a:rPr>
+              <a:t>khác</a:t>
             </a:r>
             <a:r>
               <a:rPr lang="en-US" dirty="0">
                 <a:solidFill>
-                  <a:srgbClr val="FF0000"/>
-                </a:solidFill>
-              </a:rPr>
-              <a:t> </a:t>
-            </a:r>
-            <a:r>
-              <a:rPr lang="en-US" dirty="0" err="1">
-                <a:solidFill>
-                  <a:srgbClr val="FF0000"/>
-                </a:solidFill>
-              </a:rPr>
-              <a:t>chúng</a:t>
-            </a:r>
-            <a:r>
-              <a:rPr lang="en-US" dirty="0">
-                <a:solidFill>
-                  <a:srgbClr val="FF0000"/>
-                </a:solidFill>
-              </a:rPr>
-              <a:t> ta </a:t>
-            </a:r>
-            <a:r>
-              <a:rPr lang="en-US" dirty="0" err="1">
-                <a:solidFill>
-                  <a:srgbClr val="FF0000"/>
-                </a:solidFill>
-              </a:rPr>
-              <a:t>cần</a:t>
-            </a:r>
-            <a:r>
-              <a:rPr lang="en-US" dirty="0">
-                <a:solidFill>
-                  <a:srgbClr val="FF0000"/>
-                </a:solidFill>
-              </a:rPr>
-              <a:t> </a:t>
-            </a:r>
-            <a:r>
-              <a:rPr lang="en-US" dirty="0" err="1">
-                <a:solidFill>
-                  <a:srgbClr val="FF0000"/>
-                </a:solidFill>
-              </a:rPr>
-              <a:t>hủy</a:t>
-            </a:r>
-            <a:r>
-              <a:rPr lang="en-US" dirty="0">
-                <a:solidFill>
-                  <a:srgbClr val="FF0000"/>
-                </a:solidFill>
-              </a:rPr>
-              <a:t> </a:t>
-            </a:r>
-            <a:r>
-              <a:rPr lang="en-US" dirty="0" err="1">
-                <a:solidFill>
-                  <a:srgbClr val="FF0000"/>
-                </a:solidFill>
-              </a:rPr>
-              <a:t>sửa</a:t>
-            </a:r>
-            <a:r>
-              <a:rPr lang="en-US" dirty="0">
-                <a:solidFill>
-                  <a:srgbClr val="FF0000"/>
-                </a:solidFill>
-              </a:rPr>
-              <a:t> </a:t>
-            </a:r>
-            <a:r>
-              <a:rPr lang="en-US" dirty="0" err="1">
-                <a:solidFill>
-                  <a:srgbClr val="FF0000"/>
-                </a:solidFill>
-              </a:rPr>
-              <a:t>đổi</a:t>
-            </a:r>
-            <a:r>
-              <a:rPr lang="en-US" dirty="0">
-                <a:solidFill>
-                  <a:srgbClr val="FF0000"/>
-                </a:solidFill>
-              </a:rPr>
-              <a:t> </a:t>
-            </a:r>
-            <a:r>
-              <a:rPr lang="en-US" dirty="0" err="1">
-                <a:solidFill>
-                  <a:srgbClr val="FF0000"/>
-                </a:solidFill>
-              </a:rPr>
-              <a:t>một</a:t>
-            </a:r>
-            <a:r>
-              <a:rPr lang="en-US" dirty="0">
-                <a:solidFill>
-                  <a:srgbClr val="FF0000"/>
-                </a:solidFill>
-              </a:rPr>
-              <a:t> </a:t>
-            </a:r>
-            <a:r>
-              <a:rPr lang="en-US" dirty="0" err="1">
-                <a:solidFill>
-                  <a:srgbClr val="FF0000"/>
-                </a:solidFill>
-              </a:rPr>
-              <a:t>cách</a:t>
-            </a:r>
-            <a:r>
-              <a:rPr lang="en-US" dirty="0">
-                <a:solidFill>
-                  <a:srgbClr val="FF0000"/>
-                </a:solidFill>
-              </a:rPr>
-              <a:t> </a:t>
-            </a:r>
-            <a:r>
-              <a:rPr lang="en-US" dirty="0" err="1">
-                <a:solidFill>
-                  <a:srgbClr val="FF0000"/>
-                </a:solidFill>
-              </a:rPr>
-              <a:t>rõ</a:t>
-            </a:r>
-            <a:r>
-              <a:rPr lang="en-US" dirty="0">
-                <a:solidFill>
-                  <a:srgbClr val="FF0000"/>
-                </a:solidFill>
-              </a:rPr>
-              <a:t> </a:t>
-            </a:r>
-            <a:r>
-              <a:rPr lang="en-US" dirty="0" err="1">
-                <a:solidFill>
-                  <a:srgbClr val="FF0000"/>
-                </a:solidFill>
-              </a:rPr>
-              <a:t>ràng</a:t>
-            </a:r>
-            <a:r>
-              <a:rPr lang="en-US" dirty="0">
-                <a:solidFill>
-                  <a:srgbClr val="FF0000"/>
-                </a:solidFill>
-              </a:rPr>
-              <a:t>, hay </a:t>
-            </a:r>
-            <a:r>
-              <a:rPr lang="en-US" dirty="0" err="1">
-                <a:solidFill>
-                  <a:srgbClr val="FF0000"/>
-                </a:solidFill>
-              </a:rPr>
-              <a:t>sẽ</a:t>
-            </a:r>
-            <a:r>
-              <a:rPr lang="en-US" dirty="0">
-                <a:solidFill>
-                  <a:srgbClr val="FF0000"/>
-                </a:solidFill>
-              </a:rPr>
-              <a:t> </a:t>
-            </a:r>
-            <a:r>
-              <a:rPr lang="en-US" dirty="0" err="1">
-                <a:solidFill>
-                  <a:srgbClr val="FF0000"/>
-                </a:solidFill>
-              </a:rPr>
-              <a:t>sao</a:t>
-            </a:r>
-            <a:r>
-              <a:rPr lang="en-US" dirty="0">
-                <a:solidFill>
-                  <a:srgbClr val="FF0000"/>
-                </a:solidFill>
-              </a:rPr>
-              <a:t> </a:t>
-            </a:r>
-            <a:r>
-              <a:rPr lang="en-US" dirty="0" err="1">
-                <a:solidFill>
-                  <a:srgbClr val="FF0000"/>
-                </a:solidFill>
-              </a:rPr>
-              <a:t>chép</a:t>
-            </a:r>
-            <a:r>
-              <a:rPr lang="en-US" dirty="0">
-                <a:solidFill>
-                  <a:srgbClr val="FF0000"/>
-                </a:solidFill>
-              </a:rPr>
-              <a:t> </a:t>
-            </a:r>
-            <a:r>
-              <a:rPr lang="en-US" dirty="0" err="1">
-                <a:solidFill>
-                  <a:srgbClr val="FF0000"/>
-                </a:solidFill>
-              </a:rPr>
-              <a:t>sửa</a:t>
-            </a:r>
-            <a:r>
-              <a:rPr lang="en-US" dirty="0">
-                <a:solidFill>
-                  <a:srgbClr val="FF0000"/>
-                </a:solidFill>
-              </a:rPr>
-              <a:t> </a:t>
-            </a:r>
-            <a:r>
-              <a:rPr lang="en-US" dirty="0" err="1">
-                <a:solidFill>
-                  <a:srgbClr val="FF0000"/>
-                </a:solidFill>
-              </a:rPr>
-              <a:t>đổi</a:t>
-            </a:r>
-            <a:r>
-              <a:rPr lang="en-US" dirty="0">
-                <a:solidFill>
-                  <a:srgbClr val="FF0000"/>
-                </a:solidFill>
-              </a:rPr>
-              <a:t> </a:t>
-            </a:r>
-            <a:r>
-              <a:rPr lang="en-US" dirty="0" err="1">
-                <a:solidFill>
-                  <a:srgbClr val="FF0000"/>
-                </a:solidFill>
-              </a:rPr>
-              <a:t>đó</a:t>
-            </a:r>
-            <a:r>
-              <a:rPr lang="en-US" dirty="0">
-                <a:solidFill>
-                  <a:srgbClr val="FF0000"/>
-                </a:solidFill>
-              </a:rPr>
-              <a:t>?</a:t>
-            </a:r>
-            <a:endParaRPr dirty="0">
-              <a:solidFill>
-                <a:srgbClr val="FF0000"/>
-              </a:solidFill>
-            </a:endParaRPr>
-          </a:p>
-          <a:p>
-            <a:pPr marL="457200" lvl="0" indent="-406400" algn="l" rtl="0">
-              <a:spcBef>
-                <a:spcPts val="0"/>
-              </a:spcBef>
-              <a:spcAft>
-                <a:spcPts val="0"/>
-              </a:spcAft>
-              <a:buClr>
-                <a:srgbClr val="0066FF"/>
-              </a:buClr>
-              <a:buSzPts val="2800"/>
-              <a:buChar char="-"/>
-            </a:pPr>
-            <a:r>
-              <a:rPr lang="en-US" dirty="0" err="1">
-                <a:solidFill>
                   <a:srgbClr val="0066FF"/>
                 </a:solidFill>
               </a:rPr>
-              <a:t>Chúng</a:t>
-            </a:r>
-            <a:r>
-              <a:rPr lang="en-US" dirty="0">
-                <a:solidFill>
-                  <a:srgbClr val="0066FF"/>
-                </a:solidFill>
-              </a:rPr>
-              <a:t> </a:t>
-            </a:r>
-            <a:r>
-              <a:rPr lang="en-US" dirty="0" err="1">
-                <a:solidFill>
-                  <a:srgbClr val="0066FF"/>
-                </a:solidFill>
-              </a:rPr>
-              <a:t>có</a:t>
-            </a:r>
-            <a:r>
-              <a:rPr lang="en-US" dirty="0">
-                <a:solidFill>
-                  <a:srgbClr val="0066FF"/>
-                </a:solidFill>
-              </a:rPr>
-              <a:t> </a:t>
-            </a:r>
-            <a:r>
-              <a:rPr lang="en-US" dirty="0" err="1">
-                <a:solidFill>
-                  <a:srgbClr val="0066FF"/>
-                </a:solidFill>
-              </a:rPr>
-              <a:t>chưa</a:t>
-            </a:r>
-            <a:r>
-              <a:rPr lang="en-US" dirty="0">
-                <a:solidFill>
-                  <a:srgbClr val="0066FF"/>
-                </a:solidFill>
-              </a:rPr>
-              <a:t> </a:t>
-            </a:r>
-            <a:r>
-              <a:rPr lang="en-US" dirty="0" err="1">
-                <a:solidFill>
-                  <a:srgbClr val="0066FF"/>
-                </a:solidFill>
-              </a:rPr>
-              <a:t>được</a:t>
-            </a:r>
-            <a:r>
-              <a:rPr lang="en-US" dirty="0">
-                <a:solidFill>
-                  <a:srgbClr val="0066FF"/>
-                </a:solidFill>
-              </a:rPr>
-              <a:t> </a:t>
-            </a:r>
-            <a:r>
-              <a:rPr lang="en-US" dirty="0" err="1">
-                <a:solidFill>
-                  <a:srgbClr val="0066FF"/>
-                </a:solidFill>
-              </a:rPr>
-              <a:t>sửa</a:t>
-            </a:r>
-            <a:r>
-              <a:rPr lang="en-US" dirty="0">
-                <a:solidFill>
-                  <a:srgbClr val="0066FF"/>
-                </a:solidFill>
-              </a:rPr>
-              <a:t> </a:t>
-            </a:r>
-            <a:r>
-              <a:rPr lang="en-US" dirty="0" err="1">
-                <a:solidFill>
-                  <a:srgbClr val="0066FF"/>
-                </a:solidFill>
-              </a:rPr>
-              <a:t>đổi</a:t>
-            </a:r>
-            <a:r>
-              <a:rPr lang="en-US" dirty="0">
-                <a:solidFill>
-                  <a:srgbClr val="0066FF"/>
-                </a:solidFill>
-              </a:rPr>
-              <a:t> ở </a:t>
-            </a:r>
-            <a:r>
-              <a:rPr lang="en-US" dirty="0" err="1">
-                <a:solidFill>
-                  <a:srgbClr val="0066FF"/>
-                </a:solidFill>
-              </a:rPr>
-              <a:t>cùng</a:t>
-            </a:r>
-            <a:r>
-              <a:rPr lang="en-US" dirty="0">
-                <a:solidFill>
-                  <a:srgbClr val="0066FF"/>
-                </a:solidFill>
-              </a:rPr>
-              <a:t> </a:t>
-            </a:r>
-            <a:r>
-              <a:rPr lang="en-US" dirty="0" err="1">
-                <a:solidFill>
-                  <a:srgbClr val="0066FF"/>
-                </a:solidFill>
-              </a:rPr>
-              <a:t>mức</a:t>
-            </a:r>
-            <a:r>
-              <a:rPr lang="en-US" dirty="0">
-                <a:solidFill>
-                  <a:srgbClr val="0066FF"/>
-                </a:solidFill>
-              </a:rPr>
-              <a:t> </a:t>
-            </a:r>
-            <a:r>
-              <a:rPr lang="en-US" dirty="0" err="1">
-                <a:solidFill>
-                  <a:srgbClr val="0066FF"/>
-                </a:solidFill>
-              </a:rPr>
-              <a:t>độ</a:t>
-            </a:r>
-            <a:r>
-              <a:rPr lang="en-US" dirty="0">
-                <a:solidFill>
-                  <a:srgbClr val="0066FF"/>
-                </a:solidFill>
-              </a:rPr>
-              <a:t> </a:t>
-            </a:r>
-            <a:r>
-              <a:rPr lang="en-US" dirty="0" err="1">
-                <a:solidFill>
-                  <a:srgbClr val="0066FF"/>
-                </a:solidFill>
-              </a:rPr>
-              <a:t>chúng</a:t>
-            </a:r>
-            <a:r>
-              <a:rPr lang="en-US" dirty="0">
-                <a:solidFill>
-                  <a:srgbClr val="0066FF"/>
-                </a:solidFill>
-              </a:rPr>
-              <a:t> </a:t>
-            </a:r>
-            <a:r>
-              <a:rPr lang="en-US" dirty="0" err="1">
-                <a:solidFill>
-                  <a:srgbClr val="0066FF"/>
-                </a:solidFill>
-              </a:rPr>
-              <a:t>đã</a:t>
-            </a:r>
-            <a:r>
-              <a:rPr lang="en-US" dirty="0">
-                <a:solidFill>
-                  <a:srgbClr val="0066FF"/>
-                </a:solidFill>
-              </a:rPr>
-              <a:t> </a:t>
-            </a:r>
-            <a:r>
-              <a:rPr lang="en-US" dirty="0" err="1">
-                <a:solidFill>
-                  <a:srgbClr val="0066FF"/>
-                </a:solidFill>
-              </a:rPr>
-              <a:t>được</a:t>
-            </a:r>
-            <a:r>
-              <a:rPr lang="en-US" dirty="0">
-                <a:solidFill>
-                  <a:srgbClr val="0066FF"/>
-                </a:solidFill>
-              </a:rPr>
-              <a:t> </a:t>
-            </a:r>
-            <a:r>
-              <a:rPr lang="en-US" dirty="0" err="1">
-                <a:solidFill>
-                  <a:srgbClr val="0066FF"/>
-                </a:solidFill>
-              </a:rPr>
-              <a:t>sửa</a:t>
-            </a:r>
-            <a:r>
-              <a:rPr lang="en-US" dirty="0">
-                <a:solidFill>
-                  <a:srgbClr val="0066FF"/>
-                </a:solidFill>
-              </a:rPr>
-              <a:t> </a:t>
-            </a:r>
-            <a:r>
-              <a:rPr lang="en-US" dirty="0" err="1">
-                <a:solidFill>
-                  <a:srgbClr val="0066FF"/>
-                </a:solidFill>
-              </a:rPr>
-              <a:t>đổi</a:t>
-            </a:r>
-            <a:r>
-              <a:rPr lang="en-US" dirty="0">
-                <a:solidFill>
-                  <a:srgbClr val="0066FF"/>
-                </a:solidFill>
-              </a:rPr>
-              <a:t> </a:t>
-            </a:r>
-            <a:r>
-              <a:rPr lang="en-US" dirty="0" err="1">
-                <a:solidFill>
-                  <a:srgbClr val="0066FF"/>
-                </a:solidFill>
-              </a:rPr>
-              <a:t>không</a:t>
-            </a:r>
-            <a:r>
-              <a:rPr lang="en-US" dirty="0">
-                <a:solidFill>
-                  <a:srgbClr val="0066FF"/>
-                </a:solidFill>
-              </a:rPr>
-              <a:t>?</a:t>
-            </a:r>
-            <a:endParaRPr dirty="0">
-              <a:solidFill>
-                <a:srgbClr val="0066FF"/>
-              </a:solidFill>
-            </a:endParaRPr>
+              <a:t>.</a:t>
+            </a:r>
           </a:p>
         </p:txBody>
       </p:sp>
@@ -22823,7 +22401,7 @@
 </p:sld>
 </file>
 
-<file path=ppt/slides/slide13.xml><?xml version="1.0" encoding="utf-8"?>
+<file path=ppt/slides/slide14.xml><?xml version="1.0" encoding="utf-8"?>
 <p:sld xmlns:a="http://schemas.openxmlformats.org/drawingml/2006/main" xmlns:r="http://schemas.openxmlformats.org/officeDocument/2006/relationships" xmlns:p="http://schemas.openxmlformats.org/presentationml/2006/main">
   <p:cSld>
     <p:spTree>
@@ -22917,102 +22495,715 @@
               <a:buNone/>
             </a:pPr>
             <a:r>
-              <a:rPr lang="en-US">
+              <a:rPr lang="en-US" dirty="0">
                 <a:solidFill>
                   <a:srgbClr val="FF0000"/>
                 </a:solidFill>
               </a:rPr>
-              <a:t>4. Trường hợp cơ sở</a:t>
-            </a:r>
-            <a:endParaRPr>
+              <a:t>4. </a:t>
+            </a:r>
+            <a:r>
+              <a:rPr lang="en-US" dirty="0" err="1">
+                <a:solidFill>
+                  <a:srgbClr val="FF0000"/>
+                </a:solidFill>
+              </a:rPr>
+              <a:t>Trường</a:t>
+            </a:r>
+            <a:r>
+              <a:rPr lang="en-US" dirty="0">
+                <a:solidFill>
+                  <a:srgbClr val="FF0000"/>
+                </a:solidFill>
+              </a:rPr>
+              <a:t> </a:t>
+            </a:r>
+            <a:r>
+              <a:rPr lang="en-US" dirty="0" err="1">
+                <a:solidFill>
+                  <a:srgbClr val="FF0000"/>
+                </a:solidFill>
+              </a:rPr>
+              <a:t>hợp</a:t>
+            </a:r>
+            <a:r>
+              <a:rPr lang="en-US" dirty="0">
+                <a:solidFill>
+                  <a:srgbClr val="FF0000"/>
+                </a:solidFill>
+              </a:rPr>
+              <a:t> </a:t>
+            </a:r>
+            <a:r>
+              <a:rPr lang="en-US" dirty="0" err="1">
+                <a:solidFill>
+                  <a:srgbClr val="FF0000"/>
+                </a:solidFill>
+              </a:rPr>
+              <a:t>cơ</a:t>
+            </a:r>
+            <a:r>
+              <a:rPr lang="en-US" dirty="0">
+                <a:solidFill>
+                  <a:srgbClr val="FF0000"/>
+                </a:solidFill>
+              </a:rPr>
+              <a:t> </a:t>
+            </a:r>
+            <a:r>
+              <a:rPr lang="en-US" dirty="0" err="1">
+                <a:solidFill>
+                  <a:srgbClr val="FF0000"/>
+                </a:solidFill>
+              </a:rPr>
+              <a:t>sở</a:t>
+            </a:r>
+            <a:endParaRPr lang="en-US" dirty="0">
               <a:solidFill>
                 <a:srgbClr val="FF0000"/>
               </a:solidFill>
             </a:endParaRPr>
           </a:p>
           <a:p>
-            <a:pPr marL="457200" lvl="0" indent="-406400" algn="l" rtl="0">
+            <a:pPr marL="0" lvl="0" indent="0" algn="l" rtl="0">
               <a:spcBef>
                 <a:spcPts val="560"/>
               </a:spcBef>
               <a:spcAft>
                 <a:spcPts val="0"/>
               </a:spcAft>
-              <a:buClr>
-                <a:srgbClr val="0066FF"/>
-              </a:buClr>
-              <a:buSzPts val="2800"/>
-              <a:buChar char="-"/>
+              <a:buNone/>
             </a:pPr>
-            <a:r>
-              <a:rPr lang="en-US">
+            <a:endParaRPr dirty="0">
+              <a:solidFill>
+                <a:srgbClr val="FF0000"/>
+              </a:solidFill>
+            </a:endParaRPr>
+          </a:p>
+          <a:p>
+            <a:r>
+              <a:rPr lang="en-US" dirty="0" err="1"/>
+              <a:t>Xác</a:t>
+            </a:r>
+            <a:r>
+              <a:rPr lang="en-US" dirty="0"/>
+              <a:t> </a:t>
+            </a:r>
+            <a:r>
+              <a:rPr lang="en-US" dirty="0" err="1"/>
+              <a:t>định</a:t>
+            </a:r>
+            <a:r>
+              <a:rPr lang="en-US" dirty="0"/>
+              <a:t> </a:t>
+            </a:r>
+            <a:r>
+              <a:rPr lang="en-US" dirty="0" err="1">
                 <a:solidFill>
                   <a:srgbClr val="0066FF"/>
                 </a:solidFill>
               </a:rPr>
-              <a:t>Chúng ta sẽ làm gì trong trường hợp cơ sở nếu đã xét hết các trường hợp? (thường là trả về True)</a:t>
-            </a:r>
-            <a:endParaRPr>
+              <a:t>sẽ</a:t>
+            </a:r>
+            <a:r>
+              <a:rPr lang="en-US" dirty="0">
+                <a:solidFill>
+                  <a:srgbClr val="0066FF"/>
+                </a:solidFill>
+              </a:rPr>
+              <a:t> </a:t>
+            </a:r>
+            <a:r>
+              <a:rPr lang="en-US" dirty="0" err="1">
+                <a:solidFill>
+                  <a:srgbClr val="0066FF"/>
+                </a:solidFill>
+              </a:rPr>
+              <a:t>làm</a:t>
+            </a:r>
+            <a:r>
+              <a:rPr lang="en-US" dirty="0">
+                <a:solidFill>
+                  <a:srgbClr val="0066FF"/>
+                </a:solidFill>
+              </a:rPr>
+              <a:t> </a:t>
+            </a:r>
+            <a:r>
+              <a:rPr lang="en-US" dirty="0" err="1">
+                <a:solidFill>
+                  <a:srgbClr val="0066FF"/>
+                </a:solidFill>
+              </a:rPr>
+              <a:t>gì</a:t>
+            </a:r>
+            <a:r>
+              <a:rPr lang="en-US" dirty="0">
+                <a:solidFill>
+                  <a:srgbClr val="0066FF"/>
+                </a:solidFill>
+              </a:rPr>
+              <a:t> </a:t>
+            </a:r>
+            <a:r>
+              <a:rPr lang="en-US" dirty="0" err="1">
+                <a:solidFill>
+                  <a:srgbClr val="0066FF"/>
+                </a:solidFill>
+              </a:rPr>
+              <a:t>trong</a:t>
+            </a:r>
+            <a:r>
+              <a:rPr lang="en-US" dirty="0">
+                <a:solidFill>
+                  <a:srgbClr val="0066FF"/>
+                </a:solidFill>
+              </a:rPr>
+              <a:t> </a:t>
+            </a:r>
+            <a:r>
+              <a:rPr lang="en-US" dirty="0" err="1">
+                <a:solidFill>
+                  <a:srgbClr val="0066FF"/>
+                </a:solidFill>
+              </a:rPr>
+              <a:t>trường</a:t>
+            </a:r>
+            <a:r>
+              <a:rPr lang="en-US" dirty="0">
+                <a:solidFill>
+                  <a:srgbClr val="0066FF"/>
+                </a:solidFill>
+              </a:rPr>
+              <a:t> </a:t>
+            </a:r>
+            <a:r>
+              <a:rPr lang="en-US" dirty="0" err="1">
+                <a:solidFill>
+                  <a:srgbClr val="0066FF"/>
+                </a:solidFill>
+              </a:rPr>
+              <a:t>hợp</a:t>
+            </a:r>
+            <a:r>
+              <a:rPr lang="en-US" dirty="0">
+                <a:solidFill>
+                  <a:srgbClr val="0066FF"/>
+                </a:solidFill>
+              </a:rPr>
+              <a:t> </a:t>
+            </a:r>
+            <a:r>
+              <a:rPr lang="en-US" dirty="0" err="1">
+                <a:solidFill>
+                  <a:srgbClr val="0066FF"/>
+                </a:solidFill>
+              </a:rPr>
+              <a:t>cơ</a:t>
+            </a:r>
+            <a:r>
+              <a:rPr lang="en-US" dirty="0">
+                <a:solidFill>
+                  <a:srgbClr val="0066FF"/>
+                </a:solidFill>
+              </a:rPr>
+              <a:t> </a:t>
+            </a:r>
+            <a:r>
+              <a:rPr lang="en-US" dirty="0" err="1">
+                <a:solidFill>
+                  <a:srgbClr val="0066FF"/>
+                </a:solidFill>
+              </a:rPr>
+              <a:t>sở</a:t>
+            </a:r>
+            <a:r>
+              <a:rPr lang="en-US" dirty="0">
+                <a:solidFill>
+                  <a:srgbClr val="0066FF"/>
+                </a:solidFill>
+              </a:rPr>
+              <a:t> </a:t>
+            </a:r>
+            <a:r>
+              <a:rPr lang="en-US" dirty="0" err="1">
+                <a:solidFill>
+                  <a:srgbClr val="0066FF"/>
+                </a:solidFill>
+              </a:rPr>
+              <a:t>nếu</a:t>
+            </a:r>
+            <a:r>
+              <a:rPr lang="en-US" dirty="0">
+                <a:solidFill>
+                  <a:srgbClr val="0066FF"/>
+                </a:solidFill>
+              </a:rPr>
+              <a:t> </a:t>
+            </a:r>
+            <a:r>
+              <a:rPr lang="en-US" dirty="0" err="1">
+                <a:solidFill>
+                  <a:srgbClr val="0066FF"/>
+                </a:solidFill>
+              </a:rPr>
+              <a:t>đã</a:t>
+            </a:r>
+            <a:r>
+              <a:rPr lang="en-US" dirty="0">
+                <a:solidFill>
+                  <a:srgbClr val="0066FF"/>
+                </a:solidFill>
+              </a:rPr>
+              <a:t> </a:t>
+            </a:r>
+            <a:r>
+              <a:rPr lang="en-US" dirty="0" err="1">
+                <a:solidFill>
+                  <a:srgbClr val="0066FF"/>
+                </a:solidFill>
+              </a:rPr>
+              <a:t>xét</a:t>
+            </a:r>
+            <a:r>
+              <a:rPr lang="en-US" dirty="0">
+                <a:solidFill>
+                  <a:srgbClr val="0066FF"/>
+                </a:solidFill>
+              </a:rPr>
+              <a:t> </a:t>
+            </a:r>
+            <a:r>
+              <a:rPr lang="en-US" dirty="0" err="1">
+                <a:solidFill>
+                  <a:srgbClr val="0066FF"/>
+                </a:solidFill>
+              </a:rPr>
+              <a:t>hết</a:t>
+            </a:r>
+            <a:r>
+              <a:rPr lang="en-US" dirty="0">
+                <a:solidFill>
+                  <a:srgbClr val="0066FF"/>
+                </a:solidFill>
+              </a:rPr>
+              <a:t> </a:t>
+            </a:r>
+            <a:r>
+              <a:rPr lang="en-US" dirty="0" err="1">
+                <a:solidFill>
+                  <a:srgbClr val="0066FF"/>
+                </a:solidFill>
+              </a:rPr>
+              <a:t>các</a:t>
+            </a:r>
+            <a:r>
+              <a:rPr lang="en-US" dirty="0">
+                <a:solidFill>
+                  <a:srgbClr val="0066FF"/>
+                </a:solidFill>
+              </a:rPr>
+              <a:t> </a:t>
+            </a:r>
+            <a:r>
+              <a:rPr lang="en-US" dirty="0" err="1">
+                <a:solidFill>
+                  <a:srgbClr val="0066FF"/>
+                </a:solidFill>
+              </a:rPr>
+              <a:t>trường</a:t>
+            </a:r>
+            <a:r>
+              <a:rPr lang="en-US" dirty="0">
+                <a:solidFill>
+                  <a:srgbClr val="0066FF"/>
+                </a:solidFill>
+              </a:rPr>
+              <a:t> </a:t>
+            </a:r>
+            <a:r>
+              <a:rPr lang="en-US" dirty="0" err="1">
+                <a:solidFill>
+                  <a:srgbClr val="0066FF"/>
+                </a:solidFill>
+              </a:rPr>
+              <a:t>hợp</a:t>
+            </a:r>
+            <a:r>
+              <a:rPr lang="en-US" dirty="0">
+                <a:solidFill>
+                  <a:srgbClr val="0066FF"/>
+                </a:solidFill>
+              </a:rPr>
+              <a:t>.</a:t>
+            </a:r>
+            <a:endParaRPr dirty="0">
               <a:solidFill>
                 <a:srgbClr val="0066FF"/>
               </a:solidFill>
             </a:endParaRPr>
           </a:p>
           <a:p>
-            <a:pPr marL="457200" lvl="0" indent="-406400" algn="l" rtl="0">
-              <a:spcBef>
-                <a:spcPts val="0"/>
-              </a:spcBef>
-              <a:spcAft>
-                <a:spcPts val="0"/>
-              </a:spcAft>
+            <a:pPr>
+              <a:spcBef>
+                <a:spcPts val="0"/>
+              </a:spcBef>
               <a:buClr>
                 <a:srgbClr val="FF0000"/>
               </a:buClr>
-              <a:buSzPts val="2800"/>
-              <a:buChar char="-"/>
             </a:pPr>
             <a:r>
-              <a:rPr lang="en-US">
+              <a:rPr lang="en-US" dirty="0" err="1">
                 <a:solidFill>
                   <a:srgbClr val="FF0000"/>
                 </a:solidFill>
               </a:rPr>
-              <a:t>Trường hợp không có trường hợp nào hợp lệ, chúng ta sẽ làm gì (thường trả về False)</a:t>
-            </a:r>
-            <a:endParaRPr>
-              <a:solidFill>
-                <a:srgbClr val="FF0000"/>
-              </a:solidFill>
-            </a:endParaRPr>
-          </a:p>
-          <a:p>
-            <a:pPr marL="457200" lvl="0" indent="-406400" algn="l" rtl="0">
-              <a:spcBef>
-                <a:spcPts val="0"/>
-              </a:spcBef>
-              <a:spcAft>
-                <a:spcPts val="0"/>
-              </a:spcAft>
-              <a:buClr>
-                <a:srgbClr val="0066FF"/>
-              </a:buClr>
-              <a:buSzPts val="2800"/>
-              <a:buChar char="-"/>
-            </a:pPr>
-            <a:r>
-              <a:rPr lang="en-US">
-                <a:solidFill>
-                  <a:srgbClr val="0066FF"/>
-                </a:solidFill>
-              </a:rPr>
-              <a:t>Các trường hợp cơ sở có được sắp xếp đúng thứ tự không? Chúng ta có đang tránh đệ quy nhiều nhánh?</a:t>
-            </a:r>
-            <a:endParaRPr>
-              <a:solidFill>
-                <a:srgbClr val="0066FF"/>
-              </a:solidFill>
-            </a:endParaRPr>
+              <a:t>Xem</a:t>
+            </a:r>
+            <a:r>
+              <a:rPr lang="en-US" dirty="0">
+                <a:solidFill>
+                  <a:srgbClr val="FF0000"/>
+                </a:solidFill>
+              </a:rPr>
+              <a:t> </a:t>
+            </a:r>
+            <a:r>
+              <a:rPr lang="en-US" dirty="0" err="1">
+                <a:solidFill>
+                  <a:srgbClr val="FF0000"/>
+                </a:solidFill>
+              </a:rPr>
+              <a:t>xét</a:t>
+            </a:r>
+            <a:r>
+              <a:rPr lang="en-US" dirty="0">
+                <a:solidFill>
+                  <a:srgbClr val="FF0000"/>
+                </a:solidFill>
+              </a:rPr>
+              <a:t> </a:t>
+            </a:r>
+            <a:r>
+              <a:rPr lang="en-US" dirty="0" err="1">
+                <a:solidFill>
+                  <a:srgbClr val="FF0000"/>
+                </a:solidFill>
+              </a:rPr>
+              <a:t>tại</a:t>
+            </a:r>
+            <a:r>
+              <a:rPr lang="en-US" dirty="0">
+                <a:solidFill>
+                  <a:srgbClr val="FF0000"/>
+                </a:solidFill>
+              </a:rPr>
+              <a:t> </a:t>
+            </a:r>
+            <a:r>
+              <a:rPr lang="en-US" dirty="0" err="1">
+                <a:solidFill>
+                  <a:srgbClr val="FF0000"/>
+                </a:solidFill>
+              </a:rPr>
+              <a:t>nhánh</a:t>
+            </a:r>
+            <a:r>
+              <a:rPr lang="en-US" dirty="0">
+                <a:solidFill>
+                  <a:srgbClr val="FF0000"/>
+                </a:solidFill>
+              </a:rPr>
+              <a:t> </a:t>
+            </a:r>
+            <a:r>
+              <a:rPr lang="en-US" dirty="0" err="1">
+                <a:solidFill>
+                  <a:srgbClr val="FF0000"/>
+                </a:solidFill>
+              </a:rPr>
+              <a:t>lựa</a:t>
+            </a:r>
+            <a:r>
+              <a:rPr lang="en-US" dirty="0">
+                <a:solidFill>
+                  <a:srgbClr val="FF0000"/>
+                </a:solidFill>
+              </a:rPr>
+              <a:t> </a:t>
+            </a:r>
+            <a:r>
+              <a:rPr lang="en-US" dirty="0" err="1">
+                <a:solidFill>
+                  <a:srgbClr val="FF0000"/>
+                </a:solidFill>
+              </a:rPr>
+              <a:t>chọn</a:t>
+            </a:r>
+            <a:r>
+              <a:rPr lang="en-US" dirty="0">
+                <a:solidFill>
+                  <a:srgbClr val="FF0000"/>
+                </a:solidFill>
+              </a:rPr>
+              <a:t> </a:t>
+            </a:r>
+            <a:r>
+              <a:rPr lang="en-US" dirty="0" err="1">
+                <a:solidFill>
+                  <a:srgbClr val="FF0000"/>
+                </a:solidFill>
+              </a:rPr>
+              <a:t>đó</a:t>
+            </a:r>
+            <a:r>
+              <a:rPr lang="en-US" dirty="0">
+                <a:solidFill>
+                  <a:srgbClr val="FF0000"/>
+                </a:solidFill>
+              </a:rPr>
+              <a:t> </a:t>
+            </a:r>
+            <a:r>
+              <a:rPr lang="en-US" dirty="0" err="1">
+                <a:solidFill>
+                  <a:srgbClr val="FF0000"/>
+                </a:solidFill>
+              </a:rPr>
+              <a:t>còn</a:t>
+            </a:r>
+            <a:r>
+              <a:rPr lang="en-US" dirty="0">
+                <a:solidFill>
+                  <a:srgbClr val="FF0000"/>
+                </a:solidFill>
+              </a:rPr>
+              <a:t> </a:t>
+            </a:r>
+            <a:r>
+              <a:rPr lang="en-US" dirty="0" err="1">
+                <a:solidFill>
+                  <a:srgbClr val="FF0000"/>
+                </a:solidFill>
+              </a:rPr>
+              <a:t>tồn</a:t>
+            </a:r>
+            <a:r>
+              <a:rPr lang="en-US" dirty="0">
+                <a:solidFill>
+                  <a:srgbClr val="FF0000"/>
+                </a:solidFill>
+              </a:rPr>
+              <a:t> </a:t>
+            </a:r>
+            <a:r>
+              <a:rPr lang="en-US" dirty="0" err="1">
+                <a:solidFill>
+                  <a:srgbClr val="FF0000"/>
+                </a:solidFill>
+              </a:rPr>
+              <a:t>tại</a:t>
+            </a:r>
+            <a:r>
+              <a:rPr lang="en-US" dirty="0">
+                <a:solidFill>
+                  <a:srgbClr val="FF0000"/>
+                </a:solidFill>
+              </a:rPr>
+              <a:t> </a:t>
+            </a:r>
+            <a:r>
+              <a:rPr lang="en-US" dirty="0" err="1">
+                <a:solidFill>
+                  <a:srgbClr val="FF0000"/>
+                </a:solidFill>
+              </a:rPr>
+              <a:t>trường</a:t>
+            </a:r>
+            <a:r>
+              <a:rPr lang="en-US" dirty="0">
+                <a:solidFill>
+                  <a:srgbClr val="FF0000"/>
+                </a:solidFill>
+              </a:rPr>
+              <a:t> </a:t>
+            </a:r>
+            <a:r>
+              <a:rPr lang="en-US" dirty="0" err="1">
+                <a:solidFill>
+                  <a:srgbClr val="FF0000"/>
+                </a:solidFill>
+              </a:rPr>
+              <a:t>hợp</a:t>
+            </a:r>
+            <a:r>
+              <a:rPr lang="en-US" dirty="0">
+                <a:solidFill>
+                  <a:srgbClr val="FF0000"/>
+                </a:solidFill>
+              </a:rPr>
+              <a:t> </a:t>
+            </a:r>
+            <a:r>
+              <a:rPr lang="en-US" dirty="0" err="1">
+                <a:solidFill>
+                  <a:srgbClr val="FF0000"/>
+                </a:solidFill>
+              </a:rPr>
+              <a:t>nào</a:t>
+            </a:r>
+            <a:r>
+              <a:rPr lang="en-US" dirty="0">
+                <a:solidFill>
+                  <a:srgbClr val="FF0000"/>
+                </a:solidFill>
+              </a:rPr>
+              <a:t> </a:t>
+            </a:r>
+            <a:r>
+              <a:rPr lang="en-US" dirty="0" err="1">
+                <a:solidFill>
+                  <a:srgbClr val="FF0000"/>
+                </a:solidFill>
+              </a:rPr>
+              <a:t>có</a:t>
+            </a:r>
+            <a:r>
+              <a:rPr lang="en-US" dirty="0">
+                <a:solidFill>
+                  <a:srgbClr val="FF0000"/>
+                </a:solidFill>
+              </a:rPr>
+              <a:t> </a:t>
+            </a:r>
+            <a:r>
+              <a:rPr lang="en-US" dirty="0" err="1">
+                <a:solidFill>
+                  <a:srgbClr val="FF0000"/>
+                </a:solidFill>
+              </a:rPr>
+              <a:t>thể</a:t>
+            </a:r>
+            <a:r>
+              <a:rPr lang="en-US" dirty="0">
+                <a:solidFill>
+                  <a:srgbClr val="FF0000"/>
+                </a:solidFill>
+              </a:rPr>
+              <a:t> </a:t>
+            </a:r>
+            <a:r>
+              <a:rPr lang="en-US" dirty="0" err="1">
+                <a:solidFill>
+                  <a:srgbClr val="FF0000"/>
+                </a:solidFill>
+              </a:rPr>
+              <a:t>dẫn</a:t>
+            </a:r>
+            <a:r>
+              <a:rPr lang="en-US" dirty="0">
+                <a:solidFill>
+                  <a:srgbClr val="FF0000"/>
+                </a:solidFill>
+              </a:rPr>
+              <a:t> </a:t>
+            </a:r>
+            <a:r>
+              <a:rPr lang="en-US" dirty="0" err="1">
+                <a:solidFill>
+                  <a:srgbClr val="FF0000"/>
+                </a:solidFill>
+              </a:rPr>
+              <a:t>đến</a:t>
+            </a:r>
+            <a:r>
+              <a:rPr lang="en-US" dirty="0">
+                <a:solidFill>
+                  <a:srgbClr val="FF0000"/>
+                </a:solidFill>
+              </a:rPr>
+              <a:t> </a:t>
+            </a:r>
+            <a:r>
+              <a:rPr lang="en-US" dirty="0" err="1">
+                <a:solidFill>
+                  <a:srgbClr val="FF0000"/>
+                </a:solidFill>
+              </a:rPr>
+              <a:t>lựa</a:t>
+            </a:r>
+            <a:r>
+              <a:rPr lang="en-US" dirty="0">
+                <a:solidFill>
+                  <a:srgbClr val="FF0000"/>
+                </a:solidFill>
+              </a:rPr>
+              <a:t> </a:t>
+            </a:r>
+            <a:r>
+              <a:rPr lang="en-US" dirty="0" err="1">
+                <a:solidFill>
+                  <a:srgbClr val="FF0000"/>
+                </a:solidFill>
+              </a:rPr>
+              <a:t>chọn</a:t>
+            </a:r>
+            <a:r>
+              <a:rPr lang="en-US" dirty="0">
+                <a:solidFill>
+                  <a:srgbClr val="FF0000"/>
+                </a:solidFill>
+              </a:rPr>
+              <a:t> </a:t>
+            </a:r>
+            <a:r>
+              <a:rPr lang="en-US" dirty="0" err="1">
+                <a:solidFill>
+                  <a:srgbClr val="FF0000"/>
+                </a:solidFill>
+              </a:rPr>
+              <a:t>hợp</a:t>
+            </a:r>
+            <a:r>
+              <a:rPr lang="en-US" dirty="0">
+                <a:solidFill>
+                  <a:srgbClr val="FF0000"/>
+                </a:solidFill>
+              </a:rPr>
+              <a:t> </a:t>
+            </a:r>
+            <a:r>
+              <a:rPr lang="en-US" dirty="0" err="1">
+                <a:solidFill>
+                  <a:srgbClr val="FF0000"/>
+                </a:solidFill>
+              </a:rPr>
+              <a:t>lệ</a:t>
+            </a:r>
+            <a:r>
+              <a:rPr lang="en-US" dirty="0">
+                <a:solidFill>
+                  <a:srgbClr val="FF0000"/>
+                </a:solidFill>
+              </a:rPr>
+              <a:t> </a:t>
+            </a:r>
+            <a:r>
+              <a:rPr lang="en-US" dirty="0" err="1">
+                <a:solidFill>
+                  <a:srgbClr val="FF0000"/>
+                </a:solidFill>
+              </a:rPr>
+              <a:t>không</a:t>
+            </a:r>
+            <a:r>
+              <a:rPr lang="en-US" dirty="0">
+                <a:solidFill>
+                  <a:srgbClr val="FF0000"/>
+                </a:solidFill>
+              </a:rPr>
+              <a:t>.</a:t>
+            </a:r>
           </a:p>
         </p:txBody>
       </p:sp>
@@ -23024,7 +23215,7 @@
 </p:sld>
 </file>
 
-<file path=ppt/slides/slide14.xml><?xml version="1.0" encoding="utf-8"?>
+<file path=ppt/slides/slide15.xml><?xml version="1.0" encoding="utf-8"?>
 <p:sld xmlns:a="http://schemas.openxmlformats.org/drawingml/2006/main" xmlns:r="http://schemas.openxmlformats.org/officeDocument/2006/relationships" xmlns:p="http://schemas.openxmlformats.org/presentationml/2006/main">
   <p:cSld>
     <p:spTree>
@@ -23137,6 +23328,36 @@
           </a:p>
         </p:txBody>
       </p:sp>
+      <p:pic>
+        <p:nvPicPr>
+          <p:cNvPr id="3" name="Picture 2" descr="A close up of a steering wheel&#10;&#10;Description automatically generated with medium confidence">
+            <a:extLst>
+              <a:ext uri="{FF2B5EF4-FFF2-40B4-BE49-F238E27FC236}">
+                <a16:creationId xmlns:a16="http://schemas.microsoft.com/office/drawing/2014/main" id="{B2CBE611-DB5B-4D82-9802-A5435C9DDF60}"/>
+              </a:ext>
+            </a:extLst>
+          </p:cNvPr>
+          <p:cNvPicPr>
+            <a:picLocks noChangeAspect="1"/>
+          </p:cNvPicPr>
+          <p:nvPr/>
+        </p:nvPicPr>
+        <p:blipFill>
+          <a:blip r:embed="rId3"/>
+          <a:stretch>
+            <a:fillRect/>
+          </a:stretch>
+        </p:blipFill>
+        <p:spPr>
+          <a:xfrm>
+            <a:off x="3659212" y="1855055"/>
+            <a:ext cx="3911277" cy="3276781"/>
+          </a:xfrm>
+          <a:prstGeom prst="rect">
+            <a:avLst/>
+          </a:prstGeom>
+        </p:spPr>
+      </p:pic>
     </p:spTree>
   </p:cSld>
   <p:clrMapOvr>
@@ -23145,7 +23366,7 @@
 </p:sld>
 </file>
 
-<file path=ppt/slides/slide15.xml><?xml version="1.0" encoding="utf-8"?>
+<file path=ppt/slides/slide16.xml><?xml version="1.0" encoding="utf-8"?>
 <p:sld xmlns:a="http://schemas.openxmlformats.org/drawingml/2006/main" xmlns:r="http://schemas.openxmlformats.org/officeDocument/2006/relationships" xmlns:p="http://schemas.openxmlformats.org/presentationml/2006/main">
   <p:cSld>
     <p:spTree>
@@ -23371,440 +23592,6 @@
                 <a:srgbClr val="0066FF"/>
               </a:solidFill>
             </a:endParaRPr>
-          </a:p>
-        </p:txBody>
-      </p:sp>
-    </p:spTree>
-  </p:cSld>
-  <p:clrMapOvr>
-    <a:masterClrMapping/>
-  </p:clrMapOvr>
-</p:sld>
-</file>
-
-<file path=ppt/slides/slide16.xml><?xml version="1.0" encoding="utf-8"?>
-<p:sld xmlns:a="http://schemas.openxmlformats.org/drawingml/2006/main" xmlns:r="http://schemas.openxmlformats.org/officeDocument/2006/relationships" xmlns:p="http://schemas.openxmlformats.org/presentationml/2006/main">
-  <p:cSld>
-    <p:spTree>
-      <p:nvGrpSpPr>
-        <p:cNvPr id="1" name="Shape 220"/>
-        <p:cNvGrpSpPr/>
-        <p:nvPr/>
-      </p:nvGrpSpPr>
-      <p:grpSpPr>
-        <a:xfrm>
-          <a:off x="0" y="0"/>
-          <a:ext cx="0" cy="0"/>
-          <a:chOff x="0" y="0"/>
-          <a:chExt cx="0" cy="0"/>
-        </a:xfrm>
-      </p:grpSpPr>
-      <p:sp>
-        <p:nvSpPr>
-          <p:cNvPr id="221" name="Google Shape;221;gc9a1838ef1_0_0"/>
-          <p:cNvSpPr txBox="1">
-            <a:spLocks noGrp="1"/>
-          </p:cNvSpPr>
-          <p:nvPr>
-            <p:ph type="title"/>
-          </p:nvPr>
-        </p:nvSpPr>
-        <p:spPr>
-          <a:xfrm>
-            <a:off x="609600" y="274638"/>
-            <a:ext cx="10972800" cy="1143000"/>
-          </a:xfrm>
-          <a:prstGeom prst="rect">
-            <a:avLst/>
-          </a:prstGeom>
-        </p:spPr>
-        <p:txBody>
-          <a:bodyPr spcFirstLastPara="1" wrap="square" lIns="91425" tIns="45700" rIns="91425" bIns="45700" anchor="ctr" anchorCtr="0">
-            <a:noAutofit/>
-          </a:bodyPr>
-          <a:lstStyle/>
-          <a:p>
-            <a:pPr marL="0" lvl="0" indent="0" algn="ctr" rtl="0">
-              <a:spcBef>
-                <a:spcPts val="0"/>
-              </a:spcBef>
-              <a:spcAft>
-                <a:spcPts val="0"/>
-              </a:spcAft>
-              <a:buNone/>
-            </a:pPr>
-            <a:r>
-              <a:rPr lang="en-US"/>
-              <a:t>Lắc xí ngầu</a:t>
-            </a:r>
-            <a:endParaRPr/>
-          </a:p>
-        </p:txBody>
-      </p:sp>
-      <p:sp>
-        <p:nvSpPr>
-          <p:cNvPr id="222" name="Google Shape;222;gc9a1838ef1_0_0"/>
-          <p:cNvSpPr txBox="1">
-            <a:spLocks noGrp="1"/>
-          </p:cNvSpPr>
-          <p:nvPr>
-            <p:ph type="body" idx="1"/>
-          </p:nvPr>
-        </p:nvSpPr>
-        <p:spPr>
-          <a:xfrm>
-            <a:off x="609600" y="1236025"/>
-            <a:ext cx="10972800" cy="4890300"/>
-          </a:xfrm>
-          <a:prstGeom prst="rect">
-            <a:avLst/>
-          </a:prstGeom>
-        </p:spPr>
-        <p:txBody>
-          <a:bodyPr spcFirstLastPara="1" wrap="square" lIns="91425" tIns="45700" rIns="91425" bIns="45700" anchor="t" anchorCtr="0">
-            <a:noAutofit/>
-          </a:bodyPr>
-          <a:lstStyle/>
-          <a:p>
-            <a:pPr marL="0" lvl="0" indent="0" algn="l" rtl="0">
-              <a:spcBef>
-                <a:spcPts val="560"/>
-              </a:spcBef>
-              <a:spcAft>
-                <a:spcPts val="0"/>
-              </a:spcAft>
-              <a:buNone/>
-            </a:pPr>
-            <a:r>
-              <a:rPr lang="en-US" dirty="0" err="1"/>
-              <a:t>Cách</a:t>
-            </a:r>
-            <a:r>
-              <a:rPr lang="en-US" dirty="0"/>
-              <a:t> </a:t>
-            </a:r>
-            <a:r>
-              <a:rPr lang="en-US" dirty="0" err="1"/>
-              <a:t>tiếp</a:t>
-            </a:r>
-            <a:r>
-              <a:rPr lang="en-US" dirty="0"/>
-              <a:t> </a:t>
-            </a:r>
-            <a:r>
-              <a:rPr lang="en-US" dirty="0" err="1"/>
-              <a:t>cận</a:t>
-            </a:r>
-            <a:r>
-              <a:rPr lang="en-US" dirty="0"/>
-              <a:t> </a:t>
-            </a:r>
-            <a:r>
-              <a:rPr lang="en-US" dirty="0" err="1"/>
-              <a:t>bài</a:t>
-            </a:r>
-            <a:r>
-              <a:rPr lang="en-US" dirty="0"/>
-              <a:t> </a:t>
-            </a:r>
-            <a:r>
-              <a:rPr lang="en-US" dirty="0" err="1"/>
-              <a:t>toán</a:t>
-            </a:r>
-            <a:r>
-              <a:rPr lang="en-US" dirty="0"/>
-              <a:t>:</a:t>
-            </a:r>
-            <a:endParaRPr dirty="0"/>
-          </a:p>
-          <a:p>
-            <a:pPr marL="457200" lvl="0" indent="-406400" algn="l" rtl="0">
-              <a:spcBef>
-                <a:spcPts val="560"/>
-              </a:spcBef>
-              <a:spcAft>
-                <a:spcPts val="0"/>
-              </a:spcAft>
-              <a:buClr>
-                <a:srgbClr val="FF0000"/>
-              </a:buClr>
-              <a:buSzPts val="2800"/>
-              <a:buAutoNum type="arabicPeriod"/>
-            </a:pPr>
-            <a:r>
-              <a:rPr lang="en-US" dirty="0">
-                <a:solidFill>
-                  <a:srgbClr val="FF0000"/>
-                </a:solidFill>
-              </a:rPr>
-              <a:t>In </a:t>
-            </a:r>
-            <a:r>
-              <a:rPr lang="en-US" dirty="0" err="1">
-                <a:solidFill>
-                  <a:srgbClr val="FF0000"/>
-                </a:solidFill>
-              </a:rPr>
-              <a:t>hết</a:t>
-            </a:r>
-            <a:r>
-              <a:rPr lang="en-US" dirty="0">
-                <a:solidFill>
-                  <a:srgbClr val="FF0000"/>
-                </a:solidFill>
-              </a:rPr>
-              <a:t> </a:t>
-            </a:r>
-            <a:r>
-              <a:rPr lang="en-US" dirty="0" err="1">
-                <a:solidFill>
-                  <a:srgbClr val="FF0000"/>
-                </a:solidFill>
-              </a:rPr>
-              <a:t>mọi</a:t>
-            </a:r>
-            <a:r>
-              <a:rPr lang="en-US" dirty="0">
-                <a:solidFill>
-                  <a:srgbClr val="FF0000"/>
-                </a:solidFill>
-              </a:rPr>
-              <a:t> </a:t>
-            </a:r>
-            <a:r>
-              <a:rPr lang="en-US" dirty="0" err="1">
-                <a:solidFill>
-                  <a:srgbClr val="FF0000"/>
-                </a:solidFill>
-              </a:rPr>
-              <a:t>trường</a:t>
-            </a:r>
-            <a:r>
-              <a:rPr lang="en-US" dirty="0">
-                <a:solidFill>
-                  <a:srgbClr val="FF0000"/>
-                </a:solidFill>
-              </a:rPr>
-              <a:t> </a:t>
-            </a:r>
-            <a:r>
-              <a:rPr lang="en-US" dirty="0" err="1">
-                <a:solidFill>
-                  <a:srgbClr val="FF0000"/>
-                </a:solidFill>
-              </a:rPr>
-              <a:t>hợp</a:t>
-            </a:r>
-            <a:r>
-              <a:rPr lang="en-US" dirty="0">
-                <a:solidFill>
-                  <a:srgbClr val="FF0000"/>
-                </a:solidFill>
-              </a:rPr>
-              <a:t> </a:t>
-            </a:r>
-            <a:r>
-              <a:rPr lang="en-US" dirty="0" err="1">
-                <a:solidFill>
-                  <a:srgbClr val="FF0000"/>
-                </a:solidFill>
-              </a:rPr>
-              <a:t>có</a:t>
-            </a:r>
-            <a:r>
-              <a:rPr lang="en-US" dirty="0">
-                <a:solidFill>
-                  <a:srgbClr val="FF0000"/>
-                </a:solidFill>
-              </a:rPr>
-              <a:t> </a:t>
-            </a:r>
-            <a:r>
-              <a:rPr lang="en-US" dirty="0" err="1">
-                <a:solidFill>
-                  <a:srgbClr val="FF0000"/>
-                </a:solidFill>
-              </a:rPr>
-              <a:t>thể</a:t>
-            </a:r>
-            <a:r>
-              <a:rPr lang="en-US" dirty="0">
-                <a:solidFill>
-                  <a:srgbClr val="FF0000"/>
-                </a:solidFill>
-              </a:rPr>
-              <a:t> </a:t>
-            </a:r>
-            <a:r>
-              <a:rPr lang="en-US" dirty="0" err="1">
-                <a:solidFill>
-                  <a:srgbClr val="FF0000"/>
-                </a:solidFill>
-              </a:rPr>
-              <a:t>của</a:t>
-            </a:r>
-            <a:r>
-              <a:rPr lang="en-US" dirty="0">
-                <a:solidFill>
-                  <a:srgbClr val="FF0000"/>
-                </a:solidFill>
-              </a:rPr>
-              <a:t> </a:t>
-            </a:r>
-            <a:r>
-              <a:rPr lang="en-US" b="1" dirty="0">
-                <a:solidFill>
-                  <a:srgbClr val="FF0000"/>
-                </a:solidFill>
-              </a:rPr>
-              <a:t>k</a:t>
-            </a:r>
-            <a:r>
-              <a:rPr lang="en-US" dirty="0">
-                <a:solidFill>
-                  <a:srgbClr val="FF0000"/>
-                </a:solidFill>
-              </a:rPr>
-              <a:t> </a:t>
-            </a:r>
-            <a:r>
-              <a:rPr lang="en-US" dirty="0" err="1">
-                <a:solidFill>
-                  <a:srgbClr val="FF0000"/>
-                </a:solidFill>
-              </a:rPr>
-              <a:t>lần</a:t>
-            </a:r>
-            <a:r>
-              <a:rPr lang="en-US" dirty="0">
-                <a:solidFill>
-                  <a:srgbClr val="FF0000"/>
-                </a:solidFill>
-              </a:rPr>
-              <a:t> </a:t>
-            </a:r>
-            <a:r>
-              <a:rPr lang="en-US" dirty="0" err="1">
-                <a:solidFill>
-                  <a:srgbClr val="FF0000"/>
-                </a:solidFill>
-              </a:rPr>
-              <a:t>lắc</a:t>
-            </a:r>
-            <a:r>
-              <a:rPr lang="en-US" dirty="0">
-                <a:solidFill>
-                  <a:srgbClr val="FF0000"/>
-                </a:solidFill>
-              </a:rPr>
-              <a:t>.</a:t>
-            </a:r>
-            <a:endParaRPr dirty="0">
-              <a:solidFill>
-                <a:srgbClr val="FF0000"/>
-              </a:solidFill>
-            </a:endParaRPr>
-          </a:p>
-          <a:p>
-            <a:pPr marL="457200" lvl="0" indent="-406400" algn="l" rtl="0">
-              <a:spcBef>
-                <a:spcPts val="0"/>
-              </a:spcBef>
-              <a:spcAft>
-                <a:spcPts val="0"/>
-              </a:spcAft>
-              <a:buSzPts val="2800"/>
-              <a:buAutoNum type="arabicPeriod"/>
-            </a:pPr>
-            <a:r>
-              <a:rPr lang="en-US" dirty="0" err="1"/>
-              <a:t>Ràng</a:t>
-            </a:r>
-            <a:r>
-              <a:rPr lang="en-US" dirty="0"/>
-              <a:t> </a:t>
-            </a:r>
-            <a:r>
-              <a:rPr lang="en-US" dirty="0" err="1"/>
-              <a:t>buộc</a:t>
-            </a:r>
-            <a:r>
-              <a:rPr lang="en-US" dirty="0"/>
-              <a:t> </a:t>
-            </a:r>
-            <a:r>
-              <a:rPr lang="en-US" dirty="0" err="1"/>
-              <a:t>điều</a:t>
-            </a:r>
-            <a:r>
-              <a:rPr lang="en-US" dirty="0"/>
-              <a:t> </a:t>
-            </a:r>
-            <a:r>
-              <a:rPr lang="en-US" dirty="0" err="1"/>
-              <a:t>kiện</a:t>
-            </a:r>
-            <a:r>
-              <a:rPr lang="en-US" dirty="0"/>
-              <a:t> </a:t>
-            </a:r>
-            <a:r>
-              <a:rPr lang="en-US" dirty="0" err="1"/>
-              <a:t>để</a:t>
-            </a:r>
-            <a:r>
-              <a:rPr lang="en-US" dirty="0"/>
-              <a:t> </a:t>
-            </a:r>
-            <a:r>
-              <a:rPr lang="en-US" dirty="0" err="1"/>
-              <a:t>lấy</a:t>
-            </a:r>
-            <a:r>
-              <a:rPr lang="en-US" dirty="0"/>
-              <a:t> </a:t>
-            </a:r>
-            <a:r>
-              <a:rPr lang="en-US" dirty="0" err="1"/>
-              <a:t>những</a:t>
-            </a:r>
-            <a:r>
-              <a:rPr lang="en-US" dirty="0"/>
-              <a:t> </a:t>
-            </a:r>
-            <a:r>
-              <a:rPr lang="en-US" dirty="0" err="1"/>
-              <a:t>lần</a:t>
-            </a:r>
-            <a:r>
-              <a:rPr lang="en-US" dirty="0"/>
-              <a:t> </a:t>
-            </a:r>
-            <a:r>
-              <a:rPr lang="en-US" dirty="0" err="1"/>
-              <a:t>thỏa</a:t>
-            </a:r>
-            <a:r>
-              <a:rPr lang="en-US" dirty="0"/>
-              <a:t> </a:t>
-            </a:r>
-            <a:r>
-              <a:rPr lang="en-US" dirty="0" err="1"/>
-              <a:t>tổng</a:t>
-            </a:r>
-            <a:r>
-              <a:rPr lang="en-US" dirty="0"/>
-              <a:t> </a:t>
-            </a:r>
-            <a:r>
-              <a:rPr lang="en-US" dirty="0" err="1"/>
-              <a:t>bằng</a:t>
-            </a:r>
-            <a:r>
-              <a:rPr lang="en-US" b="1" dirty="0"/>
-              <a:t> n</a:t>
-            </a:r>
-            <a:endParaRPr dirty="0"/>
           </a:p>
         </p:txBody>
       </p:sp>
@@ -23868,6 +23655,440 @@
               <a:buNone/>
             </a:pPr>
             <a:r>
+              <a:rPr lang="en-US"/>
+              <a:t>Lắc xí ngầu</a:t>
+            </a:r>
+            <a:endParaRPr/>
+          </a:p>
+        </p:txBody>
+      </p:sp>
+      <p:sp>
+        <p:nvSpPr>
+          <p:cNvPr id="222" name="Google Shape;222;gc9a1838ef1_0_0"/>
+          <p:cNvSpPr txBox="1">
+            <a:spLocks noGrp="1"/>
+          </p:cNvSpPr>
+          <p:nvPr>
+            <p:ph type="body" idx="1"/>
+          </p:nvPr>
+        </p:nvSpPr>
+        <p:spPr>
+          <a:xfrm>
+            <a:off x="609600" y="1236025"/>
+            <a:ext cx="10972800" cy="4890300"/>
+          </a:xfrm>
+          <a:prstGeom prst="rect">
+            <a:avLst/>
+          </a:prstGeom>
+        </p:spPr>
+        <p:txBody>
+          <a:bodyPr spcFirstLastPara="1" wrap="square" lIns="91425" tIns="45700" rIns="91425" bIns="45700" anchor="t" anchorCtr="0">
+            <a:noAutofit/>
+          </a:bodyPr>
+          <a:lstStyle/>
+          <a:p>
+            <a:pPr marL="0" lvl="0" indent="0" algn="l" rtl="0">
+              <a:spcBef>
+                <a:spcPts val="560"/>
+              </a:spcBef>
+              <a:spcAft>
+                <a:spcPts val="0"/>
+              </a:spcAft>
+              <a:buNone/>
+            </a:pPr>
+            <a:r>
+              <a:rPr lang="en-US" dirty="0" err="1"/>
+              <a:t>Cách</a:t>
+            </a:r>
+            <a:r>
+              <a:rPr lang="en-US" dirty="0"/>
+              <a:t> </a:t>
+            </a:r>
+            <a:r>
+              <a:rPr lang="en-US" dirty="0" err="1"/>
+              <a:t>tiếp</a:t>
+            </a:r>
+            <a:r>
+              <a:rPr lang="en-US" dirty="0"/>
+              <a:t> </a:t>
+            </a:r>
+            <a:r>
+              <a:rPr lang="en-US" dirty="0" err="1"/>
+              <a:t>cận</a:t>
+            </a:r>
+            <a:r>
+              <a:rPr lang="en-US" dirty="0"/>
+              <a:t> </a:t>
+            </a:r>
+            <a:r>
+              <a:rPr lang="en-US" dirty="0" err="1"/>
+              <a:t>bài</a:t>
+            </a:r>
+            <a:r>
+              <a:rPr lang="en-US" dirty="0"/>
+              <a:t> </a:t>
+            </a:r>
+            <a:r>
+              <a:rPr lang="en-US" dirty="0" err="1"/>
+              <a:t>toán</a:t>
+            </a:r>
+            <a:r>
+              <a:rPr lang="en-US" dirty="0"/>
+              <a:t>:</a:t>
+            </a:r>
+            <a:endParaRPr dirty="0"/>
+          </a:p>
+          <a:p>
+            <a:pPr marL="457200" lvl="0" indent="-406400" algn="l" rtl="0">
+              <a:spcBef>
+                <a:spcPts val="560"/>
+              </a:spcBef>
+              <a:spcAft>
+                <a:spcPts val="0"/>
+              </a:spcAft>
+              <a:buClr>
+                <a:srgbClr val="FF0000"/>
+              </a:buClr>
+              <a:buSzPts val="2800"/>
+              <a:buAutoNum type="arabicPeriod"/>
+            </a:pPr>
+            <a:r>
+              <a:rPr lang="en-US" dirty="0">
+                <a:solidFill>
+                  <a:srgbClr val="FF0000"/>
+                </a:solidFill>
+              </a:rPr>
+              <a:t>In </a:t>
+            </a:r>
+            <a:r>
+              <a:rPr lang="en-US" dirty="0" err="1">
+                <a:solidFill>
+                  <a:srgbClr val="FF0000"/>
+                </a:solidFill>
+              </a:rPr>
+              <a:t>hết</a:t>
+            </a:r>
+            <a:r>
+              <a:rPr lang="en-US" dirty="0">
+                <a:solidFill>
+                  <a:srgbClr val="FF0000"/>
+                </a:solidFill>
+              </a:rPr>
+              <a:t> </a:t>
+            </a:r>
+            <a:r>
+              <a:rPr lang="en-US" dirty="0" err="1">
+                <a:solidFill>
+                  <a:srgbClr val="FF0000"/>
+                </a:solidFill>
+              </a:rPr>
+              <a:t>mọi</a:t>
+            </a:r>
+            <a:r>
+              <a:rPr lang="en-US" dirty="0">
+                <a:solidFill>
+                  <a:srgbClr val="FF0000"/>
+                </a:solidFill>
+              </a:rPr>
+              <a:t> </a:t>
+            </a:r>
+            <a:r>
+              <a:rPr lang="en-US" dirty="0" err="1">
+                <a:solidFill>
+                  <a:srgbClr val="FF0000"/>
+                </a:solidFill>
+              </a:rPr>
+              <a:t>trường</a:t>
+            </a:r>
+            <a:r>
+              <a:rPr lang="en-US" dirty="0">
+                <a:solidFill>
+                  <a:srgbClr val="FF0000"/>
+                </a:solidFill>
+              </a:rPr>
+              <a:t> </a:t>
+            </a:r>
+            <a:r>
+              <a:rPr lang="en-US" dirty="0" err="1">
+                <a:solidFill>
+                  <a:srgbClr val="FF0000"/>
+                </a:solidFill>
+              </a:rPr>
+              <a:t>hợp</a:t>
+            </a:r>
+            <a:r>
+              <a:rPr lang="en-US" dirty="0">
+                <a:solidFill>
+                  <a:srgbClr val="FF0000"/>
+                </a:solidFill>
+              </a:rPr>
+              <a:t> </a:t>
+            </a:r>
+            <a:r>
+              <a:rPr lang="en-US" dirty="0" err="1">
+                <a:solidFill>
+                  <a:srgbClr val="FF0000"/>
+                </a:solidFill>
+              </a:rPr>
+              <a:t>có</a:t>
+            </a:r>
+            <a:r>
+              <a:rPr lang="en-US" dirty="0">
+                <a:solidFill>
+                  <a:srgbClr val="FF0000"/>
+                </a:solidFill>
+              </a:rPr>
+              <a:t> </a:t>
+            </a:r>
+            <a:r>
+              <a:rPr lang="en-US" dirty="0" err="1">
+                <a:solidFill>
+                  <a:srgbClr val="FF0000"/>
+                </a:solidFill>
+              </a:rPr>
+              <a:t>thể</a:t>
+            </a:r>
+            <a:r>
+              <a:rPr lang="en-US" dirty="0">
+                <a:solidFill>
+                  <a:srgbClr val="FF0000"/>
+                </a:solidFill>
+              </a:rPr>
+              <a:t> </a:t>
+            </a:r>
+            <a:r>
+              <a:rPr lang="en-US" dirty="0" err="1">
+                <a:solidFill>
+                  <a:srgbClr val="FF0000"/>
+                </a:solidFill>
+              </a:rPr>
+              <a:t>của</a:t>
+            </a:r>
+            <a:r>
+              <a:rPr lang="en-US" dirty="0">
+                <a:solidFill>
+                  <a:srgbClr val="FF0000"/>
+                </a:solidFill>
+              </a:rPr>
+              <a:t> </a:t>
+            </a:r>
+            <a:r>
+              <a:rPr lang="en-US" b="1" dirty="0">
+                <a:solidFill>
+                  <a:srgbClr val="FF0000"/>
+                </a:solidFill>
+              </a:rPr>
+              <a:t>k</a:t>
+            </a:r>
+            <a:r>
+              <a:rPr lang="en-US" dirty="0">
+                <a:solidFill>
+                  <a:srgbClr val="FF0000"/>
+                </a:solidFill>
+              </a:rPr>
+              <a:t> </a:t>
+            </a:r>
+            <a:r>
+              <a:rPr lang="en-US" dirty="0" err="1">
+                <a:solidFill>
+                  <a:srgbClr val="FF0000"/>
+                </a:solidFill>
+              </a:rPr>
+              <a:t>lần</a:t>
+            </a:r>
+            <a:r>
+              <a:rPr lang="en-US" dirty="0">
+                <a:solidFill>
+                  <a:srgbClr val="FF0000"/>
+                </a:solidFill>
+              </a:rPr>
+              <a:t> </a:t>
+            </a:r>
+            <a:r>
+              <a:rPr lang="en-US" dirty="0" err="1">
+                <a:solidFill>
+                  <a:srgbClr val="FF0000"/>
+                </a:solidFill>
+              </a:rPr>
+              <a:t>lắc</a:t>
+            </a:r>
+            <a:r>
+              <a:rPr lang="en-US" dirty="0">
+                <a:solidFill>
+                  <a:srgbClr val="FF0000"/>
+                </a:solidFill>
+              </a:rPr>
+              <a:t>.</a:t>
+            </a:r>
+            <a:endParaRPr dirty="0">
+              <a:solidFill>
+                <a:srgbClr val="FF0000"/>
+              </a:solidFill>
+            </a:endParaRPr>
+          </a:p>
+          <a:p>
+            <a:pPr marL="457200" lvl="0" indent="-406400" algn="l" rtl="0">
+              <a:spcBef>
+                <a:spcPts val="0"/>
+              </a:spcBef>
+              <a:spcAft>
+                <a:spcPts val="0"/>
+              </a:spcAft>
+              <a:buSzPts val="2800"/>
+              <a:buAutoNum type="arabicPeriod"/>
+            </a:pPr>
+            <a:r>
+              <a:rPr lang="en-US" dirty="0" err="1"/>
+              <a:t>Ràng</a:t>
+            </a:r>
+            <a:r>
+              <a:rPr lang="en-US" dirty="0"/>
+              <a:t> </a:t>
+            </a:r>
+            <a:r>
+              <a:rPr lang="en-US" dirty="0" err="1"/>
+              <a:t>buộc</a:t>
+            </a:r>
+            <a:r>
+              <a:rPr lang="en-US" dirty="0"/>
+              <a:t> </a:t>
+            </a:r>
+            <a:r>
+              <a:rPr lang="en-US" dirty="0" err="1"/>
+              <a:t>điều</a:t>
+            </a:r>
+            <a:r>
+              <a:rPr lang="en-US" dirty="0"/>
+              <a:t> </a:t>
+            </a:r>
+            <a:r>
+              <a:rPr lang="en-US" dirty="0" err="1"/>
+              <a:t>kiện</a:t>
+            </a:r>
+            <a:r>
+              <a:rPr lang="en-US" dirty="0"/>
+              <a:t> </a:t>
+            </a:r>
+            <a:r>
+              <a:rPr lang="en-US" dirty="0" err="1"/>
+              <a:t>để</a:t>
+            </a:r>
+            <a:r>
+              <a:rPr lang="en-US" dirty="0"/>
+              <a:t> </a:t>
+            </a:r>
+            <a:r>
+              <a:rPr lang="en-US" dirty="0" err="1"/>
+              <a:t>lấy</a:t>
+            </a:r>
+            <a:r>
+              <a:rPr lang="en-US" dirty="0"/>
+              <a:t> </a:t>
+            </a:r>
+            <a:r>
+              <a:rPr lang="en-US" dirty="0" err="1"/>
+              <a:t>những</a:t>
+            </a:r>
+            <a:r>
+              <a:rPr lang="en-US" dirty="0"/>
+              <a:t> </a:t>
+            </a:r>
+            <a:r>
+              <a:rPr lang="en-US" dirty="0" err="1"/>
+              <a:t>lần</a:t>
+            </a:r>
+            <a:r>
+              <a:rPr lang="en-US" dirty="0"/>
+              <a:t> </a:t>
+            </a:r>
+            <a:r>
+              <a:rPr lang="en-US" dirty="0" err="1"/>
+              <a:t>thỏa</a:t>
+            </a:r>
+            <a:r>
+              <a:rPr lang="en-US" dirty="0"/>
+              <a:t> </a:t>
+            </a:r>
+            <a:r>
+              <a:rPr lang="en-US" dirty="0" err="1"/>
+              <a:t>tổng</a:t>
+            </a:r>
+            <a:r>
+              <a:rPr lang="en-US" dirty="0"/>
+              <a:t> </a:t>
+            </a:r>
+            <a:r>
+              <a:rPr lang="en-US" dirty="0" err="1"/>
+              <a:t>bằng</a:t>
+            </a:r>
+            <a:r>
+              <a:rPr lang="en-US" b="1" dirty="0"/>
+              <a:t> n</a:t>
+            </a:r>
+            <a:endParaRPr dirty="0"/>
+          </a:p>
+        </p:txBody>
+      </p:sp>
+    </p:spTree>
+  </p:cSld>
+  <p:clrMapOvr>
+    <a:masterClrMapping/>
+  </p:clrMapOvr>
+</p:sld>
+</file>
+
+<file path=ppt/slides/slide18.xml><?xml version="1.0" encoding="utf-8"?>
+<p:sld xmlns:a="http://schemas.openxmlformats.org/drawingml/2006/main" xmlns:r="http://schemas.openxmlformats.org/officeDocument/2006/relationships" xmlns:p="http://schemas.openxmlformats.org/presentationml/2006/main">
+  <p:cSld>
+    <p:spTree>
+      <p:nvGrpSpPr>
+        <p:cNvPr id="1" name="Shape 220"/>
+        <p:cNvGrpSpPr/>
+        <p:nvPr/>
+      </p:nvGrpSpPr>
+      <p:grpSpPr>
+        <a:xfrm>
+          <a:off x="0" y="0"/>
+          <a:ext cx="0" cy="0"/>
+          <a:chOff x="0" y="0"/>
+          <a:chExt cx="0" cy="0"/>
+        </a:xfrm>
+      </p:grpSpPr>
+      <p:sp>
+        <p:nvSpPr>
+          <p:cNvPr id="221" name="Google Shape;221;gc9a1838ef1_0_0"/>
+          <p:cNvSpPr txBox="1">
+            <a:spLocks noGrp="1"/>
+          </p:cNvSpPr>
+          <p:nvPr>
+            <p:ph type="title"/>
+          </p:nvPr>
+        </p:nvSpPr>
+        <p:spPr>
+          <a:xfrm>
+            <a:off x="609600" y="274638"/>
+            <a:ext cx="10972800" cy="1143000"/>
+          </a:xfrm>
+          <a:prstGeom prst="rect">
+            <a:avLst/>
+          </a:prstGeom>
+        </p:spPr>
+        <p:txBody>
+          <a:bodyPr spcFirstLastPara="1" wrap="square" lIns="91425" tIns="45700" rIns="91425" bIns="45700" anchor="ctr" anchorCtr="0">
+            <a:noAutofit/>
+          </a:bodyPr>
+          <a:lstStyle/>
+          <a:p>
+            <a:pPr marL="0" lvl="0" indent="0" algn="ctr" rtl="0">
+              <a:spcBef>
+                <a:spcPts val="0"/>
+              </a:spcBef>
+              <a:spcAft>
+                <a:spcPts val="0"/>
+              </a:spcAft>
+              <a:buNone/>
+            </a:pPr>
+            <a:r>
               <a:rPr lang="en-US" dirty="0" err="1"/>
               <a:t>Cây</a:t>
             </a:r>
@@ -24053,7 +24274,7 @@
         </p:nvSpPr>
         <p:spPr>
           <a:xfrm>
-            <a:off x="4048813" y="2253007"/>
+            <a:off x="4059813" y="2266241"/>
             <a:ext cx="2238868" cy="490194"/>
           </a:xfrm>
           <a:prstGeom prst="rect">
@@ -24856,7 +25077,7 @@
         </p:nvCxnSpPr>
         <p:spPr>
           <a:xfrm flipH="1">
-            <a:off x="3652887" y="2743201"/>
+            <a:off x="3628339" y="2747950"/>
             <a:ext cx="2333134" cy="471193"/>
           </a:xfrm>
           <a:prstGeom prst="straightConnector1">
@@ -24892,7 +25113,7 @@
         </p:nvCxnSpPr>
         <p:spPr>
           <a:xfrm flipH="1">
-            <a:off x="1937998" y="3740797"/>
+            <a:off x="1932989" y="3721657"/>
             <a:ext cx="1664615" cy="486520"/>
           </a:xfrm>
           <a:prstGeom prst="straightConnector1">
@@ -26601,7 +26822,7 @@
 </p:sld>
 </file>
 
-<file path=ppt/slides/slide18.xml><?xml version="1.0" encoding="utf-8"?>
+<file path=ppt/slides/slide19.xml><?xml version="1.0" encoding="utf-8"?>
 <p:sld xmlns:a="http://schemas.openxmlformats.org/drawingml/2006/main" xmlns:r="http://schemas.openxmlformats.org/officeDocument/2006/relationships" xmlns:p="http://schemas.openxmlformats.org/presentationml/2006/main">
   <p:cSld>
     <p:spTree>
@@ -28918,7 +29139,208 @@
 </p:sld>
 </file>
 
-<file path=ppt/slides/slide19.xml><?xml version="1.0" encoding="utf-8"?>
+<file path=ppt/slides/slide2.xml><?xml version="1.0" encoding="utf-8"?>
+<p:sld xmlns:a="http://schemas.openxmlformats.org/drawingml/2006/main" xmlns:r="http://schemas.openxmlformats.org/officeDocument/2006/relationships" xmlns:p="http://schemas.openxmlformats.org/presentationml/2006/main">
+  <p:cSld>
+    <p:spTree>
+      <p:nvGrpSpPr>
+        <p:cNvPr id="1" name=""/>
+        <p:cNvGrpSpPr/>
+        <p:nvPr/>
+      </p:nvGrpSpPr>
+      <p:grpSpPr>
+        <a:xfrm>
+          <a:off x="0" y="0"/>
+          <a:ext cx="0" cy="0"/>
+          <a:chOff x="0" y="0"/>
+          <a:chExt cx="0" cy="0"/>
+        </a:xfrm>
+      </p:grpSpPr>
+      <p:sp>
+        <p:nvSpPr>
+          <p:cNvPr id="2" name="Title 1">
+            <a:extLst>
+              <a:ext uri="{FF2B5EF4-FFF2-40B4-BE49-F238E27FC236}">
+                <a16:creationId xmlns:a16="http://schemas.microsoft.com/office/drawing/2014/main" id="{8275959E-2369-4263-BECA-3A853EC3171F}"/>
+              </a:ext>
+            </a:extLst>
+          </p:cNvPr>
+          <p:cNvSpPr>
+            <a:spLocks noGrp="1"/>
+          </p:cNvSpPr>
+          <p:nvPr>
+            <p:ph type="title"/>
+          </p:nvPr>
+        </p:nvSpPr>
+        <p:spPr/>
+        <p:txBody>
+          <a:bodyPr/>
+          <a:lstStyle/>
+          <a:p>
+            <a:r>
+              <a:rPr lang="en-US" dirty="0"/>
+              <a:t>Black mirror</a:t>
+            </a:r>
+          </a:p>
+        </p:txBody>
+      </p:sp>
+      <p:pic>
+        <p:nvPicPr>
+          <p:cNvPr id="1028" name="Picture 4" descr="TOP Các tập phim Black Mirror hay nhất » TOP20.vn">
+            <a:extLst>
+              <a:ext uri="{FF2B5EF4-FFF2-40B4-BE49-F238E27FC236}">
+                <a16:creationId xmlns:a16="http://schemas.microsoft.com/office/drawing/2014/main" id="{EB0DBE6B-E8E6-4F17-ACB6-A7211EC6E010}"/>
+              </a:ext>
+            </a:extLst>
+          </p:cNvPr>
+          <p:cNvPicPr>
+            <a:picLocks noChangeAspect="1" noChangeArrowheads="1"/>
+          </p:cNvPicPr>
+          <p:nvPr/>
+        </p:nvPicPr>
+        <p:blipFill>
+          <a:blip r:embed="rId2">
+            <a:extLst>
+              <a:ext uri="{28A0092B-C50C-407E-A947-70E740481C1C}">
+                <a14:useLocalDpi xmlns:a14="http://schemas.microsoft.com/office/drawing/2010/main" val="0"/>
+              </a:ext>
+            </a:extLst>
+          </a:blip>
+          <a:srcRect/>
+          <a:stretch>
+            <a:fillRect/>
+          </a:stretch>
+        </p:blipFill>
+        <p:spPr bwMode="auto">
+          <a:xfrm>
+            <a:off x="2673220" y="1417638"/>
+            <a:ext cx="6845559" cy="3582509"/>
+          </a:xfrm>
+          <a:prstGeom prst="rect">
+            <a:avLst/>
+          </a:prstGeom>
+          <a:noFill/>
+          <a:extLst>
+            <a:ext uri="{909E8E84-426E-40DD-AFC4-6F175D3DCCD1}">
+              <a14:hiddenFill xmlns:a14="http://schemas.microsoft.com/office/drawing/2010/main">
+                <a:solidFill>
+                  <a:srgbClr val="FFFFFF"/>
+                </a:solidFill>
+              </a14:hiddenFill>
+            </a:ext>
+          </a:extLst>
+        </p:spPr>
+      </p:pic>
+      <p:sp>
+        <p:nvSpPr>
+          <p:cNvPr id="10" name="TextBox 9">
+            <a:extLst>
+              <a:ext uri="{FF2B5EF4-FFF2-40B4-BE49-F238E27FC236}">
+                <a16:creationId xmlns:a16="http://schemas.microsoft.com/office/drawing/2014/main" id="{074C043C-E346-4E08-B6F0-69AAE9E7E1E0}"/>
+              </a:ext>
+            </a:extLst>
+          </p:cNvPr>
+          <p:cNvSpPr txBox="1"/>
+          <p:nvPr/>
+        </p:nvSpPr>
+        <p:spPr>
+          <a:xfrm>
+            <a:off x="2673219" y="5040867"/>
+            <a:ext cx="6845559" cy="477054"/>
+          </a:xfrm>
+          <a:prstGeom prst="rect">
+            <a:avLst/>
+          </a:prstGeom>
+          <a:noFill/>
+        </p:spPr>
+        <p:txBody>
+          <a:bodyPr wrap="square">
+            <a:spAutoFit/>
+          </a:bodyPr>
+          <a:lstStyle/>
+          <a:p>
+            <a:pPr algn="ctr"/>
+            <a:r>
+              <a:rPr lang="en-US" sz="2500" dirty="0" err="1">
+                <a:solidFill>
+                  <a:srgbClr val="0066FF"/>
+                </a:solidFill>
+              </a:rPr>
+              <a:t>Một</a:t>
+            </a:r>
+            <a:r>
+              <a:rPr lang="en-US" sz="2500" dirty="0">
+                <a:solidFill>
+                  <a:srgbClr val="0066FF"/>
+                </a:solidFill>
+              </a:rPr>
+              <a:t> </a:t>
+            </a:r>
+            <a:r>
+              <a:rPr lang="en-US" sz="2500" dirty="0" err="1">
+                <a:solidFill>
+                  <a:srgbClr val="0066FF"/>
+                </a:solidFill>
+              </a:rPr>
+              <a:t>cảnh</a:t>
+            </a:r>
+            <a:r>
+              <a:rPr lang="en-US" sz="2500" dirty="0">
+                <a:solidFill>
+                  <a:srgbClr val="0066FF"/>
+                </a:solidFill>
+              </a:rPr>
+              <a:t> </a:t>
+            </a:r>
+            <a:r>
+              <a:rPr lang="en-US" sz="2500" dirty="0" err="1">
+                <a:solidFill>
+                  <a:srgbClr val="0066FF"/>
+                </a:solidFill>
+              </a:rPr>
+              <a:t>trong</a:t>
+            </a:r>
+            <a:r>
+              <a:rPr lang="en-US" sz="2500" dirty="0">
+                <a:solidFill>
+                  <a:srgbClr val="0066FF"/>
+                </a:solidFill>
+              </a:rPr>
+              <a:t> </a:t>
+            </a:r>
+            <a:r>
+              <a:rPr lang="en-US" sz="2500" dirty="0" err="1">
+                <a:solidFill>
+                  <a:srgbClr val="0066FF"/>
+                </a:solidFill>
+              </a:rPr>
+              <a:t>phim</a:t>
+            </a:r>
+            <a:r>
+              <a:rPr lang="en-US" sz="2500" dirty="0">
+                <a:solidFill>
+                  <a:srgbClr val="0066FF"/>
+                </a:solidFill>
+              </a:rPr>
+              <a:t> Black mirror[1]</a:t>
+            </a:r>
+          </a:p>
+        </p:txBody>
+      </p:sp>
+    </p:spTree>
+    <p:extLst>
+      <p:ext uri="{BB962C8B-B14F-4D97-AF65-F5344CB8AC3E}">
+        <p14:creationId xmlns:p14="http://schemas.microsoft.com/office/powerpoint/2010/main" val="1566843558"/>
+      </p:ext>
+    </p:extLst>
+  </p:cSld>
+  <p:clrMapOvr>
+    <a:masterClrMapping/>
+  </p:clrMapOvr>
+</p:sld>
+</file>
+
+<file path=ppt/slides/slide20.xml><?xml version="1.0" encoding="utf-8"?>
 <p:sld xmlns:a="http://schemas.openxmlformats.org/drawingml/2006/main" xmlns:r="http://schemas.openxmlformats.org/officeDocument/2006/relationships" xmlns:p="http://schemas.openxmlformats.org/presentationml/2006/main">
   <p:cSld>
     <p:spTree>
@@ -29445,7 +29867,23 @@
                   <a:srgbClr val="FF0000"/>
                 </a:solidFill>
               </a:rPr>
-              <a:t>tổng</a:t>
+              <a:t>số</a:t>
+            </a:r>
+            <a:r>
+              <a:rPr lang="en-US" dirty="0">
+                <a:solidFill>
+                  <a:srgbClr val="FF0000"/>
+                </a:solidFill>
+              </a:rPr>
+              <a:t> </a:t>
+            </a:r>
+            <a:r>
+              <a:rPr lang="en-US" dirty="0" err="1">
+                <a:solidFill>
+                  <a:srgbClr val="FF0000"/>
+                </a:solidFill>
+              </a:rPr>
+              <a:t>nguyên</a:t>
             </a:r>
             <a:r>
               <a:rPr lang="en-US" dirty="0">
@@ -29623,204 +30061,7 @@
 </p:sld>
 </file>
 
-<file path=ppt/slides/slide2.xml><?xml version="1.0" encoding="utf-8"?>
-<p:sld xmlns:a="http://schemas.openxmlformats.org/drawingml/2006/main" xmlns:r="http://schemas.openxmlformats.org/officeDocument/2006/relationships" xmlns:p="http://schemas.openxmlformats.org/presentationml/2006/main">
-  <p:cSld>
-    <p:spTree>
-      <p:nvGrpSpPr>
-        <p:cNvPr id="1" name="Shape 121"/>
-        <p:cNvGrpSpPr/>
-        <p:nvPr/>
-      </p:nvGrpSpPr>
-      <p:grpSpPr>
-        <a:xfrm>
-          <a:off x="0" y="0"/>
-          <a:ext cx="0" cy="0"/>
-          <a:chOff x="0" y="0"/>
-          <a:chExt cx="0" cy="0"/>
-        </a:xfrm>
-      </p:grpSpPr>
-      <p:sp>
-        <p:nvSpPr>
-          <p:cNvPr id="122" name="Google Shape;122;p2"/>
-          <p:cNvSpPr txBox="1">
-            <a:spLocks noGrp="1"/>
-          </p:cNvSpPr>
-          <p:nvPr>
-            <p:ph type="title"/>
-          </p:nvPr>
-        </p:nvSpPr>
-        <p:spPr>
-          <a:xfrm>
-            <a:off x="609600" y="274638"/>
-            <a:ext cx="10972800" cy="1143000"/>
-          </a:xfrm>
-          <a:prstGeom prst="rect">
-            <a:avLst/>
-          </a:prstGeom>
-          <a:noFill/>
-          <a:ln>
-            <a:noFill/>
-          </a:ln>
-        </p:spPr>
-        <p:txBody>
-          <a:bodyPr spcFirstLastPara="1" wrap="square" lIns="91425" tIns="45700" rIns="91425" bIns="45700" anchor="ctr" anchorCtr="0">
-            <a:noAutofit/>
-          </a:bodyPr>
-          <a:lstStyle/>
-          <a:p>
-            <a:pPr marL="0" lvl="0" indent="0" algn="ctr" rtl="0">
-              <a:spcBef>
-                <a:spcPts val="0"/>
-              </a:spcBef>
-              <a:spcAft>
-                <a:spcPts val="0"/>
-              </a:spcAft>
-              <a:buNone/>
-            </a:pPr>
-            <a:r>
-              <a:rPr lang="en-US">
-                <a:solidFill>
-                  <a:srgbClr val="FF0000"/>
-                </a:solidFill>
-              </a:rPr>
-              <a:t>Nội dung</a:t>
-            </a:r>
-            <a:endParaRPr/>
-          </a:p>
-        </p:txBody>
-      </p:sp>
-      <p:sp>
-        <p:nvSpPr>
-          <p:cNvPr id="123" name="Google Shape;123;p2"/>
-          <p:cNvSpPr txBox="1">
-            <a:spLocks noGrp="1"/>
-          </p:cNvSpPr>
-          <p:nvPr>
-            <p:ph type="body" idx="1"/>
-          </p:nvPr>
-        </p:nvSpPr>
-        <p:spPr>
-          <a:xfrm>
-            <a:off x="609600" y="1600201"/>
-            <a:ext cx="10972800" cy="4525963"/>
-          </a:xfrm>
-          <a:prstGeom prst="rect">
-            <a:avLst/>
-          </a:prstGeom>
-          <a:noFill/>
-          <a:ln>
-            <a:noFill/>
-          </a:ln>
-        </p:spPr>
-        <p:txBody>
-          <a:bodyPr spcFirstLastPara="1" wrap="square" lIns="91425" tIns="45700" rIns="91425" bIns="45700" anchor="t" anchorCtr="0">
-            <a:noAutofit/>
-          </a:bodyPr>
-          <a:lstStyle/>
-          <a:p>
-            <a:pPr marL="514350" lvl="0" indent="-514350" algn="l" rtl="0">
-              <a:spcBef>
-                <a:spcPts val="0"/>
-              </a:spcBef>
-              <a:spcAft>
-                <a:spcPts val="0"/>
-              </a:spcAft>
-              <a:buClr>
-                <a:srgbClr val="0066FF"/>
-              </a:buClr>
-              <a:buSzPts val="2800"/>
-              <a:buFont typeface="Arial"/>
-              <a:buAutoNum type="arabicPeriod"/>
-            </a:pPr>
-            <a:r>
-              <a:rPr lang="en-US"/>
-              <a:t>Khái niệm Backtracking (Quay lui)</a:t>
-            </a:r>
-            <a:endParaRPr/>
-          </a:p>
-          <a:p>
-            <a:pPr marL="514350" lvl="0" indent="-514350" algn="l" rtl="0">
-              <a:spcBef>
-                <a:spcPts val="560"/>
-              </a:spcBef>
-              <a:spcAft>
-                <a:spcPts val="0"/>
-              </a:spcAft>
-              <a:buClr>
-                <a:srgbClr val="FF0000"/>
-              </a:buClr>
-              <a:buSzPts val="2800"/>
-              <a:buFont typeface="Arial"/>
-              <a:buAutoNum type="arabicPeriod"/>
-            </a:pPr>
-            <a:r>
-              <a:rPr lang="en-US">
-                <a:solidFill>
-                  <a:srgbClr val="FF0000"/>
-                </a:solidFill>
-              </a:rPr>
-              <a:t>Phân loại</a:t>
-            </a:r>
-            <a:endParaRPr/>
-          </a:p>
-          <a:p>
-            <a:pPr marL="514350" lvl="0" indent="-514350" algn="l" rtl="0">
-              <a:spcBef>
-                <a:spcPts val="560"/>
-              </a:spcBef>
-              <a:spcAft>
-                <a:spcPts val="0"/>
-              </a:spcAft>
-              <a:buClr>
-                <a:srgbClr val="0066FF"/>
-              </a:buClr>
-              <a:buSzPts val="2800"/>
-              <a:buFont typeface="Arial"/>
-              <a:buAutoNum type="arabicPeriod"/>
-            </a:pPr>
-            <a:r>
-              <a:rPr lang="en-US"/>
-              <a:t>Mô hình</a:t>
-            </a:r>
-            <a:endParaRPr/>
-          </a:p>
-          <a:p>
-            <a:pPr marL="514350" lvl="0" indent="-514350" algn="l" rtl="0">
-              <a:spcBef>
-                <a:spcPts val="560"/>
-              </a:spcBef>
-              <a:spcAft>
-                <a:spcPts val="0"/>
-              </a:spcAft>
-              <a:buClr>
-                <a:srgbClr val="FF0000"/>
-              </a:buClr>
-              <a:buSzPts val="2800"/>
-              <a:buFont typeface="Arial"/>
-              <a:buAutoNum type="arabicPeriod"/>
-            </a:pPr>
-            <a:r>
-              <a:rPr lang="en-US">
-                <a:solidFill>
-                  <a:srgbClr val="FF0000"/>
-                </a:solidFill>
-              </a:rPr>
-              <a:t>Một số bài toán</a:t>
-            </a:r>
-            <a:endParaRPr/>
-          </a:p>
-        </p:txBody>
-      </p:sp>
-    </p:spTree>
-  </p:cSld>
-  <p:clrMapOvr>
-    <a:masterClrMapping/>
-  </p:clrMapOvr>
-</p:sld>
-</file>
-
-<file path=ppt/slides/slide20.xml><?xml version="1.0" encoding="utf-8"?>
+<file path=ppt/slides/slide21.xml><?xml version="1.0" encoding="utf-8"?>
 <p:sld xmlns:a="http://schemas.openxmlformats.org/drawingml/2006/main" xmlns:r="http://schemas.openxmlformats.org/officeDocument/2006/relationships" xmlns:p="http://schemas.openxmlformats.org/presentationml/2006/main">
   <p:cSld>
     <p:spTree>
@@ -31286,7 +31527,7 @@
 </p:sld>
 </file>
 
-<file path=ppt/slides/slide21.xml><?xml version="1.0" encoding="utf-8"?>
+<file path=ppt/slides/slide22.xml><?xml version="1.0" encoding="utf-8"?>
 <p:sld xmlns:a="http://schemas.openxmlformats.org/drawingml/2006/main" xmlns:r="http://schemas.openxmlformats.org/officeDocument/2006/relationships" xmlns:p="http://schemas.openxmlformats.org/presentationml/2006/main">
   <p:cSld>
     <p:spTree>
@@ -31366,7 +31607,7 @@
 </p:sld>
 </file>
 
-<file path=ppt/slides/slide22.xml><?xml version="1.0" encoding="utf-8"?>
+<file path=ppt/slides/slide23.xml><?xml version="1.0" encoding="utf-8"?>
 <p:sld xmlns:a="http://schemas.openxmlformats.org/drawingml/2006/main" xmlns:r="http://schemas.openxmlformats.org/officeDocument/2006/relationships" xmlns:p="http://schemas.openxmlformats.org/presentationml/2006/main">
   <p:cSld>
     <p:spTree>
@@ -31446,7 +31687,7 @@
 </p:sld>
 </file>
 
-<file path=ppt/slides/slide23.xml><?xml version="1.0" encoding="utf-8"?>
+<file path=ppt/slides/slide24.xml><?xml version="1.0" encoding="utf-8"?>
 <p:sld xmlns:a="http://schemas.openxmlformats.org/drawingml/2006/main" xmlns:r="http://schemas.openxmlformats.org/officeDocument/2006/relationships" xmlns:p="http://schemas.openxmlformats.org/presentationml/2006/main">
   <p:cSld>
     <p:spTree>
@@ -31550,6 +31791,30 @@
                 </a:solidFill>
                 <a:hlinkClick r:id="rId3"/>
               </a:rPr>
+              <a:t>https://top20.vn/top/top-cac-tap-phim-black-mirror-hay-nhat</a:t>
+            </a:r>
+          </a:p>
+          <a:p>
+            <a:pPr marL="457200" lvl="0" indent="-406400" algn="l" rtl="0">
+              <a:spcBef>
+                <a:spcPts val="560"/>
+              </a:spcBef>
+              <a:spcAft>
+                <a:spcPts val="0"/>
+              </a:spcAft>
+              <a:buClr>
+                <a:srgbClr val="0066FF"/>
+              </a:buClr>
+              <a:buSzPts val="2800"/>
+              <a:buAutoNum type="arabicPeriod"/>
+            </a:pPr>
+            <a:r>
+              <a:rPr lang="en-US" u="sng" dirty="0">
+                <a:solidFill>
+                  <a:schemeClr val="hlink"/>
+                </a:solidFill>
+                <a:hlinkClick r:id="rId3"/>
+              </a:rPr>
               <a:t>https://courses.cs.washington.edu/courses/cse143/12su/lectures/07-16/12-recursive-backtracking.pdf</a:t>
             </a:r>
             <a:endParaRPr dirty="0">
@@ -31597,6 +31862,295 @@
 </file>
 
 <file path=ppt/slides/slide3.xml><?xml version="1.0" encoding="utf-8"?>
+<p:sld xmlns:a="http://schemas.openxmlformats.org/drawingml/2006/main" xmlns:r="http://schemas.openxmlformats.org/officeDocument/2006/relationships" xmlns:p="http://schemas.openxmlformats.org/presentationml/2006/main">
+  <p:cSld>
+    <p:spTree>
+      <p:nvGrpSpPr>
+        <p:cNvPr id="1" name="Shape 121"/>
+        <p:cNvGrpSpPr/>
+        <p:nvPr/>
+      </p:nvGrpSpPr>
+      <p:grpSpPr>
+        <a:xfrm>
+          <a:off x="0" y="0"/>
+          <a:ext cx="0" cy="0"/>
+          <a:chOff x="0" y="0"/>
+          <a:chExt cx="0" cy="0"/>
+        </a:xfrm>
+      </p:grpSpPr>
+      <p:sp>
+        <p:nvSpPr>
+          <p:cNvPr id="122" name="Google Shape;122;p2"/>
+          <p:cNvSpPr txBox="1">
+            <a:spLocks noGrp="1"/>
+          </p:cNvSpPr>
+          <p:nvPr>
+            <p:ph type="title"/>
+          </p:nvPr>
+        </p:nvSpPr>
+        <p:spPr>
+          <a:xfrm>
+            <a:off x="609600" y="274638"/>
+            <a:ext cx="10972800" cy="1143000"/>
+          </a:xfrm>
+          <a:prstGeom prst="rect">
+            <a:avLst/>
+          </a:prstGeom>
+          <a:noFill/>
+          <a:ln>
+            <a:noFill/>
+          </a:ln>
+        </p:spPr>
+        <p:txBody>
+          <a:bodyPr spcFirstLastPara="1" wrap="square" lIns="91425" tIns="45700" rIns="91425" bIns="45700" anchor="ctr" anchorCtr="0">
+            <a:noAutofit/>
+          </a:bodyPr>
+          <a:lstStyle/>
+          <a:p>
+            <a:pPr marL="0" lvl="0" indent="0" algn="ctr" rtl="0">
+              <a:spcBef>
+                <a:spcPts val="0"/>
+              </a:spcBef>
+              <a:spcAft>
+                <a:spcPts val="0"/>
+              </a:spcAft>
+              <a:buNone/>
+            </a:pPr>
+            <a:r>
+              <a:rPr lang="en-US">
+                <a:solidFill>
+                  <a:srgbClr val="FF0000"/>
+                </a:solidFill>
+              </a:rPr>
+              <a:t>Nội dung</a:t>
+            </a:r>
+            <a:endParaRPr/>
+          </a:p>
+        </p:txBody>
+      </p:sp>
+      <p:sp>
+        <p:nvSpPr>
+          <p:cNvPr id="123" name="Google Shape;123;p2"/>
+          <p:cNvSpPr txBox="1">
+            <a:spLocks noGrp="1"/>
+          </p:cNvSpPr>
+          <p:nvPr>
+            <p:ph type="body" idx="1"/>
+          </p:nvPr>
+        </p:nvSpPr>
+        <p:spPr>
+          <a:xfrm>
+            <a:off x="609600" y="1600201"/>
+            <a:ext cx="10972800" cy="4525963"/>
+          </a:xfrm>
+          <a:prstGeom prst="rect">
+            <a:avLst/>
+          </a:prstGeom>
+          <a:noFill/>
+          <a:ln>
+            <a:noFill/>
+          </a:ln>
+        </p:spPr>
+        <p:txBody>
+          <a:bodyPr spcFirstLastPara="1" wrap="square" lIns="91425" tIns="45700" rIns="91425" bIns="45700" anchor="t" anchorCtr="0">
+            <a:noAutofit/>
+          </a:bodyPr>
+          <a:lstStyle/>
+          <a:p>
+            <a:pPr marL="514350" lvl="0" indent="-514350" algn="l" rtl="0">
+              <a:spcBef>
+                <a:spcPts val="0"/>
+              </a:spcBef>
+              <a:spcAft>
+                <a:spcPts val="0"/>
+              </a:spcAft>
+              <a:buClr>
+                <a:srgbClr val="0066FF"/>
+              </a:buClr>
+              <a:buSzPts val="2800"/>
+              <a:buFont typeface="Arial"/>
+              <a:buAutoNum type="arabicPeriod"/>
+            </a:pPr>
+            <a:r>
+              <a:rPr lang="en-US" dirty="0" err="1"/>
+              <a:t>Khái</a:t>
+            </a:r>
+            <a:r>
+              <a:rPr lang="en-US" dirty="0"/>
+              <a:t> </a:t>
+            </a:r>
+            <a:r>
+              <a:rPr lang="en-US" dirty="0" err="1"/>
+              <a:t>niệm</a:t>
+            </a:r>
+            <a:r>
+              <a:rPr lang="en-US" dirty="0"/>
+              <a:t> Backtracking (Quay </a:t>
+            </a:r>
+            <a:r>
+              <a:rPr lang="en-US" dirty="0" err="1"/>
+              <a:t>lui</a:t>
+            </a:r>
+            <a:r>
+              <a:rPr lang="en-US" dirty="0"/>
+              <a:t>)</a:t>
+            </a:r>
+            <a:endParaRPr dirty="0"/>
+          </a:p>
+          <a:p>
+            <a:pPr marL="514350" lvl="0" indent="-514350" algn="l" rtl="0">
+              <a:spcBef>
+                <a:spcPts val="560"/>
+              </a:spcBef>
+              <a:spcAft>
+                <a:spcPts val="0"/>
+              </a:spcAft>
+              <a:buClr>
+                <a:srgbClr val="FF0000"/>
+              </a:buClr>
+              <a:buSzPts val="2800"/>
+              <a:buFont typeface="Arial"/>
+              <a:buAutoNum type="arabicPeriod"/>
+            </a:pPr>
+            <a:r>
+              <a:rPr lang="en-US" dirty="0" err="1">
+                <a:solidFill>
+                  <a:srgbClr val="FF0000"/>
+                </a:solidFill>
+              </a:rPr>
+              <a:t>Phân</a:t>
+            </a:r>
+            <a:r>
+              <a:rPr lang="en-US" dirty="0">
+                <a:solidFill>
+                  <a:srgbClr val="FF0000"/>
+                </a:solidFill>
+              </a:rPr>
+              <a:t> </a:t>
+            </a:r>
+            <a:r>
+              <a:rPr lang="en-US" dirty="0" err="1">
+                <a:solidFill>
+                  <a:srgbClr val="FF0000"/>
+                </a:solidFill>
+              </a:rPr>
+              <a:t>loại</a:t>
+            </a:r>
+            <a:endParaRPr dirty="0"/>
+          </a:p>
+          <a:p>
+            <a:pPr marL="514350" lvl="0" indent="-514350" algn="l" rtl="0">
+              <a:spcBef>
+                <a:spcPts val="560"/>
+              </a:spcBef>
+              <a:spcAft>
+                <a:spcPts val="0"/>
+              </a:spcAft>
+              <a:buClr>
+                <a:srgbClr val="0066FF"/>
+              </a:buClr>
+              <a:buSzPts val="2800"/>
+              <a:buFont typeface="Arial"/>
+              <a:buAutoNum type="arabicPeriod"/>
+            </a:pPr>
+            <a:r>
+              <a:rPr lang="en-US" dirty="0" err="1"/>
+              <a:t>Mô</a:t>
+            </a:r>
+            <a:r>
+              <a:rPr lang="en-US" dirty="0"/>
+              <a:t> </a:t>
+            </a:r>
+            <a:r>
+              <a:rPr lang="en-US" dirty="0" err="1"/>
+              <a:t>hình</a:t>
+            </a:r>
+            <a:endParaRPr dirty="0"/>
+          </a:p>
+          <a:p>
+            <a:pPr marL="514350" lvl="0" indent="-514350" algn="l" rtl="0">
+              <a:spcBef>
+                <a:spcPts val="560"/>
+              </a:spcBef>
+              <a:spcAft>
+                <a:spcPts val="0"/>
+              </a:spcAft>
+              <a:buClr>
+                <a:srgbClr val="FF0000"/>
+              </a:buClr>
+              <a:buSzPts val="2800"/>
+              <a:buFont typeface="Arial"/>
+              <a:buAutoNum type="arabicPeriod"/>
+            </a:pPr>
+            <a:r>
+              <a:rPr lang="en-US" dirty="0" err="1">
+                <a:solidFill>
+                  <a:srgbClr val="FF0000"/>
+                </a:solidFill>
+              </a:rPr>
+              <a:t>Một</a:t>
+            </a:r>
+            <a:r>
+              <a:rPr lang="en-US" dirty="0">
+                <a:solidFill>
+                  <a:srgbClr val="FF0000"/>
+                </a:solidFill>
+              </a:rPr>
+              <a:t> </a:t>
+            </a:r>
+            <a:r>
+              <a:rPr lang="en-US" dirty="0" err="1">
+                <a:solidFill>
+                  <a:srgbClr val="FF0000"/>
+                </a:solidFill>
+              </a:rPr>
+              <a:t>số</a:t>
+            </a:r>
+            <a:r>
+              <a:rPr lang="en-US" dirty="0">
+                <a:solidFill>
+                  <a:srgbClr val="FF0000"/>
+                </a:solidFill>
+              </a:rPr>
+              <a:t> </a:t>
+            </a:r>
+            <a:r>
+              <a:rPr lang="en-US" dirty="0" err="1">
+                <a:solidFill>
+                  <a:srgbClr val="FF0000"/>
+                </a:solidFill>
+              </a:rPr>
+              <a:t>bài</a:t>
+            </a:r>
+            <a:r>
+              <a:rPr lang="en-US" dirty="0">
+                <a:solidFill>
+                  <a:srgbClr val="FF0000"/>
+                </a:solidFill>
+              </a:rPr>
+              <a:t> </a:t>
+            </a:r>
+            <a:r>
+              <a:rPr lang="en-US" dirty="0" err="1">
+                <a:solidFill>
+                  <a:srgbClr val="FF0000"/>
+                </a:solidFill>
+              </a:rPr>
+              <a:t>toán</a:t>
+            </a:r>
+            <a:endParaRPr dirty="0"/>
+          </a:p>
+        </p:txBody>
+      </p:sp>
+    </p:spTree>
+  </p:cSld>
+  <p:clrMapOvr>
+    <a:masterClrMapping/>
+  </p:clrMapOvr>
+</p:sld>
+</file>
+
+<file path=ppt/slides/slide4.xml><?xml version="1.0" encoding="utf-8"?>
 <p:sld xmlns:a="http://schemas.openxmlformats.org/drawingml/2006/main" xmlns:r="http://schemas.openxmlformats.org/officeDocument/2006/relationships" xmlns:p="http://schemas.openxmlformats.org/presentationml/2006/main">
   <p:cSld>
     <p:spTree>
@@ -32313,7 +32867,7 @@
 </p:sld>
 </file>
 
-<file path=ppt/slides/slide4.xml><?xml version="1.0" encoding="utf-8"?>
+<file path=ppt/slides/slide5.xml><?xml version="1.0" encoding="utf-8"?>
 <p:sld xmlns:a="http://schemas.openxmlformats.org/drawingml/2006/main" xmlns:r="http://schemas.openxmlformats.org/officeDocument/2006/relationships" xmlns:p="http://schemas.openxmlformats.org/presentationml/2006/main">
   <p:cSld>
     <p:spTree>
@@ -37269,7 +37823,7 @@
 </p:sld>
 </file>
 
-<file path=ppt/slides/slide5.xml><?xml version="1.0" encoding="utf-8"?>
+<file path=ppt/slides/slide6.xml><?xml version="1.0" encoding="utf-8"?>
 <p:sld xmlns:a="http://schemas.openxmlformats.org/drawingml/2006/main" xmlns:r="http://schemas.openxmlformats.org/officeDocument/2006/relationships" xmlns:p="http://schemas.openxmlformats.org/presentationml/2006/main">
   <p:cSld>
     <p:spTree>
@@ -37955,7 +38509,7 @@
 </p:sld>
 </file>
 
-<file path=ppt/slides/slide6.xml><?xml version="1.0" encoding="utf-8"?>
+<file path=ppt/slides/slide7.xml><?xml version="1.0" encoding="utf-8"?>
 <p:sld xmlns:a="http://schemas.openxmlformats.org/drawingml/2006/main" xmlns:r="http://schemas.openxmlformats.org/officeDocument/2006/relationships" xmlns:p="http://schemas.openxmlformats.org/presentationml/2006/main">
   <p:cSld>
     <p:spTree>
@@ -38049,55 +38603,222 @@
               <a:buNone/>
             </a:pPr>
             <a:r>
-              <a:rPr lang="en-US"/>
-              <a:t>Quay lui có thể được phân loại làm hai vấn đề:</a:t>
-            </a:r>
-            <a:endParaRPr/>
+              <a:rPr lang="en-US" dirty="0"/>
+              <a:t>Quay </a:t>
+            </a:r>
+            <a:r>
+              <a:rPr lang="en-US" dirty="0" err="1"/>
+              <a:t>lui</a:t>
+            </a:r>
+            <a:r>
+              <a:rPr lang="en-US" dirty="0"/>
+              <a:t> </a:t>
+            </a:r>
+            <a:r>
+              <a:rPr lang="en-US" dirty="0" err="1"/>
+              <a:t>có</a:t>
+            </a:r>
+            <a:r>
+              <a:rPr lang="en-US" dirty="0"/>
+              <a:t> </a:t>
+            </a:r>
+            <a:r>
+              <a:rPr lang="en-US" dirty="0" err="1"/>
+              <a:t>thể</a:t>
+            </a:r>
+            <a:r>
+              <a:rPr lang="en-US" dirty="0"/>
+              <a:t> </a:t>
+            </a:r>
+            <a:r>
+              <a:rPr lang="en-US" dirty="0" err="1"/>
+              <a:t>được</a:t>
+            </a:r>
+            <a:r>
+              <a:rPr lang="en-US" dirty="0"/>
+              <a:t> </a:t>
+            </a:r>
+            <a:r>
+              <a:rPr lang="en-US" dirty="0" err="1"/>
+              <a:t>phân</a:t>
+            </a:r>
+            <a:r>
+              <a:rPr lang="en-US" dirty="0"/>
+              <a:t> </a:t>
+            </a:r>
+            <a:r>
+              <a:rPr lang="en-US" dirty="0" err="1"/>
+              <a:t>loại</a:t>
+            </a:r>
+            <a:r>
+              <a:rPr lang="en-US" dirty="0"/>
+              <a:t> </a:t>
+            </a:r>
+            <a:r>
+              <a:rPr lang="en-US" dirty="0" err="1"/>
+              <a:t>làm</a:t>
+            </a:r>
+            <a:r>
+              <a:rPr lang="en-US" dirty="0"/>
+              <a:t> </a:t>
+            </a:r>
+            <a:r>
+              <a:rPr lang="en-US" dirty="0" err="1"/>
+              <a:t>hai</a:t>
+            </a:r>
+            <a:r>
+              <a:rPr lang="en-US" dirty="0"/>
+              <a:t> </a:t>
+            </a:r>
+            <a:r>
+              <a:rPr lang="en-US" dirty="0" err="1"/>
+              <a:t>vấn</a:t>
+            </a:r>
+            <a:r>
+              <a:rPr lang="en-US" dirty="0"/>
+              <a:t> </a:t>
+            </a:r>
+            <a:r>
+              <a:rPr lang="en-US" dirty="0" err="1"/>
+              <a:t>đề</a:t>
+            </a:r>
+            <a:r>
+              <a:rPr lang="en-US" dirty="0"/>
+              <a:t>:</a:t>
+            </a:r>
+            <a:endParaRPr dirty="0"/>
           </a:p>
           <a:p>
-            <a:pPr marL="457200" lvl="0" indent="-406400" algn="l" rtl="0">
-              <a:spcBef>
-                <a:spcPts val="560"/>
-              </a:spcBef>
-              <a:spcAft>
-                <a:spcPts val="0"/>
-              </a:spcAft>
+            <a:pPr>
               <a:buClr>
                 <a:srgbClr val="FF0000"/>
               </a:buClr>
-              <a:buSzPts val="2800"/>
-              <a:buChar char="-"/>
             </a:pPr>
             <a:r>
-              <a:rPr lang="en-US">
+              <a:rPr lang="en-US" dirty="0">
                 <a:solidFill>
                   <a:srgbClr val="FF0000"/>
                 </a:solidFill>
               </a:rPr>
-              <a:t>Quay lui tìm 01 giải pháp</a:t>
-            </a:r>
-            <a:endParaRPr>
+              <a:t>Quay </a:t>
+            </a:r>
+            <a:r>
+              <a:rPr lang="en-US" dirty="0" err="1">
+                <a:solidFill>
+                  <a:srgbClr val="FF0000"/>
+                </a:solidFill>
+              </a:rPr>
+              <a:t>lui</a:t>
+            </a:r>
+            <a:r>
+              <a:rPr lang="en-US" dirty="0">
+                <a:solidFill>
+                  <a:srgbClr val="FF0000"/>
+                </a:solidFill>
+              </a:rPr>
+              <a:t> </a:t>
+            </a:r>
+            <a:r>
+              <a:rPr lang="en-US" dirty="0" err="1">
+                <a:solidFill>
+                  <a:srgbClr val="FF0000"/>
+                </a:solidFill>
+              </a:rPr>
+              <a:t>tìm</a:t>
+            </a:r>
+            <a:r>
+              <a:rPr lang="en-US" dirty="0">
+                <a:solidFill>
+                  <a:srgbClr val="FF0000"/>
+                </a:solidFill>
+              </a:rPr>
+              <a:t> 01 </a:t>
+            </a:r>
+            <a:r>
+              <a:rPr lang="en-US" dirty="0" err="1">
+                <a:solidFill>
+                  <a:srgbClr val="FF0000"/>
+                </a:solidFill>
+              </a:rPr>
+              <a:t>giải</a:t>
+            </a:r>
+            <a:r>
+              <a:rPr lang="en-US" dirty="0">
+                <a:solidFill>
+                  <a:srgbClr val="FF0000"/>
+                </a:solidFill>
+              </a:rPr>
+              <a:t> </a:t>
+            </a:r>
+            <a:r>
+              <a:rPr lang="en-US" dirty="0" err="1">
+                <a:solidFill>
+                  <a:srgbClr val="FF0000"/>
+                </a:solidFill>
+              </a:rPr>
+              <a:t>pháp</a:t>
+            </a:r>
+            <a:endParaRPr dirty="0">
               <a:solidFill>
                 <a:srgbClr val="FF0000"/>
               </a:solidFill>
             </a:endParaRPr>
           </a:p>
           <a:p>
-            <a:pPr marL="457200" lvl="0" indent="-406400" algn="l" rtl="0">
-              <a:spcBef>
-                <a:spcPts val="0"/>
-              </a:spcBef>
-              <a:spcAft>
-                <a:spcPts val="0"/>
-              </a:spcAft>
-              <a:buSzPts val="2800"/>
-              <a:buChar char="-"/>
+            <a:pPr>
+              <a:spcBef>
+                <a:spcPts val="0"/>
+              </a:spcBef>
             </a:pPr>
             <a:r>
-              <a:rPr lang="en-US"/>
-              <a:t>Quay lui tìm toàn bộ giải pháp</a:t>
-            </a:r>
-            <a:endParaRPr/>
+              <a:rPr lang="en-US" dirty="0"/>
+              <a:t>Quay </a:t>
+            </a:r>
+            <a:r>
+              <a:rPr lang="en-US" dirty="0" err="1"/>
+              <a:t>lui</a:t>
+            </a:r>
+            <a:r>
+              <a:rPr lang="en-US" dirty="0"/>
+              <a:t> </a:t>
+            </a:r>
+            <a:r>
+              <a:rPr lang="en-US" dirty="0" err="1"/>
+              <a:t>tìm</a:t>
+            </a:r>
+            <a:r>
+              <a:rPr lang="en-US" dirty="0"/>
+              <a:t> </a:t>
+            </a:r>
+            <a:r>
+              <a:rPr lang="en-US" dirty="0" err="1"/>
+              <a:t>toàn</a:t>
+            </a:r>
+            <a:r>
+              <a:rPr lang="en-US" dirty="0"/>
+              <a:t> </a:t>
+            </a:r>
+            <a:r>
+              <a:rPr lang="en-US" dirty="0" err="1"/>
+              <a:t>bộ</a:t>
+            </a:r>
+            <a:r>
+              <a:rPr lang="en-US" dirty="0"/>
+              <a:t> </a:t>
+            </a:r>
+            <a:r>
+              <a:rPr lang="en-US" dirty="0" err="1"/>
+              <a:t>giải</a:t>
+            </a:r>
+            <a:r>
+              <a:rPr lang="en-US" dirty="0"/>
+              <a:t> </a:t>
+            </a:r>
+            <a:r>
+              <a:rPr lang="en-US" dirty="0" err="1"/>
+              <a:t>pháp</a:t>
+            </a:r>
+            <a:endParaRPr lang="en-US" dirty="0"/>
           </a:p>
         </p:txBody>
       </p:sp>
@@ -38109,7 +38830,7 @@
 </p:sld>
 </file>
 
-<file path=ppt/slides/slide7.xml><?xml version="1.0" encoding="utf-8"?>
+<file path=ppt/slides/slide8.xml><?xml version="1.0" encoding="utf-8"?>
 <p:sld xmlns:a="http://schemas.openxmlformats.org/drawingml/2006/main" xmlns:r="http://schemas.openxmlformats.org/officeDocument/2006/relationships" xmlns:p="http://schemas.openxmlformats.org/presentationml/2006/main">
   <p:cSld>
     <p:spTree>
@@ -38203,214 +38924,1139 @@
               <a:buNone/>
             </a:pPr>
             <a:r>
-              <a:rPr lang="en-US" sz="2200" b="1">
+              <a:rPr lang="en-US" sz="2200" b="1" dirty="0" err="1">
                 <a:solidFill>
                   <a:srgbClr val="FF0000"/>
                 </a:solidFill>
               </a:rPr>
-              <a:t>Mã giả 1:</a:t>
-            </a:r>
-            <a:r>
-              <a:rPr lang="en-US" sz="2200">
+              <a:t>Mã</a:t>
+            </a:r>
+            <a:r>
+              <a:rPr lang="en-US" sz="2200" b="1" dirty="0">
                 <a:solidFill>
                   <a:srgbClr val="FF0000"/>
                 </a:solidFill>
               </a:rPr>
-              <a:t> dưới đây là mã giả cho trường hợp quay lui tìm 01 giải pháp</a:t>
-            </a:r>
-            <a:endParaRPr sz="2200">
+              <a:t> </a:t>
+            </a:r>
+            <a:r>
+              <a:rPr lang="en-US" sz="2200" b="1" dirty="0" err="1">
+                <a:solidFill>
+                  <a:srgbClr val="FF0000"/>
+                </a:solidFill>
+              </a:rPr>
+              <a:t>giả</a:t>
+            </a:r>
+            <a:r>
+              <a:rPr lang="en-US" sz="2200" b="1" dirty="0">
+                <a:solidFill>
+                  <a:srgbClr val="FF0000"/>
+                </a:solidFill>
+              </a:rPr>
+              <a:t> 1:</a:t>
+            </a:r>
+            <a:r>
+              <a:rPr lang="en-US" sz="2200" dirty="0">
+                <a:solidFill>
+                  <a:srgbClr val="FF0000"/>
+                </a:solidFill>
+              </a:rPr>
+              <a:t> </a:t>
+            </a:r>
+            <a:r>
+              <a:rPr lang="en-US" sz="2200" dirty="0" err="1">
+                <a:solidFill>
+                  <a:srgbClr val="FF0000"/>
+                </a:solidFill>
+              </a:rPr>
+              <a:t>dưới</a:t>
+            </a:r>
+            <a:r>
+              <a:rPr lang="en-US" sz="2200" dirty="0">
+                <a:solidFill>
+                  <a:srgbClr val="FF0000"/>
+                </a:solidFill>
+              </a:rPr>
+              <a:t> </a:t>
+            </a:r>
+            <a:r>
+              <a:rPr lang="en-US" sz="2200" dirty="0" err="1">
+                <a:solidFill>
+                  <a:srgbClr val="FF0000"/>
+                </a:solidFill>
+              </a:rPr>
+              <a:t>đây</a:t>
+            </a:r>
+            <a:r>
+              <a:rPr lang="en-US" sz="2200" dirty="0">
+                <a:solidFill>
+                  <a:srgbClr val="FF0000"/>
+                </a:solidFill>
+              </a:rPr>
+              <a:t> </a:t>
+            </a:r>
+            <a:r>
+              <a:rPr lang="en-US" sz="2200" dirty="0" err="1">
+                <a:solidFill>
+                  <a:srgbClr val="FF0000"/>
+                </a:solidFill>
+              </a:rPr>
+              <a:t>là</a:t>
+            </a:r>
+            <a:r>
+              <a:rPr lang="en-US" sz="2200" dirty="0">
+                <a:solidFill>
+                  <a:srgbClr val="FF0000"/>
+                </a:solidFill>
+              </a:rPr>
+              <a:t> </a:t>
+            </a:r>
+            <a:r>
+              <a:rPr lang="en-US" sz="2200" dirty="0" err="1">
+                <a:solidFill>
+                  <a:srgbClr val="FF0000"/>
+                </a:solidFill>
+              </a:rPr>
+              <a:t>mã</a:t>
+            </a:r>
+            <a:r>
+              <a:rPr lang="en-US" sz="2200" dirty="0">
+                <a:solidFill>
+                  <a:srgbClr val="FF0000"/>
+                </a:solidFill>
+              </a:rPr>
+              <a:t> </a:t>
+            </a:r>
+            <a:r>
+              <a:rPr lang="en-US" sz="2200" dirty="0" err="1">
+                <a:solidFill>
+                  <a:srgbClr val="FF0000"/>
+                </a:solidFill>
+              </a:rPr>
+              <a:t>giả</a:t>
+            </a:r>
+            <a:r>
+              <a:rPr lang="en-US" sz="2200" dirty="0">
+                <a:solidFill>
+                  <a:srgbClr val="FF0000"/>
+                </a:solidFill>
+              </a:rPr>
+              <a:t> </a:t>
+            </a:r>
+            <a:r>
+              <a:rPr lang="en-US" sz="2200" dirty="0" err="1">
+                <a:solidFill>
+                  <a:srgbClr val="FF0000"/>
+                </a:solidFill>
+              </a:rPr>
+              <a:t>cho</a:t>
+            </a:r>
+            <a:r>
+              <a:rPr lang="en-US" sz="2200" dirty="0">
+                <a:solidFill>
+                  <a:srgbClr val="FF0000"/>
+                </a:solidFill>
+              </a:rPr>
+              <a:t> </a:t>
+            </a:r>
+            <a:r>
+              <a:rPr lang="en-US" sz="2200" dirty="0" err="1">
+                <a:solidFill>
+                  <a:srgbClr val="FF0000"/>
+                </a:solidFill>
+              </a:rPr>
+              <a:t>trường</a:t>
+            </a:r>
+            <a:r>
+              <a:rPr lang="en-US" sz="2200" dirty="0">
+                <a:solidFill>
+                  <a:srgbClr val="FF0000"/>
+                </a:solidFill>
+              </a:rPr>
+              <a:t> </a:t>
+            </a:r>
+            <a:r>
+              <a:rPr lang="en-US" sz="2200" dirty="0" err="1">
+                <a:solidFill>
+                  <a:srgbClr val="FF0000"/>
+                </a:solidFill>
+              </a:rPr>
+              <a:t>hợp</a:t>
+            </a:r>
+            <a:r>
+              <a:rPr lang="en-US" sz="2200" dirty="0">
+                <a:solidFill>
+                  <a:srgbClr val="FF0000"/>
+                </a:solidFill>
+              </a:rPr>
+              <a:t> quay </a:t>
+            </a:r>
+            <a:r>
+              <a:rPr lang="en-US" sz="2200" dirty="0" err="1">
+                <a:solidFill>
+                  <a:srgbClr val="FF0000"/>
+                </a:solidFill>
+              </a:rPr>
+              <a:t>lui</a:t>
+            </a:r>
+            <a:r>
+              <a:rPr lang="en-US" sz="2200" dirty="0">
+                <a:solidFill>
+                  <a:srgbClr val="FF0000"/>
+                </a:solidFill>
+              </a:rPr>
+              <a:t> </a:t>
+            </a:r>
+            <a:r>
+              <a:rPr lang="en-US" sz="2200" dirty="0" err="1">
+                <a:solidFill>
+                  <a:srgbClr val="FF0000"/>
+                </a:solidFill>
+              </a:rPr>
+              <a:t>tìm</a:t>
+            </a:r>
+            <a:r>
+              <a:rPr lang="en-US" sz="2200" dirty="0">
+                <a:solidFill>
+                  <a:srgbClr val="FF0000"/>
+                </a:solidFill>
+              </a:rPr>
+              <a:t> 01 </a:t>
+            </a:r>
+            <a:r>
+              <a:rPr lang="en-US" sz="2200" dirty="0" err="1">
+                <a:solidFill>
+                  <a:srgbClr val="FF0000"/>
+                </a:solidFill>
+              </a:rPr>
+              <a:t>giải</a:t>
+            </a:r>
+            <a:r>
+              <a:rPr lang="en-US" sz="2200" dirty="0">
+                <a:solidFill>
+                  <a:srgbClr val="FF0000"/>
+                </a:solidFill>
+              </a:rPr>
+              <a:t> </a:t>
+            </a:r>
+            <a:r>
+              <a:rPr lang="en-US" sz="2200" dirty="0" err="1">
+                <a:solidFill>
+                  <a:srgbClr val="FF0000"/>
+                </a:solidFill>
+              </a:rPr>
+              <a:t>pháp</a:t>
+            </a:r>
+            <a:endParaRPr sz="2200" dirty="0">
               <a:solidFill>
                 <a:srgbClr val="FF0000"/>
               </a:solidFill>
             </a:endParaRPr>
           </a:p>
           <a:p>
-            <a:pPr marL="457200" lvl="0" indent="-368300" algn="l" rtl="0">
-              <a:spcBef>
-                <a:spcPts val="560"/>
-              </a:spcBef>
-              <a:spcAft>
-                <a:spcPts val="0"/>
-              </a:spcAft>
+            <a:pPr marL="431800" indent="-342900">
               <a:buSzPts val="2200"/>
-              <a:buChar char="-"/>
             </a:pPr>
             <a:r>
-              <a:rPr lang="en-US" sz="2200"/>
-              <a:t>Nếu không còn trường hợp nào để xét:</a:t>
-            </a:r>
-            <a:endParaRPr sz="2200"/>
+              <a:rPr lang="en-US" sz="2200" dirty="0" err="1"/>
+              <a:t>Nếu</a:t>
+            </a:r>
+            <a:r>
+              <a:rPr lang="en-US" sz="2200" dirty="0"/>
+              <a:t> </a:t>
+            </a:r>
+            <a:r>
+              <a:rPr lang="en-US" sz="2200" dirty="0" err="1"/>
+              <a:t>không</a:t>
+            </a:r>
+            <a:r>
+              <a:rPr lang="en-US" sz="2200" dirty="0"/>
+              <a:t> </a:t>
+            </a:r>
+            <a:r>
+              <a:rPr lang="en-US" sz="2200" dirty="0" err="1"/>
+              <a:t>còn</a:t>
+            </a:r>
+            <a:r>
+              <a:rPr lang="en-US" sz="2200" dirty="0"/>
+              <a:t> </a:t>
+            </a:r>
+            <a:r>
+              <a:rPr lang="en-US" sz="2200" dirty="0" err="1"/>
+              <a:t>trường</a:t>
+            </a:r>
+            <a:r>
+              <a:rPr lang="en-US" sz="2200" dirty="0"/>
+              <a:t> </a:t>
+            </a:r>
+            <a:r>
+              <a:rPr lang="en-US" sz="2200" dirty="0" err="1"/>
+              <a:t>hợp</a:t>
+            </a:r>
+            <a:r>
+              <a:rPr lang="en-US" sz="2200" dirty="0"/>
+              <a:t> </a:t>
+            </a:r>
+            <a:r>
+              <a:rPr lang="en-US" sz="2200" dirty="0" err="1"/>
+              <a:t>nào</a:t>
+            </a:r>
+            <a:r>
+              <a:rPr lang="en-US" sz="2200" dirty="0"/>
+              <a:t> </a:t>
+            </a:r>
+            <a:r>
+              <a:rPr lang="en-US" sz="2200" dirty="0" err="1"/>
+              <a:t>để</a:t>
+            </a:r>
+            <a:r>
+              <a:rPr lang="en-US" sz="2200" dirty="0"/>
+              <a:t> </a:t>
+            </a:r>
+            <a:r>
+              <a:rPr lang="en-US" sz="2200" dirty="0" err="1"/>
+              <a:t>xét</a:t>
+            </a:r>
+            <a:r>
+              <a:rPr lang="en-US" sz="2200" dirty="0"/>
+              <a:t>:</a:t>
+            </a:r>
+            <a:endParaRPr sz="2200" dirty="0"/>
           </a:p>
           <a:p>
-            <a:pPr marL="914400" lvl="1" indent="-368300" algn="l" rtl="0">
-              <a:spcBef>
-                <a:spcPts val="0"/>
-              </a:spcBef>
-              <a:spcAft>
-                <a:spcPts val="0"/>
-              </a:spcAft>
+            <a:pPr marL="889000" lvl="1" indent="-342900">
+              <a:spcBef>
+                <a:spcPts val="0"/>
+              </a:spcBef>
               <a:buSzPts val="2200"/>
-              <a:buChar char="-"/>
             </a:pPr>
             <a:r>
-              <a:rPr lang="en-US" sz="2200"/>
-              <a:t>Trường hợp hiện tại đang xét là hợp lệ, trả về </a:t>
-            </a:r>
-            <a:r>
-              <a:rPr lang="en-US" sz="2200" b="1"/>
+              <a:rPr lang="en-US" sz="2200" dirty="0" err="1"/>
+              <a:t>Trường</a:t>
+            </a:r>
+            <a:r>
+              <a:rPr lang="en-US" sz="2200" dirty="0"/>
+              <a:t> </a:t>
+            </a:r>
+            <a:r>
+              <a:rPr lang="en-US" sz="2200" dirty="0" err="1"/>
+              <a:t>hợp</a:t>
+            </a:r>
+            <a:r>
+              <a:rPr lang="en-US" sz="2200" dirty="0"/>
+              <a:t> </a:t>
+            </a:r>
+            <a:r>
+              <a:rPr lang="en-US" sz="2200" dirty="0" err="1"/>
+              <a:t>hiện</a:t>
+            </a:r>
+            <a:r>
+              <a:rPr lang="en-US" sz="2200" dirty="0"/>
+              <a:t> </a:t>
+            </a:r>
+            <a:r>
+              <a:rPr lang="en-US" sz="2200" dirty="0" err="1"/>
+              <a:t>tại</a:t>
+            </a:r>
+            <a:r>
+              <a:rPr lang="en-US" sz="2200" dirty="0"/>
+              <a:t> </a:t>
+            </a:r>
+            <a:r>
+              <a:rPr lang="en-US" sz="2200" dirty="0" err="1"/>
+              <a:t>đang</a:t>
+            </a:r>
+            <a:r>
+              <a:rPr lang="en-US" sz="2200" dirty="0"/>
+              <a:t> </a:t>
+            </a:r>
+            <a:r>
+              <a:rPr lang="en-US" sz="2200" dirty="0" err="1"/>
+              <a:t>xét</a:t>
+            </a:r>
+            <a:r>
+              <a:rPr lang="en-US" sz="2200" dirty="0"/>
+              <a:t> </a:t>
+            </a:r>
+            <a:r>
+              <a:rPr lang="en-US" sz="2200" dirty="0" err="1"/>
+              <a:t>là</a:t>
+            </a:r>
+            <a:r>
+              <a:rPr lang="en-US" sz="2200" dirty="0"/>
+              <a:t> </a:t>
+            </a:r>
+            <a:r>
+              <a:rPr lang="en-US" sz="2200" dirty="0" err="1"/>
+              <a:t>hợp</a:t>
+            </a:r>
+            <a:r>
+              <a:rPr lang="en-US" sz="2200" dirty="0"/>
+              <a:t> </a:t>
+            </a:r>
+            <a:r>
+              <a:rPr lang="en-US" sz="2200" dirty="0" err="1"/>
+              <a:t>lệ</a:t>
+            </a:r>
+            <a:r>
+              <a:rPr lang="en-US" sz="2200" dirty="0"/>
+              <a:t>, </a:t>
+            </a:r>
+            <a:r>
+              <a:rPr lang="en-US" sz="2200" dirty="0" err="1"/>
+              <a:t>trả</a:t>
+            </a:r>
+            <a:r>
+              <a:rPr lang="en-US" sz="2200" dirty="0"/>
+              <a:t> </a:t>
+            </a:r>
+            <a:r>
+              <a:rPr lang="en-US" sz="2200" dirty="0" err="1"/>
+              <a:t>về</a:t>
+            </a:r>
+            <a:r>
+              <a:rPr lang="en-US" sz="2200" dirty="0"/>
+              <a:t> </a:t>
+            </a:r>
+            <a:r>
+              <a:rPr lang="en-US" sz="2200" b="1" dirty="0"/>
               <a:t>True</a:t>
             </a:r>
-            <a:endParaRPr sz="2200" b="1"/>
+            <a:endParaRPr sz="2200" b="1" dirty="0"/>
           </a:p>
           <a:p>
-            <a:pPr marL="914400" lvl="1" indent="-368300" algn="l" rtl="0">
-              <a:spcBef>
-                <a:spcPts val="0"/>
-              </a:spcBef>
-              <a:spcAft>
-                <a:spcPts val="0"/>
-              </a:spcAft>
+            <a:pPr marL="889000" lvl="1" indent="-342900">
+              <a:spcBef>
+                <a:spcPts val="0"/>
+              </a:spcBef>
               <a:buSzPts val="2200"/>
-              <a:buChar char="-"/>
             </a:pPr>
             <a:r>
-              <a:rPr lang="en-US" sz="2200"/>
-              <a:t>Ngược lại trả về </a:t>
-            </a:r>
-            <a:r>
-              <a:rPr lang="en-US" sz="2200" b="1"/>
+              <a:rPr lang="en-US" sz="2200" dirty="0" err="1"/>
+              <a:t>Ngược</a:t>
+            </a:r>
+            <a:r>
+              <a:rPr lang="en-US" sz="2200" dirty="0"/>
+              <a:t> </a:t>
+            </a:r>
+            <a:r>
+              <a:rPr lang="en-US" sz="2200" dirty="0" err="1"/>
+              <a:t>lại</a:t>
+            </a:r>
+            <a:r>
+              <a:rPr lang="en-US" sz="2200" dirty="0"/>
+              <a:t> </a:t>
+            </a:r>
+            <a:r>
+              <a:rPr lang="en-US" sz="2200" dirty="0" err="1"/>
+              <a:t>trả</a:t>
+            </a:r>
+            <a:r>
+              <a:rPr lang="en-US" sz="2200" dirty="0"/>
+              <a:t> </a:t>
+            </a:r>
+            <a:r>
+              <a:rPr lang="en-US" sz="2200" dirty="0" err="1"/>
+              <a:t>về</a:t>
+            </a:r>
+            <a:r>
+              <a:rPr lang="en-US" sz="2200" dirty="0"/>
+              <a:t> </a:t>
+            </a:r>
+            <a:r>
+              <a:rPr lang="en-US" sz="2200" b="1" dirty="0"/>
               <a:t>False</a:t>
             </a:r>
-            <a:endParaRPr sz="2200"/>
+            <a:endParaRPr sz="2200" dirty="0"/>
           </a:p>
           <a:p>
-            <a:pPr marL="457200" lvl="0" indent="-368300" algn="l" rtl="0">
-              <a:spcBef>
-                <a:spcPts val="0"/>
-              </a:spcBef>
-              <a:spcAft>
-                <a:spcPts val="0"/>
-              </a:spcAft>
+            <a:pPr marL="431800" indent="-342900">
+              <a:spcBef>
+                <a:spcPts val="0"/>
+              </a:spcBef>
               <a:buSzPts val="2200"/>
-              <a:buChar char="-"/>
             </a:pPr>
             <a:r>
-              <a:rPr lang="en-US" sz="2200"/>
-              <a:t>Ngược lại: giải quyết trường hợp hiện tại, và phần còn lại giải quyết bằng đệ quy. Với mỗi lựa chọn </a:t>
-            </a:r>
-            <a:r>
-              <a:rPr lang="en-US" sz="2200" b="1"/>
+              <a:rPr lang="en-US" sz="2200" dirty="0" err="1"/>
+              <a:t>Ngược</a:t>
+            </a:r>
+            <a:r>
+              <a:rPr lang="en-US" sz="2200" dirty="0"/>
+              <a:t> </a:t>
+            </a:r>
+            <a:r>
+              <a:rPr lang="en-US" sz="2200" dirty="0" err="1"/>
+              <a:t>lại</a:t>
+            </a:r>
+            <a:r>
+              <a:rPr lang="en-US" sz="2200" dirty="0"/>
+              <a:t>: </a:t>
+            </a:r>
+            <a:r>
+              <a:rPr lang="en-US" sz="2200" dirty="0" err="1"/>
+              <a:t>giải</a:t>
+            </a:r>
+            <a:r>
+              <a:rPr lang="en-US" sz="2200" dirty="0"/>
+              <a:t> </a:t>
+            </a:r>
+            <a:r>
+              <a:rPr lang="en-US" sz="2200" dirty="0" err="1"/>
+              <a:t>quyết</a:t>
+            </a:r>
+            <a:r>
+              <a:rPr lang="en-US" sz="2200" dirty="0"/>
+              <a:t> </a:t>
+            </a:r>
+            <a:r>
+              <a:rPr lang="en-US" sz="2200" dirty="0" err="1"/>
+              <a:t>trường</a:t>
+            </a:r>
+            <a:r>
+              <a:rPr lang="en-US" sz="2200" dirty="0"/>
+              <a:t> </a:t>
+            </a:r>
+            <a:r>
+              <a:rPr lang="en-US" sz="2200" dirty="0" err="1"/>
+              <a:t>hợp</a:t>
+            </a:r>
+            <a:r>
+              <a:rPr lang="en-US" sz="2200" dirty="0"/>
+              <a:t> </a:t>
+            </a:r>
+            <a:r>
+              <a:rPr lang="en-US" sz="2200" dirty="0" err="1"/>
+              <a:t>hiện</a:t>
+            </a:r>
+            <a:r>
+              <a:rPr lang="en-US" sz="2200" dirty="0"/>
+              <a:t> </a:t>
+            </a:r>
+            <a:r>
+              <a:rPr lang="en-US" sz="2200" dirty="0" err="1"/>
+              <a:t>tại</a:t>
+            </a:r>
+            <a:r>
+              <a:rPr lang="en-US" sz="2200" dirty="0"/>
+              <a:t>, </a:t>
+            </a:r>
+            <a:r>
+              <a:rPr lang="en-US" sz="2200" dirty="0" err="1"/>
+              <a:t>và</a:t>
+            </a:r>
+            <a:r>
+              <a:rPr lang="en-US" sz="2200" dirty="0"/>
+              <a:t> </a:t>
+            </a:r>
+            <a:r>
+              <a:rPr lang="en-US" sz="2200" dirty="0" err="1"/>
+              <a:t>phần</a:t>
+            </a:r>
+            <a:r>
+              <a:rPr lang="en-US" sz="2200" dirty="0"/>
+              <a:t> </a:t>
+            </a:r>
+            <a:r>
+              <a:rPr lang="en-US" sz="2200" dirty="0" err="1"/>
+              <a:t>còn</a:t>
+            </a:r>
+            <a:r>
+              <a:rPr lang="en-US" sz="2200" dirty="0"/>
+              <a:t> </a:t>
+            </a:r>
+            <a:r>
+              <a:rPr lang="en-US" sz="2200" dirty="0" err="1"/>
+              <a:t>lại</a:t>
+            </a:r>
+            <a:r>
+              <a:rPr lang="en-US" sz="2200" dirty="0"/>
+              <a:t> </a:t>
+            </a:r>
+            <a:r>
+              <a:rPr lang="en-US" sz="2200" dirty="0" err="1"/>
+              <a:t>giải</a:t>
+            </a:r>
+            <a:r>
+              <a:rPr lang="en-US" sz="2200" dirty="0"/>
+              <a:t> </a:t>
+            </a:r>
+            <a:r>
+              <a:rPr lang="en-US" sz="2200" dirty="0" err="1"/>
+              <a:t>quyết</a:t>
+            </a:r>
+            <a:r>
+              <a:rPr lang="en-US" sz="2200" dirty="0"/>
+              <a:t> </a:t>
+            </a:r>
+            <a:r>
+              <a:rPr lang="en-US" sz="2200" dirty="0" err="1"/>
+              <a:t>bằng</a:t>
+            </a:r>
+            <a:r>
+              <a:rPr lang="en-US" sz="2200" dirty="0"/>
+              <a:t> </a:t>
+            </a:r>
+            <a:r>
+              <a:rPr lang="en-US" sz="2200" dirty="0" err="1"/>
+              <a:t>đệ</a:t>
+            </a:r>
+            <a:r>
+              <a:rPr lang="en-US" sz="2200" dirty="0"/>
+              <a:t> </a:t>
+            </a:r>
+            <a:r>
+              <a:rPr lang="en-US" sz="2200" dirty="0" err="1"/>
+              <a:t>quy</a:t>
+            </a:r>
+            <a:r>
+              <a:rPr lang="en-US" sz="2200" dirty="0"/>
+              <a:t>. </a:t>
+            </a:r>
+            <a:r>
+              <a:rPr lang="en-US" sz="2200" dirty="0" err="1"/>
+              <a:t>Với</a:t>
+            </a:r>
+            <a:r>
+              <a:rPr lang="en-US" sz="2200" dirty="0"/>
+              <a:t> </a:t>
+            </a:r>
+            <a:r>
+              <a:rPr lang="en-US" sz="2200" dirty="0" err="1"/>
+              <a:t>mỗi</a:t>
+            </a:r>
+            <a:r>
+              <a:rPr lang="en-US" sz="2200" dirty="0"/>
+              <a:t> </a:t>
+            </a:r>
+            <a:r>
+              <a:rPr lang="en-US" sz="2200" dirty="0" err="1"/>
+              <a:t>lựa</a:t>
+            </a:r>
+            <a:r>
+              <a:rPr lang="en-US" sz="2200" dirty="0"/>
+              <a:t> </a:t>
+            </a:r>
+            <a:r>
+              <a:rPr lang="en-US" sz="2200" dirty="0" err="1"/>
+              <a:t>chọn</a:t>
+            </a:r>
+            <a:r>
+              <a:rPr lang="en-US" sz="2200" dirty="0"/>
+              <a:t> </a:t>
+            </a:r>
+            <a:r>
+              <a:rPr lang="en-US" sz="2200" b="1" dirty="0"/>
               <a:t>C </a:t>
             </a:r>
             <a:r>
-              <a:rPr lang="en-US" sz="2200"/>
-              <a:t>hợp lệ cho quyết định này:</a:t>
-            </a:r>
-            <a:endParaRPr sz="2200"/>
+              <a:rPr lang="en-US" sz="2200" dirty="0" err="1"/>
+              <a:t>hợp</a:t>
+            </a:r>
+            <a:r>
+              <a:rPr lang="en-US" sz="2200" dirty="0"/>
+              <a:t> </a:t>
+            </a:r>
+            <a:r>
+              <a:rPr lang="en-US" sz="2200" dirty="0" err="1"/>
+              <a:t>lệ</a:t>
+            </a:r>
+            <a:r>
+              <a:rPr lang="en-US" sz="2200" dirty="0"/>
+              <a:t> </a:t>
+            </a:r>
+            <a:r>
+              <a:rPr lang="en-US" sz="2200" dirty="0" err="1"/>
+              <a:t>cho</a:t>
+            </a:r>
+            <a:r>
+              <a:rPr lang="en-US" sz="2200" dirty="0"/>
+              <a:t> </a:t>
+            </a:r>
+            <a:r>
+              <a:rPr lang="en-US" sz="2200" dirty="0" err="1"/>
+              <a:t>trường</a:t>
+            </a:r>
+            <a:r>
+              <a:rPr lang="en-US" sz="2200" dirty="0"/>
+              <a:t> </a:t>
+            </a:r>
+            <a:r>
+              <a:rPr lang="en-US" sz="2200" dirty="0" err="1"/>
+              <a:t>hợp</a:t>
+            </a:r>
+            <a:r>
+              <a:rPr lang="en-US" sz="2200" dirty="0"/>
+              <a:t> </a:t>
+            </a:r>
+            <a:r>
+              <a:rPr lang="en-US" sz="2200" dirty="0" err="1"/>
+              <a:t>này</a:t>
+            </a:r>
+            <a:r>
+              <a:rPr lang="en-US" sz="2200" dirty="0"/>
+              <a:t>:</a:t>
+            </a:r>
+            <a:endParaRPr sz="2200" dirty="0"/>
           </a:p>
           <a:p>
-            <a:pPr marL="914400" lvl="1" indent="-368300" algn="l" rtl="0">
-              <a:spcBef>
-                <a:spcPts val="0"/>
-              </a:spcBef>
-              <a:spcAft>
-                <a:spcPts val="0"/>
-              </a:spcAft>
+            <a:pPr marL="889000" lvl="1" indent="-342900">
+              <a:spcBef>
+                <a:spcPts val="0"/>
+              </a:spcBef>
               <a:buSzPts val="2200"/>
-              <a:buChar char="-"/>
             </a:pPr>
             <a:r>
-              <a:rPr lang="en-US" sz="2200"/>
-              <a:t>Chọn tham số </a:t>
-            </a:r>
-            <a:r>
-              <a:rPr lang="en-US" sz="2200" b="1"/>
+              <a:rPr lang="en-US" sz="2200" dirty="0" err="1"/>
+              <a:t>Chọn</a:t>
+            </a:r>
+            <a:r>
+              <a:rPr lang="en-US" sz="2200" dirty="0"/>
+              <a:t> </a:t>
+            </a:r>
+            <a:r>
+              <a:rPr lang="en-US" sz="2200" dirty="0" err="1"/>
+              <a:t>tham</a:t>
+            </a:r>
+            <a:r>
+              <a:rPr lang="en-US" sz="2200" dirty="0"/>
+              <a:t> </a:t>
+            </a:r>
+            <a:r>
+              <a:rPr lang="en-US" sz="2200" dirty="0" err="1"/>
+              <a:t>số</a:t>
+            </a:r>
+            <a:r>
+              <a:rPr lang="en-US" sz="2200" dirty="0"/>
+              <a:t> </a:t>
+            </a:r>
+            <a:r>
+              <a:rPr lang="en-US" sz="2200" b="1" dirty="0"/>
               <a:t>C</a:t>
             </a:r>
-            <a:endParaRPr sz="2200" b="1"/>
+            <a:endParaRPr sz="2200" b="1" dirty="0"/>
           </a:p>
           <a:p>
-            <a:pPr marL="914400" lvl="1" indent="-368300" algn="l" rtl="0">
-              <a:spcBef>
-                <a:spcPts val="0"/>
-              </a:spcBef>
-              <a:spcAft>
-                <a:spcPts val="0"/>
-              </a:spcAft>
+            <a:pPr marL="889000" lvl="1" indent="-342900">
+              <a:spcBef>
+                <a:spcPts val="0"/>
+              </a:spcBef>
               <a:buSzPts val="2200"/>
-              <a:buChar char="-"/>
             </a:pPr>
             <a:r>
-              <a:rPr lang="en-US" sz="2200" b="1"/>
-              <a:t>Dò tiếp </a:t>
-            </a:r>
-            <a:r>
-              <a:rPr lang="en-US" sz="2200"/>
-              <a:t>những quyết định có thể còn lại tuân theo </a:t>
-            </a:r>
-            <a:r>
-              <a:rPr lang="en-US" sz="2200" b="1"/>
+              <a:rPr lang="en-US" sz="2200" b="1" dirty="0" err="1"/>
+              <a:t>Dò</a:t>
+            </a:r>
+            <a:r>
+              <a:rPr lang="en-US" sz="2200" b="1" dirty="0"/>
+              <a:t> </a:t>
+            </a:r>
+            <a:r>
+              <a:rPr lang="en-US" sz="2200" b="1" dirty="0" err="1"/>
+              <a:t>tiếp</a:t>
+            </a:r>
+            <a:r>
+              <a:rPr lang="en-US" sz="2200" b="1" dirty="0"/>
+              <a:t> </a:t>
+            </a:r>
+            <a:r>
+              <a:rPr lang="en-US" sz="2200" dirty="0" err="1"/>
+              <a:t>những</a:t>
+            </a:r>
+            <a:r>
+              <a:rPr lang="en-US" sz="2200" dirty="0"/>
+              <a:t> </a:t>
+            </a:r>
+            <a:r>
+              <a:rPr lang="en-US" sz="2200" dirty="0" err="1"/>
+              <a:t>quyết</a:t>
+            </a:r>
+            <a:r>
+              <a:rPr lang="en-US" sz="2200" dirty="0"/>
+              <a:t> </a:t>
+            </a:r>
+            <a:r>
+              <a:rPr lang="en-US" sz="2200" dirty="0" err="1"/>
+              <a:t>định</a:t>
+            </a:r>
+            <a:r>
+              <a:rPr lang="en-US" sz="2200" dirty="0"/>
+              <a:t> </a:t>
+            </a:r>
+            <a:r>
+              <a:rPr lang="en-US" sz="2200" dirty="0" err="1"/>
+              <a:t>có</a:t>
+            </a:r>
+            <a:r>
+              <a:rPr lang="en-US" sz="2200" dirty="0"/>
+              <a:t> </a:t>
+            </a:r>
+            <a:r>
+              <a:rPr lang="en-US" sz="2200" dirty="0" err="1"/>
+              <a:t>thể</a:t>
+            </a:r>
+            <a:r>
+              <a:rPr lang="en-US" sz="2200" dirty="0"/>
+              <a:t> </a:t>
+            </a:r>
+            <a:r>
+              <a:rPr lang="en-US" sz="2200" dirty="0" err="1"/>
+              <a:t>còn</a:t>
+            </a:r>
+            <a:r>
+              <a:rPr lang="en-US" sz="2200" dirty="0"/>
+              <a:t> </a:t>
+            </a:r>
+            <a:r>
+              <a:rPr lang="en-US" sz="2200" dirty="0" err="1"/>
+              <a:t>lại</a:t>
+            </a:r>
+            <a:r>
+              <a:rPr lang="en-US" sz="2200" dirty="0"/>
+              <a:t> </a:t>
+            </a:r>
+            <a:r>
+              <a:rPr lang="en-US" sz="2200" dirty="0" err="1"/>
+              <a:t>tuân</a:t>
+            </a:r>
+            <a:r>
+              <a:rPr lang="en-US" sz="2200" dirty="0"/>
+              <a:t> </a:t>
+            </a:r>
+            <a:r>
+              <a:rPr lang="en-US" sz="2200" dirty="0" err="1"/>
+              <a:t>theo</a:t>
+            </a:r>
+            <a:r>
+              <a:rPr lang="en-US" sz="2200" dirty="0"/>
+              <a:t> </a:t>
+            </a:r>
+            <a:r>
+              <a:rPr lang="en-US" sz="2200" b="1" dirty="0"/>
               <a:t>C. </a:t>
             </a:r>
             <a:r>
-              <a:rPr lang="en-US" sz="2200"/>
-              <a:t>Nếu trong số đó chúng tìm ra được giải pháp, trả về </a:t>
-            </a:r>
-            <a:r>
-              <a:rPr lang="en-US" sz="2200" b="1"/>
+              <a:rPr lang="en-US" sz="2200" dirty="0" err="1"/>
+              <a:t>Nếu</a:t>
+            </a:r>
+            <a:r>
+              <a:rPr lang="en-US" sz="2200" dirty="0"/>
+              <a:t> </a:t>
+            </a:r>
+            <a:r>
+              <a:rPr lang="en-US" sz="2200" dirty="0" err="1"/>
+              <a:t>trong</a:t>
+            </a:r>
+            <a:r>
+              <a:rPr lang="en-US" sz="2200" dirty="0"/>
+              <a:t> </a:t>
+            </a:r>
+            <a:r>
+              <a:rPr lang="en-US" sz="2200" dirty="0" err="1"/>
+              <a:t>số</a:t>
+            </a:r>
+            <a:r>
+              <a:rPr lang="en-US" sz="2200" dirty="0"/>
+              <a:t> </a:t>
+            </a:r>
+            <a:r>
+              <a:rPr lang="en-US" sz="2200" dirty="0" err="1"/>
+              <a:t>đó</a:t>
+            </a:r>
+            <a:r>
+              <a:rPr lang="en-US" sz="2200" dirty="0"/>
+              <a:t> </a:t>
+            </a:r>
+            <a:r>
+              <a:rPr lang="en-US" sz="2200" dirty="0" err="1"/>
+              <a:t>chúng</a:t>
+            </a:r>
+            <a:r>
+              <a:rPr lang="en-US" sz="2200" dirty="0"/>
+              <a:t> </a:t>
+            </a:r>
+            <a:r>
+              <a:rPr lang="en-US" sz="2200" dirty="0" err="1"/>
+              <a:t>tìm</a:t>
+            </a:r>
+            <a:r>
+              <a:rPr lang="en-US" sz="2200" dirty="0"/>
+              <a:t> ra </a:t>
+            </a:r>
+            <a:r>
+              <a:rPr lang="en-US" sz="2200" dirty="0" err="1"/>
+              <a:t>được</a:t>
+            </a:r>
+            <a:r>
+              <a:rPr lang="en-US" sz="2200" dirty="0"/>
+              <a:t> </a:t>
+            </a:r>
+            <a:r>
+              <a:rPr lang="en-US" sz="2200" dirty="0" err="1"/>
+              <a:t>giải</a:t>
+            </a:r>
+            <a:r>
+              <a:rPr lang="en-US" sz="2200" dirty="0"/>
+              <a:t> </a:t>
+            </a:r>
+            <a:r>
+              <a:rPr lang="en-US" sz="2200" dirty="0" err="1"/>
+              <a:t>pháp</a:t>
+            </a:r>
+            <a:r>
+              <a:rPr lang="en-US" sz="2200" dirty="0"/>
+              <a:t>, </a:t>
+            </a:r>
+            <a:r>
+              <a:rPr lang="en-US" sz="2200" dirty="0" err="1"/>
+              <a:t>trả</a:t>
+            </a:r>
+            <a:r>
+              <a:rPr lang="en-US" sz="2200" dirty="0"/>
+              <a:t> </a:t>
+            </a:r>
+            <a:r>
+              <a:rPr lang="en-US" sz="2200" dirty="0" err="1"/>
+              <a:t>về</a:t>
+            </a:r>
+            <a:r>
+              <a:rPr lang="en-US" sz="2200" dirty="0"/>
+              <a:t> </a:t>
+            </a:r>
+            <a:r>
+              <a:rPr lang="en-US" sz="2200" b="1" dirty="0"/>
               <a:t>True</a:t>
             </a:r>
             <a:r>
-              <a:rPr lang="en-US" sz="2200"/>
+              <a:rPr lang="en-US" sz="2200" dirty="0"/>
               <a:t>.</a:t>
             </a:r>
-            <a:endParaRPr sz="2200"/>
+            <a:endParaRPr sz="2200" dirty="0"/>
           </a:p>
           <a:p>
-            <a:pPr marL="914400" lvl="1" indent="-368300" algn="l" rtl="0">
-              <a:spcBef>
-                <a:spcPts val="0"/>
-              </a:spcBef>
-              <a:spcAft>
-                <a:spcPts val="0"/>
-              </a:spcAft>
+            <a:pPr marL="889000" lvl="1" indent="-342900">
+              <a:spcBef>
+                <a:spcPts val="0"/>
+              </a:spcBef>
               <a:buSzPts val="2200"/>
-              <a:buChar char="-"/>
             </a:pPr>
             <a:r>
-              <a:rPr lang="en-US" sz="2200" b="1"/>
-              <a:t>Bỏ chọn C </a:t>
-            </a:r>
-            <a:r>
-              <a:rPr lang="en-US" sz="2200"/>
-              <a:t>bằng cách đưa các thông số về trạng thái ban đầu (nếu cần)</a:t>
-            </a:r>
-            <a:endParaRPr sz="2200"/>
+              <a:rPr lang="en-US" sz="2200" b="1" dirty="0" err="1"/>
+              <a:t>Bỏ</a:t>
+            </a:r>
+            <a:r>
+              <a:rPr lang="en-US" sz="2200" b="1" dirty="0"/>
+              <a:t> </a:t>
+            </a:r>
+            <a:r>
+              <a:rPr lang="en-US" sz="2200" b="1" dirty="0" err="1"/>
+              <a:t>chọn</a:t>
+            </a:r>
+            <a:r>
+              <a:rPr lang="en-US" sz="2200" b="1" dirty="0"/>
+              <a:t> C </a:t>
+            </a:r>
+            <a:r>
+              <a:rPr lang="en-US" sz="2200" dirty="0" err="1"/>
+              <a:t>bằng</a:t>
+            </a:r>
+            <a:r>
+              <a:rPr lang="en-US" sz="2200" dirty="0"/>
+              <a:t> </a:t>
+            </a:r>
+            <a:r>
+              <a:rPr lang="en-US" sz="2200" dirty="0" err="1"/>
+              <a:t>cách</a:t>
+            </a:r>
+            <a:r>
+              <a:rPr lang="en-US" sz="2200" dirty="0"/>
+              <a:t> </a:t>
+            </a:r>
+            <a:r>
+              <a:rPr lang="en-US" sz="2200" dirty="0" err="1"/>
+              <a:t>đưa</a:t>
+            </a:r>
+            <a:r>
+              <a:rPr lang="en-US" sz="2200" dirty="0"/>
+              <a:t> </a:t>
+            </a:r>
+            <a:r>
+              <a:rPr lang="en-US" sz="2200" dirty="0" err="1"/>
+              <a:t>các</a:t>
+            </a:r>
+            <a:r>
+              <a:rPr lang="en-US" sz="2200" dirty="0"/>
+              <a:t> </a:t>
+            </a:r>
+            <a:r>
+              <a:rPr lang="en-US" sz="2200" dirty="0" err="1"/>
+              <a:t>thông</a:t>
+            </a:r>
+            <a:r>
+              <a:rPr lang="en-US" sz="2200" dirty="0"/>
+              <a:t> </a:t>
+            </a:r>
+            <a:r>
+              <a:rPr lang="en-US" sz="2200" dirty="0" err="1"/>
+              <a:t>số</a:t>
+            </a:r>
+            <a:r>
+              <a:rPr lang="en-US" sz="2200" dirty="0"/>
+              <a:t> </a:t>
+            </a:r>
+            <a:r>
+              <a:rPr lang="en-US" sz="2200" dirty="0" err="1"/>
+              <a:t>về</a:t>
+            </a:r>
+            <a:r>
+              <a:rPr lang="en-US" sz="2200" dirty="0"/>
+              <a:t> </a:t>
+            </a:r>
+            <a:r>
+              <a:rPr lang="en-US" sz="2200" dirty="0" err="1"/>
+              <a:t>trạng</a:t>
+            </a:r>
+            <a:r>
+              <a:rPr lang="en-US" sz="2200" dirty="0"/>
+              <a:t> </a:t>
+            </a:r>
+            <a:r>
+              <a:rPr lang="en-US" sz="2200" dirty="0" err="1"/>
+              <a:t>thái</a:t>
+            </a:r>
+            <a:r>
+              <a:rPr lang="en-US" sz="2200" dirty="0"/>
+              <a:t> ban </a:t>
+            </a:r>
+            <a:r>
+              <a:rPr lang="en-US" sz="2200" dirty="0" err="1"/>
+              <a:t>đầu</a:t>
+            </a:r>
+            <a:r>
+              <a:rPr lang="en-US" sz="2200" dirty="0"/>
+              <a:t> (</a:t>
+            </a:r>
+            <a:r>
+              <a:rPr lang="en-US" sz="2200" dirty="0" err="1"/>
+              <a:t>nếu</a:t>
+            </a:r>
+            <a:r>
+              <a:rPr lang="en-US" sz="2200" dirty="0"/>
+              <a:t> </a:t>
+            </a:r>
+            <a:r>
+              <a:rPr lang="en-US" sz="2200" dirty="0" err="1"/>
+              <a:t>cần</a:t>
+            </a:r>
+            <a:r>
+              <a:rPr lang="en-US" sz="2200" dirty="0"/>
+              <a:t>)</a:t>
+            </a:r>
+            <a:endParaRPr sz="2200" dirty="0"/>
           </a:p>
           <a:p>
-            <a:pPr marL="457200" lvl="0" indent="-368300" algn="l" rtl="0">
-              <a:spcBef>
-                <a:spcPts val="0"/>
-              </a:spcBef>
-              <a:spcAft>
-                <a:spcPts val="0"/>
-              </a:spcAft>
+            <a:pPr marL="431800" indent="-342900">
+              <a:spcBef>
+                <a:spcPts val="0"/>
+              </a:spcBef>
               <a:buSzPts val="2200"/>
-              <a:buChar char="-"/>
             </a:pPr>
             <a:r>
-              <a:rPr lang="en-US" sz="2200"/>
-              <a:t>Nếu không có giải pháp nào được tìm thấy, trả về </a:t>
-            </a:r>
-            <a:r>
-              <a:rPr lang="en-US" sz="2200" b="1"/>
+              <a:rPr lang="en-US" sz="2200" dirty="0" err="1"/>
+              <a:t>Nếu</a:t>
+            </a:r>
+            <a:r>
+              <a:rPr lang="en-US" sz="2200" dirty="0"/>
+              <a:t> </a:t>
+            </a:r>
+            <a:r>
+              <a:rPr lang="en-US" sz="2200" dirty="0" err="1"/>
+              <a:t>không</a:t>
+            </a:r>
+            <a:r>
+              <a:rPr lang="en-US" sz="2200" dirty="0"/>
+              <a:t> </a:t>
+            </a:r>
+            <a:r>
+              <a:rPr lang="en-US" sz="2200" dirty="0" err="1"/>
+              <a:t>có</a:t>
+            </a:r>
+            <a:r>
+              <a:rPr lang="en-US" sz="2200" dirty="0"/>
+              <a:t> </a:t>
+            </a:r>
+            <a:r>
+              <a:rPr lang="en-US" sz="2200" dirty="0" err="1"/>
+              <a:t>giải</a:t>
+            </a:r>
+            <a:r>
+              <a:rPr lang="en-US" sz="2200" dirty="0"/>
+              <a:t> </a:t>
+            </a:r>
+            <a:r>
+              <a:rPr lang="en-US" sz="2200" dirty="0" err="1"/>
+              <a:t>pháp</a:t>
+            </a:r>
+            <a:r>
+              <a:rPr lang="en-US" sz="2200" dirty="0"/>
+              <a:t> </a:t>
+            </a:r>
+            <a:r>
+              <a:rPr lang="en-US" sz="2200" dirty="0" err="1"/>
+              <a:t>nào</a:t>
+            </a:r>
+            <a:r>
+              <a:rPr lang="en-US" sz="2200" dirty="0"/>
+              <a:t> </a:t>
+            </a:r>
+            <a:r>
+              <a:rPr lang="en-US" sz="2200" dirty="0" err="1"/>
+              <a:t>được</a:t>
+            </a:r>
+            <a:r>
+              <a:rPr lang="en-US" sz="2200" dirty="0"/>
+              <a:t> </a:t>
+            </a:r>
+            <a:r>
+              <a:rPr lang="en-US" sz="2200" dirty="0" err="1"/>
+              <a:t>tìm</a:t>
+            </a:r>
+            <a:r>
+              <a:rPr lang="en-US" sz="2200" dirty="0"/>
+              <a:t> </a:t>
+            </a:r>
+            <a:r>
+              <a:rPr lang="en-US" sz="2200" dirty="0" err="1"/>
+              <a:t>thấy</a:t>
+            </a:r>
+            <a:r>
+              <a:rPr lang="en-US" sz="2200" dirty="0"/>
+              <a:t>, </a:t>
+            </a:r>
+            <a:r>
+              <a:rPr lang="en-US" sz="2200" dirty="0" err="1"/>
+              <a:t>trả</a:t>
+            </a:r>
+            <a:r>
+              <a:rPr lang="en-US" sz="2200" dirty="0"/>
+              <a:t> </a:t>
+            </a:r>
+            <a:r>
+              <a:rPr lang="en-US" sz="2200" dirty="0" err="1"/>
+              <a:t>về</a:t>
+            </a:r>
+            <a:r>
+              <a:rPr lang="en-US" sz="2200" dirty="0"/>
+              <a:t> </a:t>
+            </a:r>
+            <a:r>
+              <a:rPr lang="en-US" sz="2200" b="1" dirty="0"/>
               <a:t>False</a:t>
             </a:r>
             <a:r>
-              <a:rPr lang="en-US" sz="2200"/>
+              <a:rPr lang="en-US" sz="2200" dirty="0"/>
               <a:t>.</a:t>
             </a:r>
-            <a:endParaRPr sz="2200"/>
+            <a:endParaRPr sz="2200" dirty="0"/>
           </a:p>
           <a:p>
             <a:pPr marL="457200" lvl="0" indent="0" algn="l" rtl="0">
@@ -38422,7 +40068,7 @@
               </a:spcAft>
               <a:buNone/>
             </a:pPr>
-            <a:endParaRPr sz="2200"/>
+            <a:endParaRPr sz="2200" dirty="0"/>
           </a:p>
           <a:p>
             <a:pPr marL="457200" lvl="0" indent="0" algn="l" rtl="0">
@@ -38434,7 +40080,7 @@
               </a:spcAft>
               <a:buNone/>
             </a:pPr>
-            <a:endParaRPr/>
+            <a:endParaRPr dirty="0"/>
           </a:p>
         </p:txBody>
       </p:sp>
@@ -38446,7 +40092,7 @@
 </p:sld>
 </file>
 
-<file path=ppt/slides/slide8.xml><?xml version="1.0" encoding="utf-8"?>
+<file path=ppt/slides/slide9.xml><?xml version="1.0" encoding="utf-8"?>
 <p:sld xmlns:a="http://schemas.openxmlformats.org/drawingml/2006/main" xmlns:r="http://schemas.openxmlformats.org/officeDocument/2006/relationships" xmlns:p="http://schemas.openxmlformats.org/presentationml/2006/main">
   <p:cSld>
     <p:spTree>
@@ -38540,194 +40186,1227 @@
               <a:buNone/>
             </a:pPr>
             <a:r>
-              <a:rPr lang="en-US" sz="2200" b="1">
+              <a:rPr lang="en-US" sz="2200" b="1" dirty="0" err="1">
                 <a:solidFill>
                   <a:srgbClr val="FF0000"/>
                 </a:solidFill>
               </a:rPr>
-              <a:t>Mã giả 2:</a:t>
-            </a:r>
-            <a:r>
-              <a:rPr lang="en-US" sz="2200">
+              <a:t>Mã</a:t>
+            </a:r>
+            <a:r>
+              <a:rPr lang="en-US" sz="2200" b="1" dirty="0">
                 <a:solidFill>
                   <a:srgbClr val="FF0000"/>
                 </a:solidFill>
               </a:rPr>
-              <a:t> dưới đây là mã giả cho trường hợp quay lui tìm mọi giải pháp</a:t>
-            </a:r>
-            <a:endParaRPr sz="2200">
+              <a:t> </a:t>
+            </a:r>
+            <a:r>
+              <a:rPr lang="en-US" sz="2200" b="1" dirty="0" err="1">
+                <a:solidFill>
+                  <a:srgbClr val="FF0000"/>
+                </a:solidFill>
+              </a:rPr>
+              <a:t>giả</a:t>
+            </a:r>
+            <a:r>
+              <a:rPr lang="en-US" sz="2200" b="1" dirty="0">
+                <a:solidFill>
+                  <a:srgbClr val="FF0000"/>
+                </a:solidFill>
+              </a:rPr>
+              <a:t> 2:</a:t>
+            </a:r>
+            <a:r>
+              <a:rPr lang="en-US" sz="2200" dirty="0">
+                <a:solidFill>
+                  <a:srgbClr val="FF0000"/>
+                </a:solidFill>
+              </a:rPr>
+              <a:t> </a:t>
+            </a:r>
+            <a:r>
+              <a:rPr lang="en-US" sz="2200" dirty="0" err="1">
+                <a:solidFill>
+                  <a:srgbClr val="FF0000"/>
+                </a:solidFill>
+              </a:rPr>
+              <a:t>dưới</a:t>
+            </a:r>
+            <a:r>
+              <a:rPr lang="en-US" sz="2200" dirty="0">
+                <a:solidFill>
+                  <a:srgbClr val="FF0000"/>
+                </a:solidFill>
+              </a:rPr>
+              <a:t> </a:t>
+            </a:r>
+            <a:r>
+              <a:rPr lang="en-US" sz="2200" dirty="0" err="1">
+                <a:solidFill>
+                  <a:srgbClr val="FF0000"/>
+                </a:solidFill>
+              </a:rPr>
+              <a:t>đây</a:t>
+            </a:r>
+            <a:r>
+              <a:rPr lang="en-US" sz="2200" dirty="0">
+                <a:solidFill>
+                  <a:srgbClr val="FF0000"/>
+                </a:solidFill>
+              </a:rPr>
+              <a:t> </a:t>
+            </a:r>
+            <a:r>
+              <a:rPr lang="en-US" sz="2200" dirty="0" err="1">
+                <a:solidFill>
+                  <a:srgbClr val="FF0000"/>
+                </a:solidFill>
+              </a:rPr>
+              <a:t>là</a:t>
+            </a:r>
+            <a:r>
+              <a:rPr lang="en-US" sz="2200" dirty="0">
+                <a:solidFill>
+                  <a:srgbClr val="FF0000"/>
+                </a:solidFill>
+              </a:rPr>
+              <a:t> </a:t>
+            </a:r>
+            <a:r>
+              <a:rPr lang="en-US" sz="2200" dirty="0" err="1">
+                <a:solidFill>
+                  <a:srgbClr val="FF0000"/>
+                </a:solidFill>
+              </a:rPr>
+              <a:t>mã</a:t>
+            </a:r>
+            <a:r>
+              <a:rPr lang="en-US" sz="2200" dirty="0">
+                <a:solidFill>
+                  <a:srgbClr val="FF0000"/>
+                </a:solidFill>
+              </a:rPr>
+              <a:t> </a:t>
+            </a:r>
+            <a:r>
+              <a:rPr lang="en-US" sz="2200" dirty="0" err="1">
+                <a:solidFill>
+                  <a:srgbClr val="FF0000"/>
+                </a:solidFill>
+              </a:rPr>
+              <a:t>giả</a:t>
+            </a:r>
+            <a:r>
+              <a:rPr lang="en-US" sz="2200" dirty="0">
+                <a:solidFill>
+                  <a:srgbClr val="FF0000"/>
+                </a:solidFill>
+              </a:rPr>
+              <a:t> </a:t>
+            </a:r>
+            <a:r>
+              <a:rPr lang="en-US" sz="2200" dirty="0" err="1">
+                <a:solidFill>
+                  <a:srgbClr val="FF0000"/>
+                </a:solidFill>
+              </a:rPr>
+              <a:t>cho</a:t>
+            </a:r>
+            <a:r>
+              <a:rPr lang="en-US" sz="2200" dirty="0">
+                <a:solidFill>
+                  <a:srgbClr val="FF0000"/>
+                </a:solidFill>
+              </a:rPr>
+              <a:t> </a:t>
+            </a:r>
+            <a:r>
+              <a:rPr lang="en-US" sz="2200" dirty="0" err="1">
+                <a:solidFill>
+                  <a:srgbClr val="FF0000"/>
+                </a:solidFill>
+              </a:rPr>
+              <a:t>trường</a:t>
+            </a:r>
+            <a:r>
+              <a:rPr lang="en-US" sz="2200" dirty="0">
+                <a:solidFill>
+                  <a:srgbClr val="FF0000"/>
+                </a:solidFill>
+              </a:rPr>
+              <a:t> </a:t>
+            </a:r>
+            <a:r>
+              <a:rPr lang="en-US" sz="2200" dirty="0" err="1">
+                <a:solidFill>
+                  <a:srgbClr val="FF0000"/>
+                </a:solidFill>
+              </a:rPr>
+              <a:t>hợp</a:t>
+            </a:r>
+            <a:r>
+              <a:rPr lang="en-US" sz="2200" dirty="0">
+                <a:solidFill>
+                  <a:srgbClr val="FF0000"/>
+                </a:solidFill>
+              </a:rPr>
+              <a:t> quay </a:t>
+            </a:r>
+            <a:r>
+              <a:rPr lang="en-US" sz="2200" dirty="0" err="1">
+                <a:solidFill>
+                  <a:srgbClr val="FF0000"/>
+                </a:solidFill>
+              </a:rPr>
+              <a:t>lui</a:t>
+            </a:r>
+            <a:r>
+              <a:rPr lang="en-US" sz="2200" dirty="0">
+                <a:solidFill>
+                  <a:srgbClr val="FF0000"/>
+                </a:solidFill>
+              </a:rPr>
+              <a:t> </a:t>
+            </a:r>
+            <a:r>
+              <a:rPr lang="en-US" sz="2200" dirty="0" err="1">
+                <a:solidFill>
+                  <a:srgbClr val="FF0000"/>
+                </a:solidFill>
+              </a:rPr>
+              <a:t>tìm</a:t>
+            </a:r>
+            <a:r>
+              <a:rPr lang="en-US" sz="2200" dirty="0">
+                <a:solidFill>
+                  <a:srgbClr val="FF0000"/>
+                </a:solidFill>
+              </a:rPr>
+              <a:t> </a:t>
+            </a:r>
+            <a:r>
+              <a:rPr lang="en-US" sz="2200" dirty="0" err="1">
+                <a:solidFill>
+                  <a:srgbClr val="FF0000"/>
+                </a:solidFill>
+              </a:rPr>
+              <a:t>mọi</a:t>
+            </a:r>
+            <a:r>
+              <a:rPr lang="en-US" sz="2200" dirty="0">
+                <a:solidFill>
+                  <a:srgbClr val="FF0000"/>
+                </a:solidFill>
+              </a:rPr>
+              <a:t> </a:t>
+            </a:r>
+            <a:r>
+              <a:rPr lang="en-US" sz="2200" dirty="0" err="1">
+                <a:solidFill>
+                  <a:srgbClr val="FF0000"/>
+                </a:solidFill>
+              </a:rPr>
+              <a:t>giải</a:t>
+            </a:r>
+            <a:r>
+              <a:rPr lang="en-US" sz="2200" dirty="0">
+                <a:solidFill>
+                  <a:srgbClr val="FF0000"/>
+                </a:solidFill>
+              </a:rPr>
+              <a:t> </a:t>
+            </a:r>
+            <a:r>
+              <a:rPr lang="en-US" sz="2200" dirty="0" err="1">
+                <a:solidFill>
+                  <a:srgbClr val="FF0000"/>
+                </a:solidFill>
+              </a:rPr>
+              <a:t>pháp</a:t>
+            </a:r>
+            <a:endParaRPr sz="2200" dirty="0">
               <a:solidFill>
                 <a:srgbClr val="FF0000"/>
               </a:solidFill>
             </a:endParaRPr>
           </a:p>
           <a:p>
-            <a:pPr marL="457200" lvl="0" indent="-368300" algn="l" rtl="0">
-              <a:spcBef>
-                <a:spcPts val="560"/>
-              </a:spcBef>
-              <a:spcAft>
-                <a:spcPts val="0"/>
-              </a:spcAft>
+            <a:pPr marL="431800" indent="-342900">
               <a:buSzPts val="2200"/>
-              <a:buChar char="-"/>
             </a:pPr>
             <a:r>
-              <a:rPr lang="en-US" sz="2200"/>
-              <a:t>Nếu không còn trường hợp nào:</a:t>
-            </a:r>
-            <a:endParaRPr sz="2200"/>
+              <a:rPr lang="en-US" sz="2200" dirty="0" err="1"/>
+              <a:t>Nếu</a:t>
+            </a:r>
+            <a:r>
+              <a:rPr lang="en-US" sz="2200" dirty="0"/>
+              <a:t> </a:t>
+            </a:r>
+            <a:r>
+              <a:rPr lang="en-US" sz="2200" dirty="0" err="1"/>
+              <a:t>không</a:t>
+            </a:r>
+            <a:r>
+              <a:rPr lang="en-US" sz="2200" dirty="0"/>
+              <a:t> </a:t>
+            </a:r>
+            <a:r>
+              <a:rPr lang="en-US" sz="2200" dirty="0" err="1"/>
+              <a:t>còn</a:t>
+            </a:r>
+            <a:r>
+              <a:rPr lang="en-US" sz="2200" dirty="0"/>
+              <a:t> </a:t>
+            </a:r>
+            <a:r>
+              <a:rPr lang="en-US" sz="2200" dirty="0" err="1"/>
+              <a:t>trường</a:t>
+            </a:r>
+            <a:r>
+              <a:rPr lang="en-US" sz="2200" dirty="0"/>
+              <a:t> </a:t>
+            </a:r>
+            <a:r>
+              <a:rPr lang="en-US" sz="2200" dirty="0" err="1"/>
+              <a:t>hợp</a:t>
+            </a:r>
+            <a:r>
+              <a:rPr lang="en-US" sz="2200" dirty="0"/>
+              <a:t> </a:t>
+            </a:r>
+            <a:r>
+              <a:rPr lang="en-US" sz="2200" dirty="0" err="1"/>
+              <a:t>nào</a:t>
+            </a:r>
+            <a:r>
+              <a:rPr lang="en-US" sz="2200" dirty="0"/>
+              <a:t>:</a:t>
+            </a:r>
+            <a:endParaRPr sz="2200" dirty="0"/>
           </a:p>
           <a:p>
-            <a:pPr marL="914400" lvl="1" indent="-368300" algn="l" rtl="0">
-              <a:spcBef>
-                <a:spcPts val="0"/>
-              </a:spcBef>
-              <a:spcAft>
-                <a:spcPts val="0"/>
-              </a:spcAft>
+            <a:pPr marL="889000" lvl="1" indent="-342900">
+              <a:spcBef>
+                <a:spcPts val="0"/>
+              </a:spcBef>
               <a:buSzPts val="2200"/>
-              <a:buChar char="-"/>
             </a:pPr>
             <a:r>
-              <a:rPr lang="en-US" sz="2200"/>
-              <a:t>Trường hợp hiện tại đang xét là hợp lệ, </a:t>
-            </a:r>
-            <a:r>
-              <a:rPr lang="en-US" sz="2200" u="sng"/>
-              <a:t>thêm nó vào danh sách các giải pháp.</a:t>
-            </a:r>
-            <a:endParaRPr sz="2200" b="1" u="sng"/>
+              <a:rPr lang="en-US" sz="2200" dirty="0" err="1"/>
+              <a:t>Trường</a:t>
+            </a:r>
+            <a:r>
+              <a:rPr lang="en-US" sz="2200" dirty="0"/>
+              <a:t> </a:t>
+            </a:r>
+            <a:r>
+              <a:rPr lang="en-US" sz="2200" dirty="0" err="1"/>
+              <a:t>hợp</a:t>
+            </a:r>
+            <a:r>
+              <a:rPr lang="en-US" sz="2200" dirty="0"/>
+              <a:t> </a:t>
+            </a:r>
+            <a:r>
+              <a:rPr lang="en-US" sz="2200" dirty="0" err="1"/>
+              <a:t>hiện</a:t>
+            </a:r>
+            <a:r>
+              <a:rPr lang="en-US" sz="2200" dirty="0"/>
+              <a:t> </a:t>
+            </a:r>
+            <a:r>
+              <a:rPr lang="en-US" sz="2200" dirty="0" err="1"/>
+              <a:t>tại</a:t>
+            </a:r>
+            <a:r>
+              <a:rPr lang="en-US" sz="2200" dirty="0"/>
+              <a:t> </a:t>
+            </a:r>
+            <a:r>
+              <a:rPr lang="en-US" sz="2200" dirty="0" err="1"/>
+              <a:t>đang</a:t>
+            </a:r>
+            <a:r>
+              <a:rPr lang="en-US" sz="2200" dirty="0"/>
+              <a:t> </a:t>
+            </a:r>
+            <a:r>
+              <a:rPr lang="en-US" sz="2200" dirty="0" err="1"/>
+              <a:t>xét</a:t>
+            </a:r>
+            <a:r>
+              <a:rPr lang="en-US" sz="2200" dirty="0"/>
+              <a:t> </a:t>
+            </a:r>
+            <a:r>
+              <a:rPr lang="en-US" sz="2200" dirty="0" err="1"/>
+              <a:t>là</a:t>
+            </a:r>
+            <a:r>
+              <a:rPr lang="en-US" sz="2200" dirty="0"/>
+              <a:t> </a:t>
+            </a:r>
+            <a:r>
+              <a:rPr lang="en-US" sz="2200" dirty="0" err="1"/>
+              <a:t>hợp</a:t>
+            </a:r>
+            <a:r>
+              <a:rPr lang="en-US" sz="2200" dirty="0"/>
+              <a:t> </a:t>
+            </a:r>
+            <a:r>
+              <a:rPr lang="en-US" sz="2200" dirty="0" err="1"/>
+              <a:t>lệ</a:t>
+            </a:r>
+            <a:r>
+              <a:rPr lang="en-US" sz="2200" dirty="0"/>
+              <a:t>, </a:t>
+            </a:r>
+            <a:r>
+              <a:rPr lang="en-US" sz="2200" u="sng" dirty="0" err="1"/>
+              <a:t>thêm</a:t>
+            </a:r>
+            <a:r>
+              <a:rPr lang="en-US" sz="2200" u="sng" dirty="0"/>
+              <a:t> </a:t>
+            </a:r>
+            <a:r>
+              <a:rPr lang="en-US" sz="2200" u="sng" dirty="0" err="1"/>
+              <a:t>nó</a:t>
+            </a:r>
+            <a:r>
+              <a:rPr lang="en-US" sz="2200" u="sng" dirty="0"/>
+              <a:t> </a:t>
+            </a:r>
+            <a:r>
+              <a:rPr lang="en-US" sz="2200" u="sng" dirty="0" err="1"/>
+              <a:t>vào</a:t>
+            </a:r>
+            <a:r>
+              <a:rPr lang="en-US" sz="2200" u="sng" dirty="0"/>
+              <a:t> </a:t>
+            </a:r>
+            <a:r>
+              <a:rPr lang="en-US" sz="2200" u="sng" dirty="0" err="1"/>
+              <a:t>danh</a:t>
+            </a:r>
+            <a:r>
+              <a:rPr lang="en-US" sz="2200" u="sng" dirty="0"/>
+              <a:t> </a:t>
+            </a:r>
+            <a:r>
+              <a:rPr lang="en-US" sz="2200" u="sng" dirty="0" err="1"/>
+              <a:t>sách</a:t>
+            </a:r>
+            <a:r>
+              <a:rPr lang="en-US" sz="2200" u="sng" dirty="0"/>
+              <a:t> </a:t>
+            </a:r>
+            <a:r>
+              <a:rPr lang="en-US" sz="2200" u="sng" dirty="0" err="1"/>
+              <a:t>các</a:t>
+            </a:r>
+            <a:r>
+              <a:rPr lang="en-US" sz="2200" u="sng" dirty="0"/>
+              <a:t> </a:t>
+            </a:r>
+            <a:r>
+              <a:rPr lang="en-US" sz="2200" u="sng" dirty="0" err="1"/>
+              <a:t>giải</a:t>
+            </a:r>
+            <a:r>
+              <a:rPr lang="en-US" sz="2200" u="sng" dirty="0"/>
+              <a:t> </a:t>
+            </a:r>
+            <a:r>
+              <a:rPr lang="en-US" sz="2200" u="sng" dirty="0" err="1"/>
+              <a:t>pháp</a:t>
+            </a:r>
+            <a:r>
+              <a:rPr lang="en-US" sz="2200" u="sng" dirty="0"/>
+              <a:t>.</a:t>
+            </a:r>
+            <a:endParaRPr sz="2200" b="1" u="sng" dirty="0"/>
           </a:p>
           <a:p>
-            <a:pPr marL="914400" lvl="1" indent="-368300" algn="l" rtl="0">
-              <a:spcBef>
-                <a:spcPts val="0"/>
-              </a:spcBef>
-              <a:spcAft>
-                <a:spcPts val="0"/>
-              </a:spcAft>
+            <a:pPr marL="889000" lvl="1" indent="-342900">
+              <a:spcBef>
+                <a:spcPts val="0"/>
+              </a:spcBef>
               <a:buSzPts val="2200"/>
-              <a:buChar char="-"/>
             </a:pPr>
             <a:r>
-              <a:rPr lang="en-US" sz="2200"/>
-              <a:t>Không làm gì cả hoặc trả về.</a:t>
-            </a:r>
-            <a:endParaRPr sz="2200"/>
+              <a:rPr lang="en-US" sz="2200" dirty="0" err="1"/>
+              <a:t>Không</a:t>
+            </a:r>
+            <a:r>
+              <a:rPr lang="en-US" sz="2200" dirty="0"/>
+              <a:t> </a:t>
+            </a:r>
+            <a:r>
+              <a:rPr lang="en-US" sz="2200" dirty="0" err="1"/>
+              <a:t>làm</a:t>
+            </a:r>
+            <a:r>
+              <a:rPr lang="en-US" sz="2200" dirty="0"/>
+              <a:t> </a:t>
+            </a:r>
+            <a:r>
+              <a:rPr lang="en-US" sz="2200" dirty="0" err="1"/>
+              <a:t>gì</a:t>
+            </a:r>
+            <a:r>
+              <a:rPr lang="en-US" sz="2200" dirty="0"/>
+              <a:t> </a:t>
+            </a:r>
+            <a:r>
+              <a:rPr lang="en-US" sz="2200" dirty="0" err="1"/>
+              <a:t>cả</a:t>
+            </a:r>
+            <a:r>
+              <a:rPr lang="en-US" sz="2200" dirty="0"/>
+              <a:t> </a:t>
+            </a:r>
+            <a:r>
+              <a:rPr lang="en-US" sz="2200" dirty="0" err="1"/>
+              <a:t>hoặc</a:t>
+            </a:r>
+            <a:r>
+              <a:rPr lang="en-US" sz="2200" dirty="0"/>
+              <a:t> </a:t>
+            </a:r>
+            <a:r>
+              <a:rPr lang="en-US" sz="2200" dirty="0" err="1"/>
+              <a:t>trả</a:t>
+            </a:r>
+            <a:r>
+              <a:rPr lang="en-US" sz="2200" dirty="0"/>
+              <a:t> </a:t>
+            </a:r>
+            <a:r>
+              <a:rPr lang="en-US" sz="2200" dirty="0" err="1"/>
+              <a:t>về</a:t>
+            </a:r>
+            <a:r>
+              <a:rPr lang="en-US" sz="2200" dirty="0"/>
+              <a:t>.</a:t>
+            </a:r>
+            <a:endParaRPr sz="2200" dirty="0"/>
           </a:p>
           <a:p>
-            <a:pPr marL="457200" lvl="0" indent="-368300" algn="l" rtl="0">
-              <a:spcBef>
-                <a:spcPts val="0"/>
-              </a:spcBef>
-              <a:spcAft>
-                <a:spcPts val="0"/>
-              </a:spcAft>
+            <a:pPr marL="431800" indent="-342900">
+              <a:spcBef>
+                <a:spcPts val="0"/>
+              </a:spcBef>
               <a:buSzPts val="2200"/>
-              <a:buChar char="-"/>
             </a:pPr>
             <a:r>
-              <a:rPr lang="en-US" sz="2200"/>
-              <a:t>Ngược lại: giải quyết trường hợp hiện tại, và phần còn lại giải quyết bằng đệ quy. Với mỗi lựa chọn </a:t>
-            </a:r>
-            <a:r>
-              <a:rPr lang="en-US" sz="2200" b="1"/>
+              <a:rPr lang="en-US" sz="2200" dirty="0" err="1"/>
+              <a:t>Ngược</a:t>
+            </a:r>
+            <a:r>
+              <a:rPr lang="en-US" sz="2200" dirty="0"/>
+              <a:t> </a:t>
+            </a:r>
+            <a:r>
+              <a:rPr lang="en-US" sz="2200" dirty="0" err="1"/>
+              <a:t>lại</a:t>
+            </a:r>
+            <a:r>
+              <a:rPr lang="en-US" sz="2200" dirty="0"/>
+              <a:t>: </a:t>
+            </a:r>
+            <a:r>
+              <a:rPr lang="en-US" sz="2200" dirty="0" err="1"/>
+              <a:t>giải</a:t>
+            </a:r>
+            <a:r>
+              <a:rPr lang="en-US" sz="2200" dirty="0"/>
+              <a:t> </a:t>
+            </a:r>
+            <a:r>
+              <a:rPr lang="en-US" sz="2200" dirty="0" err="1"/>
+              <a:t>quyết</a:t>
+            </a:r>
+            <a:r>
+              <a:rPr lang="en-US" sz="2200" dirty="0"/>
+              <a:t> </a:t>
+            </a:r>
+            <a:r>
+              <a:rPr lang="en-US" sz="2200" dirty="0" err="1"/>
+              <a:t>trường</a:t>
+            </a:r>
+            <a:r>
+              <a:rPr lang="en-US" sz="2200" dirty="0"/>
+              <a:t> </a:t>
+            </a:r>
+            <a:r>
+              <a:rPr lang="en-US" sz="2200" dirty="0" err="1"/>
+              <a:t>hợp</a:t>
+            </a:r>
+            <a:r>
+              <a:rPr lang="en-US" sz="2200" dirty="0"/>
+              <a:t> </a:t>
+            </a:r>
+            <a:r>
+              <a:rPr lang="en-US" sz="2200" dirty="0" err="1"/>
+              <a:t>hiện</a:t>
+            </a:r>
+            <a:r>
+              <a:rPr lang="en-US" sz="2200" dirty="0"/>
+              <a:t> </a:t>
+            </a:r>
+            <a:r>
+              <a:rPr lang="en-US" sz="2200" dirty="0" err="1"/>
+              <a:t>tại</a:t>
+            </a:r>
+            <a:r>
+              <a:rPr lang="en-US" sz="2200" dirty="0"/>
+              <a:t>, </a:t>
+            </a:r>
+            <a:r>
+              <a:rPr lang="en-US" sz="2200" dirty="0" err="1"/>
+              <a:t>và</a:t>
+            </a:r>
+            <a:r>
+              <a:rPr lang="en-US" sz="2200" dirty="0"/>
+              <a:t> </a:t>
+            </a:r>
+            <a:r>
+              <a:rPr lang="en-US" sz="2200" dirty="0" err="1"/>
+              <a:t>phần</a:t>
+            </a:r>
+            <a:r>
+              <a:rPr lang="en-US" sz="2200" dirty="0"/>
+              <a:t> </a:t>
+            </a:r>
+            <a:r>
+              <a:rPr lang="en-US" sz="2200" dirty="0" err="1"/>
+              <a:t>còn</a:t>
+            </a:r>
+            <a:r>
+              <a:rPr lang="en-US" sz="2200" dirty="0"/>
+              <a:t> </a:t>
+            </a:r>
+            <a:r>
+              <a:rPr lang="en-US" sz="2200" dirty="0" err="1"/>
+              <a:t>lại</a:t>
+            </a:r>
+            <a:r>
+              <a:rPr lang="en-US" sz="2200" dirty="0"/>
+              <a:t> </a:t>
+            </a:r>
+            <a:r>
+              <a:rPr lang="en-US" sz="2200" dirty="0" err="1"/>
+              <a:t>giải</a:t>
+            </a:r>
+            <a:r>
+              <a:rPr lang="en-US" sz="2200" dirty="0"/>
+              <a:t> </a:t>
+            </a:r>
+            <a:r>
+              <a:rPr lang="en-US" sz="2200" dirty="0" err="1"/>
+              <a:t>quyết</a:t>
+            </a:r>
+            <a:r>
+              <a:rPr lang="en-US" sz="2200" dirty="0"/>
+              <a:t> </a:t>
+            </a:r>
+            <a:r>
+              <a:rPr lang="en-US" sz="2200" dirty="0" err="1"/>
+              <a:t>bằng</a:t>
+            </a:r>
+            <a:r>
+              <a:rPr lang="en-US" sz="2200" dirty="0"/>
+              <a:t> </a:t>
+            </a:r>
+            <a:r>
+              <a:rPr lang="en-US" sz="2200" dirty="0" err="1"/>
+              <a:t>đệ</a:t>
+            </a:r>
+            <a:r>
+              <a:rPr lang="en-US" sz="2200" dirty="0"/>
+              <a:t> </a:t>
+            </a:r>
+            <a:r>
+              <a:rPr lang="en-US" sz="2200" dirty="0" err="1"/>
+              <a:t>quy</a:t>
+            </a:r>
+            <a:r>
+              <a:rPr lang="en-US" sz="2200" dirty="0"/>
+              <a:t>. </a:t>
+            </a:r>
+            <a:r>
+              <a:rPr lang="en-US" sz="2200" dirty="0" err="1"/>
+              <a:t>Với</a:t>
+            </a:r>
+            <a:r>
+              <a:rPr lang="en-US" sz="2200" dirty="0"/>
+              <a:t> </a:t>
+            </a:r>
+            <a:r>
+              <a:rPr lang="en-US" sz="2200" dirty="0" err="1"/>
+              <a:t>mỗi</a:t>
+            </a:r>
+            <a:r>
+              <a:rPr lang="en-US" sz="2200" dirty="0"/>
+              <a:t> </a:t>
+            </a:r>
+            <a:r>
+              <a:rPr lang="en-US" sz="2200" dirty="0" err="1"/>
+              <a:t>lựa</a:t>
+            </a:r>
+            <a:r>
+              <a:rPr lang="en-US" sz="2200" dirty="0"/>
+              <a:t> </a:t>
+            </a:r>
+            <a:r>
+              <a:rPr lang="en-US" sz="2200" dirty="0" err="1"/>
+              <a:t>chọn</a:t>
+            </a:r>
+            <a:r>
+              <a:rPr lang="en-US" sz="2200" dirty="0"/>
+              <a:t> </a:t>
+            </a:r>
+            <a:r>
+              <a:rPr lang="en-US" sz="2200" b="1" dirty="0"/>
               <a:t>C </a:t>
             </a:r>
             <a:r>
-              <a:rPr lang="en-US" sz="2200"/>
-              <a:t>hợp lệ cho quyết định này:</a:t>
-            </a:r>
-            <a:endParaRPr sz="2200"/>
+              <a:rPr lang="en-US" sz="2200" dirty="0" err="1"/>
+              <a:t>hợp</a:t>
+            </a:r>
+            <a:r>
+              <a:rPr lang="en-US" sz="2200" dirty="0"/>
+              <a:t> </a:t>
+            </a:r>
+            <a:r>
+              <a:rPr lang="en-US" sz="2200" dirty="0" err="1"/>
+              <a:t>lệ</a:t>
+            </a:r>
+            <a:r>
+              <a:rPr lang="en-US" sz="2200" dirty="0"/>
+              <a:t> </a:t>
+            </a:r>
+            <a:r>
+              <a:rPr lang="en-US" sz="2200" dirty="0" err="1"/>
+              <a:t>cho</a:t>
+            </a:r>
+            <a:r>
+              <a:rPr lang="en-US" sz="2200" dirty="0"/>
+              <a:t> </a:t>
+            </a:r>
+            <a:r>
+              <a:rPr lang="en-US" sz="2200" dirty="0" err="1"/>
+              <a:t>trường</a:t>
+            </a:r>
+            <a:r>
+              <a:rPr lang="en-US" sz="2200" dirty="0"/>
+              <a:t> </a:t>
+            </a:r>
+            <a:r>
+              <a:rPr lang="en-US" sz="2200" dirty="0" err="1"/>
+              <a:t>hợp</a:t>
+            </a:r>
+            <a:r>
+              <a:rPr lang="en-US" sz="2200" dirty="0"/>
+              <a:t> </a:t>
+            </a:r>
+            <a:r>
+              <a:rPr lang="en-US" sz="2200" dirty="0" err="1"/>
+              <a:t>này</a:t>
+            </a:r>
+            <a:r>
+              <a:rPr lang="en-US" sz="2200" dirty="0"/>
+              <a:t>:</a:t>
+            </a:r>
+            <a:endParaRPr sz="2200" dirty="0"/>
           </a:p>
           <a:p>
-            <a:pPr marL="914400" lvl="1" indent="-368300" algn="l" rtl="0">
-              <a:spcBef>
-                <a:spcPts val="0"/>
-              </a:spcBef>
-              <a:spcAft>
-                <a:spcPts val="0"/>
-              </a:spcAft>
+            <a:pPr marL="889000" lvl="1" indent="-342900">
+              <a:spcBef>
+                <a:spcPts val="0"/>
+              </a:spcBef>
               <a:buSzPts val="2200"/>
-              <a:buChar char="-"/>
             </a:pPr>
             <a:r>
-              <a:rPr lang="en-US" sz="2200"/>
-              <a:t>Chọn tham số </a:t>
-            </a:r>
-            <a:r>
-              <a:rPr lang="en-US" sz="2200" b="1"/>
+              <a:rPr lang="en-US" sz="2200" dirty="0" err="1"/>
+              <a:t>Chọn</a:t>
+            </a:r>
+            <a:r>
+              <a:rPr lang="en-US" sz="2200" dirty="0"/>
+              <a:t> </a:t>
+            </a:r>
+            <a:r>
+              <a:rPr lang="en-US" sz="2200" dirty="0" err="1"/>
+              <a:t>tham</a:t>
+            </a:r>
+            <a:r>
+              <a:rPr lang="en-US" sz="2200" dirty="0"/>
+              <a:t> </a:t>
+            </a:r>
+            <a:r>
+              <a:rPr lang="en-US" sz="2200" dirty="0" err="1"/>
+              <a:t>số</a:t>
+            </a:r>
+            <a:r>
+              <a:rPr lang="en-US" sz="2200" dirty="0"/>
+              <a:t> </a:t>
+            </a:r>
+            <a:r>
+              <a:rPr lang="en-US" sz="2200" b="1" dirty="0"/>
               <a:t>C</a:t>
             </a:r>
-            <a:endParaRPr sz="2200" b="1"/>
+            <a:endParaRPr sz="2200" b="1" dirty="0"/>
           </a:p>
           <a:p>
-            <a:pPr marL="914400" lvl="1" indent="-368300" algn="l" rtl="0">
-              <a:spcBef>
-                <a:spcPts val="0"/>
-              </a:spcBef>
-              <a:spcAft>
-                <a:spcPts val="0"/>
-              </a:spcAft>
+            <a:pPr marL="889000" lvl="1" indent="-342900">
+              <a:spcBef>
+                <a:spcPts val="0"/>
+              </a:spcBef>
               <a:buSzPts val="2200"/>
-              <a:buChar char="-"/>
             </a:pPr>
             <a:r>
-              <a:rPr lang="en-US" sz="2200" b="1"/>
-              <a:t>Dò tiếp </a:t>
-            </a:r>
-            <a:r>
-              <a:rPr lang="en-US" sz="2200"/>
-              <a:t>những quyết định có thể còn lại tuân theo </a:t>
-            </a:r>
-            <a:r>
-              <a:rPr lang="en-US" sz="2200" b="1"/>
+              <a:rPr lang="en-US" sz="2200" b="1" dirty="0" err="1"/>
+              <a:t>Dò</a:t>
+            </a:r>
+            <a:r>
+              <a:rPr lang="en-US" sz="2200" b="1" dirty="0"/>
+              <a:t> </a:t>
+            </a:r>
+            <a:r>
+              <a:rPr lang="en-US" sz="2200" b="1" dirty="0" err="1"/>
+              <a:t>tiếp</a:t>
+            </a:r>
+            <a:r>
+              <a:rPr lang="en-US" sz="2200" b="1" dirty="0"/>
+              <a:t> </a:t>
+            </a:r>
+            <a:r>
+              <a:rPr lang="en-US" sz="2200" dirty="0" err="1"/>
+              <a:t>những</a:t>
+            </a:r>
+            <a:r>
+              <a:rPr lang="en-US" sz="2200" dirty="0"/>
+              <a:t> </a:t>
+            </a:r>
+            <a:r>
+              <a:rPr lang="en-US" sz="2200" dirty="0" err="1"/>
+              <a:t>quyết</a:t>
+            </a:r>
+            <a:r>
+              <a:rPr lang="en-US" sz="2200" dirty="0"/>
+              <a:t> </a:t>
+            </a:r>
+            <a:r>
+              <a:rPr lang="en-US" sz="2200" dirty="0" err="1"/>
+              <a:t>định</a:t>
+            </a:r>
+            <a:r>
+              <a:rPr lang="en-US" sz="2200" dirty="0"/>
+              <a:t> </a:t>
+            </a:r>
+            <a:r>
+              <a:rPr lang="en-US" sz="2200" dirty="0" err="1"/>
+              <a:t>có</a:t>
+            </a:r>
+            <a:r>
+              <a:rPr lang="en-US" sz="2200" dirty="0"/>
+              <a:t> </a:t>
+            </a:r>
+            <a:r>
+              <a:rPr lang="en-US" sz="2200" dirty="0" err="1"/>
+              <a:t>thể</a:t>
+            </a:r>
+            <a:r>
+              <a:rPr lang="en-US" sz="2200" dirty="0"/>
+              <a:t> </a:t>
+            </a:r>
+            <a:r>
+              <a:rPr lang="en-US" sz="2200" dirty="0" err="1"/>
+              <a:t>còn</a:t>
+            </a:r>
+            <a:r>
+              <a:rPr lang="en-US" sz="2200" dirty="0"/>
+              <a:t> </a:t>
+            </a:r>
+            <a:r>
+              <a:rPr lang="en-US" sz="2200" dirty="0" err="1"/>
+              <a:t>lại</a:t>
+            </a:r>
+            <a:r>
+              <a:rPr lang="en-US" sz="2200" dirty="0"/>
+              <a:t> </a:t>
+            </a:r>
+            <a:r>
+              <a:rPr lang="en-US" sz="2200" dirty="0" err="1"/>
+              <a:t>tuân</a:t>
+            </a:r>
+            <a:r>
+              <a:rPr lang="en-US" sz="2200" dirty="0"/>
+              <a:t> </a:t>
+            </a:r>
+            <a:r>
+              <a:rPr lang="en-US" sz="2200" dirty="0" err="1"/>
+              <a:t>theo</a:t>
+            </a:r>
+            <a:r>
+              <a:rPr lang="en-US" sz="2200" dirty="0"/>
+              <a:t> </a:t>
+            </a:r>
+            <a:r>
+              <a:rPr lang="en-US" sz="2200" b="1" dirty="0"/>
               <a:t>C. </a:t>
             </a:r>
             <a:r>
-              <a:rPr lang="en-US" sz="2200" u="sng"/>
-              <a:t>Lưu vết những giải pháp mà thao tác gọi đệ quy tìm được.</a:t>
-            </a:r>
-            <a:endParaRPr sz="2200" u="sng"/>
+              <a:rPr lang="en-US" sz="2200" u="sng" dirty="0" err="1"/>
+              <a:t>Lưu</a:t>
+            </a:r>
+            <a:r>
+              <a:rPr lang="en-US" sz="2200" u="sng" dirty="0"/>
+              <a:t> </a:t>
+            </a:r>
+            <a:r>
+              <a:rPr lang="en-US" sz="2200" u="sng" dirty="0" err="1"/>
+              <a:t>vết</a:t>
+            </a:r>
+            <a:r>
+              <a:rPr lang="en-US" sz="2200" u="sng" dirty="0"/>
+              <a:t> </a:t>
+            </a:r>
+            <a:r>
+              <a:rPr lang="en-US" sz="2200" u="sng" dirty="0" err="1"/>
+              <a:t>những</a:t>
+            </a:r>
+            <a:r>
+              <a:rPr lang="en-US" sz="2200" u="sng" dirty="0"/>
+              <a:t> </a:t>
+            </a:r>
+            <a:r>
+              <a:rPr lang="en-US" sz="2200" u="sng" dirty="0" err="1"/>
+              <a:t>giải</a:t>
+            </a:r>
+            <a:r>
+              <a:rPr lang="en-US" sz="2200" u="sng" dirty="0"/>
+              <a:t> </a:t>
+            </a:r>
+            <a:r>
+              <a:rPr lang="en-US" sz="2200" u="sng" dirty="0" err="1"/>
+              <a:t>pháp</a:t>
+            </a:r>
+            <a:r>
+              <a:rPr lang="en-US" sz="2200" u="sng" dirty="0"/>
+              <a:t> </a:t>
+            </a:r>
+            <a:r>
+              <a:rPr lang="en-US" sz="2200" u="sng" dirty="0" err="1"/>
+              <a:t>mà</a:t>
+            </a:r>
+            <a:r>
+              <a:rPr lang="en-US" sz="2200" u="sng" dirty="0"/>
+              <a:t> </a:t>
+            </a:r>
+            <a:r>
+              <a:rPr lang="en-US" sz="2200" u="sng" dirty="0" err="1"/>
+              <a:t>thao</a:t>
+            </a:r>
+            <a:r>
+              <a:rPr lang="en-US" sz="2200" u="sng" dirty="0"/>
+              <a:t> </a:t>
+            </a:r>
+            <a:r>
+              <a:rPr lang="en-US" sz="2200" u="sng" dirty="0" err="1"/>
+              <a:t>tác</a:t>
+            </a:r>
+            <a:r>
+              <a:rPr lang="en-US" sz="2200" u="sng" dirty="0"/>
+              <a:t> </a:t>
+            </a:r>
+            <a:r>
+              <a:rPr lang="en-US" sz="2200" u="sng" dirty="0" err="1"/>
+              <a:t>gọi</a:t>
+            </a:r>
+            <a:r>
+              <a:rPr lang="en-US" sz="2200" u="sng" dirty="0"/>
+              <a:t> </a:t>
+            </a:r>
+            <a:r>
+              <a:rPr lang="en-US" sz="2200" u="sng" dirty="0" err="1"/>
+              <a:t>đệ</a:t>
+            </a:r>
+            <a:r>
+              <a:rPr lang="en-US" sz="2200" u="sng" dirty="0"/>
+              <a:t> </a:t>
+            </a:r>
+            <a:r>
+              <a:rPr lang="en-US" sz="2200" u="sng" dirty="0" err="1"/>
+              <a:t>quy</a:t>
+            </a:r>
+            <a:r>
+              <a:rPr lang="en-US" sz="2200" u="sng" dirty="0"/>
+              <a:t> </a:t>
+            </a:r>
+            <a:r>
+              <a:rPr lang="en-US" sz="2200" u="sng" dirty="0" err="1"/>
+              <a:t>tìm</a:t>
+            </a:r>
+            <a:r>
+              <a:rPr lang="en-US" sz="2200" u="sng" dirty="0"/>
+              <a:t> </a:t>
+            </a:r>
+            <a:r>
+              <a:rPr lang="en-US" sz="2200" u="sng" dirty="0" err="1"/>
+              <a:t>được</a:t>
+            </a:r>
+            <a:r>
+              <a:rPr lang="en-US" sz="2200" u="sng" dirty="0"/>
+              <a:t>.</a:t>
+            </a:r>
+            <a:endParaRPr sz="2200" u="sng" dirty="0"/>
           </a:p>
           <a:p>
-            <a:pPr marL="914400" lvl="1" indent="-368300" algn="l" rtl="0">
-              <a:spcBef>
-                <a:spcPts val="0"/>
-              </a:spcBef>
-              <a:spcAft>
-                <a:spcPts val="0"/>
-              </a:spcAft>
+            <a:pPr marL="889000" lvl="1" indent="-342900">
+              <a:spcBef>
+                <a:spcPts val="0"/>
+              </a:spcBef>
               <a:buSzPts val="2200"/>
-              <a:buChar char="-"/>
             </a:pPr>
             <a:r>
-              <a:rPr lang="en-US" sz="2200" b="1"/>
-              <a:t>Bỏ chọn C </a:t>
-            </a:r>
-            <a:r>
-              <a:rPr lang="en-US" sz="2200"/>
-              <a:t>bằng cách đưa các thông số về trạng thái ban đầu (nếu cần)</a:t>
-            </a:r>
-            <a:endParaRPr sz="2200"/>
+              <a:rPr lang="en-US" sz="2200" b="1" dirty="0" err="1"/>
+              <a:t>Bỏ</a:t>
+            </a:r>
+            <a:r>
+              <a:rPr lang="en-US" sz="2200" b="1" dirty="0"/>
+              <a:t> </a:t>
+            </a:r>
+            <a:r>
+              <a:rPr lang="en-US" sz="2200" b="1" dirty="0" err="1"/>
+              <a:t>chọn</a:t>
+            </a:r>
+            <a:r>
+              <a:rPr lang="en-US" sz="2200" b="1" dirty="0"/>
+              <a:t> C </a:t>
+            </a:r>
+            <a:r>
+              <a:rPr lang="en-US" sz="2200" dirty="0" err="1"/>
+              <a:t>bằng</a:t>
+            </a:r>
+            <a:r>
+              <a:rPr lang="en-US" sz="2200" dirty="0"/>
+              <a:t> </a:t>
+            </a:r>
+            <a:r>
+              <a:rPr lang="en-US" sz="2200" dirty="0" err="1"/>
+              <a:t>cách</a:t>
+            </a:r>
+            <a:r>
+              <a:rPr lang="en-US" sz="2200" dirty="0"/>
+              <a:t> </a:t>
+            </a:r>
+            <a:r>
+              <a:rPr lang="en-US" sz="2200" dirty="0" err="1"/>
+              <a:t>đưa</a:t>
+            </a:r>
+            <a:r>
+              <a:rPr lang="en-US" sz="2200" dirty="0"/>
+              <a:t> </a:t>
+            </a:r>
+            <a:r>
+              <a:rPr lang="en-US" sz="2200" dirty="0" err="1"/>
+              <a:t>các</a:t>
+            </a:r>
+            <a:r>
+              <a:rPr lang="en-US" sz="2200" dirty="0"/>
+              <a:t> </a:t>
+            </a:r>
+            <a:r>
+              <a:rPr lang="en-US" sz="2200" dirty="0" err="1"/>
+              <a:t>thông</a:t>
+            </a:r>
+            <a:r>
+              <a:rPr lang="en-US" sz="2200" dirty="0"/>
+              <a:t> </a:t>
+            </a:r>
+            <a:r>
+              <a:rPr lang="en-US" sz="2200" dirty="0" err="1"/>
+              <a:t>số</a:t>
+            </a:r>
+            <a:r>
+              <a:rPr lang="en-US" sz="2200" dirty="0"/>
+              <a:t> </a:t>
+            </a:r>
+            <a:r>
+              <a:rPr lang="en-US" sz="2200" dirty="0" err="1"/>
+              <a:t>về</a:t>
+            </a:r>
+            <a:r>
+              <a:rPr lang="en-US" sz="2200" dirty="0"/>
+              <a:t> </a:t>
+            </a:r>
+            <a:r>
+              <a:rPr lang="en-US" sz="2200" dirty="0" err="1"/>
+              <a:t>trạng</a:t>
+            </a:r>
+            <a:r>
+              <a:rPr lang="en-US" sz="2200" dirty="0"/>
+              <a:t> </a:t>
+            </a:r>
+            <a:r>
+              <a:rPr lang="en-US" sz="2200" dirty="0" err="1"/>
+              <a:t>thái</a:t>
+            </a:r>
+            <a:r>
+              <a:rPr lang="en-US" sz="2200" dirty="0"/>
+              <a:t> ban </a:t>
+            </a:r>
+            <a:r>
+              <a:rPr lang="en-US" sz="2200" dirty="0" err="1"/>
+              <a:t>đầu</a:t>
+            </a:r>
+            <a:r>
+              <a:rPr lang="en-US" sz="2200" dirty="0"/>
+              <a:t> (</a:t>
+            </a:r>
+            <a:r>
+              <a:rPr lang="en-US" sz="2200" dirty="0" err="1"/>
+              <a:t>nếu</a:t>
+            </a:r>
+            <a:r>
+              <a:rPr lang="en-US" sz="2200" dirty="0"/>
+              <a:t> </a:t>
+            </a:r>
+            <a:r>
+              <a:rPr lang="en-US" sz="2200" dirty="0" err="1"/>
+              <a:t>cần</a:t>
+            </a:r>
+            <a:r>
+              <a:rPr lang="en-US" sz="2200" dirty="0"/>
+              <a:t>)</a:t>
+            </a:r>
+            <a:endParaRPr sz="2200" dirty="0"/>
           </a:p>
           <a:p>
-            <a:pPr marL="457200" lvl="0" indent="-368300" algn="l" rtl="0">
-              <a:spcBef>
-                <a:spcPts val="0"/>
-              </a:spcBef>
-              <a:spcAft>
-                <a:spcPts val="0"/>
-              </a:spcAft>
+            <a:pPr marL="431800" indent="-342900">
+              <a:spcBef>
+                <a:spcPts val="0"/>
+              </a:spcBef>
               <a:buSzPts val="2200"/>
-              <a:buChar char="-"/>
             </a:pPr>
             <a:r>
-              <a:rPr lang="en-US" sz="2200" u="sng"/>
-              <a:t>Trả về danh sách các giải pháp tìm thấy bởi việc gọi đệ quy.</a:t>
-            </a:r>
-            <a:endParaRPr sz="2200" u="sng"/>
+              <a:rPr lang="en-US" sz="2200" u="sng" dirty="0" err="1"/>
+              <a:t>Trả</a:t>
+            </a:r>
+            <a:r>
+              <a:rPr lang="en-US" sz="2200" u="sng" dirty="0"/>
+              <a:t> </a:t>
+            </a:r>
+            <a:r>
+              <a:rPr lang="en-US" sz="2200" u="sng" dirty="0" err="1"/>
+              <a:t>về</a:t>
+            </a:r>
+            <a:r>
+              <a:rPr lang="en-US" sz="2200" u="sng" dirty="0"/>
+              <a:t> </a:t>
+            </a:r>
+            <a:r>
+              <a:rPr lang="en-US" sz="2200" u="sng" dirty="0" err="1"/>
+              <a:t>danh</a:t>
+            </a:r>
+            <a:r>
+              <a:rPr lang="en-US" sz="2200" u="sng" dirty="0"/>
+              <a:t> </a:t>
+            </a:r>
+            <a:r>
+              <a:rPr lang="en-US" sz="2200" u="sng" dirty="0" err="1"/>
+              <a:t>sách</a:t>
+            </a:r>
+            <a:r>
+              <a:rPr lang="en-US" sz="2200" u="sng" dirty="0"/>
+              <a:t> </a:t>
+            </a:r>
+            <a:r>
+              <a:rPr lang="en-US" sz="2200" u="sng" dirty="0" err="1"/>
+              <a:t>các</a:t>
+            </a:r>
+            <a:r>
+              <a:rPr lang="en-US" sz="2200" u="sng" dirty="0"/>
+              <a:t> </a:t>
+            </a:r>
+            <a:r>
+              <a:rPr lang="en-US" sz="2200" u="sng" dirty="0" err="1"/>
+              <a:t>giải</a:t>
+            </a:r>
+            <a:r>
+              <a:rPr lang="en-US" sz="2200" u="sng" dirty="0"/>
+              <a:t> </a:t>
+            </a:r>
+            <a:r>
+              <a:rPr lang="en-US" sz="2200" u="sng" dirty="0" err="1"/>
+              <a:t>pháp</a:t>
+            </a:r>
+            <a:r>
+              <a:rPr lang="en-US" sz="2200" u="sng" dirty="0"/>
+              <a:t> </a:t>
+            </a:r>
+            <a:r>
+              <a:rPr lang="en-US" sz="2200" u="sng" dirty="0" err="1"/>
+              <a:t>tìm</a:t>
+            </a:r>
+            <a:r>
+              <a:rPr lang="en-US" sz="2200" u="sng" dirty="0"/>
+              <a:t> </a:t>
+            </a:r>
+            <a:r>
+              <a:rPr lang="en-US" sz="2200" u="sng" dirty="0" err="1"/>
+              <a:t>thấy</a:t>
+            </a:r>
+            <a:r>
+              <a:rPr lang="en-US" sz="2200" u="sng" dirty="0"/>
+              <a:t> </a:t>
+            </a:r>
+            <a:r>
+              <a:rPr lang="en-US" sz="2200" u="sng" dirty="0" err="1"/>
+              <a:t>bởi</a:t>
+            </a:r>
+            <a:r>
+              <a:rPr lang="en-US" sz="2200" u="sng" dirty="0"/>
+              <a:t> </a:t>
+            </a:r>
+            <a:r>
+              <a:rPr lang="en-US" sz="2200" u="sng" dirty="0" err="1"/>
+              <a:t>việc</a:t>
+            </a:r>
+            <a:r>
+              <a:rPr lang="en-US" sz="2200" u="sng" dirty="0"/>
+              <a:t> </a:t>
+            </a:r>
+            <a:r>
+              <a:rPr lang="en-US" sz="2200" u="sng" dirty="0" err="1"/>
+              <a:t>gọi</a:t>
+            </a:r>
+            <a:r>
+              <a:rPr lang="en-US" sz="2200" u="sng" dirty="0"/>
+              <a:t> </a:t>
+            </a:r>
+            <a:r>
+              <a:rPr lang="en-US" sz="2200" u="sng" dirty="0" err="1"/>
+              <a:t>đệ</a:t>
+            </a:r>
+            <a:r>
+              <a:rPr lang="en-US" sz="2200" u="sng" dirty="0"/>
+              <a:t> </a:t>
+            </a:r>
+            <a:r>
+              <a:rPr lang="en-US" sz="2200" u="sng" dirty="0" err="1"/>
+              <a:t>quy</a:t>
+            </a:r>
+            <a:r>
+              <a:rPr lang="en-US" sz="2200" u="sng" dirty="0"/>
+              <a:t>.</a:t>
+            </a:r>
+            <a:endParaRPr sz="2200" u="sng" dirty="0"/>
           </a:p>
           <a:p>
             <a:pPr marL="457200" lvl="0" indent="0" algn="l" rtl="0">
@@ -38739,7 +41418,7 @@
               </a:spcAft>
               <a:buNone/>
             </a:pPr>
-            <a:endParaRPr sz="2200"/>
+            <a:endParaRPr sz="2200" dirty="0"/>
           </a:p>
           <a:p>
             <a:pPr marL="457200" lvl="0" indent="0" algn="l" rtl="0">
@@ -38751,236 +41430,7 @@
               </a:spcAft>
               <a:buNone/>
             </a:pPr>
-            <a:endParaRPr/>
-          </a:p>
-        </p:txBody>
-      </p:sp>
-    </p:spTree>
-  </p:cSld>
-  <p:clrMapOvr>
-    <a:masterClrMapping/>
-  </p:clrMapOvr>
-</p:sld>
-</file>
-
-<file path=ppt/slides/slide9.xml><?xml version="1.0" encoding="utf-8"?>
-<p:sld xmlns:a="http://schemas.openxmlformats.org/drawingml/2006/main" xmlns:r="http://schemas.openxmlformats.org/officeDocument/2006/relationships" xmlns:p="http://schemas.openxmlformats.org/presentationml/2006/main">
-  <p:cSld>
-    <p:spTree>
-      <p:nvGrpSpPr>
-        <p:cNvPr id="1" name="Shape 171"/>
-        <p:cNvGrpSpPr/>
-        <p:nvPr/>
-      </p:nvGrpSpPr>
-      <p:grpSpPr>
-        <a:xfrm>
-          <a:off x="0" y="0"/>
-          <a:ext cx="0" cy="0"/>
-          <a:chOff x="0" y="0"/>
-          <a:chExt cx="0" cy="0"/>
-        </a:xfrm>
-      </p:grpSpPr>
-      <p:sp>
-        <p:nvSpPr>
-          <p:cNvPr id="172" name="Google Shape;172;gc8cafda089_2_6"/>
-          <p:cNvSpPr txBox="1">
-            <a:spLocks noGrp="1"/>
-          </p:cNvSpPr>
-          <p:nvPr>
-            <p:ph type="title"/>
-          </p:nvPr>
-        </p:nvSpPr>
-        <p:spPr>
-          <a:xfrm>
-            <a:off x="609600" y="274638"/>
-            <a:ext cx="10972800" cy="1143000"/>
-          </a:xfrm>
-          <a:prstGeom prst="rect">
-            <a:avLst/>
-          </a:prstGeom>
-        </p:spPr>
-        <p:txBody>
-          <a:bodyPr spcFirstLastPara="1" wrap="square" lIns="91425" tIns="45700" rIns="91425" bIns="45700" anchor="ctr" anchorCtr="0">
-            <a:noAutofit/>
-          </a:bodyPr>
-          <a:lstStyle/>
-          <a:p>
-            <a:pPr marL="0" lvl="0" indent="0" algn="ctr" rtl="0">
-              <a:spcBef>
-                <a:spcPts val="0"/>
-              </a:spcBef>
-              <a:spcAft>
-                <a:spcPts val="0"/>
-              </a:spcAft>
-              <a:buNone/>
-            </a:pPr>
-            <a:r>
-              <a:rPr lang="en-US"/>
-              <a:t>Mô hình quay lui</a:t>
-            </a:r>
-            <a:endParaRPr/>
-          </a:p>
-        </p:txBody>
-      </p:sp>
-      <p:sp>
-        <p:nvSpPr>
-          <p:cNvPr id="173" name="Google Shape;173;gc8cafda089_2_6"/>
-          <p:cNvSpPr txBox="1">
-            <a:spLocks noGrp="1"/>
-          </p:cNvSpPr>
-          <p:nvPr>
-            <p:ph type="body" idx="1"/>
-          </p:nvPr>
-        </p:nvSpPr>
-        <p:spPr>
-          <a:xfrm>
-            <a:off x="609600" y="1236025"/>
-            <a:ext cx="10972800" cy="4890300"/>
-          </a:xfrm>
-          <a:prstGeom prst="rect">
-            <a:avLst/>
-          </a:prstGeom>
-        </p:spPr>
-        <p:txBody>
-          <a:bodyPr spcFirstLastPara="1" wrap="square" lIns="91425" tIns="45700" rIns="91425" bIns="45700" anchor="t" anchorCtr="0">
-            <a:noAutofit/>
-          </a:bodyPr>
-          <a:lstStyle/>
-          <a:p>
-            <a:pPr marL="0" lvl="0" indent="0" algn="l" rtl="0">
-              <a:spcBef>
-                <a:spcPts val="560"/>
-              </a:spcBef>
-              <a:spcAft>
-                <a:spcPts val="0"/>
-              </a:spcAft>
-              <a:buNone/>
-            </a:pPr>
-            <a:r>
-              <a:rPr lang="en-US">
-                <a:solidFill>
-                  <a:srgbClr val="0066FF"/>
-                </a:solidFill>
-              </a:rPr>
-              <a:t>Các câu hỏi cần được nghĩ đến ngay khi tiến hành xây dựng mô hình quay lui:</a:t>
-            </a:r>
-            <a:endParaRPr>
-              <a:solidFill>
-                <a:srgbClr val="0066FF"/>
-              </a:solidFill>
-            </a:endParaRPr>
-          </a:p>
-          <a:p>
-            <a:pPr marL="457200" lvl="0" indent="-406400" algn="l" rtl="0">
-              <a:spcBef>
-                <a:spcPts val="560"/>
-              </a:spcBef>
-              <a:spcAft>
-                <a:spcPts val="0"/>
-              </a:spcAft>
-              <a:buClr>
-                <a:srgbClr val="FF0000"/>
-              </a:buClr>
-              <a:buSzPts val="2800"/>
-              <a:buAutoNum type="arabicPeriod"/>
-            </a:pPr>
-            <a:r>
-              <a:rPr lang="en-US">
-                <a:solidFill>
-                  <a:srgbClr val="FF0000"/>
-                </a:solidFill>
-              </a:rPr>
-              <a:t>Trường hợp chọn</a:t>
-            </a:r>
-            <a:endParaRPr>
-              <a:solidFill>
-                <a:srgbClr val="FF0000"/>
-              </a:solidFill>
-            </a:endParaRPr>
-          </a:p>
-          <a:p>
-            <a:pPr marL="457200" lvl="0" indent="-406400" algn="l" rtl="0">
-              <a:spcBef>
-                <a:spcPts val="0"/>
-              </a:spcBef>
-              <a:spcAft>
-                <a:spcPts val="0"/>
-              </a:spcAft>
-              <a:buClr>
-                <a:srgbClr val="0066FF"/>
-              </a:buClr>
-              <a:buSzPts val="2800"/>
-              <a:buAutoNum type="arabicPeriod"/>
-            </a:pPr>
-            <a:r>
-              <a:rPr lang="en-US">
-                <a:solidFill>
-                  <a:srgbClr val="0066FF"/>
-                </a:solidFill>
-              </a:rPr>
-              <a:t>Trường hợp dò kiếm</a:t>
-            </a:r>
-            <a:endParaRPr>
-              <a:solidFill>
-                <a:srgbClr val="0066FF"/>
-              </a:solidFill>
-            </a:endParaRPr>
-          </a:p>
-          <a:p>
-            <a:pPr marL="457200" lvl="0" indent="-406400" algn="l" rtl="0">
-              <a:spcBef>
-                <a:spcPts val="0"/>
-              </a:spcBef>
-              <a:spcAft>
-                <a:spcPts val="0"/>
-              </a:spcAft>
-              <a:buClr>
-                <a:srgbClr val="FF0000"/>
-              </a:buClr>
-              <a:buSzPts val="2800"/>
-              <a:buAutoNum type="arabicPeriod"/>
-            </a:pPr>
-            <a:r>
-              <a:rPr lang="en-US">
-                <a:solidFill>
-                  <a:srgbClr val="FF0000"/>
-                </a:solidFill>
-              </a:rPr>
-              <a:t>Trường hợp bỏ chọn</a:t>
-            </a:r>
-            <a:endParaRPr>
-              <a:solidFill>
-                <a:srgbClr val="FF0000"/>
-              </a:solidFill>
-            </a:endParaRPr>
-          </a:p>
-          <a:p>
-            <a:pPr marL="457200" lvl="0" indent="-406400" algn="l" rtl="0">
-              <a:spcBef>
-                <a:spcPts val="0"/>
-              </a:spcBef>
-              <a:spcAft>
-                <a:spcPts val="0"/>
-              </a:spcAft>
-              <a:buClr>
-                <a:srgbClr val="0066FF"/>
-              </a:buClr>
-              <a:buSzPts val="2800"/>
-              <a:buAutoNum type="arabicPeriod"/>
-            </a:pPr>
-            <a:r>
-              <a:rPr lang="en-US">
-                <a:solidFill>
-                  <a:srgbClr val="0066FF"/>
-                </a:solidFill>
-              </a:rPr>
-              <a:t>Trường hợp cơ sở</a:t>
-            </a:r>
-            <a:endParaRPr>
-              <a:solidFill>
-                <a:srgbClr val="0066FF"/>
-              </a:solidFill>
-            </a:endParaRPr>
+            <a:endParaRPr dirty="0"/>
           </a:p>
         </p:txBody>
       </p:sp>

--- a/Seminar/Backtracking.pptx
+++ b/Seminar/Backtracking.pptx
@@ -282,7 +282,7 @@
       </p15:sldGuideLst>
     </p:ext>
     <p:ext uri="http://customooxmlschemas.google.com/">
-      <go:slidesCustomData xmlns="" xmlns:mc="http://schemas.openxmlformats.org/markup-compatibility/2006" xmlns:mv="urn:schemas-microsoft-com:mac:vml" xmlns:c="http://schemas.openxmlformats.org/drawingml/2006/chart" xmlns:dgm="http://schemas.openxmlformats.org/drawingml/2006/diagram" xmlns:o="urn:schemas-microsoft-com:office:office" xmlns:v="urn:schemas-microsoft-com:vml" xmlns:pvml="urn:schemas-microsoft-com:office:powerpoint" xmlns:com="http://schemas.openxmlformats.org/drawingml/2006/compatibility" xmlns:p14="http://schemas.microsoft.com/office/powerpoint/2010/main" xmlns:p15="http://schemas.microsoft.com/office/powerpoint/2012/main" xmlns:ahyp="http://schemas.microsoft.com/office/drawing/2018/hyperlinkcolor" xmlns:go="http://customooxmlschemas.google.com/" r:id="rId29" roundtripDataSignature="AMtx7mjN40/ve5vzuKNJ5jF2dWi+bMlPEg=="/>
+      <go:slidesCustomData xmlns:go="http://customooxmlschemas.google.com/" xmlns:ahyp="http://schemas.microsoft.com/office/drawing/2018/hyperlinkcolor" xmlns:p15="http://schemas.microsoft.com/office/powerpoint/2012/main" xmlns:p14="http://schemas.microsoft.com/office/powerpoint/2010/main" xmlns:com="http://schemas.openxmlformats.org/drawingml/2006/compatibility" xmlns:pvml="urn:schemas-microsoft-com:office:powerpoint" xmlns:v="urn:schemas-microsoft-com:vml" xmlns:o="urn:schemas-microsoft-com:office:office" xmlns:dgm="http://schemas.openxmlformats.org/drawingml/2006/diagram" xmlns:c="http://schemas.openxmlformats.org/drawingml/2006/chart" xmlns:mv="urn:schemas-microsoft-com:mac:vml" xmlns:mc="http://schemas.openxmlformats.org/markup-compatibility/2006" xmlns="" r:id="rId29" roundtripDataSignature="AMtx7mjN40/ve5vzuKNJ5jF2dWi+bMlPEg=="/>
     </p:ext>
   </p:extLst>
 </p:presentation>
@@ -22282,115 +22282,59 @@
           </a:p>
           <a:p>
             <a:r>
-              <a:rPr lang="vi-VN" dirty="0">
-                <a:solidFill>
-                  <a:srgbClr val="0066FF"/>
-                </a:solidFill>
-              </a:rPr>
+              <a:rPr lang="vi-VN" dirty="0"/>
               <a:t>Xá</a:t>
             </a:r>
             <a:r>
-              <a:rPr lang="en-US" dirty="0">
-                <a:solidFill>
-                  <a:srgbClr val="0066FF"/>
-                </a:solidFill>
-              </a:rPr>
+              <a:rPr lang="en-US" dirty="0"/>
               <a:t>c </a:t>
             </a:r>
             <a:r>
-              <a:rPr lang="en-US" dirty="0" err="1">
-                <a:solidFill>
-                  <a:srgbClr val="0066FF"/>
-                </a:solidFill>
-              </a:rPr>
+              <a:rPr lang="en-US" dirty="0" err="1"/>
               <a:t>định</a:t>
             </a:r>
             <a:r>
-              <a:rPr lang="en-US" dirty="0">
-                <a:solidFill>
-                  <a:srgbClr val="0066FF"/>
-                </a:solidFill>
-              </a:rPr>
-              <a:t> </a:t>
-            </a:r>
-            <a:r>
-              <a:rPr lang="en-US" dirty="0" err="1">
-                <a:solidFill>
-                  <a:srgbClr val="0066FF"/>
-                </a:solidFill>
-              </a:rPr>
+              <a:rPr lang="en-US" dirty="0"/>
+              <a:t> </a:t>
+            </a:r>
+            <a:r>
+              <a:rPr lang="en-US" dirty="0" err="1"/>
               <a:t>sẽ</a:t>
             </a:r>
             <a:r>
-              <a:rPr lang="en-US" dirty="0">
-                <a:solidFill>
-                  <a:srgbClr val="0066FF"/>
-                </a:solidFill>
-              </a:rPr>
-              <a:t> </a:t>
-            </a:r>
-            <a:r>
-              <a:rPr lang="en-US" dirty="0" err="1">
-                <a:solidFill>
-                  <a:srgbClr val="0066FF"/>
-                </a:solidFill>
-              </a:rPr>
+              <a:rPr lang="en-US" dirty="0"/>
+              <a:t> </a:t>
+            </a:r>
+            <a:r>
+              <a:rPr lang="en-US" dirty="0" err="1"/>
               <a:t>cần</a:t>
             </a:r>
             <a:r>
-              <a:rPr lang="en-US" dirty="0">
-                <a:solidFill>
-                  <a:srgbClr val="0066FF"/>
-                </a:solidFill>
-              </a:rPr>
-              <a:t> </a:t>
-            </a:r>
-            <a:r>
-              <a:rPr lang="en-US" dirty="0" err="1">
-                <a:solidFill>
-                  <a:srgbClr val="0066FF"/>
-                </a:solidFill>
-              </a:rPr>
+              <a:rPr lang="en-US" dirty="0"/>
+              <a:t> </a:t>
+            </a:r>
+            <a:r>
+              <a:rPr lang="en-US" dirty="0" err="1"/>
               <a:t>lặp</a:t>
             </a:r>
             <a:r>
-              <a:rPr lang="en-US" dirty="0">
-                <a:solidFill>
-                  <a:srgbClr val="0066FF"/>
-                </a:solidFill>
-              </a:rPr>
-              <a:t> </a:t>
-            </a:r>
-            <a:r>
-              <a:rPr lang="en-US" dirty="0" err="1">
-                <a:solidFill>
-                  <a:srgbClr val="0066FF"/>
-                </a:solidFill>
-              </a:rPr>
+              <a:rPr lang="en-US" dirty="0"/>
+              <a:t> </a:t>
+            </a:r>
+            <a:r>
+              <a:rPr lang="en-US" dirty="0" err="1"/>
               <a:t>lại</a:t>
             </a:r>
             <a:r>
-              <a:rPr lang="en-US" dirty="0">
-                <a:solidFill>
-                  <a:srgbClr val="0066FF"/>
-                </a:solidFill>
-              </a:rPr>
-              <a:t> </a:t>
-            </a:r>
-            <a:r>
-              <a:rPr lang="en-US" dirty="0" err="1">
-                <a:solidFill>
-                  <a:srgbClr val="0066FF"/>
-                </a:solidFill>
-              </a:rPr>
+              <a:rPr lang="en-US" dirty="0"/>
+              <a:t> </a:t>
+            </a:r>
+            <a:r>
+              <a:rPr lang="en-US" dirty="0" err="1"/>
               <a:t>những</a:t>
             </a:r>
             <a:r>
-              <a:rPr lang="en-US" dirty="0">
-                <a:solidFill>
-                  <a:srgbClr val="0066FF"/>
-                </a:solidFill>
-              </a:rPr>
+              <a:rPr lang="en-US" dirty="0"/>
               <a:t> </a:t>
             </a:r>
             <a:r>
@@ -22399,13 +22343,81 @@
             </a:r>
             <a:r>
               <a:rPr lang="en-US" dirty="0"/>
+              <a:t> </a:t>
+            </a:r>
+            <a:r>
+              <a:rPr lang="en-US" dirty="0" err="1"/>
+              <a:t>và</a:t>
+            </a:r>
+            <a:r>
+              <a:rPr lang="en-US" dirty="0"/>
+              <a:t> </a:t>
+            </a:r>
+            <a:r>
+              <a:rPr lang="en-US" dirty="0" err="1"/>
+              <a:t>cách</a:t>
+            </a:r>
+            <a:r>
+              <a:rPr lang="en-US" dirty="0"/>
+              <a:t> </a:t>
+            </a:r>
+            <a:r>
+              <a:rPr lang="en-US" dirty="0" err="1"/>
+              <a:t>xác</a:t>
+            </a:r>
+            <a:r>
+              <a:rPr lang="en-US" dirty="0"/>
+              <a:t> </a:t>
+            </a:r>
+            <a:r>
+              <a:rPr lang="en-US" dirty="0" err="1"/>
+              <a:t>định</a:t>
+            </a:r>
+            <a:r>
+              <a:rPr lang="en-US" dirty="0"/>
+              <a:t> </a:t>
+            </a:r>
+            <a:r>
+              <a:rPr lang="en-US" dirty="0" err="1"/>
+              <a:t>lựa</a:t>
+            </a:r>
+            <a:r>
+              <a:rPr lang="en-US" dirty="0"/>
+              <a:t> </a:t>
+            </a:r>
+            <a:r>
+              <a:rPr lang="en-US" dirty="0" err="1"/>
+              <a:t>chọn</a:t>
+            </a:r>
+            <a:r>
+              <a:rPr lang="en-US" dirty="0"/>
+              <a:t> </a:t>
+            </a:r>
+            <a:r>
+              <a:rPr lang="en-US" dirty="0" err="1"/>
+              <a:t>sau</a:t>
+            </a:r>
+            <a:r>
+              <a:rPr lang="en-US" dirty="0"/>
+              <a:t> </a:t>
+            </a:r>
+            <a:r>
+              <a:rPr lang="en-US" dirty="0" err="1"/>
+              <a:t>mỗi</a:t>
+            </a:r>
+            <a:r>
+              <a:rPr lang="en-US" dirty="0"/>
+              <a:t> </a:t>
+            </a:r>
+            <a:r>
+              <a:rPr lang="en-US" dirty="0" err="1"/>
+              <a:t>lần</a:t>
+            </a:r>
+            <a:r>
+              <a:rPr lang="en-US" dirty="0"/>
               <a:t>.</a:t>
             </a:r>
-            <a:endParaRPr lang="vi-VN" dirty="0">
-              <a:solidFill>
-                <a:srgbClr val="0066FF"/>
-              </a:solidFill>
-            </a:endParaRPr>
+            <a:endParaRPr lang="vi-VN" dirty="0"/>
           </a:p>
           <a:p>
             <a:pPr>
@@ -22422,7 +22434,7 @@
                   <a:srgbClr val="FF0000"/>
                 </a:solidFill>
               </a:rPr>
-              <a:t>Xác</a:t>
+              <a:t>Xem</a:t>
             </a:r>
             <a:r>
               <a:rPr lang="en-US" dirty="0">
@@ -22438,7 +22450,7 @@
                   <a:srgbClr val="FF0000"/>
                 </a:solidFill>
               </a:rPr>
-              <a:t>định</a:t>
+              <a:t>xét</a:t>
             </a:r>
             <a:r>
               <a:rPr lang="en-US" dirty="0">
@@ -22454,7 +22466,7 @@
                   <a:srgbClr val="FF0000"/>
                 </a:solidFill>
               </a:rPr>
-              <a:t>lựa</a:t>
+              <a:t>có</a:t>
             </a:r>
             <a:r>
               <a:rPr lang="en-US" dirty="0">
@@ -22470,7 +22482,7 @@
                   <a:srgbClr val="FF0000"/>
                 </a:solidFill>
               </a:rPr>
-              <a:t>chọn</a:t>
+              <a:t>cần</a:t>
             </a:r>
             <a:r>
               <a:rPr lang="en-US" dirty="0">
@@ -22486,7 +22498,7 @@
                   <a:srgbClr val="FF0000"/>
                 </a:solidFill>
               </a:rPr>
-              <a:t>sau</a:t>
+              <a:t>vòng</a:t>
             </a:r>
             <a:r>
               <a:rPr lang="en-US" dirty="0">
@@ -22502,7 +22514,7 @@
                   <a:srgbClr val="FF0000"/>
                 </a:solidFill>
               </a:rPr>
-              <a:t>mỗi</a:t>
+              <a:t>lặp</a:t>
             </a:r>
             <a:r>
               <a:rPr lang="en-US" dirty="0">
@@ -22510,7 +22522,7 @@
                   <a:srgbClr val="FF0000"/>
                 </a:solidFill>
               </a:rPr>
-              <a:t> </a:t>
+              <a:t> for </a:t>
             </a:r>
             <a:r>
               <a:rPr lang="en-US" dirty="0" err="1">
@@ -22518,7 +22530,15 @@
                   <a:srgbClr val="FF0000"/>
                 </a:solidFill>
               </a:rPr>
-              <a:t>lần</a:t>
+              <a:t>không</a:t>
+            </a:r>
+            <a:r>
+              <a:rPr lang="en-US">
+                <a:solidFill>
+                  <a:srgbClr val="FF0000"/>
+                </a:solidFill>
+              </a:rPr>
+              <a:t> </a:t>
             </a:r>
             <a:r>
               <a:rPr lang="en-US" dirty="0">
@@ -22526,151 +22546,7 @@
                   <a:srgbClr val="FF0000"/>
                 </a:solidFill>
               </a:rPr>
-              <a:t> </a:t>
-            </a:r>
-            <a:r>
-              <a:rPr lang="en-US" dirty="0" err="1">
-                <a:solidFill>
-                  <a:srgbClr val="FF0000"/>
-                </a:solidFill>
-              </a:rPr>
-              <a:t>lặp</a:t>
-            </a:r>
-            <a:r>
-              <a:rPr lang="en-US" dirty="0">
-                <a:solidFill>
-                  <a:srgbClr val="FF0000"/>
-                </a:solidFill>
-              </a:rPr>
-              <a:t> </a:t>
-            </a:r>
-            <a:r>
-              <a:rPr lang="en-US" dirty="0" err="1">
-                <a:solidFill>
-                  <a:srgbClr val="FF0000"/>
-                </a:solidFill>
-              </a:rPr>
-              <a:t>và</a:t>
-            </a:r>
-            <a:r>
-              <a:rPr lang="en-US" dirty="0">
-                <a:solidFill>
-                  <a:srgbClr val="FF0000"/>
-                </a:solidFill>
-              </a:rPr>
-              <a:t> </a:t>
-            </a:r>
-            <a:r>
-              <a:rPr lang="en-US" dirty="0" err="1">
-                <a:solidFill>
-                  <a:srgbClr val="FF0000"/>
-                </a:solidFill>
-              </a:rPr>
-              <a:t>xem</a:t>
-            </a:r>
-            <a:r>
-              <a:rPr lang="en-US" dirty="0">
-                <a:solidFill>
-                  <a:srgbClr val="FF0000"/>
-                </a:solidFill>
-              </a:rPr>
-              <a:t> </a:t>
-            </a:r>
-            <a:r>
-              <a:rPr lang="en-US" dirty="0" err="1">
-                <a:solidFill>
-                  <a:srgbClr val="FF0000"/>
-                </a:solidFill>
-              </a:rPr>
-              <a:t>xét</a:t>
-            </a:r>
-            <a:r>
-              <a:rPr lang="en-US" dirty="0">
-                <a:solidFill>
-                  <a:srgbClr val="FF0000"/>
-                </a:solidFill>
-              </a:rPr>
-              <a:t> </a:t>
-            </a:r>
-            <a:r>
-              <a:rPr lang="en-US" dirty="0" err="1">
-                <a:solidFill>
-                  <a:srgbClr val="FF0000"/>
-                </a:solidFill>
-              </a:rPr>
-              <a:t>có</a:t>
-            </a:r>
-            <a:r>
-              <a:rPr lang="en-US" dirty="0">
-                <a:solidFill>
-                  <a:srgbClr val="FF0000"/>
-                </a:solidFill>
-              </a:rPr>
-              <a:t> </a:t>
-            </a:r>
-            <a:r>
-              <a:rPr lang="en-US" dirty="0" err="1">
-                <a:solidFill>
-                  <a:srgbClr val="FF0000"/>
-                </a:solidFill>
-              </a:rPr>
-              <a:t>cần</a:t>
-            </a:r>
-            <a:r>
-              <a:rPr lang="en-US" dirty="0">
-                <a:solidFill>
-                  <a:srgbClr val="FF0000"/>
-                </a:solidFill>
-              </a:rPr>
-              <a:t> </a:t>
-            </a:r>
-            <a:r>
-              <a:rPr lang="en-US" dirty="0" err="1">
-                <a:solidFill>
-                  <a:srgbClr val="FF0000"/>
-                </a:solidFill>
-              </a:rPr>
-              <a:t>vòng</a:t>
-            </a:r>
-            <a:r>
-              <a:rPr lang="en-US" dirty="0">
-                <a:solidFill>
-                  <a:srgbClr val="FF0000"/>
-                </a:solidFill>
-              </a:rPr>
-              <a:t> </a:t>
-            </a:r>
-            <a:r>
-              <a:rPr lang="en-US" dirty="0" err="1">
-                <a:solidFill>
-                  <a:srgbClr val="FF0000"/>
-                </a:solidFill>
-              </a:rPr>
-              <a:t>lặp</a:t>
-            </a:r>
-            <a:r>
-              <a:rPr lang="en-US" dirty="0">
-                <a:solidFill>
-                  <a:srgbClr val="FF0000"/>
-                </a:solidFill>
-              </a:rPr>
-              <a:t> for </a:t>
-            </a:r>
-            <a:r>
-              <a:rPr lang="en-US" dirty="0" err="1">
-                <a:solidFill>
-                  <a:srgbClr val="FF0000"/>
-                </a:solidFill>
-              </a:rPr>
-              <a:t>không</a:t>
-            </a:r>
-            <a:r>
-              <a:rPr lang="en-US" dirty="0">
-                <a:solidFill>
-                  <a:srgbClr val="FF0000"/>
-                </a:solidFill>
-              </a:rPr>
-              <a:t>.</a:t>
+              <a:t>?</a:t>
             </a:r>
             <a:endParaRPr lang="en-US" sz="2800" dirty="0">
               <a:solidFill>

--- a/Seminar/Backtracking.pptx
+++ b/Seminar/Backtracking.pptx
@@ -282,7 +282,7 @@
       </p15:sldGuideLst>
     </p:ext>
     <p:ext uri="http://customooxmlschemas.google.com/">
-      <go:slidesCustomData xmlns:go="http://customooxmlschemas.google.com/" xmlns:ahyp="http://schemas.microsoft.com/office/drawing/2018/hyperlinkcolor" xmlns:p15="http://schemas.microsoft.com/office/powerpoint/2012/main" xmlns:p14="http://schemas.microsoft.com/office/powerpoint/2010/main" xmlns:com="http://schemas.openxmlformats.org/drawingml/2006/compatibility" xmlns:pvml="urn:schemas-microsoft-com:office:powerpoint" xmlns:v="urn:schemas-microsoft-com:vml" xmlns:o="urn:schemas-microsoft-com:office:office" xmlns:dgm="http://schemas.openxmlformats.org/drawingml/2006/diagram" xmlns:c="http://schemas.openxmlformats.org/drawingml/2006/chart" xmlns:mv="urn:schemas-microsoft-com:mac:vml" xmlns:mc="http://schemas.openxmlformats.org/markup-compatibility/2006" xmlns="" r:id="rId29" roundtripDataSignature="AMtx7mjN40/ve5vzuKNJ5jF2dWi+bMlPEg=="/>
+      <go:slidesCustomData xmlns="" xmlns:mc="http://schemas.openxmlformats.org/markup-compatibility/2006" xmlns:mv="urn:schemas-microsoft-com:mac:vml" xmlns:c="http://schemas.openxmlformats.org/drawingml/2006/chart" xmlns:dgm="http://schemas.openxmlformats.org/drawingml/2006/diagram" xmlns:o="urn:schemas-microsoft-com:office:office" xmlns:v="urn:schemas-microsoft-com:vml" xmlns:pvml="urn:schemas-microsoft-com:office:powerpoint" xmlns:com="http://schemas.openxmlformats.org/drawingml/2006/compatibility" xmlns:p14="http://schemas.microsoft.com/office/powerpoint/2010/main" xmlns:p15="http://schemas.microsoft.com/office/powerpoint/2012/main" xmlns:ahyp="http://schemas.microsoft.com/office/drawing/2018/hyperlinkcolor" xmlns:go="http://customooxmlschemas.google.com/" r:id="rId29" roundtripDataSignature="AMtx7mjN40/ve5vzuKNJ5jF2dWi+bMlPEg=="/>
     </p:ext>
   </p:extLst>
 </p:presentation>
@@ -22314,16 +22314,8 @@
               <a:t> </a:t>
             </a:r>
             <a:r>
-              <a:rPr lang="en-US" dirty="0" err="1"/>
-              <a:t>lặp</a:t>
-            </a:r>
-            <a:r>
-              <a:rPr lang="en-US" dirty="0"/>
-              <a:t> </a:t>
-            </a:r>
-            <a:r>
-              <a:rPr lang="en-US" dirty="0" err="1"/>
-              <a:t>lại</a:t>
+              <a:rPr lang="vi-VN" dirty="0"/>
+              <a:t>duyệt qua</a:t>
             </a:r>
             <a:r>
               <a:rPr lang="en-US" dirty="0"/>
@@ -22414,7 +22406,11 @@
               <a:t>lần</a:t>
             </a:r>
             <a:r>
-              <a:rPr lang="en-US" dirty="0"/>
+              <a:rPr lang="vi-VN"/>
+              <a:t> duyệt</a:t>
+            </a:r>
+            <a:r>
+              <a:rPr lang="en-US"/>
               <a:t>.</a:t>
             </a:r>
             <a:endParaRPr lang="vi-VN" dirty="0"/>
@@ -22533,20 +22529,12 @@
               <a:t>không</a:t>
             </a:r>
             <a:r>
-              <a:rPr lang="en-US">
+              <a:rPr lang="en-US" dirty="0">
                 <a:solidFill>
                   <a:srgbClr val="FF0000"/>
                 </a:solidFill>
               </a:rPr>
-              <a:t> </a:t>
-            </a:r>
-            <a:r>
-              <a:rPr lang="en-US" dirty="0">
-                <a:solidFill>
-                  <a:srgbClr val="FF0000"/>
-                </a:solidFill>
-              </a:rPr>
-              <a:t>?</a:t>
+              <a:t> ?</a:t>
             </a:r>
             <a:endParaRPr lang="en-US" sz="2800" dirty="0">
               <a:solidFill>
@@ -22862,7 +22850,7 @@
             </a:r>
             <a:r>
               <a:rPr lang="en-US" dirty="0" err="1"/>
-              <a:t>đos</a:t>
+              <a:t>đó</a:t>
             </a:r>
             <a:r>
               <a:rPr lang="en-US" dirty="0"/>
@@ -29053,6 +29041,36 @@
             <a:r>
               <a:rPr lang="en-US" sz="2000" b="1" dirty="0">
                 <a:solidFill>
+                  <a:srgbClr val="001080"/>
+                </a:solidFill>
+                <a:highlight>
+                  <a:srgbClr val="FFFFFE"/>
+                </a:highlight>
+                <a:latin typeface="Courier New"/>
+                <a:ea typeface="Courier New"/>
+                <a:cs typeface="Courier New"/>
+                <a:sym typeface="Courier New"/>
+              </a:rPr>
+              <a:t> </a:t>
+            </a:r>
+            <a:r>
+              <a:rPr lang="en-US" sz="2000" b="1" dirty="0">
+                <a:solidFill>
+                  <a:schemeClr val="tx1"/>
+                </a:solidFill>
+                <a:highlight>
+                  <a:srgbClr val="FFFFFE"/>
+                </a:highlight>
+                <a:latin typeface="Courier New"/>
+                <a:ea typeface="Courier New"/>
+                <a:cs typeface="Courier New"/>
+                <a:sym typeface="Courier New"/>
+              </a:rPr>
+              <a:t>= []</a:t>
+            </a:r>
+            <a:r>
+              <a:rPr lang="en-US" sz="2000" b="1" dirty="0">
+                <a:solidFill>
                   <a:schemeClr val="dk1"/>
                 </a:solidFill>
                 <a:highlight>
@@ -31937,7 +31955,7 @@
               <a:buAutoNum type="arabicPeriod"/>
             </a:pPr>
             <a:r>
-              <a:rPr lang="en-US" sz="2000" b="1" dirty="0" err="1">
+              <a:rPr lang="en-US" sz="2000" b="1" dirty="0">
                 <a:solidFill>
                   <a:srgbClr val="0000FF"/>
                 </a:solidFill>
@@ -32070,6 +32088,36 @@
                 <a:sym typeface="Courier New"/>
               </a:rPr>
               <a:t>tracked_list</a:t>
+            </a:r>
+            <a:r>
+              <a:rPr lang="en-US" sz="2000" b="1" dirty="0">
+                <a:solidFill>
+                  <a:srgbClr val="001080"/>
+                </a:solidFill>
+                <a:highlight>
+                  <a:srgbClr val="FFFFFE"/>
+                </a:highlight>
+                <a:latin typeface="Courier New"/>
+                <a:ea typeface="Courier New"/>
+                <a:cs typeface="Courier New"/>
+                <a:sym typeface="Courier New"/>
+              </a:rPr>
+              <a:t> </a:t>
+            </a:r>
+            <a:r>
+              <a:rPr lang="en-US" sz="2000" b="1" dirty="0">
+                <a:solidFill>
+                  <a:schemeClr val="tx1"/>
+                </a:solidFill>
+                <a:highlight>
+                  <a:srgbClr val="FFFFFE"/>
+                </a:highlight>
+                <a:latin typeface="Courier New"/>
+                <a:ea typeface="Courier New"/>
+                <a:cs typeface="Courier New"/>
+                <a:sym typeface="Courier New"/>
+              </a:rPr>
+              <a:t>= []</a:t>
             </a:r>
             <a:r>
               <a:rPr lang="en-US" sz="2000" b="1" dirty="0">
@@ -33890,21 +33938,22 @@
           <a:bodyPr/>
           <a:lstStyle/>
           <a:p>
-            <a:pPr marL="50800" indent="0">
-              <a:buNone/>
+            <a:pPr>
+              <a:buFont typeface="+mj-lt"/>
+              <a:buAutoNum type="arabicPeriod"/>
             </a:pPr>
             <a:r>
-              <a:rPr lang="en-US" sz="1500" b="1" dirty="0">
+              <a:rPr lang="en-US" sz="2000" b="1" dirty="0">
                 <a:solidFill>
                   <a:srgbClr val="0000FF"/>
                 </a:solidFill>
                 <a:effectLst/>
                 <a:latin typeface="Courier New" panose="02070309020205020404" pitchFamily="49" charset="0"/>
               </a:rPr>
-              <a:t>1. def</a:t>
-            </a:r>
-            <a:r>
-              <a:rPr lang="en-US" sz="1500" b="1" dirty="0">
+              <a:t>def</a:t>
+            </a:r>
+            <a:r>
+              <a:rPr lang="en-US" sz="2000" b="1" dirty="0">
                 <a:solidFill>
                   <a:srgbClr val="000000"/>
                 </a:solidFill>
@@ -33914,7 +33963,7 @@
               <a:t> </a:t>
             </a:r>
             <a:r>
-              <a:rPr lang="en-US" sz="1500" b="1" dirty="0" err="1">
+              <a:rPr lang="en-US" sz="2000" b="1" dirty="0" err="1">
                 <a:solidFill>
                   <a:srgbClr val="795E26"/>
                 </a:solidFill>
@@ -33924,7 +33973,7 @@
               <a:t>diceRolls_optimized</a:t>
             </a:r>
             <a:r>
-              <a:rPr lang="en-US" sz="1500" b="1" dirty="0">
+              <a:rPr lang="en-US" sz="2000" b="1" dirty="0">
                 <a:solidFill>
                   <a:srgbClr val="000000"/>
                 </a:solidFill>
@@ -33934,7 +33983,7 @@
               <a:t>(</a:t>
             </a:r>
             <a:r>
-              <a:rPr lang="en-US" sz="1500" b="1" dirty="0">
+              <a:rPr lang="en-US" sz="2000" b="1" dirty="0">
                 <a:solidFill>
                   <a:srgbClr val="001080"/>
                 </a:solidFill>
@@ -33944,7 +33993,7 @@
               <a:t>dice</a:t>
             </a:r>
             <a:r>
-              <a:rPr lang="en-US" sz="1500" b="1" dirty="0">
+              <a:rPr lang="en-US" sz="2000" b="1" dirty="0">
                 <a:solidFill>
                   <a:srgbClr val="000000"/>
                 </a:solidFill>
@@ -33954,7 +34003,7 @@
               <a:t>, </a:t>
             </a:r>
             <a:r>
-              <a:rPr lang="en-US" sz="1500" b="1" dirty="0" err="1">
+              <a:rPr lang="en-US" sz="2000" b="1" dirty="0" err="1">
                 <a:solidFill>
                   <a:srgbClr val="001080"/>
                 </a:solidFill>
@@ -33964,7 +34013,7 @@
               <a:t>target_sum</a:t>
             </a:r>
             <a:r>
-              <a:rPr lang="en-US" sz="1500" b="1" dirty="0">
+              <a:rPr lang="en-US" sz="2000" b="1" dirty="0">
                 <a:solidFill>
                   <a:srgbClr val="000000"/>
                 </a:solidFill>
@@ -33974,841 +34023,957 @@
               <a:t>, </a:t>
             </a:r>
             <a:r>
-              <a:rPr lang="en-US" sz="1500" b="1" dirty="0" err="1">
+              <a:rPr lang="en-US" sz="2000" b="1" dirty="0" err="1">
                 <a:solidFill>
                   <a:srgbClr val="001080"/>
                 </a:solidFill>
                 <a:effectLst/>
                 <a:latin typeface="Courier New" panose="02070309020205020404" pitchFamily="49" charset="0"/>
               </a:rPr>
-              <a:t>curr_sum</a:t>
-            </a:r>
-            <a:r>
-              <a:rPr lang="en-US" sz="1500" b="1" dirty="0">
+              <a:t>tracked_list</a:t>
+            </a:r>
+            <a:r>
+              <a:rPr lang="en-US" sz="2000" b="1" dirty="0">
                 <a:solidFill>
                   <a:srgbClr val="000000"/>
                 </a:solidFill>
                 <a:effectLst/>
                 <a:latin typeface="Courier New" panose="02070309020205020404" pitchFamily="49" charset="0"/>
               </a:rPr>
-              <a:t> = </a:t>
-            </a:r>
-            <a:r>
-              <a:rPr lang="en-US" sz="1500" b="1" dirty="0">
-                <a:solidFill>
-                  <a:srgbClr val="09885A"/>
+              <a:t> = []):</a:t>
+            </a:r>
+          </a:p>
+          <a:p>
+            <a:pPr>
+              <a:buFont typeface="+mj-lt"/>
+              <a:buAutoNum type="arabicPeriod"/>
+            </a:pPr>
+            <a:r>
+              <a:rPr lang="en-US" sz="2000" b="1" dirty="0">
+                <a:solidFill>
+                  <a:srgbClr val="000000"/>
                 </a:solidFill>
                 <a:effectLst/>
                 <a:latin typeface="Courier New" panose="02070309020205020404" pitchFamily="49" charset="0"/>
               </a:rPr>
-              <a:t>0</a:t>
-            </a:r>
-            <a:r>
-              <a:rPr lang="en-US" sz="1500" b="1" dirty="0">
-                <a:solidFill>
-                  <a:srgbClr val="000000"/>
+              <a:t>  </a:t>
+            </a:r>
+            <a:r>
+              <a:rPr lang="en-US" sz="2000" b="1" dirty="0">
+                <a:solidFill>
+                  <a:srgbClr val="AF00DB"/>
                 </a:solidFill>
                 <a:effectLst/>
                 <a:latin typeface="Courier New" panose="02070309020205020404" pitchFamily="49" charset="0"/>
               </a:rPr>
+              <a:t>if</a:t>
+            </a:r>
+            <a:r>
+              <a:rPr lang="en-US" sz="2000" b="1" dirty="0">
+                <a:solidFill>
+                  <a:srgbClr val="000000"/>
+                </a:solidFill>
+                <a:effectLst/>
+                <a:latin typeface="Courier New" panose="02070309020205020404" pitchFamily="49" charset="0"/>
+              </a:rPr>
+              <a:t> dice == </a:t>
+            </a:r>
+            <a:r>
+              <a:rPr lang="en-US" sz="2000" b="1" dirty="0">
+                <a:solidFill>
+                  <a:srgbClr val="09885A"/>
+                </a:solidFill>
+                <a:effectLst/>
+                <a:latin typeface="Courier New" panose="02070309020205020404" pitchFamily="49" charset="0"/>
+              </a:rPr>
+              <a:t>0</a:t>
+            </a:r>
+            <a:r>
+              <a:rPr lang="en-US" sz="2000" b="1" dirty="0">
+                <a:solidFill>
+                  <a:srgbClr val="000000"/>
+                </a:solidFill>
+                <a:effectLst/>
+                <a:latin typeface="Courier New" panose="02070309020205020404" pitchFamily="49" charset="0"/>
+              </a:rPr>
+              <a:t>:</a:t>
+            </a:r>
+          </a:p>
+          <a:p>
+            <a:pPr>
+              <a:buFont typeface="+mj-lt"/>
+              <a:buAutoNum type="arabicPeriod"/>
+            </a:pPr>
+            <a:r>
+              <a:rPr lang="en-US" sz="2000" b="1" dirty="0">
+                <a:solidFill>
+                  <a:srgbClr val="000000"/>
+                </a:solidFill>
+                <a:effectLst/>
+                <a:latin typeface="Courier New" panose="02070309020205020404" pitchFamily="49" charset="0"/>
+              </a:rPr>
+              <a:t>    </a:t>
+            </a:r>
+            <a:r>
+              <a:rPr lang="en-US" sz="2000" b="1" dirty="0">
+                <a:solidFill>
+                  <a:srgbClr val="AF00DB"/>
+                </a:solidFill>
+                <a:effectLst/>
+                <a:latin typeface="Courier New" panose="02070309020205020404" pitchFamily="49" charset="0"/>
+              </a:rPr>
+              <a:t>if</a:t>
+            </a:r>
+            <a:r>
+              <a:rPr lang="en-US" sz="2000" b="1" dirty="0">
+                <a:solidFill>
+                  <a:srgbClr val="000000"/>
+                </a:solidFill>
+                <a:effectLst/>
+                <a:latin typeface="Courier New" panose="02070309020205020404" pitchFamily="49" charset="0"/>
+              </a:rPr>
+              <a:t> </a:t>
+            </a:r>
+            <a:r>
+              <a:rPr lang="en-US" sz="2000" b="1" dirty="0">
+                <a:solidFill>
+                  <a:srgbClr val="795E26"/>
+                </a:solidFill>
+                <a:effectLst/>
+                <a:latin typeface="Courier New" panose="02070309020205020404" pitchFamily="49" charset="0"/>
+              </a:rPr>
+              <a:t>sum</a:t>
+            </a:r>
+            <a:r>
+              <a:rPr lang="en-US" sz="2000" b="1" dirty="0">
+                <a:solidFill>
+                  <a:srgbClr val="000000"/>
+                </a:solidFill>
+                <a:effectLst/>
+                <a:latin typeface="Courier New" panose="02070309020205020404" pitchFamily="49" charset="0"/>
+              </a:rPr>
+              <a:t>(</a:t>
+            </a:r>
+            <a:r>
+              <a:rPr lang="en-US" sz="2000" b="1" dirty="0" err="1">
+                <a:solidFill>
+                  <a:srgbClr val="000000"/>
+                </a:solidFill>
+                <a:effectLst/>
+                <a:latin typeface="Courier New" panose="02070309020205020404" pitchFamily="49" charset="0"/>
+              </a:rPr>
+              <a:t>tracked_list</a:t>
+            </a:r>
+            <a:r>
+              <a:rPr lang="en-US" sz="2000" b="1" dirty="0">
+                <a:solidFill>
+                  <a:srgbClr val="000000"/>
+                </a:solidFill>
+                <a:effectLst/>
+                <a:latin typeface="Courier New" panose="02070309020205020404" pitchFamily="49" charset="0"/>
+              </a:rPr>
+              <a:t>) == </a:t>
+            </a:r>
+            <a:r>
+              <a:rPr lang="en-US" sz="2000" b="1" dirty="0" err="1">
+                <a:solidFill>
+                  <a:srgbClr val="000000"/>
+                </a:solidFill>
+                <a:effectLst/>
+                <a:latin typeface="Courier New" panose="02070309020205020404" pitchFamily="49" charset="0"/>
+              </a:rPr>
+              <a:t>target_sum</a:t>
+            </a:r>
+            <a:r>
+              <a:rPr lang="en-US" sz="2000" b="1" dirty="0">
+                <a:solidFill>
+                  <a:srgbClr val="000000"/>
+                </a:solidFill>
+                <a:effectLst/>
+                <a:latin typeface="Courier New" panose="02070309020205020404" pitchFamily="49" charset="0"/>
+              </a:rPr>
+              <a:t>:</a:t>
+            </a:r>
+          </a:p>
+          <a:p>
+            <a:pPr>
+              <a:buFont typeface="+mj-lt"/>
+              <a:buAutoNum type="arabicPeriod"/>
+            </a:pPr>
+            <a:r>
+              <a:rPr lang="en-US" sz="2000" b="1" dirty="0">
+                <a:solidFill>
+                  <a:srgbClr val="000000"/>
+                </a:solidFill>
+                <a:effectLst/>
+                <a:latin typeface="Courier New" panose="02070309020205020404" pitchFamily="49" charset="0"/>
+              </a:rPr>
+              <a:t>      </a:t>
+            </a:r>
+            <a:r>
+              <a:rPr lang="en-US" sz="2000" b="1" dirty="0">
+                <a:solidFill>
+                  <a:srgbClr val="795E26"/>
+                </a:solidFill>
+                <a:effectLst/>
+                <a:latin typeface="Courier New" panose="02070309020205020404" pitchFamily="49" charset="0"/>
+              </a:rPr>
+              <a:t>print</a:t>
+            </a:r>
+            <a:r>
+              <a:rPr lang="en-US" sz="2000" b="1" dirty="0">
+                <a:solidFill>
+                  <a:srgbClr val="000000"/>
+                </a:solidFill>
+                <a:effectLst/>
+                <a:latin typeface="Courier New" panose="02070309020205020404" pitchFamily="49" charset="0"/>
+              </a:rPr>
+              <a:t>(</a:t>
+            </a:r>
+            <a:r>
+              <a:rPr lang="en-US" sz="2000" b="1" dirty="0" err="1">
+                <a:solidFill>
+                  <a:srgbClr val="000000"/>
+                </a:solidFill>
+                <a:effectLst/>
+                <a:latin typeface="Courier New" panose="02070309020205020404" pitchFamily="49" charset="0"/>
+              </a:rPr>
+              <a:t>tracked_list</a:t>
+            </a:r>
+            <a:r>
+              <a:rPr lang="en-US" sz="2000" b="1" dirty="0">
+                <a:solidFill>
+                  <a:srgbClr val="000000"/>
+                </a:solidFill>
+                <a:effectLst/>
+                <a:latin typeface="Courier New" panose="02070309020205020404" pitchFamily="49" charset="0"/>
+              </a:rPr>
+              <a:t>)</a:t>
+            </a:r>
+          </a:p>
+          <a:p>
+            <a:pPr>
+              <a:buFont typeface="+mj-lt"/>
+              <a:buAutoNum type="arabicPeriod"/>
+            </a:pPr>
+            <a:r>
+              <a:rPr lang="en-US" sz="2000" b="1" dirty="0">
+                <a:solidFill>
+                  <a:srgbClr val="000000"/>
+                </a:solidFill>
+                <a:effectLst/>
+                <a:latin typeface="Courier New" panose="02070309020205020404" pitchFamily="49" charset="0"/>
+              </a:rPr>
+              <a:t>  </a:t>
+            </a:r>
+            <a:r>
+              <a:rPr lang="en-US" sz="2000" b="1" dirty="0">
+                <a:solidFill>
+                  <a:srgbClr val="AF00DB"/>
+                </a:solidFill>
+                <a:effectLst/>
+                <a:latin typeface="Courier New" panose="02070309020205020404" pitchFamily="49" charset="0"/>
+              </a:rPr>
+              <a:t>else</a:t>
+            </a:r>
+            <a:r>
+              <a:rPr lang="en-US" sz="2000" b="1" dirty="0">
+                <a:solidFill>
+                  <a:srgbClr val="000000"/>
+                </a:solidFill>
+                <a:effectLst/>
+                <a:latin typeface="Courier New" panose="02070309020205020404" pitchFamily="49" charset="0"/>
+              </a:rPr>
+              <a:t>:</a:t>
+            </a:r>
+          </a:p>
+          <a:p>
+            <a:pPr>
+              <a:buFont typeface="+mj-lt"/>
+              <a:buAutoNum type="arabicPeriod"/>
+            </a:pPr>
+            <a:r>
+              <a:rPr lang="en-US" sz="2000" b="1" dirty="0">
+                <a:solidFill>
+                  <a:srgbClr val="000000"/>
+                </a:solidFill>
+                <a:effectLst/>
+                <a:latin typeface="Courier New" panose="02070309020205020404" pitchFamily="49" charset="0"/>
+              </a:rPr>
+              <a:t>    </a:t>
+            </a:r>
+            <a:r>
+              <a:rPr lang="en-US" sz="2000" b="1" dirty="0">
+                <a:solidFill>
+                  <a:srgbClr val="AF00DB"/>
+                </a:solidFill>
+                <a:effectLst/>
+                <a:latin typeface="Courier New" panose="02070309020205020404" pitchFamily="49" charset="0"/>
+              </a:rPr>
+              <a:t>for</a:t>
+            </a:r>
+            <a:r>
+              <a:rPr lang="en-US" sz="2000" b="1" dirty="0">
+                <a:solidFill>
+                  <a:srgbClr val="000000"/>
+                </a:solidFill>
+                <a:effectLst/>
+                <a:latin typeface="Courier New" panose="02070309020205020404" pitchFamily="49" charset="0"/>
+              </a:rPr>
+              <a:t> </a:t>
+            </a:r>
+            <a:r>
+              <a:rPr lang="en-US" sz="2000" b="1" dirty="0" err="1">
+                <a:solidFill>
+                  <a:srgbClr val="000000"/>
+                </a:solidFill>
+                <a:effectLst/>
+                <a:latin typeface="Courier New" panose="02070309020205020404" pitchFamily="49" charset="0"/>
+              </a:rPr>
+              <a:t>i</a:t>
+            </a:r>
+            <a:r>
+              <a:rPr lang="en-US" sz="2000" b="1" dirty="0">
+                <a:solidFill>
+                  <a:srgbClr val="000000"/>
+                </a:solidFill>
+                <a:effectLst/>
+                <a:latin typeface="Courier New" panose="02070309020205020404" pitchFamily="49" charset="0"/>
+              </a:rPr>
+              <a:t> </a:t>
+            </a:r>
+            <a:r>
+              <a:rPr lang="en-US" sz="2000" b="1" dirty="0">
+                <a:solidFill>
+                  <a:srgbClr val="0000FF"/>
+                </a:solidFill>
+                <a:effectLst/>
+                <a:latin typeface="Courier New" panose="02070309020205020404" pitchFamily="49" charset="0"/>
+              </a:rPr>
+              <a:t>in</a:t>
+            </a:r>
+            <a:r>
+              <a:rPr lang="en-US" sz="2000" b="1" dirty="0">
+                <a:solidFill>
+                  <a:srgbClr val="000000"/>
+                </a:solidFill>
+                <a:effectLst/>
+                <a:latin typeface="Courier New" panose="02070309020205020404" pitchFamily="49" charset="0"/>
+              </a:rPr>
+              <a:t> </a:t>
+            </a:r>
+            <a:r>
+              <a:rPr lang="en-US" sz="2000" b="1" dirty="0">
+                <a:solidFill>
+                  <a:srgbClr val="795E26"/>
+                </a:solidFill>
+                <a:effectLst/>
+                <a:latin typeface="Courier New" panose="02070309020205020404" pitchFamily="49" charset="0"/>
+              </a:rPr>
+              <a:t>range</a:t>
+            </a:r>
+            <a:r>
+              <a:rPr lang="en-US" sz="2000" b="1" dirty="0">
+                <a:solidFill>
+                  <a:srgbClr val="000000"/>
+                </a:solidFill>
+                <a:effectLst/>
+                <a:latin typeface="Courier New" panose="02070309020205020404" pitchFamily="49" charset="0"/>
+              </a:rPr>
+              <a:t>(</a:t>
+            </a:r>
+            <a:r>
+              <a:rPr lang="en-US" sz="2000" b="1" dirty="0">
+                <a:solidFill>
+                  <a:srgbClr val="09885A"/>
+                </a:solidFill>
+                <a:effectLst/>
+                <a:latin typeface="Courier New" panose="02070309020205020404" pitchFamily="49" charset="0"/>
+              </a:rPr>
+              <a:t>1</a:t>
+            </a:r>
+            <a:r>
+              <a:rPr lang="en-US" sz="2000" b="1" dirty="0">
+                <a:solidFill>
+                  <a:srgbClr val="000000"/>
+                </a:solidFill>
+                <a:effectLst/>
+                <a:latin typeface="Courier New" panose="02070309020205020404" pitchFamily="49" charset="0"/>
+              </a:rPr>
+              <a:t>,</a:t>
+            </a:r>
+            <a:r>
+              <a:rPr lang="en-US" sz="2000" b="1" dirty="0">
+                <a:solidFill>
+                  <a:srgbClr val="09885A"/>
+                </a:solidFill>
+                <a:effectLst/>
+                <a:latin typeface="Courier New" panose="02070309020205020404" pitchFamily="49" charset="0"/>
+              </a:rPr>
+              <a:t>7</a:t>
+            </a:r>
+            <a:r>
+              <a:rPr lang="en-US" sz="2000" b="1" dirty="0">
+                <a:solidFill>
+                  <a:srgbClr val="000000"/>
+                </a:solidFill>
+                <a:effectLst/>
+                <a:latin typeface="Courier New" panose="02070309020205020404" pitchFamily="49" charset="0"/>
+              </a:rPr>
               <a:t>):</a:t>
+            </a:r>
+          </a:p>
+          <a:p>
+            <a:pPr>
+              <a:buFont typeface="+mj-lt"/>
+              <a:buAutoNum type="arabicPeriod"/>
+            </a:pPr>
+            <a:r>
+              <a:rPr lang="en-US" sz="2000" b="1" dirty="0">
+                <a:solidFill>
+                  <a:srgbClr val="000000"/>
+                </a:solidFill>
+                <a:effectLst/>
+                <a:latin typeface="Courier New" panose="02070309020205020404" pitchFamily="49" charset="0"/>
+              </a:rPr>
+              <a:t>      </a:t>
+            </a:r>
+            <a:r>
+              <a:rPr lang="en-US" sz="2000" b="1" dirty="0">
+                <a:solidFill>
+                  <a:srgbClr val="AF00DB"/>
+                </a:solidFill>
+                <a:effectLst/>
+                <a:latin typeface="Courier New" panose="02070309020205020404" pitchFamily="49" charset="0"/>
+              </a:rPr>
+              <a:t>if</a:t>
+            </a:r>
+            <a:r>
+              <a:rPr lang="en-US" sz="2000" b="1" dirty="0">
+                <a:solidFill>
+                  <a:srgbClr val="000000"/>
+                </a:solidFill>
+                <a:effectLst/>
+                <a:latin typeface="Courier New" panose="02070309020205020404" pitchFamily="49" charset="0"/>
+              </a:rPr>
+              <a:t> (</a:t>
+            </a:r>
+            <a:r>
+              <a:rPr lang="en-US" sz="2000" b="1" dirty="0">
+                <a:solidFill>
+                  <a:srgbClr val="795E26"/>
+                </a:solidFill>
+                <a:effectLst/>
+                <a:latin typeface="Courier New" panose="02070309020205020404" pitchFamily="49" charset="0"/>
+              </a:rPr>
+              <a:t>sum</a:t>
+            </a:r>
+            <a:r>
+              <a:rPr lang="en-US" sz="2000" b="1" dirty="0">
+                <a:solidFill>
+                  <a:srgbClr val="000000"/>
+                </a:solidFill>
+                <a:effectLst/>
+                <a:latin typeface="Courier New" panose="02070309020205020404" pitchFamily="49" charset="0"/>
+              </a:rPr>
+              <a:t>(</a:t>
+            </a:r>
+            <a:r>
+              <a:rPr lang="en-US" sz="2000" b="1" dirty="0" err="1">
+                <a:solidFill>
+                  <a:srgbClr val="000000"/>
+                </a:solidFill>
+                <a:effectLst/>
+                <a:latin typeface="Courier New" panose="02070309020205020404" pitchFamily="49" charset="0"/>
+              </a:rPr>
+              <a:t>tracked_list</a:t>
+            </a:r>
+            <a:r>
+              <a:rPr lang="en-US" sz="2000" b="1" dirty="0">
+                <a:solidFill>
+                  <a:srgbClr val="000000"/>
+                </a:solidFill>
+                <a:effectLst/>
+                <a:latin typeface="Courier New" panose="02070309020205020404" pitchFamily="49" charset="0"/>
+              </a:rPr>
+              <a:t>) + </a:t>
+            </a:r>
+            <a:r>
+              <a:rPr lang="en-US" sz="2000" b="1" dirty="0" err="1">
+                <a:solidFill>
+                  <a:srgbClr val="000000"/>
+                </a:solidFill>
+                <a:effectLst/>
+                <a:latin typeface="Courier New" panose="02070309020205020404" pitchFamily="49" charset="0"/>
+              </a:rPr>
+              <a:t>i</a:t>
+            </a:r>
+            <a:r>
+              <a:rPr lang="en-US" sz="2000" b="1" dirty="0">
+                <a:solidFill>
+                  <a:srgbClr val="000000"/>
+                </a:solidFill>
+                <a:effectLst/>
+                <a:latin typeface="Courier New" panose="02070309020205020404" pitchFamily="49" charset="0"/>
+              </a:rPr>
+              <a:t> + </a:t>
+            </a:r>
+            <a:r>
+              <a:rPr lang="en-US" sz="2000" b="1" dirty="0">
+                <a:solidFill>
+                  <a:srgbClr val="09885A"/>
+                </a:solidFill>
+                <a:effectLst/>
+                <a:latin typeface="Courier New" panose="02070309020205020404" pitchFamily="49" charset="0"/>
+              </a:rPr>
+              <a:t>1</a:t>
+            </a:r>
+            <a:r>
+              <a:rPr lang="en-US" sz="2000" b="1" dirty="0">
+                <a:solidFill>
+                  <a:srgbClr val="000000"/>
+                </a:solidFill>
+                <a:effectLst/>
+                <a:latin typeface="Courier New" panose="02070309020205020404" pitchFamily="49" charset="0"/>
+              </a:rPr>
+              <a:t>*(dice - </a:t>
+            </a:r>
+            <a:r>
+              <a:rPr lang="en-US" sz="2000" b="1" dirty="0">
+                <a:solidFill>
+                  <a:srgbClr val="09885A"/>
+                </a:solidFill>
+                <a:effectLst/>
+                <a:latin typeface="Courier New" panose="02070309020205020404" pitchFamily="49" charset="0"/>
+              </a:rPr>
+              <a:t>1</a:t>
+            </a:r>
+            <a:r>
+              <a:rPr lang="en-US" sz="2000" b="1" dirty="0">
+                <a:solidFill>
+                  <a:srgbClr val="000000"/>
+                </a:solidFill>
+                <a:effectLst/>
+                <a:latin typeface="Courier New" panose="02070309020205020404" pitchFamily="49" charset="0"/>
+              </a:rPr>
+              <a:t>) &lt;= </a:t>
+            </a:r>
+            <a:r>
+              <a:rPr lang="en-US" sz="2000" b="1" dirty="0" err="1">
+                <a:solidFill>
+                  <a:srgbClr val="000000"/>
+                </a:solidFill>
+                <a:effectLst/>
+                <a:latin typeface="Courier New" panose="02070309020205020404" pitchFamily="49" charset="0"/>
+              </a:rPr>
+              <a:t>target_sum</a:t>
+            </a:r>
+            <a:r>
+              <a:rPr lang="en-US" sz="2000" b="1" dirty="0">
+                <a:solidFill>
+                  <a:srgbClr val="000000"/>
+                </a:solidFill>
+                <a:effectLst/>
+                <a:latin typeface="Courier New" panose="02070309020205020404" pitchFamily="49" charset="0"/>
+              </a:rPr>
+              <a:t>) \</a:t>
+            </a:r>
+          </a:p>
+          <a:p>
+            <a:pPr>
+              <a:buFont typeface="+mj-lt"/>
+              <a:buAutoNum type="arabicPeriod"/>
+            </a:pPr>
+            <a:r>
+              <a:rPr lang="en-US" sz="2000" b="1" dirty="0">
+                <a:solidFill>
+                  <a:srgbClr val="000000"/>
+                </a:solidFill>
+                <a:effectLst/>
+                <a:latin typeface="Courier New" panose="02070309020205020404" pitchFamily="49" charset="0"/>
+              </a:rPr>
+              <a:t>       </a:t>
+            </a:r>
+            <a:r>
+              <a:rPr lang="en-US" sz="2000" b="1" dirty="0">
+                <a:solidFill>
+                  <a:srgbClr val="0000FF"/>
+                </a:solidFill>
+                <a:effectLst/>
+                <a:latin typeface="Courier New" panose="02070309020205020404" pitchFamily="49" charset="0"/>
+              </a:rPr>
+              <a:t>and</a:t>
+            </a:r>
+            <a:r>
+              <a:rPr lang="en-US" sz="2000" b="1" dirty="0">
+                <a:solidFill>
+                  <a:srgbClr val="000000"/>
+                </a:solidFill>
+                <a:effectLst/>
+                <a:latin typeface="Courier New" panose="02070309020205020404" pitchFamily="49" charset="0"/>
+              </a:rPr>
+              <a:t> (</a:t>
+            </a:r>
+            <a:r>
+              <a:rPr lang="en-US" sz="2000" b="1" dirty="0">
+                <a:solidFill>
+                  <a:srgbClr val="795E26"/>
+                </a:solidFill>
+                <a:effectLst/>
+                <a:latin typeface="Courier New" panose="02070309020205020404" pitchFamily="49" charset="0"/>
+              </a:rPr>
+              <a:t>sum</a:t>
+            </a:r>
+            <a:r>
+              <a:rPr lang="en-US" sz="2000" b="1" dirty="0">
+                <a:solidFill>
+                  <a:srgbClr val="000000"/>
+                </a:solidFill>
+                <a:effectLst/>
+                <a:latin typeface="Courier New" panose="02070309020205020404" pitchFamily="49" charset="0"/>
+              </a:rPr>
+              <a:t>(</a:t>
+            </a:r>
+            <a:r>
+              <a:rPr lang="en-US" sz="2000" b="1" dirty="0" err="1">
+                <a:solidFill>
+                  <a:srgbClr val="000000"/>
+                </a:solidFill>
+                <a:effectLst/>
+                <a:latin typeface="Courier New" panose="02070309020205020404" pitchFamily="49" charset="0"/>
+              </a:rPr>
+              <a:t>tracked_list</a:t>
+            </a:r>
+            <a:r>
+              <a:rPr lang="en-US" sz="2000" b="1" dirty="0">
+                <a:solidFill>
+                  <a:srgbClr val="000000"/>
+                </a:solidFill>
+                <a:effectLst/>
+                <a:latin typeface="Courier New" panose="02070309020205020404" pitchFamily="49" charset="0"/>
+              </a:rPr>
+              <a:t>) + </a:t>
+            </a:r>
+            <a:r>
+              <a:rPr lang="en-US" sz="2000" b="1" dirty="0" err="1">
+                <a:solidFill>
+                  <a:srgbClr val="000000"/>
+                </a:solidFill>
+                <a:effectLst/>
+                <a:latin typeface="Courier New" panose="02070309020205020404" pitchFamily="49" charset="0"/>
+              </a:rPr>
+              <a:t>i</a:t>
+            </a:r>
+            <a:r>
+              <a:rPr lang="en-US" sz="2000" b="1" dirty="0">
+                <a:solidFill>
+                  <a:srgbClr val="000000"/>
+                </a:solidFill>
+                <a:effectLst/>
+                <a:latin typeface="Courier New" panose="02070309020205020404" pitchFamily="49" charset="0"/>
+              </a:rPr>
+              <a:t> + </a:t>
+            </a:r>
+            <a:r>
+              <a:rPr lang="en-US" sz="2000" b="1" dirty="0">
+                <a:solidFill>
+                  <a:srgbClr val="09885A"/>
+                </a:solidFill>
+                <a:effectLst/>
+                <a:latin typeface="Courier New" panose="02070309020205020404" pitchFamily="49" charset="0"/>
+              </a:rPr>
+              <a:t>6</a:t>
+            </a:r>
+            <a:r>
+              <a:rPr lang="en-US" sz="2000" b="1" dirty="0">
+                <a:solidFill>
+                  <a:srgbClr val="000000"/>
+                </a:solidFill>
+                <a:effectLst/>
+                <a:latin typeface="Courier New" panose="02070309020205020404" pitchFamily="49" charset="0"/>
+              </a:rPr>
+              <a:t>*(dice - </a:t>
+            </a:r>
+            <a:r>
+              <a:rPr lang="en-US" sz="2000" b="1" dirty="0">
+                <a:solidFill>
+                  <a:srgbClr val="09885A"/>
+                </a:solidFill>
+                <a:effectLst/>
+                <a:latin typeface="Courier New" panose="02070309020205020404" pitchFamily="49" charset="0"/>
+              </a:rPr>
+              <a:t>1</a:t>
+            </a:r>
+            <a:r>
+              <a:rPr lang="en-US" sz="2000" b="1" dirty="0">
+                <a:solidFill>
+                  <a:srgbClr val="000000"/>
+                </a:solidFill>
+                <a:effectLst/>
+                <a:latin typeface="Courier New" panose="02070309020205020404" pitchFamily="49" charset="0"/>
+              </a:rPr>
+              <a:t>) &gt;= </a:t>
+            </a:r>
+            <a:r>
+              <a:rPr lang="en-US" sz="2000" b="1" dirty="0" err="1">
+                <a:solidFill>
+                  <a:srgbClr val="000000"/>
+                </a:solidFill>
+                <a:effectLst/>
+                <a:latin typeface="Courier New" panose="02070309020205020404" pitchFamily="49" charset="0"/>
+              </a:rPr>
+              <a:t>target_sum</a:t>
+            </a:r>
+            <a:r>
+              <a:rPr lang="en-US" sz="2000" b="1" dirty="0">
+                <a:solidFill>
+                  <a:srgbClr val="000000"/>
+                </a:solidFill>
+                <a:effectLst/>
+                <a:latin typeface="Courier New" panose="02070309020205020404" pitchFamily="49" charset="0"/>
+              </a:rPr>
+              <a:t>):</a:t>
+            </a:r>
+          </a:p>
+          <a:p>
+            <a:pPr>
+              <a:buFont typeface="+mj-lt"/>
+              <a:buAutoNum type="arabicPeriod"/>
+            </a:pPr>
+            <a:r>
+              <a:rPr lang="en-US" sz="2000" b="1" dirty="0">
+                <a:solidFill>
+                  <a:srgbClr val="000000"/>
+                </a:solidFill>
+                <a:effectLst/>
+                <a:latin typeface="Courier New" panose="02070309020205020404" pitchFamily="49" charset="0"/>
+              </a:rPr>
+              <a:t>        	</a:t>
+            </a:r>
+            <a:r>
+              <a:rPr lang="en-US" sz="2000" b="1" dirty="0" err="1">
+                <a:solidFill>
+                  <a:srgbClr val="000000"/>
+                </a:solidFill>
+                <a:effectLst/>
+                <a:latin typeface="Courier New" panose="02070309020205020404" pitchFamily="49" charset="0"/>
+              </a:rPr>
+              <a:t>tracked_list.append</a:t>
+            </a:r>
+            <a:r>
+              <a:rPr lang="en-US" sz="2000" b="1" dirty="0">
+                <a:solidFill>
+                  <a:srgbClr val="000000"/>
+                </a:solidFill>
+                <a:effectLst/>
+                <a:latin typeface="Courier New" panose="02070309020205020404" pitchFamily="49" charset="0"/>
+              </a:rPr>
+              <a:t>(</a:t>
+            </a:r>
+            <a:r>
+              <a:rPr lang="en-US" sz="2000" b="1" dirty="0" err="1">
+                <a:solidFill>
+                  <a:srgbClr val="000000"/>
+                </a:solidFill>
+                <a:effectLst/>
+                <a:latin typeface="Courier New" panose="02070309020205020404" pitchFamily="49" charset="0"/>
+              </a:rPr>
+              <a:t>i</a:t>
+            </a:r>
+            <a:r>
+              <a:rPr lang="en-US" sz="2000" b="1" dirty="0">
+                <a:solidFill>
+                  <a:srgbClr val="000000"/>
+                </a:solidFill>
+                <a:effectLst/>
+                <a:latin typeface="Courier New" panose="02070309020205020404" pitchFamily="49" charset="0"/>
+              </a:rPr>
+              <a:t>)</a:t>
+            </a:r>
+          </a:p>
+          <a:p>
+            <a:pPr>
+              <a:buFont typeface="+mj-lt"/>
+              <a:buAutoNum type="arabicPeriod"/>
+            </a:pPr>
+            <a:r>
+              <a:rPr lang="en-US" sz="2000" b="1" dirty="0">
+                <a:solidFill>
+                  <a:srgbClr val="000000"/>
+                </a:solidFill>
+                <a:effectLst/>
+                <a:latin typeface="Courier New" panose="02070309020205020404" pitchFamily="49" charset="0"/>
+              </a:rPr>
+              <a:t>       	</a:t>
+            </a:r>
+            <a:r>
+              <a:rPr lang="en-US" sz="2000" b="1" dirty="0" err="1">
+                <a:solidFill>
+                  <a:srgbClr val="000000"/>
+                </a:solidFill>
+                <a:effectLst/>
+                <a:latin typeface="Courier New" panose="02070309020205020404" pitchFamily="49" charset="0"/>
+              </a:rPr>
+              <a:t>diceRolls_optimized</a:t>
+            </a:r>
+            <a:r>
+              <a:rPr lang="en-US" sz="2000" b="1" dirty="0">
+                <a:solidFill>
+                  <a:srgbClr val="000000"/>
+                </a:solidFill>
+                <a:effectLst/>
+                <a:latin typeface="Courier New" panose="02070309020205020404" pitchFamily="49" charset="0"/>
+              </a:rPr>
+              <a:t>(dice - </a:t>
+            </a:r>
+            <a:r>
+              <a:rPr lang="en-US" sz="2000" b="1" dirty="0">
+                <a:solidFill>
+                  <a:srgbClr val="09885A"/>
+                </a:solidFill>
+                <a:effectLst/>
+                <a:latin typeface="Courier New" panose="02070309020205020404" pitchFamily="49" charset="0"/>
+              </a:rPr>
+              <a:t>1</a:t>
+            </a:r>
+            <a:r>
+              <a:rPr lang="en-US" sz="2000" b="1" dirty="0">
+                <a:solidFill>
+                  <a:srgbClr val="000000"/>
+                </a:solidFill>
+                <a:effectLst/>
+                <a:latin typeface="Courier New" panose="02070309020205020404" pitchFamily="49" charset="0"/>
+              </a:rPr>
+              <a:t>, </a:t>
+            </a:r>
+            <a:r>
+              <a:rPr lang="en-US" sz="2000" b="1" dirty="0" err="1">
+                <a:solidFill>
+                  <a:srgbClr val="000000"/>
+                </a:solidFill>
+                <a:effectLst/>
+                <a:latin typeface="Courier New" panose="02070309020205020404" pitchFamily="49" charset="0"/>
+              </a:rPr>
+              <a:t>target_sum</a:t>
+            </a:r>
+            <a:r>
+              <a:rPr lang="en-US" sz="2000" b="1" dirty="0">
+                <a:solidFill>
+                  <a:srgbClr val="000000"/>
+                </a:solidFill>
+                <a:effectLst/>
+                <a:latin typeface="Courier New" panose="02070309020205020404" pitchFamily="49" charset="0"/>
+              </a:rPr>
+              <a:t>, </a:t>
+            </a:r>
+            <a:r>
+              <a:rPr lang="en-US" sz="2000" b="1" dirty="0" err="1">
+                <a:solidFill>
+                  <a:srgbClr val="000000"/>
+                </a:solidFill>
+                <a:effectLst/>
+                <a:latin typeface="Courier New" panose="02070309020205020404" pitchFamily="49" charset="0"/>
+              </a:rPr>
+              <a:t>tracked_list</a:t>
+            </a:r>
+            <a:r>
+              <a:rPr lang="en-US" sz="2000" b="1" dirty="0">
+                <a:solidFill>
+                  <a:srgbClr val="000000"/>
+                </a:solidFill>
+                <a:effectLst/>
+                <a:latin typeface="Courier New" panose="02070309020205020404" pitchFamily="49" charset="0"/>
+              </a:rPr>
+              <a:t>)</a:t>
+            </a:r>
+          </a:p>
+          <a:p>
+            <a:pPr>
+              <a:buFont typeface="+mj-lt"/>
+              <a:buAutoNum type="arabicPeriod"/>
+            </a:pPr>
+            <a:r>
+              <a:rPr lang="en-US" sz="2000" b="1" dirty="0">
+                <a:solidFill>
+                  <a:srgbClr val="000000"/>
+                </a:solidFill>
+                <a:effectLst/>
+                <a:latin typeface="Courier New" panose="02070309020205020404" pitchFamily="49" charset="0"/>
+              </a:rPr>
+              <a:t>       	</a:t>
+            </a:r>
+            <a:r>
+              <a:rPr lang="en-US" sz="2000" b="1" dirty="0">
+                <a:solidFill>
+                  <a:srgbClr val="AF00DB"/>
+                </a:solidFill>
+                <a:effectLst/>
+                <a:latin typeface="Courier New" panose="02070309020205020404" pitchFamily="49" charset="0"/>
+              </a:rPr>
+              <a:t>del</a:t>
+            </a:r>
+            <a:r>
+              <a:rPr lang="en-US" sz="2000" b="1" dirty="0">
+                <a:solidFill>
+                  <a:srgbClr val="000000"/>
+                </a:solidFill>
+                <a:effectLst/>
+                <a:latin typeface="Courier New" panose="02070309020205020404" pitchFamily="49" charset="0"/>
+              </a:rPr>
+              <a:t> </a:t>
+            </a:r>
+            <a:r>
+              <a:rPr lang="en-US" sz="2000" b="1" dirty="0" err="1">
+                <a:solidFill>
+                  <a:srgbClr val="000000"/>
+                </a:solidFill>
+                <a:effectLst/>
+                <a:latin typeface="Courier New" panose="02070309020205020404" pitchFamily="49" charset="0"/>
+              </a:rPr>
+              <a:t>tracked_list</a:t>
+            </a:r>
+            <a:r>
+              <a:rPr lang="en-US" sz="2000" b="1" dirty="0">
+                <a:solidFill>
+                  <a:srgbClr val="000000"/>
+                </a:solidFill>
+                <a:effectLst/>
+                <a:latin typeface="Courier New" panose="02070309020205020404" pitchFamily="49" charset="0"/>
+              </a:rPr>
+              <a:t>[</a:t>
+            </a:r>
+            <a:r>
+              <a:rPr lang="en-US" sz="2000" b="1" dirty="0">
+                <a:solidFill>
+                  <a:srgbClr val="09885A"/>
+                </a:solidFill>
+                <a:effectLst/>
+                <a:latin typeface="Courier New" panose="02070309020205020404" pitchFamily="49" charset="0"/>
+              </a:rPr>
+              <a:t>-1</a:t>
+            </a:r>
+            <a:r>
+              <a:rPr lang="en-US" sz="2000" b="1" dirty="0">
+                <a:solidFill>
+                  <a:srgbClr val="000000"/>
+                </a:solidFill>
+                <a:effectLst/>
+                <a:latin typeface="Courier New" panose="02070309020205020404" pitchFamily="49" charset="0"/>
+              </a:rPr>
+              <a:t>]</a:t>
             </a:r>
           </a:p>
           <a:p>
             <a:pPr marL="50800" indent="0">
               <a:buNone/>
             </a:pPr>
-            <a:r>
-              <a:rPr lang="en-US" sz="1500" b="1" dirty="0">
-                <a:effectLst/>
-                <a:latin typeface="Courier New" panose="02070309020205020404" pitchFamily="49" charset="0"/>
-              </a:rPr>
-              <a:t>2.   </a:t>
-            </a:r>
-            <a:r>
-              <a:rPr lang="en-US" sz="1500" b="1" dirty="0">
-                <a:solidFill>
-                  <a:srgbClr val="0000FF"/>
-                </a:solidFill>
-                <a:effectLst/>
-                <a:latin typeface="Courier New" panose="02070309020205020404" pitchFamily="49" charset="0"/>
-              </a:rPr>
-              <a:t>global</a:t>
-            </a:r>
-            <a:r>
-              <a:rPr lang="en-US" sz="1500" b="1" dirty="0">
-                <a:solidFill>
-                  <a:srgbClr val="000000"/>
-                </a:solidFill>
-                <a:effectLst/>
-                <a:latin typeface="Courier New" panose="02070309020205020404" pitchFamily="49" charset="0"/>
-              </a:rPr>
-              <a:t> count</a:t>
-            </a:r>
-          </a:p>
-          <a:p>
-            <a:pPr marL="50800" indent="0">
-              <a:buNone/>
-            </a:pPr>
-            <a:r>
-              <a:rPr lang="en-US" sz="1500" b="1" dirty="0">
-                <a:effectLst/>
-                <a:latin typeface="Courier New" panose="02070309020205020404" pitchFamily="49" charset="0"/>
-              </a:rPr>
-              <a:t>3.   </a:t>
-            </a:r>
-            <a:r>
-              <a:rPr lang="en-US" sz="1500" b="1" dirty="0">
-                <a:solidFill>
-                  <a:srgbClr val="AF00DB"/>
-                </a:solidFill>
-                <a:effectLst/>
-                <a:latin typeface="Courier New" panose="02070309020205020404" pitchFamily="49" charset="0"/>
-              </a:rPr>
-              <a:t>if</a:t>
-            </a:r>
-            <a:r>
-              <a:rPr lang="en-US" sz="1500" b="1" dirty="0">
-                <a:solidFill>
-                  <a:srgbClr val="000000"/>
-                </a:solidFill>
-                <a:effectLst/>
-                <a:latin typeface="Courier New" panose="02070309020205020404" pitchFamily="49" charset="0"/>
-              </a:rPr>
-              <a:t> dice == </a:t>
-            </a:r>
-            <a:r>
-              <a:rPr lang="en-US" sz="1500" b="1" dirty="0">
-                <a:solidFill>
-                  <a:srgbClr val="09885A"/>
-                </a:solidFill>
-                <a:effectLst/>
-                <a:latin typeface="Courier New" panose="02070309020205020404" pitchFamily="49" charset="0"/>
-              </a:rPr>
-              <a:t>0</a:t>
-            </a:r>
-            <a:r>
-              <a:rPr lang="en-US" sz="1500" b="1" dirty="0">
-                <a:solidFill>
-                  <a:srgbClr val="000000"/>
-                </a:solidFill>
-                <a:effectLst/>
-                <a:latin typeface="Courier New" panose="02070309020205020404" pitchFamily="49" charset="0"/>
-              </a:rPr>
-              <a:t>:</a:t>
-            </a:r>
-          </a:p>
-          <a:p>
-            <a:pPr marL="50800" indent="0">
-              <a:buNone/>
-            </a:pPr>
-            <a:r>
-              <a:rPr lang="en-US" sz="1500" b="1" dirty="0">
-                <a:effectLst/>
-                <a:latin typeface="Courier New" panose="02070309020205020404" pitchFamily="49" charset="0"/>
-              </a:rPr>
-              <a:t>4.     </a:t>
-            </a:r>
-            <a:r>
-              <a:rPr lang="en-US" sz="1500" b="1" dirty="0">
-                <a:solidFill>
-                  <a:srgbClr val="AF00DB"/>
-                </a:solidFill>
-                <a:effectLst/>
-                <a:latin typeface="Courier New" panose="02070309020205020404" pitchFamily="49" charset="0"/>
-              </a:rPr>
-              <a:t>if</a:t>
-            </a:r>
-            <a:r>
-              <a:rPr lang="en-US" sz="1500" b="1" dirty="0">
-                <a:solidFill>
-                  <a:srgbClr val="000000"/>
-                </a:solidFill>
-                <a:effectLst/>
-                <a:latin typeface="Courier New" panose="02070309020205020404" pitchFamily="49" charset="0"/>
-              </a:rPr>
-              <a:t> </a:t>
-            </a:r>
-            <a:r>
-              <a:rPr lang="en-US" sz="1500" b="1" dirty="0" err="1">
-                <a:solidFill>
-                  <a:srgbClr val="000000"/>
-                </a:solidFill>
-                <a:effectLst/>
-                <a:latin typeface="Courier New" panose="02070309020205020404" pitchFamily="49" charset="0"/>
-              </a:rPr>
-              <a:t>curr_sum</a:t>
-            </a:r>
-            <a:r>
-              <a:rPr lang="en-US" sz="1500" b="1" dirty="0">
-                <a:solidFill>
-                  <a:srgbClr val="000000"/>
-                </a:solidFill>
-                <a:effectLst/>
-                <a:latin typeface="Courier New" panose="02070309020205020404" pitchFamily="49" charset="0"/>
-              </a:rPr>
-              <a:t> == </a:t>
-            </a:r>
-            <a:r>
-              <a:rPr lang="en-US" sz="1500" b="1" dirty="0" err="1">
-                <a:solidFill>
-                  <a:srgbClr val="000000"/>
-                </a:solidFill>
-                <a:effectLst/>
-                <a:latin typeface="Courier New" panose="02070309020205020404" pitchFamily="49" charset="0"/>
-              </a:rPr>
-              <a:t>target_sum</a:t>
-            </a:r>
-            <a:r>
-              <a:rPr lang="en-US" sz="1500" b="1" dirty="0">
-                <a:solidFill>
-                  <a:srgbClr val="000000"/>
-                </a:solidFill>
-                <a:effectLst/>
-                <a:latin typeface="Courier New" panose="02070309020205020404" pitchFamily="49" charset="0"/>
-              </a:rPr>
-              <a:t>:</a:t>
-            </a:r>
-          </a:p>
-          <a:p>
-            <a:pPr marL="50800" indent="0">
-              <a:buNone/>
-            </a:pPr>
-            <a:r>
-              <a:rPr lang="en-US" sz="1500" b="1" dirty="0">
-                <a:highlight>
-                  <a:srgbClr val="FFFFFE"/>
-                </a:highlight>
-                <a:latin typeface="Courier New" panose="02070309020205020404" pitchFamily="49" charset="0"/>
-                <a:ea typeface="Courier New"/>
-                <a:cs typeface="Courier New"/>
-                <a:sym typeface="Courier New"/>
-              </a:rPr>
-              <a:t>5. </a:t>
-            </a:r>
-            <a:r>
-              <a:rPr lang="en-US" sz="1500" b="1" dirty="0">
-                <a:solidFill>
-                  <a:srgbClr val="000000"/>
-                </a:solidFill>
-                <a:highlight>
-                  <a:srgbClr val="FFFFFE"/>
-                </a:highlight>
-                <a:latin typeface="Courier New" panose="02070309020205020404" pitchFamily="49" charset="0"/>
-                <a:ea typeface="Courier New"/>
-                <a:cs typeface="Courier New"/>
-                <a:sym typeface="Courier New"/>
-              </a:rPr>
-              <a:t>	 </a:t>
-            </a:r>
-            <a:r>
-              <a:rPr lang="en-US" sz="1500" b="1" dirty="0">
-                <a:solidFill>
-                  <a:srgbClr val="795E26"/>
-                </a:solidFill>
-                <a:highlight>
-                  <a:srgbClr val="FFFFFE"/>
-                </a:highlight>
-                <a:latin typeface="Courier New"/>
-                <a:ea typeface="Courier New"/>
-                <a:cs typeface="Courier New"/>
-                <a:sym typeface="Courier New"/>
-              </a:rPr>
-              <a:t>print</a:t>
-            </a:r>
-            <a:r>
-              <a:rPr lang="en-US" sz="1500" b="1" dirty="0">
-                <a:solidFill>
-                  <a:schemeClr val="dk1"/>
-                </a:solidFill>
-                <a:highlight>
-                  <a:srgbClr val="FFFFFE"/>
-                </a:highlight>
-                <a:latin typeface="Courier New"/>
-                <a:ea typeface="Courier New"/>
-                <a:cs typeface="Courier New"/>
-                <a:sym typeface="Courier New"/>
-              </a:rPr>
-              <a:t>(</a:t>
-            </a:r>
-            <a:r>
-              <a:rPr lang="en-US" sz="1500" b="1" dirty="0" err="1">
-                <a:solidFill>
-                  <a:schemeClr val="dk1"/>
-                </a:solidFill>
-                <a:highlight>
-                  <a:srgbClr val="FFFFFE"/>
-                </a:highlight>
-                <a:latin typeface="Courier New"/>
-                <a:ea typeface="Courier New"/>
-                <a:cs typeface="Courier New"/>
-                <a:sym typeface="Courier New"/>
-              </a:rPr>
-              <a:t>tracked_list</a:t>
-            </a:r>
-            <a:r>
-              <a:rPr lang="en-US" sz="1500" b="1" dirty="0">
-                <a:solidFill>
-                  <a:schemeClr val="dk1"/>
-                </a:solidFill>
-                <a:highlight>
-                  <a:srgbClr val="FFFFFE"/>
-                </a:highlight>
-                <a:latin typeface="Courier New"/>
-                <a:ea typeface="Courier New"/>
-                <a:cs typeface="Courier New"/>
-                <a:sym typeface="Courier New"/>
-              </a:rPr>
-              <a:t>)</a:t>
-            </a:r>
-          </a:p>
-          <a:p>
-            <a:pPr marL="50800" indent="0">
-              <a:buNone/>
-            </a:pPr>
-            <a:r>
-              <a:rPr lang="en-US" sz="1500" b="1" dirty="0">
-                <a:effectLst/>
-                <a:latin typeface="Courier New" panose="02070309020205020404" pitchFamily="49" charset="0"/>
-              </a:rPr>
-              <a:t>6.   </a:t>
-            </a:r>
-            <a:r>
-              <a:rPr lang="en-US" sz="1500" b="1" dirty="0">
-                <a:solidFill>
-                  <a:srgbClr val="AF00DB"/>
-                </a:solidFill>
-                <a:effectLst/>
-                <a:latin typeface="Courier New" panose="02070309020205020404" pitchFamily="49" charset="0"/>
-              </a:rPr>
-              <a:t>else</a:t>
-            </a:r>
-            <a:r>
-              <a:rPr lang="en-US" sz="1500" b="1" dirty="0">
-                <a:solidFill>
-                  <a:srgbClr val="000000"/>
-                </a:solidFill>
-                <a:effectLst/>
-                <a:latin typeface="Courier New" panose="02070309020205020404" pitchFamily="49" charset="0"/>
-              </a:rPr>
-              <a:t>:</a:t>
-            </a:r>
-          </a:p>
-          <a:p>
-            <a:pPr marL="50800" indent="0">
-              <a:buNone/>
-            </a:pPr>
-            <a:r>
-              <a:rPr lang="en-US" sz="1500" b="1" dirty="0">
-                <a:effectLst/>
-                <a:latin typeface="Courier New" panose="02070309020205020404" pitchFamily="49" charset="0"/>
-              </a:rPr>
-              <a:t>7.  </a:t>
-            </a:r>
-            <a:r>
-              <a:rPr lang="en-US" sz="1500" b="1" dirty="0">
-                <a:solidFill>
-                  <a:srgbClr val="000000"/>
-                </a:solidFill>
-                <a:effectLst/>
-                <a:latin typeface="Courier New" panose="02070309020205020404" pitchFamily="49" charset="0"/>
-              </a:rPr>
-              <a:t>   </a:t>
-            </a:r>
-            <a:r>
-              <a:rPr lang="en-US" sz="1500" b="1" dirty="0">
-                <a:solidFill>
-                  <a:srgbClr val="AF00DB"/>
-                </a:solidFill>
-                <a:effectLst/>
-                <a:latin typeface="Courier New" panose="02070309020205020404" pitchFamily="49" charset="0"/>
-              </a:rPr>
-              <a:t>for</a:t>
-            </a:r>
-            <a:r>
-              <a:rPr lang="en-US" sz="1500" b="1" dirty="0">
-                <a:solidFill>
-                  <a:srgbClr val="000000"/>
-                </a:solidFill>
-                <a:effectLst/>
-                <a:latin typeface="Courier New" panose="02070309020205020404" pitchFamily="49" charset="0"/>
-              </a:rPr>
-              <a:t> </a:t>
-            </a:r>
-            <a:r>
-              <a:rPr lang="en-US" sz="1500" b="1" dirty="0" err="1">
-                <a:solidFill>
-                  <a:srgbClr val="000000"/>
-                </a:solidFill>
-                <a:effectLst/>
-                <a:latin typeface="Courier New" panose="02070309020205020404" pitchFamily="49" charset="0"/>
-              </a:rPr>
-              <a:t>i</a:t>
-            </a:r>
-            <a:r>
-              <a:rPr lang="en-US" sz="1500" b="1" dirty="0">
-                <a:solidFill>
-                  <a:srgbClr val="000000"/>
-                </a:solidFill>
-                <a:effectLst/>
-                <a:latin typeface="Courier New" panose="02070309020205020404" pitchFamily="49" charset="0"/>
-              </a:rPr>
-              <a:t> </a:t>
-            </a:r>
-            <a:r>
-              <a:rPr lang="en-US" sz="1500" b="1" dirty="0">
-                <a:solidFill>
-                  <a:srgbClr val="0000FF"/>
-                </a:solidFill>
-                <a:effectLst/>
-                <a:latin typeface="Courier New" panose="02070309020205020404" pitchFamily="49" charset="0"/>
-              </a:rPr>
-              <a:t>in</a:t>
-            </a:r>
-            <a:r>
-              <a:rPr lang="en-US" sz="1500" b="1" dirty="0">
-                <a:solidFill>
-                  <a:srgbClr val="000000"/>
-                </a:solidFill>
-                <a:effectLst/>
-                <a:latin typeface="Courier New" panose="02070309020205020404" pitchFamily="49" charset="0"/>
-              </a:rPr>
-              <a:t> </a:t>
-            </a:r>
-            <a:r>
-              <a:rPr lang="en-US" sz="1500" b="1" dirty="0">
-                <a:solidFill>
-                  <a:srgbClr val="795E26"/>
-                </a:solidFill>
-                <a:effectLst/>
-                <a:latin typeface="Courier New" panose="02070309020205020404" pitchFamily="49" charset="0"/>
-              </a:rPr>
-              <a:t>range</a:t>
-            </a:r>
-            <a:r>
-              <a:rPr lang="en-US" sz="1500" b="1" dirty="0">
-                <a:solidFill>
-                  <a:srgbClr val="000000"/>
-                </a:solidFill>
-                <a:effectLst/>
-                <a:latin typeface="Courier New" panose="02070309020205020404" pitchFamily="49" charset="0"/>
-              </a:rPr>
-              <a:t>(</a:t>
-            </a:r>
-            <a:r>
-              <a:rPr lang="en-US" sz="1500" b="1" dirty="0">
-                <a:solidFill>
-                  <a:srgbClr val="09885A"/>
-                </a:solidFill>
-                <a:effectLst/>
-                <a:latin typeface="Courier New" panose="02070309020205020404" pitchFamily="49" charset="0"/>
-              </a:rPr>
-              <a:t>1</a:t>
-            </a:r>
-            <a:r>
-              <a:rPr lang="en-US" sz="1500" b="1" dirty="0">
-                <a:solidFill>
-                  <a:srgbClr val="000000"/>
-                </a:solidFill>
-                <a:effectLst/>
-                <a:latin typeface="Courier New" panose="02070309020205020404" pitchFamily="49" charset="0"/>
-              </a:rPr>
-              <a:t>,</a:t>
-            </a:r>
-            <a:r>
-              <a:rPr lang="en-US" sz="1500" b="1" dirty="0">
-                <a:solidFill>
-                  <a:srgbClr val="09885A"/>
-                </a:solidFill>
-                <a:effectLst/>
-                <a:latin typeface="Courier New" panose="02070309020205020404" pitchFamily="49" charset="0"/>
-              </a:rPr>
-              <a:t>7</a:t>
-            </a:r>
-            <a:r>
-              <a:rPr lang="en-US" sz="1500" b="1" dirty="0">
-                <a:solidFill>
-                  <a:srgbClr val="000000"/>
-                </a:solidFill>
-                <a:effectLst/>
-                <a:latin typeface="Courier New" panose="02070309020205020404" pitchFamily="49" charset="0"/>
-              </a:rPr>
-              <a:t>):</a:t>
-            </a:r>
-          </a:p>
-          <a:p>
-            <a:pPr marL="50800" indent="0">
-              <a:buNone/>
-            </a:pPr>
-            <a:r>
-              <a:rPr lang="en-US" sz="1500" b="1" dirty="0">
-                <a:effectLst/>
-                <a:latin typeface="Courier New" panose="02070309020205020404" pitchFamily="49" charset="0"/>
-              </a:rPr>
-              <a:t>8.  </a:t>
-            </a:r>
-            <a:r>
-              <a:rPr lang="en-US" sz="1500" b="1" dirty="0">
-                <a:solidFill>
-                  <a:srgbClr val="000000"/>
-                </a:solidFill>
-                <a:effectLst/>
-                <a:latin typeface="Courier New" panose="02070309020205020404" pitchFamily="49" charset="0"/>
-              </a:rPr>
-              <a:t>     </a:t>
-            </a:r>
-            <a:r>
-              <a:rPr lang="en-US" sz="1500" b="1" dirty="0">
-                <a:solidFill>
-                  <a:srgbClr val="AF00DB"/>
-                </a:solidFill>
-                <a:effectLst/>
-                <a:latin typeface="Courier New" panose="02070309020205020404" pitchFamily="49" charset="0"/>
-              </a:rPr>
-              <a:t>if</a:t>
-            </a:r>
-            <a:r>
-              <a:rPr lang="en-US" sz="1500" b="1" dirty="0">
-                <a:solidFill>
-                  <a:srgbClr val="000000"/>
-                </a:solidFill>
-                <a:effectLst/>
-                <a:latin typeface="Courier New" panose="02070309020205020404" pitchFamily="49" charset="0"/>
-              </a:rPr>
-              <a:t> (</a:t>
-            </a:r>
-            <a:r>
-              <a:rPr lang="en-US" sz="1500" b="1" dirty="0" err="1">
-                <a:solidFill>
-                  <a:srgbClr val="000000"/>
-                </a:solidFill>
-                <a:effectLst/>
-                <a:latin typeface="Courier New" panose="02070309020205020404" pitchFamily="49" charset="0"/>
-              </a:rPr>
-              <a:t>curr_sum</a:t>
-            </a:r>
-            <a:r>
-              <a:rPr lang="en-US" sz="1500" b="1" dirty="0">
-                <a:solidFill>
-                  <a:srgbClr val="000000"/>
-                </a:solidFill>
-                <a:effectLst/>
-                <a:latin typeface="Courier New" panose="02070309020205020404" pitchFamily="49" charset="0"/>
-              </a:rPr>
-              <a:t> + </a:t>
-            </a:r>
-            <a:r>
-              <a:rPr lang="en-US" sz="1500" b="1" dirty="0" err="1">
-                <a:solidFill>
-                  <a:srgbClr val="000000"/>
-                </a:solidFill>
-                <a:effectLst/>
-                <a:latin typeface="Courier New" panose="02070309020205020404" pitchFamily="49" charset="0"/>
-              </a:rPr>
-              <a:t>i</a:t>
-            </a:r>
-            <a:r>
-              <a:rPr lang="en-US" sz="1500" b="1" dirty="0">
-                <a:solidFill>
-                  <a:srgbClr val="000000"/>
-                </a:solidFill>
-                <a:effectLst/>
-                <a:latin typeface="Courier New" panose="02070309020205020404" pitchFamily="49" charset="0"/>
-              </a:rPr>
-              <a:t> + </a:t>
-            </a:r>
-            <a:r>
-              <a:rPr lang="en-US" sz="1500" b="1" dirty="0">
-                <a:solidFill>
-                  <a:srgbClr val="09885A"/>
-                </a:solidFill>
-                <a:effectLst/>
-                <a:latin typeface="Courier New" panose="02070309020205020404" pitchFamily="49" charset="0"/>
-              </a:rPr>
-              <a:t>1</a:t>
-            </a:r>
-            <a:r>
-              <a:rPr lang="en-US" sz="1500" b="1" dirty="0">
-                <a:solidFill>
-                  <a:srgbClr val="000000"/>
-                </a:solidFill>
-                <a:effectLst/>
-                <a:latin typeface="Courier New" panose="02070309020205020404" pitchFamily="49" charset="0"/>
-              </a:rPr>
-              <a:t>*(dice -</a:t>
-            </a:r>
-            <a:r>
-              <a:rPr lang="en-US" sz="1500" b="1" dirty="0">
-                <a:solidFill>
-                  <a:srgbClr val="09885A"/>
-                </a:solidFill>
-                <a:effectLst/>
-                <a:latin typeface="Courier New" panose="02070309020205020404" pitchFamily="49" charset="0"/>
-              </a:rPr>
-              <a:t>1</a:t>
-            </a:r>
-            <a:r>
-              <a:rPr lang="en-US" sz="1500" b="1" dirty="0">
-                <a:solidFill>
-                  <a:srgbClr val="000000"/>
-                </a:solidFill>
-                <a:effectLst/>
-                <a:latin typeface="Courier New" panose="02070309020205020404" pitchFamily="49" charset="0"/>
-              </a:rPr>
-              <a:t>) &lt;= </a:t>
-            </a:r>
-            <a:r>
-              <a:rPr lang="en-US" sz="1500" b="1" dirty="0" err="1">
-                <a:solidFill>
-                  <a:srgbClr val="000000"/>
-                </a:solidFill>
-                <a:effectLst/>
-                <a:latin typeface="Courier New" panose="02070309020205020404" pitchFamily="49" charset="0"/>
-              </a:rPr>
-              <a:t>target_sum</a:t>
-            </a:r>
-            <a:r>
-              <a:rPr lang="en-US" sz="1500" b="1" dirty="0">
-                <a:solidFill>
-                  <a:srgbClr val="000000"/>
-                </a:solidFill>
-                <a:effectLst/>
-                <a:latin typeface="Courier New" panose="02070309020205020404" pitchFamily="49" charset="0"/>
-              </a:rPr>
-              <a:t>) </a:t>
-            </a:r>
-            <a:r>
-              <a:rPr lang="en-US" sz="1500" b="1" dirty="0">
-                <a:solidFill>
-                  <a:srgbClr val="0000FF"/>
-                </a:solidFill>
-                <a:effectLst/>
-                <a:latin typeface="Courier New" panose="02070309020205020404" pitchFamily="49" charset="0"/>
-              </a:rPr>
-              <a:t>and</a:t>
-            </a:r>
-            <a:r>
-              <a:rPr lang="en-US" sz="1500" b="1" dirty="0">
-                <a:solidFill>
-                  <a:srgbClr val="000000"/>
-                </a:solidFill>
-                <a:effectLst/>
-                <a:latin typeface="Courier New" panose="02070309020205020404" pitchFamily="49" charset="0"/>
-              </a:rPr>
-              <a:t> (</a:t>
-            </a:r>
-            <a:r>
-              <a:rPr lang="en-US" sz="1500" b="1" dirty="0" err="1">
-                <a:solidFill>
-                  <a:srgbClr val="000000"/>
-                </a:solidFill>
-                <a:effectLst/>
-                <a:latin typeface="Courier New" panose="02070309020205020404" pitchFamily="49" charset="0"/>
-              </a:rPr>
-              <a:t>curr_sum</a:t>
-            </a:r>
-            <a:r>
-              <a:rPr lang="en-US" sz="1500" b="1" dirty="0">
-                <a:solidFill>
-                  <a:srgbClr val="000000"/>
-                </a:solidFill>
-                <a:effectLst/>
-                <a:latin typeface="Courier New" panose="02070309020205020404" pitchFamily="49" charset="0"/>
-              </a:rPr>
-              <a:t> + </a:t>
-            </a:r>
-            <a:r>
-              <a:rPr lang="en-US" sz="1500" b="1" dirty="0" err="1">
-                <a:solidFill>
-                  <a:srgbClr val="000000"/>
-                </a:solidFill>
-                <a:effectLst/>
-                <a:latin typeface="Courier New" panose="02070309020205020404" pitchFamily="49" charset="0"/>
-              </a:rPr>
-              <a:t>i</a:t>
-            </a:r>
-            <a:r>
-              <a:rPr lang="en-US" sz="1500" b="1" dirty="0">
-                <a:solidFill>
-                  <a:srgbClr val="000000"/>
-                </a:solidFill>
-                <a:effectLst/>
-                <a:latin typeface="Courier New" panose="02070309020205020404" pitchFamily="49" charset="0"/>
-              </a:rPr>
-              <a:t> + </a:t>
-            </a:r>
-            <a:r>
-              <a:rPr lang="en-US" sz="1500" b="1" dirty="0">
-                <a:solidFill>
-                  <a:srgbClr val="09885A"/>
-                </a:solidFill>
-                <a:effectLst/>
-                <a:latin typeface="Courier New" panose="02070309020205020404" pitchFamily="49" charset="0"/>
-              </a:rPr>
-              <a:t>6</a:t>
-            </a:r>
-            <a:r>
-              <a:rPr lang="en-US" sz="1500" b="1" dirty="0">
-                <a:solidFill>
-                  <a:srgbClr val="000000"/>
-                </a:solidFill>
-                <a:effectLst/>
-                <a:latin typeface="Courier New" panose="02070309020205020404" pitchFamily="49" charset="0"/>
-              </a:rPr>
-              <a:t>*(dice - </a:t>
-            </a:r>
-            <a:r>
-              <a:rPr lang="en-US" sz="1500" b="1" dirty="0">
-                <a:solidFill>
-                  <a:srgbClr val="09885A"/>
-                </a:solidFill>
-                <a:effectLst/>
-                <a:latin typeface="Courier New" panose="02070309020205020404" pitchFamily="49" charset="0"/>
-              </a:rPr>
-              <a:t>1</a:t>
-            </a:r>
-            <a:r>
-              <a:rPr lang="en-US" sz="1500" b="1" dirty="0">
-                <a:solidFill>
-                  <a:srgbClr val="000000"/>
-                </a:solidFill>
-                <a:effectLst/>
-                <a:latin typeface="Courier New" panose="02070309020205020404" pitchFamily="49" charset="0"/>
-              </a:rPr>
-              <a:t>) &gt;= </a:t>
-            </a:r>
-            <a:r>
-              <a:rPr lang="en-US" sz="1500" b="1" dirty="0" err="1">
-                <a:solidFill>
-                  <a:srgbClr val="000000"/>
-                </a:solidFill>
-                <a:effectLst/>
-                <a:latin typeface="Courier New" panose="02070309020205020404" pitchFamily="49" charset="0"/>
-              </a:rPr>
-              <a:t>target_sum</a:t>
-            </a:r>
-            <a:r>
-              <a:rPr lang="en-US" sz="1500" b="1" dirty="0">
-                <a:solidFill>
-                  <a:srgbClr val="000000"/>
-                </a:solidFill>
-                <a:effectLst/>
-                <a:latin typeface="Courier New" panose="02070309020205020404" pitchFamily="49" charset="0"/>
-              </a:rPr>
-              <a:t>): </a:t>
-            </a:r>
-          </a:p>
-          <a:p>
-            <a:pPr marL="50800" indent="0">
-              <a:buNone/>
-            </a:pPr>
-            <a:r>
-              <a:rPr lang="en-US" sz="1500" b="1" dirty="0">
-                <a:effectLst/>
-                <a:latin typeface="Courier New" panose="02070309020205020404" pitchFamily="49" charset="0"/>
-              </a:rPr>
-              <a:t>9.         </a:t>
-            </a:r>
-            <a:r>
-              <a:rPr lang="en-US" sz="1500" b="1" dirty="0" err="1">
-                <a:solidFill>
-                  <a:srgbClr val="000000"/>
-                </a:solidFill>
-                <a:effectLst/>
-                <a:latin typeface="Courier New" panose="02070309020205020404" pitchFamily="49" charset="0"/>
-              </a:rPr>
-              <a:t>diceRolls_optimized</a:t>
-            </a:r>
-            <a:r>
-              <a:rPr lang="en-US" sz="1500" b="1" dirty="0">
-                <a:solidFill>
-                  <a:srgbClr val="000000"/>
-                </a:solidFill>
-                <a:effectLst/>
-                <a:latin typeface="Courier New" panose="02070309020205020404" pitchFamily="49" charset="0"/>
-              </a:rPr>
-              <a:t>(dice - </a:t>
-            </a:r>
-            <a:r>
-              <a:rPr lang="en-US" sz="1500" b="1" dirty="0">
-                <a:solidFill>
-                  <a:srgbClr val="09885A"/>
-                </a:solidFill>
-                <a:effectLst/>
-                <a:latin typeface="Courier New" panose="02070309020205020404" pitchFamily="49" charset="0"/>
-              </a:rPr>
-              <a:t>1</a:t>
-            </a:r>
-            <a:r>
-              <a:rPr lang="en-US" sz="1500" b="1" dirty="0">
-                <a:solidFill>
-                  <a:srgbClr val="000000"/>
-                </a:solidFill>
-                <a:effectLst/>
-                <a:latin typeface="Courier New" panose="02070309020205020404" pitchFamily="49" charset="0"/>
-              </a:rPr>
-              <a:t>, </a:t>
-            </a:r>
-            <a:r>
-              <a:rPr lang="en-US" sz="1500" b="1" dirty="0" err="1">
-                <a:solidFill>
-                  <a:srgbClr val="000000"/>
-                </a:solidFill>
-                <a:effectLst/>
-                <a:latin typeface="Courier New" panose="02070309020205020404" pitchFamily="49" charset="0"/>
-              </a:rPr>
-              <a:t>target_sum</a:t>
-            </a:r>
-            <a:r>
-              <a:rPr lang="en-US" sz="1500" b="1" dirty="0">
-                <a:solidFill>
-                  <a:srgbClr val="000000"/>
-                </a:solidFill>
-                <a:effectLst/>
-                <a:latin typeface="Courier New" panose="02070309020205020404" pitchFamily="49" charset="0"/>
-              </a:rPr>
-              <a:t>, </a:t>
-            </a:r>
-            <a:r>
-              <a:rPr lang="en-US" sz="1500" b="1" dirty="0" err="1">
-                <a:solidFill>
-                  <a:srgbClr val="000000"/>
-                </a:solidFill>
-                <a:effectLst/>
-                <a:latin typeface="Courier New" panose="02070309020205020404" pitchFamily="49" charset="0"/>
-              </a:rPr>
-              <a:t>curr_sum</a:t>
-            </a:r>
-            <a:r>
-              <a:rPr lang="en-US" sz="1500" b="1" dirty="0">
-                <a:solidFill>
-                  <a:srgbClr val="000000"/>
-                </a:solidFill>
-                <a:effectLst/>
-                <a:latin typeface="Courier New" panose="02070309020205020404" pitchFamily="49" charset="0"/>
-              </a:rPr>
-              <a:t> + </a:t>
-            </a:r>
-            <a:r>
-              <a:rPr lang="en-US" sz="1500" b="1" dirty="0" err="1">
-                <a:solidFill>
-                  <a:srgbClr val="000000"/>
-                </a:solidFill>
-                <a:effectLst/>
-                <a:latin typeface="Courier New" panose="02070309020205020404" pitchFamily="49" charset="0"/>
-              </a:rPr>
-              <a:t>i</a:t>
-            </a:r>
-            <a:r>
-              <a:rPr lang="en-US" sz="1500" b="1" dirty="0">
-                <a:solidFill>
-                  <a:srgbClr val="000000"/>
-                </a:solidFill>
-                <a:effectLst/>
-                <a:latin typeface="Courier New" panose="02070309020205020404" pitchFamily="49" charset="0"/>
-              </a:rPr>
-              <a:t>)</a:t>
-            </a:r>
+            <a:endParaRPr lang="en-US" sz="1800" b="1" dirty="0">
+              <a:solidFill>
+                <a:srgbClr val="000000"/>
+              </a:solidFill>
+              <a:effectLst/>
+              <a:latin typeface="Courier New" panose="02070309020205020404" pitchFamily="49" charset="0"/>
+            </a:endParaRPr>
           </a:p>
         </p:txBody>
       </p:sp>
@@ -34826,8 +34991,8 @@
         </p:nvSpPr>
         <p:spPr>
           <a:xfrm>
-            <a:off x="1114239" y="3851714"/>
-            <a:ext cx="10833610" cy="277082"/>
+            <a:off x="1296642" y="4071598"/>
+            <a:ext cx="9232845" cy="707886"/>
           </a:xfrm>
           <a:prstGeom prst="rect">
             <a:avLst/>
@@ -34880,7 +35045,7 @@
         </p:nvCxnSpPr>
         <p:spPr>
           <a:xfrm flipV="1">
-            <a:off x="6531044" y="2778694"/>
+            <a:off x="8866281" y="2933439"/>
             <a:ext cx="5050" cy="1073020"/>
           </a:xfrm>
           <a:prstGeom prst="straightConnector1">
@@ -34922,7 +35087,7 @@
         </p:nvSpPr>
         <p:spPr>
           <a:xfrm>
-            <a:off x="4352875" y="2070808"/>
+            <a:off x="6580621" y="2211485"/>
             <a:ext cx="4721145" cy="707886"/>
           </a:xfrm>
           <a:prstGeom prst="rect">
